--- a/01-Lessions/Session-01-Getting-Started/Session-01-Getting-Started-Python.pptx
+++ b/01-Lessions/Session-01-Getting-Started/Session-01-Getting-Started-Python.pptx
@@ -5,21 +5,24 @@
     <p:sldMasterId id="2147483660" r:id="rId1"/>
   </p:sldMasterIdLst>
   <p:notesMasterIdLst>
-    <p:notesMasterId r:id="rId14"/>
+    <p:notesMasterId r:id="rId17"/>
   </p:notesMasterIdLst>
   <p:sldIdLst>
     <p:sldId id="256" r:id="rId2"/>
     <p:sldId id="258" r:id="rId3"/>
     <p:sldId id="257" r:id="rId4"/>
     <p:sldId id="260" r:id="rId5"/>
-    <p:sldId id="259" r:id="rId6"/>
-    <p:sldId id="265" r:id="rId7"/>
-    <p:sldId id="261" r:id="rId8"/>
-    <p:sldId id="262" r:id="rId9"/>
-    <p:sldId id="267" r:id="rId10"/>
-    <p:sldId id="263" r:id="rId11"/>
-    <p:sldId id="264" r:id="rId12"/>
-    <p:sldId id="266" r:id="rId13"/>
+    <p:sldId id="268" r:id="rId6"/>
+    <p:sldId id="269" r:id="rId7"/>
+    <p:sldId id="270" r:id="rId8"/>
+    <p:sldId id="259" r:id="rId9"/>
+    <p:sldId id="265" r:id="rId10"/>
+    <p:sldId id="261" r:id="rId11"/>
+    <p:sldId id="262" r:id="rId12"/>
+    <p:sldId id="267" r:id="rId13"/>
+    <p:sldId id="263" r:id="rId14"/>
+    <p:sldId id="264" r:id="rId15"/>
+    <p:sldId id="266" r:id="rId16"/>
   </p:sldIdLst>
   <p:sldSz cx="9144000" cy="6858000" type="screen4x3"/>
   <p:notesSz cx="6858000" cy="9144000"/>
@@ -208,7 +211,7 @@
           <a:p>
             <a:fld id="{E1BDF935-9821-4834-9D99-7DEFA719F44D}" type="datetimeFigureOut">
               <a:rPr lang="en-US" smtClean="0"/>
-              <a:t>6/29/2023</a:t>
+              <a:t>10/27/2023</a:t>
             </a:fld>
             <a:endParaRPr lang="en-US"/>
           </a:p>
@@ -2105,7 +2108,7 @@
         </p:nvSpPr>
         <p:spPr>
           <a:xfrm>
-            <a:off x="3032185" y="3398810"/>
+            <a:off x="3032185" y="3188195"/>
             <a:ext cx="3079630" cy="646331"/>
           </a:xfrm>
           <a:prstGeom prst="rect">
@@ -2139,7 +2142,7 @@
         </p:nvSpPr>
         <p:spPr>
           <a:xfrm>
-            <a:off x="1137019" y="4179138"/>
+            <a:off x="1137019" y="4783169"/>
             <a:ext cx="6869962" cy="707886"/>
           </a:xfrm>
           <a:prstGeom prst="rect">
@@ -2231,6 +2234,47 @@
           </a:extLst>
         </p:spPr>
       </p:pic>
+      <p:sp>
+        <p:nvSpPr>
+          <p:cNvPr id="8" name="TextBox 7"/>
+          <p:cNvSpPr txBox="1"/>
+          <p:nvPr/>
+        </p:nvSpPr>
+        <p:spPr>
+          <a:xfrm>
+            <a:off x="1137019" y="4001773"/>
+            <a:ext cx="6869962" cy="707886"/>
+          </a:xfrm>
+          <a:prstGeom prst="rect">
+            <a:avLst/>
+          </a:prstGeom>
+          <a:noFill/>
+        </p:spPr>
+        <p:txBody>
+          <a:bodyPr wrap="square" rtlCol="0">
+            <a:spAutoFit/>
+          </a:bodyPr>
+          <a:lstStyle/>
+          <a:p>
+            <a:pPr algn="ctr"/>
+            <a:r>
+              <a:rPr lang="en-US" sz="4000" b="1" dirty="0" smtClean="0">
+                <a:solidFill>
+                  <a:schemeClr val="bg1"/>
+                </a:solidFill>
+                <a:ea typeface="Roboto" pitchFamily="2" charset="0"/>
+              </a:rPr>
+              <a:t>Getting started</a:t>
+            </a:r>
+            <a:endParaRPr lang="en-US" sz="4000" b="1" dirty="0">
+              <a:solidFill>
+                <a:schemeClr val="bg1"/>
+              </a:solidFill>
+              <a:ea typeface="Roboto" pitchFamily="2" charset="0"/>
+            </a:endParaRPr>
+          </a:p>
+        </p:txBody>
+      </p:sp>
     </p:spTree>
     <p:extLst>
       <p:ext uri="{BB962C8B-B14F-4D97-AF65-F5344CB8AC3E}">
@@ -2309,6 +2353,2107 @@
           <a:p>
             <a:r>
               <a:rPr lang="en-US" dirty="0" smtClean="0"/>
+              <a:t>1.3 </a:t>
+            </a:r>
+            <a:r>
+              <a:rPr lang="en-US" dirty="0" err="1" smtClean="0"/>
+              <a:t>Cài</a:t>
+            </a:r>
+            <a:r>
+              <a:rPr lang="en-US" dirty="0" smtClean="0"/>
+              <a:t> </a:t>
+            </a:r>
+            <a:r>
+              <a:rPr lang="en-US" dirty="0" err="1" smtClean="0"/>
+              <a:t>đặt</a:t>
+            </a:r>
+            <a:r>
+              <a:rPr lang="en-US" dirty="0" smtClean="0"/>
+              <a:t> </a:t>
+            </a:r>
+            <a:r>
+              <a:rPr lang="en-US" dirty="0" err="1" smtClean="0"/>
+              <a:t>phần</a:t>
+            </a:r>
+            <a:r>
+              <a:rPr lang="en-US" dirty="0" smtClean="0"/>
+              <a:t> </a:t>
+            </a:r>
+            <a:r>
+              <a:rPr lang="en-US" dirty="0" err="1" smtClean="0"/>
+              <a:t>mềm</a:t>
+            </a:r>
+            <a:r>
+              <a:rPr lang="en-US" dirty="0" smtClean="0"/>
+              <a:t> </a:t>
+            </a:r>
+            <a:r>
+              <a:rPr lang="en-US" dirty="0" err="1" smtClean="0"/>
+              <a:t>soạn</a:t>
+            </a:r>
+            <a:r>
+              <a:rPr lang="en-US" dirty="0" smtClean="0"/>
+              <a:t> </a:t>
+            </a:r>
+            <a:r>
+              <a:rPr lang="en-US" dirty="0" err="1" smtClean="0"/>
+              <a:t>thảo</a:t>
+            </a:r>
+            <a:r>
+              <a:rPr lang="en-US" dirty="0" smtClean="0"/>
+              <a:t> code Python</a:t>
+            </a:r>
+            <a:endParaRPr lang="en-US" dirty="0"/>
+          </a:p>
+        </p:txBody>
+      </p:sp>
+      <p:sp>
+        <p:nvSpPr>
+          <p:cNvPr id="4" name="TextBox 3"/>
+          <p:cNvSpPr txBox="1"/>
+          <p:nvPr/>
+        </p:nvSpPr>
+        <p:spPr>
+          <a:xfrm>
+            <a:off x="382771" y="1501997"/>
+            <a:ext cx="8374117" cy="646331"/>
+          </a:xfrm>
+          <a:prstGeom prst="rect">
+            <a:avLst/>
+          </a:prstGeom>
+          <a:noFill/>
+        </p:spPr>
+        <p:txBody>
+          <a:bodyPr wrap="square" rtlCol="0">
+            <a:spAutoFit/>
+          </a:bodyPr>
+          <a:lstStyle/>
+          <a:p>
+            <a:r>
+              <a:rPr lang="en-US" dirty="0" err="1" smtClean="0"/>
+              <a:t>Có</a:t>
+            </a:r>
+            <a:r>
+              <a:rPr lang="en-US" dirty="0" smtClean="0"/>
+              <a:t> </a:t>
+            </a:r>
+            <a:r>
+              <a:rPr lang="en-US" dirty="0" err="1" smtClean="0"/>
+              <a:t>rất</a:t>
+            </a:r>
+            <a:r>
+              <a:rPr lang="en-US" dirty="0" smtClean="0"/>
+              <a:t> </a:t>
+            </a:r>
+            <a:r>
+              <a:rPr lang="en-US" dirty="0" err="1" smtClean="0"/>
+              <a:t>nhiều</a:t>
+            </a:r>
+            <a:r>
+              <a:rPr lang="en-US" dirty="0" smtClean="0"/>
+              <a:t> </a:t>
+            </a:r>
+            <a:r>
+              <a:rPr lang="en-US" dirty="0" err="1" smtClean="0"/>
+              <a:t>phần</a:t>
+            </a:r>
+            <a:r>
+              <a:rPr lang="en-US" dirty="0" smtClean="0"/>
+              <a:t> </a:t>
+            </a:r>
+            <a:r>
+              <a:rPr lang="en-US" dirty="0" err="1" smtClean="0"/>
+              <a:t>mềm</a:t>
+            </a:r>
+            <a:r>
+              <a:rPr lang="en-US" dirty="0" smtClean="0"/>
+              <a:t> </a:t>
+            </a:r>
+            <a:r>
+              <a:rPr lang="en-US" dirty="0" err="1" smtClean="0"/>
+              <a:t>để</a:t>
+            </a:r>
+            <a:r>
+              <a:rPr lang="en-US" dirty="0" smtClean="0"/>
+              <a:t> </a:t>
+            </a:r>
+            <a:r>
+              <a:rPr lang="en-US" dirty="0" err="1" smtClean="0"/>
+              <a:t>soạn</a:t>
+            </a:r>
+            <a:r>
+              <a:rPr lang="en-US" dirty="0" smtClean="0"/>
+              <a:t> </a:t>
+            </a:r>
+            <a:r>
+              <a:rPr lang="en-US" dirty="0" err="1" smtClean="0"/>
+              <a:t>thảo</a:t>
+            </a:r>
+            <a:r>
+              <a:rPr lang="en-US" dirty="0" smtClean="0"/>
+              <a:t> code Python: </a:t>
+            </a:r>
+            <a:r>
+              <a:rPr lang="pt-BR" dirty="0" smtClean="0"/>
+              <a:t>Visual Studio </a:t>
+            </a:r>
+            <a:r>
+              <a:rPr lang="pt-BR" dirty="0"/>
+              <a:t>Code, </a:t>
+            </a:r>
+            <a:r>
+              <a:rPr lang="pt-BR" dirty="0" smtClean="0"/>
+              <a:t>Thonny, PyCharm, Sublime Text</a:t>
+            </a:r>
+            <a:endParaRPr lang="en-US" dirty="0"/>
+          </a:p>
+        </p:txBody>
+      </p:sp>
+      <p:sp>
+        <p:nvSpPr>
+          <p:cNvPr id="5" name="TextBox 4"/>
+          <p:cNvSpPr txBox="1"/>
+          <p:nvPr/>
+        </p:nvSpPr>
+        <p:spPr>
+          <a:xfrm>
+            <a:off x="382771" y="2405764"/>
+            <a:ext cx="8374117" cy="646331"/>
+          </a:xfrm>
+          <a:prstGeom prst="rect">
+            <a:avLst/>
+          </a:prstGeom>
+          <a:noFill/>
+        </p:spPr>
+        <p:txBody>
+          <a:bodyPr wrap="square" rtlCol="0">
+            <a:spAutoFit/>
+          </a:bodyPr>
+          <a:lstStyle/>
+          <a:p>
+            <a:r>
+              <a:rPr lang="en-US" dirty="0" err="1" smtClean="0"/>
+              <a:t>Chúng</a:t>
+            </a:r>
+            <a:r>
+              <a:rPr lang="en-US" dirty="0" smtClean="0"/>
+              <a:t> ta </a:t>
+            </a:r>
+            <a:r>
+              <a:rPr lang="en-US" dirty="0" err="1" smtClean="0"/>
+              <a:t>sử</a:t>
+            </a:r>
+            <a:r>
+              <a:rPr lang="en-US" dirty="0" smtClean="0"/>
+              <a:t> </a:t>
+            </a:r>
+            <a:r>
+              <a:rPr lang="en-US" dirty="0" err="1" smtClean="0"/>
+              <a:t>dụng</a:t>
+            </a:r>
+            <a:r>
+              <a:rPr lang="en-US" dirty="0" smtClean="0"/>
+              <a:t> </a:t>
+            </a:r>
+            <a:r>
+              <a:rPr lang="en-US" dirty="0" err="1" smtClean="0"/>
+              <a:t>phần</a:t>
+            </a:r>
+            <a:r>
+              <a:rPr lang="en-US" dirty="0" smtClean="0"/>
+              <a:t> </a:t>
+            </a:r>
+            <a:r>
+              <a:rPr lang="en-US" dirty="0" err="1" smtClean="0"/>
+              <a:t>mềm</a:t>
+            </a:r>
+            <a:r>
+              <a:rPr lang="en-US" dirty="0" smtClean="0"/>
+              <a:t> </a:t>
+            </a:r>
+            <a:r>
+              <a:rPr lang="pt-BR" b="1" dirty="0"/>
+              <a:t>Visual Studio </a:t>
+            </a:r>
+            <a:r>
+              <a:rPr lang="pt-BR" b="1" dirty="0" smtClean="0"/>
+              <a:t>Code </a:t>
+            </a:r>
+            <a:r>
+              <a:rPr lang="pt-BR" dirty="0" smtClean="0"/>
+              <a:t>của </a:t>
+            </a:r>
+            <a:r>
+              <a:rPr lang="pt-BR" b="1" dirty="0" smtClean="0"/>
+              <a:t>Microsoft</a:t>
+            </a:r>
+            <a:r>
+              <a:rPr lang="pt-BR" dirty="0" smtClean="0"/>
+              <a:t> phát hành miễn phí, rất mạnh mẽ và phổ biến trong lập trình</a:t>
+            </a:r>
+            <a:endParaRPr lang="en-US" dirty="0"/>
+          </a:p>
+        </p:txBody>
+      </p:sp>
+      <p:sp>
+        <p:nvSpPr>
+          <p:cNvPr id="6" name="TextBox 5"/>
+          <p:cNvSpPr txBox="1"/>
+          <p:nvPr/>
+        </p:nvSpPr>
+        <p:spPr>
+          <a:xfrm>
+            <a:off x="382771" y="3373327"/>
+            <a:ext cx="8374117" cy="369332"/>
+          </a:xfrm>
+          <a:prstGeom prst="rect">
+            <a:avLst/>
+          </a:prstGeom>
+          <a:noFill/>
+        </p:spPr>
+        <p:txBody>
+          <a:bodyPr wrap="square" rtlCol="0">
+            <a:spAutoFit/>
+          </a:bodyPr>
+          <a:lstStyle/>
+          <a:p>
+            <a:r>
+              <a:rPr lang="en-US" dirty="0" err="1" smtClean="0"/>
+              <a:t>Cài</a:t>
+            </a:r>
+            <a:r>
+              <a:rPr lang="en-US" dirty="0" smtClean="0"/>
+              <a:t> </a:t>
+            </a:r>
+            <a:r>
+              <a:rPr lang="en-US" dirty="0" err="1" smtClean="0"/>
+              <a:t>đăt</a:t>
+            </a:r>
+            <a:r>
+              <a:rPr lang="en-US" dirty="0" smtClean="0"/>
+              <a:t> </a:t>
+            </a:r>
+            <a:r>
+              <a:rPr lang="pt-BR" b="1" dirty="0" smtClean="0"/>
+              <a:t>Visual </a:t>
+            </a:r>
+            <a:r>
+              <a:rPr lang="pt-BR" b="1" dirty="0"/>
+              <a:t>Studio </a:t>
+            </a:r>
+            <a:r>
+              <a:rPr lang="pt-BR" b="1" dirty="0" smtClean="0"/>
+              <a:t>Code</a:t>
+            </a:r>
+            <a:endParaRPr lang="en-US" dirty="0"/>
+          </a:p>
+        </p:txBody>
+      </p:sp>
+      <p:sp>
+        <p:nvSpPr>
+          <p:cNvPr id="7" name="TextBox 6"/>
+          <p:cNvSpPr txBox="1"/>
+          <p:nvPr/>
+        </p:nvSpPr>
+        <p:spPr>
+          <a:xfrm>
+            <a:off x="382772" y="3880777"/>
+            <a:ext cx="4859080" cy="923330"/>
+          </a:xfrm>
+          <a:prstGeom prst="rect">
+            <a:avLst/>
+          </a:prstGeom>
+          <a:noFill/>
+        </p:spPr>
+        <p:txBody>
+          <a:bodyPr wrap="square" rtlCol="0">
+            <a:spAutoFit/>
+          </a:bodyPr>
+          <a:lstStyle/>
+          <a:p>
+            <a:pPr marL="285750" indent="-285750">
+              <a:buFontTx/>
+              <a:buChar char="-"/>
+            </a:pPr>
+            <a:r>
+              <a:rPr lang="en-US" dirty="0" err="1" smtClean="0"/>
+              <a:t>Truy</a:t>
+            </a:r>
+            <a:r>
+              <a:rPr lang="en-US" dirty="0" smtClean="0"/>
+              <a:t> </a:t>
+            </a:r>
+            <a:r>
+              <a:rPr lang="en-US" dirty="0" err="1" smtClean="0"/>
+              <a:t>cập</a:t>
+            </a:r>
+            <a:r>
+              <a:rPr lang="en-US" dirty="0" smtClean="0"/>
+              <a:t>: </a:t>
+            </a:r>
+            <a:r>
+              <a:rPr lang="en-US" dirty="0" smtClean="0">
+                <a:hlinkClick r:id="rId2"/>
+              </a:rPr>
+              <a:t>https</a:t>
+            </a:r>
+            <a:r>
+              <a:rPr lang="en-US" dirty="0">
+                <a:hlinkClick r:id="rId2"/>
+              </a:rPr>
+              <a:t>://</a:t>
+            </a:r>
+            <a:r>
+              <a:rPr lang="en-US" dirty="0" smtClean="0">
+                <a:hlinkClick r:id="rId2"/>
+              </a:rPr>
+              <a:t>code.visualstudio.com</a:t>
+            </a:r>
+            <a:endParaRPr lang="en-US" dirty="0" smtClean="0"/>
+          </a:p>
+          <a:p>
+            <a:pPr marL="285750" indent="-285750">
+              <a:buFontTx/>
+              <a:buChar char="-"/>
+            </a:pPr>
+            <a:r>
+              <a:rPr lang="en-US" dirty="0" err="1" smtClean="0"/>
+              <a:t>Tải</a:t>
+            </a:r>
+            <a:r>
+              <a:rPr lang="en-US" dirty="0" smtClean="0"/>
+              <a:t> </a:t>
+            </a:r>
+            <a:r>
+              <a:rPr lang="en-US" dirty="0" err="1" smtClean="0"/>
+              <a:t>về</a:t>
+            </a:r>
+            <a:r>
+              <a:rPr lang="en-US" dirty="0" smtClean="0"/>
+              <a:t> </a:t>
+            </a:r>
+            <a:r>
+              <a:rPr lang="en-US" dirty="0" err="1" smtClean="0"/>
+              <a:t>phiên</a:t>
+            </a:r>
+            <a:r>
+              <a:rPr lang="en-US" dirty="0" smtClean="0"/>
+              <a:t> </a:t>
+            </a:r>
+            <a:r>
+              <a:rPr lang="en-US" dirty="0" err="1" smtClean="0"/>
+              <a:t>bản</a:t>
+            </a:r>
+            <a:r>
+              <a:rPr lang="en-US" dirty="0" smtClean="0"/>
+              <a:t> </a:t>
+            </a:r>
+            <a:r>
+              <a:rPr lang="en-US" dirty="0" err="1" smtClean="0"/>
+              <a:t>tương</a:t>
+            </a:r>
+            <a:r>
+              <a:rPr lang="en-US" dirty="0" smtClean="0"/>
+              <a:t> </a:t>
+            </a:r>
+            <a:r>
+              <a:rPr lang="en-US" dirty="0" err="1" smtClean="0"/>
+              <a:t>tứng</a:t>
+            </a:r>
+            <a:r>
+              <a:rPr lang="en-US" dirty="0" smtClean="0"/>
+              <a:t> </a:t>
+            </a:r>
+            <a:r>
+              <a:rPr lang="en-US" dirty="0" err="1" smtClean="0"/>
+              <a:t>với</a:t>
+            </a:r>
+            <a:r>
+              <a:rPr lang="en-US" dirty="0" smtClean="0"/>
+              <a:t> </a:t>
+            </a:r>
+            <a:r>
+              <a:rPr lang="en-US" dirty="0" err="1" smtClean="0"/>
+              <a:t>hệ</a:t>
+            </a:r>
+            <a:r>
+              <a:rPr lang="en-US" dirty="0" smtClean="0"/>
+              <a:t> </a:t>
+            </a:r>
+            <a:r>
+              <a:rPr lang="en-US" dirty="0" err="1" smtClean="0"/>
+              <a:t>điều</a:t>
+            </a:r>
+            <a:r>
+              <a:rPr lang="en-US" dirty="0" smtClean="0"/>
+              <a:t> </a:t>
+            </a:r>
+            <a:r>
+              <a:rPr lang="en-US" dirty="0" err="1" smtClean="0"/>
+              <a:t>hành</a:t>
+            </a:r>
+            <a:r>
+              <a:rPr lang="en-US" dirty="0" smtClean="0"/>
+              <a:t> </a:t>
+            </a:r>
+            <a:r>
+              <a:rPr lang="en-US" dirty="0" err="1" smtClean="0"/>
+              <a:t>đang</a:t>
+            </a:r>
+            <a:r>
+              <a:rPr lang="en-US" dirty="0" smtClean="0"/>
+              <a:t> </a:t>
+            </a:r>
+            <a:r>
+              <a:rPr lang="en-US" dirty="0" err="1" smtClean="0"/>
+              <a:t>sử</a:t>
+            </a:r>
+            <a:r>
+              <a:rPr lang="en-US" dirty="0" smtClean="0"/>
+              <a:t> </a:t>
+            </a:r>
+            <a:r>
+              <a:rPr lang="en-US" dirty="0" err="1" smtClean="0"/>
+              <a:t>dụng</a:t>
+            </a:r>
+            <a:endParaRPr lang="en-US" dirty="0"/>
+          </a:p>
+        </p:txBody>
+      </p:sp>
+      <p:sp>
+        <p:nvSpPr>
+          <p:cNvPr id="8" name="TextBox 7"/>
+          <p:cNvSpPr txBox="1"/>
+          <p:nvPr/>
+        </p:nvSpPr>
+        <p:spPr>
+          <a:xfrm>
+            <a:off x="382771" y="5148963"/>
+            <a:ext cx="5082364" cy="646331"/>
+          </a:xfrm>
+          <a:prstGeom prst="rect">
+            <a:avLst/>
+          </a:prstGeom>
+          <a:noFill/>
+        </p:spPr>
+        <p:txBody>
+          <a:bodyPr wrap="square" rtlCol="0">
+            <a:spAutoFit/>
+          </a:bodyPr>
+          <a:lstStyle/>
+          <a:p>
+            <a:r>
+              <a:rPr lang="en-US" dirty="0" err="1" smtClean="0"/>
+              <a:t>Cài</a:t>
+            </a:r>
+            <a:r>
+              <a:rPr lang="en-US" dirty="0" smtClean="0"/>
+              <a:t> </a:t>
+            </a:r>
+            <a:r>
+              <a:rPr lang="en-US" dirty="0" err="1" smtClean="0"/>
+              <a:t>đăt</a:t>
+            </a:r>
+            <a:r>
+              <a:rPr lang="en-US" dirty="0" smtClean="0"/>
+              <a:t> </a:t>
+            </a:r>
+            <a:r>
+              <a:rPr lang="pt-BR" b="1" dirty="0" smtClean="0"/>
+              <a:t>Extension Python </a:t>
+            </a:r>
+            <a:r>
+              <a:rPr lang="pt-BR" dirty="0" smtClean="0"/>
+              <a:t>giúp gợi ý, kiểm tra lỗi, định dạng mã nguồn python</a:t>
+            </a:r>
+            <a:endParaRPr lang="en-US" dirty="0"/>
+          </a:p>
+        </p:txBody>
+      </p:sp>
+      <p:pic>
+        <p:nvPicPr>
+          <p:cNvPr id="10" name="Picture 9"/>
+          <p:cNvPicPr>
+            <a:picLocks noChangeAspect="1"/>
+          </p:cNvPicPr>
+          <p:nvPr/>
+        </p:nvPicPr>
+        <p:blipFill>
+          <a:blip r:embed="rId3"/>
+          <a:stretch>
+            <a:fillRect/>
+          </a:stretch>
+        </p:blipFill>
+        <p:spPr>
+          <a:xfrm>
+            <a:off x="5550729" y="3247118"/>
+            <a:ext cx="2710769" cy="2710769"/>
+          </a:xfrm>
+          <a:prstGeom prst="rect">
+            <a:avLst/>
+          </a:prstGeom>
+        </p:spPr>
+      </p:pic>
+    </p:spTree>
+    <p:extLst>
+      <p:ext uri="{BB962C8B-B14F-4D97-AF65-F5344CB8AC3E}">
+        <p14:creationId xmlns:p14="http://schemas.microsoft.com/office/powerpoint/2010/main" val="481569801"/>
+      </p:ext>
+    </p:extLst>
+  </p:cSld>
+  <p:clrMapOvr>
+    <a:masterClrMapping/>
+  </p:clrMapOvr>
+  <p:timing>
+    <p:tnLst>
+      <p:par>
+        <p:cTn id="1" dur="indefinite" restart="never" nodeType="tmRoot"/>
+      </p:par>
+    </p:tnLst>
+  </p:timing>
+</p:sld>
+</file>
+
+<file path=ppt/slides/slide11.xml><?xml version="1.0" encoding="utf-8"?>
+<p:sld xmlns:a="http://schemas.openxmlformats.org/drawingml/2006/main" xmlns:r="http://schemas.openxmlformats.org/officeDocument/2006/relationships" xmlns:p="http://schemas.openxmlformats.org/presentationml/2006/main">
+  <p:cSld>
+    <p:spTree>
+      <p:nvGrpSpPr>
+        <p:cNvPr id="1" name=""/>
+        <p:cNvGrpSpPr/>
+        <p:nvPr/>
+      </p:nvGrpSpPr>
+      <p:grpSpPr>
+        <a:xfrm>
+          <a:off x="0" y="0"/>
+          <a:ext cx="0" cy="0"/>
+          <a:chOff x="0" y="0"/>
+          <a:chExt cx="0" cy="0"/>
+        </a:xfrm>
+      </p:grpSpPr>
+      <p:sp>
+        <p:nvSpPr>
+          <p:cNvPr id="2" name="Slide Number Placeholder 1"/>
+          <p:cNvSpPr>
+            <a:spLocks noGrp="1"/>
+          </p:cNvSpPr>
+          <p:nvPr>
+            <p:ph type="sldNum" sz="quarter" idx="12"/>
+          </p:nvPr>
+        </p:nvSpPr>
+        <p:spPr/>
+        <p:txBody>
+          <a:bodyPr/>
+          <a:lstStyle/>
+          <a:p>
+            <a:fld id="{7D9EC917-02A2-4152-9EE3-DFE2775A77C7}" type="slidenum">
+              <a:rPr lang="en-US" smtClean="0"/>
+              <a:pPr/>
+              <a:t>11</a:t>
+            </a:fld>
+            <a:endParaRPr lang="en-US"/>
+          </a:p>
+        </p:txBody>
+      </p:sp>
+      <p:sp>
+        <p:nvSpPr>
+          <p:cNvPr id="3" name="Text Placeholder 2"/>
+          <p:cNvSpPr>
+            <a:spLocks noGrp="1"/>
+          </p:cNvSpPr>
+          <p:nvPr>
+            <p:ph type="body" sz="quarter" idx="13"/>
+          </p:nvPr>
+        </p:nvSpPr>
+        <p:spPr/>
+        <p:txBody>
+          <a:bodyPr/>
+          <a:lstStyle/>
+          <a:p>
+            <a:r>
+              <a:rPr lang="en-US" dirty="0" smtClean="0"/>
+              <a:t>1.4 </a:t>
+            </a:r>
+            <a:r>
+              <a:rPr lang="en-US" dirty="0" err="1" smtClean="0"/>
+              <a:t>Dòng</a:t>
+            </a:r>
+            <a:r>
+              <a:rPr lang="en-US" dirty="0" smtClean="0"/>
+              <a:t> </a:t>
+            </a:r>
+            <a:r>
+              <a:rPr lang="en-US" dirty="0" err="1" smtClean="0"/>
+              <a:t>lệnh</a:t>
+            </a:r>
+            <a:r>
+              <a:rPr lang="en-US" dirty="0" smtClean="0"/>
+              <a:t> </a:t>
+            </a:r>
+            <a:r>
+              <a:rPr lang="en-US" dirty="0" err="1" smtClean="0"/>
+              <a:t>đầu</a:t>
+            </a:r>
+            <a:r>
+              <a:rPr lang="en-US" dirty="0" smtClean="0"/>
+              <a:t> </a:t>
+            </a:r>
+            <a:r>
+              <a:rPr lang="en-US" dirty="0" err="1" smtClean="0"/>
+              <a:t>tiên</a:t>
+            </a:r>
+            <a:endParaRPr lang="en-US" dirty="0"/>
+          </a:p>
+        </p:txBody>
+      </p:sp>
+      <p:pic>
+        <p:nvPicPr>
+          <p:cNvPr id="8194" name="Picture 2" descr="Free vector cute bot say users hello. chatbot greets. online consultation."/>
+          <p:cNvPicPr>
+            <a:picLocks noChangeAspect="1" noChangeArrowheads="1"/>
+          </p:cNvPicPr>
+          <p:nvPr/>
+        </p:nvPicPr>
+        <p:blipFill rotWithShape="1">
+          <a:blip r:embed="rId2">
+            <a:extLst>
+              <a:ext uri="{28A0092B-C50C-407E-A947-70E740481C1C}">
+                <a14:useLocalDpi xmlns:a14="http://schemas.microsoft.com/office/drawing/2010/main" val="0"/>
+              </a:ext>
+            </a:extLst>
+          </a:blip>
+          <a:srcRect t="20462" r="26110" b="12668"/>
+          <a:stretch/>
+        </p:blipFill>
+        <p:spPr bwMode="auto">
+          <a:xfrm>
+            <a:off x="4351097" y="2661241"/>
+            <a:ext cx="4405792" cy="3987210"/>
+          </a:xfrm>
+          <a:prstGeom prst="rect">
+            <a:avLst/>
+          </a:prstGeom>
+          <a:noFill/>
+          <a:extLst>
+            <a:ext uri="{909E8E84-426E-40DD-AFC4-6F175D3DCCD1}">
+              <a14:hiddenFill xmlns:a14="http://schemas.microsoft.com/office/drawing/2010/main">
+                <a:solidFill>
+                  <a:srgbClr val="FFFFFF"/>
+                </a:solidFill>
+              </a14:hiddenFill>
+            </a:ext>
+          </a:extLst>
+        </p:spPr>
+      </p:pic>
+      <p:sp>
+        <p:nvSpPr>
+          <p:cNvPr id="5" name="TextBox 4"/>
+          <p:cNvSpPr txBox="1"/>
+          <p:nvPr/>
+        </p:nvSpPr>
+        <p:spPr>
+          <a:xfrm>
+            <a:off x="435934" y="1460912"/>
+            <a:ext cx="7687339" cy="369332"/>
+          </a:xfrm>
+          <a:prstGeom prst="rect">
+            <a:avLst/>
+          </a:prstGeom>
+          <a:noFill/>
+        </p:spPr>
+        <p:txBody>
+          <a:bodyPr wrap="square" rtlCol="0">
+            <a:spAutoFit/>
+          </a:bodyPr>
+          <a:lstStyle/>
+          <a:p>
+            <a:r>
+              <a:rPr lang="en-US" dirty="0" err="1" smtClean="0"/>
+              <a:t>Chúng</a:t>
+            </a:r>
+            <a:r>
+              <a:rPr lang="en-US" dirty="0" smtClean="0"/>
+              <a:t> ta </a:t>
+            </a:r>
+            <a:r>
+              <a:rPr lang="en-US" dirty="0" err="1" smtClean="0"/>
+              <a:t>sẽ</a:t>
+            </a:r>
+            <a:r>
+              <a:rPr lang="en-US" dirty="0" smtClean="0"/>
+              <a:t> </a:t>
+            </a:r>
+            <a:r>
+              <a:rPr lang="en-US" dirty="0" err="1" smtClean="0"/>
+              <a:t>làm</a:t>
+            </a:r>
+            <a:r>
+              <a:rPr lang="en-US" dirty="0" smtClean="0"/>
+              <a:t> </a:t>
+            </a:r>
+            <a:r>
+              <a:rPr lang="en-US" dirty="0" err="1" smtClean="0"/>
+              <a:t>quen</a:t>
+            </a:r>
+            <a:r>
+              <a:rPr lang="en-US" dirty="0" smtClean="0"/>
+              <a:t> </a:t>
+            </a:r>
+            <a:r>
+              <a:rPr lang="en-US" dirty="0" err="1" smtClean="0"/>
+              <a:t>với</a:t>
+            </a:r>
+            <a:r>
+              <a:rPr lang="en-US" dirty="0" smtClean="0"/>
+              <a:t> </a:t>
+            </a:r>
+            <a:r>
+              <a:rPr lang="en-US" dirty="0" err="1" smtClean="0"/>
+              <a:t>dòng</a:t>
+            </a:r>
+            <a:r>
+              <a:rPr lang="en-US" dirty="0" smtClean="0"/>
+              <a:t> </a:t>
+            </a:r>
+            <a:r>
+              <a:rPr lang="en-US" dirty="0" err="1" smtClean="0"/>
+              <a:t>lệnh</a:t>
+            </a:r>
+            <a:r>
+              <a:rPr lang="en-US" dirty="0" smtClean="0"/>
+              <a:t> </a:t>
+            </a:r>
+            <a:r>
+              <a:rPr lang="en-US" dirty="0" err="1" smtClean="0"/>
+              <a:t>đầu</a:t>
+            </a:r>
+            <a:r>
+              <a:rPr lang="en-US" dirty="0" smtClean="0"/>
+              <a:t> </a:t>
+            </a:r>
+            <a:r>
+              <a:rPr lang="en-US" dirty="0" err="1" smtClean="0"/>
+              <a:t>tiên</a:t>
+            </a:r>
+            <a:r>
+              <a:rPr lang="en-US" dirty="0" smtClean="0"/>
+              <a:t> </a:t>
+            </a:r>
+            <a:r>
+              <a:rPr lang="en-US" dirty="0" err="1" smtClean="0"/>
+              <a:t>của</a:t>
+            </a:r>
+            <a:r>
+              <a:rPr lang="en-US" dirty="0" smtClean="0"/>
+              <a:t> python </a:t>
+            </a:r>
+            <a:r>
+              <a:rPr lang="en-US" dirty="0" err="1" smtClean="0"/>
+              <a:t>đó</a:t>
+            </a:r>
+            <a:r>
+              <a:rPr lang="en-US" dirty="0" smtClean="0"/>
+              <a:t> </a:t>
+            </a:r>
+            <a:r>
+              <a:rPr lang="en-US" dirty="0" err="1" smtClean="0"/>
+              <a:t>là</a:t>
+            </a:r>
+            <a:r>
+              <a:rPr lang="en-US" dirty="0" smtClean="0"/>
+              <a:t> </a:t>
+            </a:r>
+            <a:r>
+              <a:rPr lang="en-US" dirty="0" err="1" smtClean="0"/>
+              <a:t>lệnh</a:t>
+            </a:r>
+            <a:r>
+              <a:rPr lang="en-US" dirty="0" smtClean="0"/>
+              <a:t> </a:t>
+            </a:r>
+            <a:r>
+              <a:rPr lang="en-US" b="1" dirty="0" smtClean="0"/>
+              <a:t>print</a:t>
+            </a:r>
+            <a:endParaRPr lang="en-US" b="1" dirty="0"/>
+          </a:p>
+        </p:txBody>
+      </p:sp>
+      <p:sp>
+        <p:nvSpPr>
+          <p:cNvPr id="6" name="Rounded Rectangle 5"/>
+          <p:cNvSpPr/>
+          <p:nvPr/>
+        </p:nvSpPr>
+        <p:spPr>
+          <a:xfrm>
+            <a:off x="574158" y="2035047"/>
+            <a:ext cx="1244010" cy="421390"/>
+          </a:xfrm>
+          <a:prstGeom prst="roundRect">
+            <a:avLst/>
+          </a:prstGeom>
+          <a:gradFill flip="none" rotWithShape="1">
+            <a:gsLst>
+              <a:gs pos="15000">
+                <a:srgbClr val="67C7DF"/>
+              </a:gs>
+              <a:gs pos="100000">
+                <a:srgbClr val="5EB130"/>
+              </a:gs>
+            </a:gsLst>
+            <a:lin ang="2400000" scaled="0"/>
+            <a:tileRect/>
+          </a:gradFill>
+          <a:ln>
+            <a:noFill/>
+          </a:ln>
+        </p:spPr>
+        <p:style>
+          <a:lnRef idx="2">
+            <a:schemeClr val="accent1">
+              <a:shade val="50000"/>
+            </a:schemeClr>
+          </a:lnRef>
+          <a:fillRef idx="1">
+            <a:schemeClr val="accent1"/>
+          </a:fillRef>
+          <a:effectRef idx="0">
+            <a:schemeClr val="accent1"/>
+          </a:effectRef>
+          <a:fontRef idx="minor">
+            <a:schemeClr val="lt1"/>
+          </a:fontRef>
+        </p:style>
+        <p:txBody>
+          <a:bodyPr rtlCol="0" anchor="ctr"/>
+          <a:lstStyle/>
+          <a:p>
+            <a:pPr algn="ctr"/>
+            <a:r>
+              <a:rPr lang="en-US" b="1" dirty="0" err="1" smtClean="0"/>
+              <a:t>Cú</a:t>
+            </a:r>
+            <a:r>
+              <a:rPr lang="en-US" b="1" dirty="0" smtClean="0"/>
+              <a:t> </a:t>
+            </a:r>
+            <a:r>
+              <a:rPr lang="en-US" b="1" dirty="0" err="1" smtClean="0"/>
+              <a:t>Pháp</a:t>
+            </a:r>
+            <a:endParaRPr lang="en-US" b="1" dirty="0"/>
+          </a:p>
+        </p:txBody>
+      </p:sp>
+      <p:sp>
+        <p:nvSpPr>
+          <p:cNvPr id="4" name="Rectangle 3"/>
+          <p:cNvSpPr/>
+          <p:nvPr/>
+        </p:nvSpPr>
+        <p:spPr>
+          <a:xfrm>
+            <a:off x="574158" y="2678001"/>
+            <a:ext cx="3530009" cy="1116418"/>
+          </a:xfrm>
+          <a:prstGeom prst="rect">
+            <a:avLst/>
+          </a:prstGeom>
+          <a:solidFill>
+            <a:schemeClr val="tx2">
+              <a:lumMod val="75000"/>
+            </a:schemeClr>
+          </a:solidFill>
+          <a:ln>
+            <a:noFill/>
+          </a:ln>
+        </p:spPr>
+        <p:style>
+          <a:lnRef idx="2">
+            <a:schemeClr val="accent1">
+              <a:shade val="50000"/>
+            </a:schemeClr>
+          </a:lnRef>
+          <a:fillRef idx="1">
+            <a:schemeClr val="accent1"/>
+          </a:fillRef>
+          <a:effectRef idx="0">
+            <a:schemeClr val="accent1"/>
+          </a:effectRef>
+          <a:fontRef idx="minor">
+            <a:schemeClr val="lt1"/>
+          </a:fontRef>
+        </p:style>
+        <p:txBody>
+          <a:bodyPr rtlCol="0" anchor="ctr"/>
+          <a:lstStyle/>
+          <a:p>
+            <a:pPr algn="ctr"/>
+            <a:endParaRPr lang="en-US"/>
+          </a:p>
+        </p:txBody>
+      </p:sp>
+      <p:sp>
+        <p:nvSpPr>
+          <p:cNvPr id="7" name="TextBox 6"/>
+          <p:cNvSpPr txBox="1"/>
+          <p:nvPr/>
+        </p:nvSpPr>
+        <p:spPr>
+          <a:xfrm>
+            <a:off x="754912" y="2866878"/>
+            <a:ext cx="2775098" cy="369332"/>
+          </a:xfrm>
+          <a:prstGeom prst="rect">
+            <a:avLst/>
+          </a:prstGeom>
+          <a:noFill/>
+        </p:spPr>
+        <p:txBody>
+          <a:bodyPr wrap="square" rtlCol="0">
+            <a:spAutoFit/>
+          </a:bodyPr>
+          <a:lstStyle/>
+          <a:p>
+            <a:r>
+              <a:rPr lang="en-US" dirty="0" smtClean="0">
+                <a:solidFill>
+                  <a:schemeClr val="bg1"/>
+                </a:solidFill>
+              </a:rPr>
+              <a:t>print</a:t>
+            </a:r>
+            <a:r>
+              <a:rPr lang="en-US" dirty="0" smtClean="0">
+                <a:solidFill>
+                  <a:srgbClr val="FECC36"/>
+                </a:solidFill>
+              </a:rPr>
+              <a:t>(</a:t>
+            </a:r>
+            <a:r>
+              <a:rPr lang="en-US" dirty="0" smtClean="0">
+                <a:solidFill>
+                  <a:schemeClr val="accent2">
+                    <a:lumMod val="75000"/>
+                  </a:schemeClr>
+                </a:solidFill>
+              </a:rPr>
+              <a:t>‘Hello World !’</a:t>
+            </a:r>
+            <a:r>
+              <a:rPr lang="en-US" dirty="0" smtClean="0">
+                <a:solidFill>
+                  <a:srgbClr val="FECC36"/>
+                </a:solidFill>
+              </a:rPr>
+              <a:t>)</a:t>
+            </a:r>
+            <a:endParaRPr lang="en-US" dirty="0">
+              <a:solidFill>
+                <a:srgbClr val="FECC36"/>
+              </a:solidFill>
+            </a:endParaRPr>
+          </a:p>
+        </p:txBody>
+      </p:sp>
+      <p:sp>
+        <p:nvSpPr>
+          <p:cNvPr id="9" name="TextBox 8"/>
+          <p:cNvSpPr txBox="1"/>
+          <p:nvPr/>
+        </p:nvSpPr>
+        <p:spPr>
+          <a:xfrm>
+            <a:off x="754912" y="3313446"/>
+            <a:ext cx="2775098" cy="369332"/>
+          </a:xfrm>
+          <a:prstGeom prst="rect">
+            <a:avLst/>
+          </a:prstGeom>
+          <a:noFill/>
+        </p:spPr>
+        <p:txBody>
+          <a:bodyPr wrap="square" rtlCol="0">
+            <a:spAutoFit/>
+          </a:bodyPr>
+          <a:lstStyle/>
+          <a:p>
+            <a:r>
+              <a:rPr lang="en-US" dirty="0">
+                <a:solidFill>
+                  <a:schemeClr val="bg1"/>
+                </a:solidFill>
+              </a:rPr>
+              <a:t>Hello World !</a:t>
+            </a:r>
+          </a:p>
+        </p:txBody>
+      </p:sp>
+      <p:sp>
+        <p:nvSpPr>
+          <p:cNvPr id="10" name="TextBox 9"/>
+          <p:cNvSpPr txBox="1"/>
+          <p:nvPr/>
+        </p:nvSpPr>
+        <p:spPr>
+          <a:xfrm>
+            <a:off x="435934" y="4015983"/>
+            <a:ext cx="4253024" cy="2308324"/>
+          </a:xfrm>
+          <a:prstGeom prst="rect">
+            <a:avLst/>
+          </a:prstGeom>
+          <a:noFill/>
+        </p:spPr>
+        <p:txBody>
+          <a:bodyPr wrap="square" rtlCol="0">
+            <a:spAutoFit/>
+          </a:bodyPr>
+          <a:lstStyle/>
+          <a:p>
+            <a:r>
+              <a:rPr lang="en-US" dirty="0" err="1" smtClean="0"/>
+              <a:t>Nhập</a:t>
+            </a:r>
+            <a:r>
+              <a:rPr lang="en-US" dirty="0" smtClean="0"/>
+              <a:t> </a:t>
+            </a:r>
+            <a:r>
+              <a:rPr lang="en-US" dirty="0" err="1" smtClean="0"/>
+              <a:t>lệnh</a:t>
+            </a:r>
+            <a:r>
+              <a:rPr lang="en-US" dirty="0" smtClean="0"/>
+              <a:t> </a:t>
+            </a:r>
+            <a:r>
+              <a:rPr lang="en-US" dirty="0" err="1" smtClean="0"/>
+              <a:t>xong</a:t>
+            </a:r>
+            <a:r>
+              <a:rPr lang="en-US" dirty="0" smtClean="0"/>
+              <a:t>, </a:t>
+            </a:r>
+            <a:r>
+              <a:rPr lang="en-US" dirty="0" err="1" smtClean="0"/>
+              <a:t>lưu</a:t>
+            </a:r>
+            <a:r>
+              <a:rPr lang="en-US" dirty="0" smtClean="0"/>
+              <a:t> </a:t>
+            </a:r>
+            <a:r>
+              <a:rPr lang="en-US" dirty="0" err="1" smtClean="0"/>
+              <a:t>lại</a:t>
+            </a:r>
+            <a:r>
+              <a:rPr lang="en-US" dirty="0" smtClean="0"/>
+              <a:t> </a:t>
+            </a:r>
+            <a:r>
+              <a:rPr lang="en-US" dirty="0" err="1" smtClean="0"/>
+              <a:t>thành</a:t>
+            </a:r>
+            <a:r>
+              <a:rPr lang="en-US" dirty="0" smtClean="0"/>
+              <a:t> </a:t>
+            </a:r>
+            <a:r>
+              <a:rPr lang="en-US" dirty="0" err="1" smtClean="0"/>
+              <a:t>một</a:t>
+            </a:r>
+            <a:r>
+              <a:rPr lang="en-US" dirty="0" smtClean="0"/>
+              <a:t> file </a:t>
+            </a:r>
+            <a:r>
+              <a:rPr lang="en-US" dirty="0" err="1" smtClean="0"/>
+              <a:t>chương</a:t>
+            </a:r>
+            <a:r>
+              <a:rPr lang="en-US" dirty="0" smtClean="0"/>
+              <a:t> </a:t>
+            </a:r>
+            <a:r>
+              <a:rPr lang="en-US" dirty="0" err="1" smtClean="0"/>
+              <a:t>trình</a:t>
+            </a:r>
+            <a:r>
+              <a:rPr lang="en-US" dirty="0" smtClean="0"/>
+              <a:t> </a:t>
+            </a:r>
+            <a:r>
+              <a:rPr lang="en-US" dirty="0" err="1" smtClean="0"/>
+              <a:t>ví</a:t>
+            </a:r>
+            <a:r>
+              <a:rPr lang="en-US" dirty="0" smtClean="0"/>
+              <a:t> </a:t>
+            </a:r>
+            <a:r>
+              <a:rPr lang="en-US" dirty="0" err="1" smtClean="0"/>
+              <a:t>dụ</a:t>
+            </a:r>
+            <a:r>
+              <a:rPr lang="en-US" dirty="0" smtClean="0"/>
+              <a:t>: hello.py</a:t>
+            </a:r>
+          </a:p>
+          <a:p>
+            <a:endParaRPr lang="en-US" b="1" dirty="0"/>
+          </a:p>
+          <a:p>
+            <a:r>
+              <a:rPr lang="en-US" dirty="0" err="1" smtClean="0"/>
+              <a:t>Sau</a:t>
+            </a:r>
+            <a:r>
+              <a:rPr lang="en-US" dirty="0" smtClean="0"/>
+              <a:t> </a:t>
+            </a:r>
+            <a:r>
+              <a:rPr lang="en-US" dirty="0" err="1" smtClean="0"/>
+              <a:t>đó</a:t>
+            </a:r>
+            <a:r>
+              <a:rPr lang="en-US" dirty="0" smtClean="0"/>
+              <a:t> </a:t>
+            </a:r>
+            <a:r>
+              <a:rPr lang="en-US" dirty="0" err="1" smtClean="0"/>
+              <a:t>nhấn</a:t>
+            </a:r>
+            <a:r>
+              <a:rPr lang="en-US" dirty="0" smtClean="0"/>
+              <a:t> </a:t>
+            </a:r>
+            <a:r>
+              <a:rPr lang="en-US" b="1" dirty="0" smtClean="0"/>
+              <a:t>F5</a:t>
+            </a:r>
+            <a:r>
+              <a:rPr lang="en-US" dirty="0" smtClean="0"/>
+              <a:t> </a:t>
+            </a:r>
+            <a:r>
+              <a:rPr lang="en-US" dirty="0" err="1" smtClean="0"/>
+              <a:t>hoặc</a:t>
+            </a:r>
+            <a:r>
+              <a:rPr lang="en-US" dirty="0" smtClean="0"/>
+              <a:t> </a:t>
+            </a:r>
+            <a:r>
+              <a:rPr lang="en-US" dirty="0" err="1" smtClean="0"/>
+              <a:t>lệnh</a:t>
+            </a:r>
+            <a:r>
+              <a:rPr lang="en-US" dirty="0" smtClean="0"/>
+              <a:t> </a:t>
+            </a:r>
+            <a:r>
+              <a:rPr lang="en-US" b="1" dirty="0" smtClean="0"/>
+              <a:t>Run</a:t>
+            </a:r>
+            <a:r>
+              <a:rPr lang="en-US" dirty="0" smtClean="0"/>
+              <a:t> </a:t>
+            </a:r>
+            <a:r>
+              <a:rPr lang="en-US" dirty="0" err="1" smtClean="0"/>
+              <a:t>để</a:t>
+            </a:r>
+            <a:r>
+              <a:rPr lang="en-US" dirty="0" smtClean="0"/>
+              <a:t> </a:t>
+            </a:r>
+            <a:r>
+              <a:rPr lang="en-US" dirty="0" err="1" smtClean="0"/>
+              <a:t>chạy</a:t>
+            </a:r>
+            <a:r>
+              <a:rPr lang="en-US" dirty="0" smtClean="0"/>
+              <a:t> </a:t>
+            </a:r>
+            <a:r>
+              <a:rPr lang="en-US" dirty="0" err="1" smtClean="0"/>
+              <a:t>chương</a:t>
+            </a:r>
+            <a:r>
+              <a:rPr lang="en-US" dirty="0" smtClean="0"/>
+              <a:t> </a:t>
+            </a:r>
+            <a:r>
+              <a:rPr lang="en-US" dirty="0" err="1" smtClean="0"/>
+              <a:t>trình</a:t>
+            </a:r>
+            <a:endParaRPr lang="en-US" dirty="0" smtClean="0"/>
+          </a:p>
+          <a:p>
+            <a:endParaRPr lang="en-US" dirty="0"/>
+          </a:p>
+          <a:p>
+            <a:r>
+              <a:rPr lang="en-US" dirty="0" err="1" smtClean="0"/>
+              <a:t>Sẽ</a:t>
+            </a:r>
+            <a:r>
+              <a:rPr lang="en-US" dirty="0" smtClean="0"/>
+              <a:t> </a:t>
+            </a:r>
+            <a:r>
+              <a:rPr lang="en-US" dirty="0" err="1" smtClean="0"/>
+              <a:t>thấy</a:t>
+            </a:r>
+            <a:r>
+              <a:rPr lang="en-US" dirty="0" smtClean="0"/>
+              <a:t> </a:t>
+            </a:r>
+            <a:r>
+              <a:rPr lang="en-US" dirty="0" err="1" smtClean="0"/>
+              <a:t>chữ</a:t>
+            </a:r>
+            <a:r>
+              <a:rPr lang="en-US" dirty="0" smtClean="0"/>
+              <a:t> </a:t>
+            </a:r>
+            <a:r>
+              <a:rPr lang="en-US" b="1" dirty="0" smtClean="0"/>
+              <a:t>Hello World ! </a:t>
+            </a:r>
+            <a:r>
+              <a:rPr lang="en-US" dirty="0" err="1" smtClean="0"/>
+              <a:t>Xuất</a:t>
+            </a:r>
+            <a:r>
+              <a:rPr lang="en-US" dirty="0" smtClean="0"/>
+              <a:t> </a:t>
+            </a:r>
+            <a:r>
+              <a:rPr lang="en-US" dirty="0" err="1" smtClean="0"/>
+              <a:t>hiện</a:t>
+            </a:r>
+            <a:r>
+              <a:rPr lang="en-US" dirty="0" smtClean="0"/>
+              <a:t> </a:t>
+            </a:r>
+            <a:r>
+              <a:rPr lang="en-US" dirty="0" err="1" smtClean="0"/>
+              <a:t>ra</a:t>
+            </a:r>
+            <a:r>
+              <a:rPr lang="en-US" dirty="0" smtClean="0"/>
+              <a:t> </a:t>
+            </a:r>
+            <a:r>
+              <a:rPr lang="en-US" dirty="0" err="1" smtClean="0"/>
+              <a:t>cửa</a:t>
+            </a:r>
+            <a:r>
+              <a:rPr lang="en-US" dirty="0" smtClean="0"/>
+              <a:t> </a:t>
+            </a:r>
+            <a:r>
+              <a:rPr lang="en-US" dirty="0" err="1" smtClean="0"/>
+              <a:t>số</a:t>
+            </a:r>
+            <a:r>
+              <a:rPr lang="en-US" dirty="0" smtClean="0"/>
+              <a:t> </a:t>
+            </a:r>
+            <a:r>
+              <a:rPr lang="en-US" dirty="0" err="1" smtClean="0"/>
+              <a:t>lệnh</a:t>
+            </a:r>
+            <a:r>
+              <a:rPr lang="en-US" dirty="0" smtClean="0"/>
+              <a:t> </a:t>
+            </a:r>
+            <a:r>
+              <a:rPr lang="en-US" b="1" dirty="0" smtClean="0"/>
+              <a:t>Terminal</a:t>
+            </a:r>
+            <a:r>
+              <a:rPr lang="en-US" dirty="0" smtClean="0"/>
+              <a:t> </a:t>
+            </a:r>
+            <a:r>
+              <a:rPr lang="en-US" dirty="0" err="1" smtClean="0"/>
+              <a:t>của</a:t>
+            </a:r>
+            <a:r>
+              <a:rPr lang="en-US" dirty="0" smtClean="0"/>
+              <a:t> VS Code</a:t>
+            </a:r>
+            <a:endParaRPr lang="en-US" dirty="0"/>
+          </a:p>
+        </p:txBody>
+      </p:sp>
+    </p:spTree>
+    <p:extLst>
+      <p:ext uri="{BB962C8B-B14F-4D97-AF65-F5344CB8AC3E}">
+        <p14:creationId xmlns:p14="http://schemas.microsoft.com/office/powerpoint/2010/main" val="1741046058"/>
+      </p:ext>
+    </p:extLst>
+  </p:cSld>
+  <p:clrMapOvr>
+    <a:masterClrMapping/>
+  </p:clrMapOvr>
+  <p:timing>
+    <p:tnLst>
+      <p:par>
+        <p:cTn id="1" dur="indefinite" restart="never" nodeType="tmRoot"/>
+      </p:par>
+    </p:tnLst>
+  </p:timing>
+</p:sld>
+</file>
+
+<file path=ppt/slides/slide12.xml><?xml version="1.0" encoding="utf-8"?>
+<p:sld xmlns:a="http://schemas.openxmlformats.org/drawingml/2006/main" xmlns:r="http://schemas.openxmlformats.org/officeDocument/2006/relationships" xmlns:p="http://schemas.openxmlformats.org/presentationml/2006/main">
+  <p:cSld>
+    <p:spTree>
+      <p:nvGrpSpPr>
+        <p:cNvPr id="1" name=""/>
+        <p:cNvGrpSpPr/>
+        <p:nvPr/>
+      </p:nvGrpSpPr>
+      <p:grpSpPr>
+        <a:xfrm>
+          <a:off x="0" y="0"/>
+          <a:ext cx="0" cy="0"/>
+          <a:chOff x="0" y="0"/>
+          <a:chExt cx="0" cy="0"/>
+        </a:xfrm>
+      </p:grpSpPr>
+      <p:sp>
+        <p:nvSpPr>
+          <p:cNvPr id="2" name="Slide Number Placeholder 1"/>
+          <p:cNvSpPr>
+            <a:spLocks noGrp="1"/>
+          </p:cNvSpPr>
+          <p:nvPr>
+            <p:ph type="sldNum" sz="quarter" idx="12"/>
+          </p:nvPr>
+        </p:nvSpPr>
+        <p:spPr/>
+        <p:txBody>
+          <a:bodyPr/>
+          <a:lstStyle/>
+          <a:p>
+            <a:fld id="{7D9EC917-02A2-4152-9EE3-DFE2775A77C7}" type="slidenum">
+              <a:rPr lang="en-US" smtClean="0"/>
+              <a:pPr/>
+              <a:t>12</a:t>
+            </a:fld>
+            <a:endParaRPr lang="en-US"/>
+          </a:p>
+        </p:txBody>
+      </p:sp>
+      <p:sp>
+        <p:nvSpPr>
+          <p:cNvPr id="3" name="Text Placeholder 2"/>
+          <p:cNvSpPr>
+            <a:spLocks noGrp="1"/>
+          </p:cNvSpPr>
+          <p:nvPr>
+            <p:ph type="body" sz="quarter" idx="13"/>
+          </p:nvPr>
+        </p:nvSpPr>
+        <p:spPr/>
+        <p:txBody>
+          <a:bodyPr/>
+          <a:lstStyle/>
+          <a:p>
+            <a:r>
+              <a:rPr lang="en-US" dirty="0" smtClean="0"/>
+              <a:t>1.4 </a:t>
+            </a:r>
+            <a:r>
+              <a:rPr lang="en-US" dirty="0" err="1" smtClean="0"/>
+              <a:t>Dòng</a:t>
+            </a:r>
+            <a:r>
+              <a:rPr lang="en-US" dirty="0" smtClean="0"/>
+              <a:t> </a:t>
+            </a:r>
+            <a:r>
+              <a:rPr lang="en-US" dirty="0" err="1" smtClean="0"/>
+              <a:t>lệnh</a:t>
+            </a:r>
+            <a:r>
+              <a:rPr lang="en-US" dirty="0" smtClean="0"/>
+              <a:t> </a:t>
+            </a:r>
+            <a:r>
+              <a:rPr lang="en-US" dirty="0" err="1" smtClean="0"/>
+              <a:t>đầu</a:t>
+            </a:r>
+            <a:r>
+              <a:rPr lang="en-US" dirty="0" smtClean="0"/>
+              <a:t> </a:t>
+            </a:r>
+            <a:r>
+              <a:rPr lang="en-US" dirty="0" err="1" smtClean="0"/>
+              <a:t>tiên</a:t>
+            </a:r>
+            <a:endParaRPr lang="en-US" dirty="0"/>
+          </a:p>
+        </p:txBody>
+      </p:sp>
+      <p:sp>
+        <p:nvSpPr>
+          <p:cNvPr id="4" name="Rectangle 3"/>
+          <p:cNvSpPr/>
+          <p:nvPr/>
+        </p:nvSpPr>
+        <p:spPr>
+          <a:xfrm>
+            <a:off x="1041993" y="2335799"/>
+            <a:ext cx="6877056" cy="4075634"/>
+          </a:xfrm>
+          <a:prstGeom prst="rect">
+            <a:avLst/>
+          </a:prstGeom>
+          <a:solidFill>
+            <a:schemeClr val="tx2">
+              <a:lumMod val="75000"/>
+            </a:schemeClr>
+          </a:solidFill>
+          <a:ln>
+            <a:noFill/>
+          </a:ln>
+        </p:spPr>
+        <p:style>
+          <a:lnRef idx="2">
+            <a:schemeClr val="accent1">
+              <a:shade val="50000"/>
+            </a:schemeClr>
+          </a:lnRef>
+          <a:fillRef idx="1">
+            <a:schemeClr val="accent1"/>
+          </a:fillRef>
+          <a:effectRef idx="0">
+            <a:schemeClr val="accent1"/>
+          </a:effectRef>
+          <a:fontRef idx="minor">
+            <a:schemeClr val="lt1"/>
+          </a:fontRef>
+        </p:style>
+        <p:txBody>
+          <a:bodyPr rtlCol="0" anchor="ctr"/>
+          <a:lstStyle/>
+          <a:p>
+            <a:pPr algn="ctr"/>
+            <a:endParaRPr lang="en-US"/>
+          </a:p>
+        </p:txBody>
+      </p:sp>
+      <p:pic>
+        <p:nvPicPr>
+          <p:cNvPr id="11" name="Picture 2" descr="https://www.python.org/static/apple-touch-icon-precomposed.png"/>
+          <p:cNvPicPr>
+            <a:picLocks noChangeAspect="1" noChangeArrowheads="1"/>
+          </p:cNvPicPr>
+          <p:nvPr/>
+        </p:nvPicPr>
+        <p:blipFill>
+          <a:blip r:embed="rId2">
+            <a:extLst>
+              <a:ext uri="{28A0092B-C50C-407E-A947-70E740481C1C}">
+                <a14:useLocalDpi xmlns:a14="http://schemas.microsoft.com/office/drawing/2010/main" val="0"/>
+              </a:ext>
+            </a:extLst>
+          </a:blip>
+          <a:srcRect/>
+          <a:stretch>
+            <a:fillRect/>
+          </a:stretch>
+        </p:blipFill>
+        <p:spPr bwMode="auto">
+          <a:xfrm>
+            <a:off x="548981" y="1580670"/>
+            <a:ext cx="450480" cy="450481"/>
+          </a:xfrm>
+          <a:prstGeom prst="rect">
+            <a:avLst/>
+          </a:prstGeom>
+          <a:noFill/>
+          <a:extLst>
+            <a:ext uri="{909E8E84-426E-40DD-AFC4-6F175D3DCCD1}">
+              <a14:hiddenFill xmlns:a14="http://schemas.microsoft.com/office/drawing/2010/main">
+                <a:solidFill>
+                  <a:srgbClr val="FFFFFF"/>
+                </a:solidFill>
+              </a14:hiddenFill>
+            </a:ext>
+          </a:extLst>
+        </p:spPr>
+      </p:pic>
+      <p:sp>
+        <p:nvSpPr>
+          <p:cNvPr id="12" name="TextBox 11"/>
+          <p:cNvSpPr txBox="1"/>
+          <p:nvPr/>
+        </p:nvSpPr>
+        <p:spPr>
+          <a:xfrm>
+            <a:off x="1041993" y="1621244"/>
+            <a:ext cx="6177514" cy="369332"/>
+          </a:xfrm>
+          <a:prstGeom prst="rect">
+            <a:avLst/>
+          </a:prstGeom>
+          <a:noFill/>
+        </p:spPr>
+        <p:txBody>
+          <a:bodyPr wrap="square" rtlCol="0">
+            <a:spAutoFit/>
+          </a:bodyPr>
+          <a:lstStyle/>
+          <a:p>
+            <a:r>
+              <a:rPr lang="en-US" b="1" dirty="0" err="1" smtClean="0"/>
+              <a:t>Cấu</a:t>
+            </a:r>
+            <a:r>
+              <a:rPr lang="en-US" b="1" dirty="0" smtClean="0"/>
+              <a:t> </a:t>
+            </a:r>
+            <a:r>
+              <a:rPr lang="en-US" b="1" dirty="0" err="1" smtClean="0"/>
+              <a:t>trúc</a:t>
+            </a:r>
+            <a:r>
+              <a:rPr lang="en-US" b="1" dirty="0" smtClean="0"/>
+              <a:t> </a:t>
+            </a:r>
+            <a:r>
+              <a:rPr lang="en-US" b="1" dirty="0" err="1" smtClean="0"/>
+              <a:t>một</a:t>
+            </a:r>
+            <a:r>
+              <a:rPr lang="en-US" b="1" dirty="0" smtClean="0"/>
+              <a:t> </a:t>
+            </a:r>
+            <a:r>
+              <a:rPr lang="en-US" b="1" dirty="0" err="1" smtClean="0"/>
+              <a:t>chương</a:t>
+            </a:r>
+            <a:r>
+              <a:rPr lang="en-US" b="1" dirty="0" smtClean="0"/>
+              <a:t> </a:t>
+            </a:r>
+            <a:r>
+              <a:rPr lang="en-US" b="1" dirty="0" err="1" smtClean="0"/>
+              <a:t>trình</a:t>
+            </a:r>
+            <a:r>
+              <a:rPr lang="en-US" b="1" dirty="0" smtClean="0"/>
+              <a:t> </a:t>
+            </a:r>
+            <a:r>
+              <a:rPr lang="en-US" b="1" dirty="0" err="1" smtClean="0"/>
+              <a:t>trong</a:t>
+            </a:r>
+            <a:r>
+              <a:rPr lang="en-US" b="1" dirty="0" smtClean="0"/>
+              <a:t> Python: 3 </a:t>
+            </a:r>
+            <a:r>
+              <a:rPr lang="en-US" b="1" dirty="0" err="1" smtClean="0"/>
+              <a:t>phần</a:t>
+            </a:r>
+            <a:endParaRPr lang="en-US" b="1" dirty="0">
+              <a:solidFill>
+                <a:srgbClr val="FF0000"/>
+              </a:solidFill>
+            </a:endParaRPr>
+          </a:p>
+        </p:txBody>
+      </p:sp>
+      <p:sp>
+        <p:nvSpPr>
+          <p:cNvPr id="8" name="TextBox 7"/>
+          <p:cNvSpPr txBox="1"/>
+          <p:nvPr/>
+        </p:nvSpPr>
+        <p:spPr>
+          <a:xfrm>
+            <a:off x="1275906" y="2483355"/>
+            <a:ext cx="4561367" cy="3831818"/>
+          </a:xfrm>
+          <a:prstGeom prst="rect">
+            <a:avLst/>
+          </a:prstGeom>
+          <a:noFill/>
+        </p:spPr>
+        <p:txBody>
+          <a:bodyPr wrap="square" rtlCol="0">
+            <a:spAutoFit/>
+          </a:bodyPr>
+          <a:lstStyle/>
+          <a:p>
+            <a:pPr>
+              <a:lnSpc>
+                <a:spcPct val="150000"/>
+              </a:lnSpc>
+            </a:pPr>
+            <a:r>
+              <a:rPr lang="vi-VN" dirty="0">
+                <a:solidFill>
+                  <a:schemeClr val="accent6">
+                    <a:lumMod val="75000"/>
+                  </a:schemeClr>
+                </a:solidFill>
+              </a:rPr>
+              <a:t># </a:t>
+            </a:r>
+            <a:r>
+              <a:rPr lang="en-US" dirty="0" smtClean="0">
+                <a:solidFill>
+                  <a:schemeClr val="accent6">
+                    <a:lumMod val="75000"/>
+                  </a:schemeClr>
+                </a:solidFill>
+              </a:rPr>
+              <a:t>1. </a:t>
+            </a:r>
+            <a:r>
+              <a:rPr lang="vi-VN" dirty="0" smtClean="0">
+                <a:solidFill>
+                  <a:schemeClr val="accent6">
+                    <a:lumMod val="75000"/>
+                  </a:schemeClr>
+                </a:solidFill>
+              </a:rPr>
+              <a:t>Import </a:t>
+            </a:r>
+            <a:r>
+              <a:rPr lang="vi-VN" dirty="0">
+                <a:solidFill>
+                  <a:schemeClr val="accent6">
+                    <a:lumMod val="75000"/>
+                  </a:schemeClr>
+                </a:solidFill>
+              </a:rPr>
+              <a:t>các thư viện cần thiết (nếu có) </a:t>
+            </a:r>
+            <a:endParaRPr lang="en-US" dirty="0" smtClean="0">
+              <a:solidFill>
+                <a:schemeClr val="accent6">
+                  <a:lumMod val="75000"/>
+                </a:schemeClr>
+              </a:solidFill>
+            </a:endParaRPr>
+          </a:p>
+          <a:p>
+            <a:pPr>
+              <a:lnSpc>
+                <a:spcPct val="150000"/>
+              </a:lnSpc>
+            </a:pPr>
+            <a:r>
+              <a:rPr lang="vi-VN" dirty="0" smtClean="0">
+                <a:solidFill>
+                  <a:srgbClr val="67C7DF"/>
+                </a:solidFill>
+              </a:rPr>
+              <a:t>import</a:t>
+            </a:r>
+            <a:r>
+              <a:rPr lang="vi-VN" dirty="0" smtClean="0">
+                <a:solidFill>
+                  <a:schemeClr val="bg1"/>
+                </a:solidFill>
+              </a:rPr>
+              <a:t> </a:t>
+            </a:r>
+            <a:r>
+              <a:rPr lang="vi-VN" dirty="0">
+                <a:solidFill>
+                  <a:schemeClr val="bg1"/>
+                </a:solidFill>
+              </a:rPr>
+              <a:t>module1 </a:t>
+            </a:r>
+            <a:endParaRPr lang="en-US" dirty="0" smtClean="0">
+              <a:solidFill>
+                <a:schemeClr val="bg1"/>
+              </a:solidFill>
+            </a:endParaRPr>
+          </a:p>
+          <a:p>
+            <a:pPr>
+              <a:lnSpc>
+                <a:spcPct val="150000"/>
+              </a:lnSpc>
+            </a:pPr>
+            <a:r>
+              <a:rPr lang="vi-VN" dirty="0" smtClean="0">
+                <a:solidFill>
+                  <a:srgbClr val="67C7DF"/>
+                </a:solidFill>
+              </a:rPr>
+              <a:t>import</a:t>
+            </a:r>
+            <a:r>
+              <a:rPr lang="vi-VN" dirty="0" smtClean="0">
+                <a:solidFill>
+                  <a:schemeClr val="bg1"/>
+                </a:solidFill>
+              </a:rPr>
+              <a:t> </a:t>
+            </a:r>
+            <a:r>
+              <a:rPr lang="vi-VN" dirty="0">
+                <a:solidFill>
+                  <a:schemeClr val="bg1"/>
+                </a:solidFill>
+              </a:rPr>
+              <a:t>module2 </a:t>
+            </a:r>
+            <a:endParaRPr lang="en-US" dirty="0" smtClean="0">
+              <a:solidFill>
+                <a:schemeClr val="bg1"/>
+              </a:solidFill>
+            </a:endParaRPr>
+          </a:p>
+          <a:p>
+            <a:pPr>
+              <a:lnSpc>
+                <a:spcPct val="150000"/>
+              </a:lnSpc>
+            </a:pPr>
+            <a:r>
+              <a:rPr lang="vi-VN" dirty="0" smtClean="0">
+                <a:solidFill>
+                  <a:schemeClr val="accent6">
+                    <a:lumMod val="75000"/>
+                  </a:schemeClr>
+                </a:solidFill>
+              </a:rPr>
+              <a:t># </a:t>
+            </a:r>
+            <a:r>
+              <a:rPr lang="en-US" dirty="0" smtClean="0">
+                <a:solidFill>
+                  <a:schemeClr val="accent6">
+                    <a:lumMod val="75000"/>
+                  </a:schemeClr>
+                </a:solidFill>
+              </a:rPr>
+              <a:t>2. </a:t>
+            </a:r>
+            <a:r>
+              <a:rPr lang="vi-VN" dirty="0" smtClean="0">
+                <a:solidFill>
+                  <a:schemeClr val="accent6">
+                    <a:lumMod val="75000"/>
+                  </a:schemeClr>
+                </a:solidFill>
+              </a:rPr>
+              <a:t>Định </a:t>
+            </a:r>
+            <a:r>
+              <a:rPr lang="vi-VN" dirty="0">
+                <a:solidFill>
+                  <a:schemeClr val="accent6">
+                    <a:lumMod val="75000"/>
+                  </a:schemeClr>
+                </a:solidFill>
+              </a:rPr>
+              <a:t>nghĩa hàm (nếu có)</a:t>
+            </a:r>
+            <a:r>
+              <a:rPr lang="vi-VN" dirty="0">
+                <a:solidFill>
+                  <a:schemeClr val="bg1"/>
+                </a:solidFill>
+              </a:rPr>
+              <a:t> </a:t>
+            </a:r>
+            <a:endParaRPr lang="en-US" dirty="0" smtClean="0">
+              <a:solidFill>
+                <a:schemeClr val="bg1"/>
+              </a:solidFill>
+            </a:endParaRPr>
+          </a:p>
+          <a:p>
+            <a:pPr>
+              <a:lnSpc>
+                <a:spcPct val="150000"/>
+              </a:lnSpc>
+            </a:pPr>
+            <a:r>
+              <a:rPr lang="vi-VN" dirty="0" smtClean="0">
+                <a:solidFill>
+                  <a:srgbClr val="67C7DF"/>
+                </a:solidFill>
+              </a:rPr>
+              <a:t>def</a:t>
+            </a:r>
+            <a:r>
+              <a:rPr lang="vi-VN" dirty="0" smtClean="0">
+                <a:solidFill>
+                  <a:schemeClr val="bg1"/>
+                </a:solidFill>
+              </a:rPr>
+              <a:t> </a:t>
+            </a:r>
+            <a:r>
+              <a:rPr lang="vi-VN" dirty="0">
+                <a:solidFill>
+                  <a:schemeClr val="bg1"/>
+                </a:solidFill>
+              </a:rPr>
+              <a:t>function1(): </a:t>
+            </a:r>
+            <a:endParaRPr lang="en-US" dirty="0" smtClean="0">
+              <a:solidFill>
+                <a:schemeClr val="bg1"/>
+              </a:solidFill>
+            </a:endParaRPr>
+          </a:p>
+          <a:p>
+            <a:pPr>
+              <a:lnSpc>
+                <a:spcPct val="150000"/>
+              </a:lnSpc>
+            </a:pPr>
+            <a:r>
+              <a:rPr lang="en-US" dirty="0" smtClean="0">
+                <a:solidFill>
+                  <a:schemeClr val="bg1"/>
+                </a:solidFill>
+              </a:rPr>
+              <a:t>       </a:t>
+            </a:r>
+            <a:r>
+              <a:rPr lang="vi-VN" dirty="0" smtClean="0">
+                <a:solidFill>
+                  <a:schemeClr val="accent6">
+                    <a:lumMod val="75000"/>
+                  </a:schemeClr>
+                </a:solidFill>
+              </a:rPr>
+              <a:t># </a:t>
+            </a:r>
+            <a:r>
+              <a:rPr lang="vi-VN" dirty="0">
+                <a:solidFill>
+                  <a:schemeClr val="accent6">
+                    <a:lumMod val="75000"/>
+                  </a:schemeClr>
+                </a:solidFill>
+              </a:rPr>
+              <a:t>Mã thực thi của hàm </a:t>
+            </a:r>
+            <a:r>
+              <a:rPr lang="vi-VN" dirty="0" smtClean="0">
+                <a:solidFill>
+                  <a:schemeClr val="accent6">
+                    <a:lumMod val="75000"/>
+                  </a:schemeClr>
+                </a:solidFill>
+              </a:rPr>
+              <a:t>function1</a:t>
+            </a:r>
+            <a:endParaRPr lang="en-US" dirty="0" smtClean="0">
+              <a:solidFill>
+                <a:schemeClr val="accent6">
+                  <a:lumMod val="75000"/>
+                </a:schemeClr>
+              </a:solidFill>
+            </a:endParaRPr>
+          </a:p>
+          <a:p>
+            <a:pPr>
+              <a:lnSpc>
+                <a:spcPct val="150000"/>
+              </a:lnSpc>
+            </a:pPr>
+            <a:endParaRPr lang="en-US" dirty="0">
+              <a:solidFill>
+                <a:schemeClr val="bg1"/>
+              </a:solidFill>
+            </a:endParaRPr>
+          </a:p>
+          <a:p>
+            <a:pPr>
+              <a:lnSpc>
+                <a:spcPct val="150000"/>
+              </a:lnSpc>
+            </a:pPr>
+            <a:r>
+              <a:rPr lang="vi-VN" dirty="0">
+                <a:solidFill>
+                  <a:schemeClr val="accent6">
+                    <a:lumMod val="75000"/>
+                  </a:schemeClr>
+                </a:solidFill>
+              </a:rPr>
+              <a:t># </a:t>
+            </a:r>
+            <a:r>
+              <a:rPr lang="en-US" dirty="0" smtClean="0">
+                <a:solidFill>
+                  <a:schemeClr val="accent6">
+                    <a:lumMod val="75000"/>
+                  </a:schemeClr>
+                </a:solidFill>
+              </a:rPr>
+              <a:t>3. </a:t>
+            </a:r>
+            <a:r>
+              <a:rPr lang="vi-VN" dirty="0" smtClean="0">
+                <a:solidFill>
+                  <a:schemeClr val="accent6">
+                    <a:lumMod val="75000"/>
+                  </a:schemeClr>
+                </a:solidFill>
+              </a:rPr>
+              <a:t>Thực </a:t>
+            </a:r>
+            <a:r>
+              <a:rPr lang="vi-VN" dirty="0">
+                <a:solidFill>
+                  <a:schemeClr val="accent6">
+                    <a:lumMod val="75000"/>
+                  </a:schemeClr>
+                </a:solidFill>
+              </a:rPr>
+              <a:t>thi mã chương trình </a:t>
+            </a:r>
+            <a:r>
+              <a:rPr lang="vi-VN" dirty="0" smtClean="0">
+                <a:solidFill>
+                  <a:schemeClr val="accent6">
+                    <a:lumMod val="75000"/>
+                  </a:schemeClr>
+                </a:solidFill>
+              </a:rPr>
+              <a:t>chính</a:t>
+            </a:r>
+            <a:endParaRPr lang="en-US" dirty="0" smtClean="0">
+              <a:solidFill>
+                <a:schemeClr val="accent6">
+                  <a:lumMod val="75000"/>
+                </a:schemeClr>
+              </a:solidFill>
+            </a:endParaRPr>
+          </a:p>
+          <a:p>
+            <a:pPr>
+              <a:lnSpc>
+                <a:spcPct val="150000"/>
+              </a:lnSpc>
+            </a:pPr>
+            <a:r>
+              <a:rPr lang="vi-VN" dirty="0">
+                <a:solidFill>
+                  <a:schemeClr val="bg1"/>
+                </a:solidFill>
+              </a:rPr>
+              <a:t>function1</a:t>
+            </a:r>
+            <a:r>
+              <a:rPr lang="vi-VN" dirty="0" smtClean="0">
+                <a:solidFill>
+                  <a:schemeClr val="bg1"/>
+                </a:solidFill>
+              </a:rPr>
+              <a:t>()</a:t>
+            </a:r>
+            <a:endParaRPr lang="en-US" dirty="0">
+              <a:solidFill>
+                <a:schemeClr val="bg1"/>
+              </a:solidFill>
+            </a:endParaRPr>
+          </a:p>
+        </p:txBody>
+      </p:sp>
+    </p:spTree>
+    <p:extLst>
+      <p:ext uri="{BB962C8B-B14F-4D97-AF65-F5344CB8AC3E}">
+        <p14:creationId xmlns:p14="http://schemas.microsoft.com/office/powerpoint/2010/main" val="1593728458"/>
+      </p:ext>
+    </p:extLst>
+  </p:cSld>
+  <p:clrMapOvr>
+    <a:masterClrMapping/>
+  </p:clrMapOvr>
+  <p:timing>
+    <p:tnLst>
+      <p:par>
+        <p:cTn id="1" dur="indefinite" restart="never" nodeType="tmRoot"/>
+      </p:par>
+    </p:tnLst>
+  </p:timing>
+</p:sld>
+</file>
+
+<file path=ppt/slides/slide13.xml><?xml version="1.0" encoding="utf-8"?>
+<p:sld xmlns:a="http://schemas.openxmlformats.org/drawingml/2006/main" xmlns:r="http://schemas.openxmlformats.org/officeDocument/2006/relationships" xmlns:p="http://schemas.openxmlformats.org/presentationml/2006/main">
+  <p:cSld>
+    <p:spTree>
+      <p:nvGrpSpPr>
+        <p:cNvPr id="1" name=""/>
+        <p:cNvGrpSpPr/>
+        <p:nvPr/>
+      </p:nvGrpSpPr>
+      <p:grpSpPr>
+        <a:xfrm>
+          <a:off x="0" y="0"/>
+          <a:ext cx="0" cy="0"/>
+          <a:chOff x="0" y="0"/>
+          <a:chExt cx="0" cy="0"/>
+        </a:xfrm>
+      </p:grpSpPr>
+      <p:sp>
+        <p:nvSpPr>
+          <p:cNvPr id="2" name="Slide Number Placeholder 1"/>
+          <p:cNvSpPr>
+            <a:spLocks noGrp="1"/>
+          </p:cNvSpPr>
+          <p:nvPr>
+            <p:ph type="sldNum" sz="quarter" idx="12"/>
+          </p:nvPr>
+        </p:nvSpPr>
+        <p:spPr/>
+        <p:txBody>
+          <a:bodyPr/>
+          <a:lstStyle/>
+          <a:p>
+            <a:fld id="{7D9EC917-02A2-4152-9EE3-DFE2775A77C7}" type="slidenum">
+              <a:rPr lang="en-US" smtClean="0"/>
+              <a:pPr/>
+              <a:t>13</a:t>
+            </a:fld>
+            <a:endParaRPr lang="en-US"/>
+          </a:p>
+        </p:txBody>
+      </p:sp>
+      <p:sp>
+        <p:nvSpPr>
+          <p:cNvPr id="3" name="Text Placeholder 2"/>
+          <p:cNvSpPr>
+            <a:spLocks noGrp="1"/>
+          </p:cNvSpPr>
+          <p:nvPr>
+            <p:ph type="body" sz="quarter" idx="13"/>
+          </p:nvPr>
+        </p:nvSpPr>
+        <p:spPr/>
+        <p:txBody>
+          <a:bodyPr/>
+          <a:lstStyle/>
+          <a:p>
+            <a:r>
+              <a:rPr lang="en-US" dirty="0" smtClean="0"/>
               <a:t>1.5 Comment </a:t>
             </a:r>
             <a:r>
@@ -3310,7 +5455,7 @@
 </p:sld>
 </file>
 
-<file path=ppt/slides/slide11.xml><?xml version="1.0" encoding="utf-8"?>
+<file path=ppt/slides/slide14.xml><?xml version="1.0" encoding="utf-8"?>
 <p:sld xmlns:a="http://schemas.openxmlformats.org/drawingml/2006/main" xmlns:r="http://schemas.openxmlformats.org/officeDocument/2006/relationships" xmlns:p="http://schemas.openxmlformats.org/presentationml/2006/main">
   <p:cSld>
     <p:spTree>
@@ -3345,7 +5490,7 @@
             <a:fld id="{7D9EC917-02A2-4152-9EE3-DFE2775A77C7}" type="slidenum">
               <a:rPr lang="en-US" smtClean="0"/>
               <a:pPr/>
-              <a:t>11</a:t>
+              <a:t>14</a:t>
             </a:fld>
             <a:endParaRPr lang="en-US"/>
           </a:p>
@@ -4389,7 +6534,7 @@
 </p:sld>
 </file>
 
-<file path=ppt/slides/slide12.xml><?xml version="1.0" encoding="utf-8"?>
+<file path=ppt/slides/slide15.xml><?xml version="1.0" encoding="utf-8"?>
 <p:sld xmlns:a="http://schemas.openxmlformats.org/drawingml/2006/main" xmlns:r="http://schemas.openxmlformats.org/officeDocument/2006/relationships" xmlns:p="http://schemas.openxmlformats.org/presentationml/2006/main">
   <p:cSld>
     <p:spTree>
@@ -7859,6 +10004,2779 @@
           <a:p>
             <a:r>
               <a:rPr lang="en-US" dirty="0" smtClean="0"/>
+              <a:t>Python </a:t>
+            </a:r>
+            <a:r>
+              <a:rPr lang="en-US" dirty="0" err="1" smtClean="0"/>
+              <a:t>có</a:t>
+            </a:r>
+            <a:r>
+              <a:rPr lang="en-US" dirty="0" smtClean="0"/>
+              <a:t> </a:t>
+            </a:r>
+            <a:r>
+              <a:rPr lang="en-US" dirty="0" err="1" smtClean="0"/>
+              <a:t>thể</a:t>
+            </a:r>
+            <a:r>
+              <a:rPr lang="en-US" dirty="0" smtClean="0"/>
+              <a:t> </a:t>
+            </a:r>
+            <a:r>
+              <a:rPr lang="en-US" dirty="0" err="1" smtClean="0"/>
+              <a:t>làm</a:t>
+            </a:r>
+            <a:r>
+              <a:rPr lang="en-US" dirty="0" smtClean="0"/>
+              <a:t> </a:t>
+            </a:r>
+            <a:r>
+              <a:rPr lang="en-US" dirty="0" err="1" smtClean="0"/>
+              <a:t>gì</a:t>
+            </a:r>
+            <a:r>
+              <a:rPr lang="en-US" dirty="0" smtClean="0"/>
+              <a:t>?</a:t>
+            </a:r>
+            <a:endParaRPr lang="en-US" dirty="0"/>
+          </a:p>
+        </p:txBody>
+      </p:sp>
+      <p:pic>
+        <p:nvPicPr>
+          <p:cNvPr id="11" name="Picture 10"/>
+          <p:cNvPicPr>
+            <a:picLocks noChangeAspect="1"/>
+          </p:cNvPicPr>
+          <p:nvPr/>
+        </p:nvPicPr>
+        <p:blipFill>
+          <a:blip r:embed="rId2">
+            <a:extLst>
+              <a:ext uri="{28A0092B-C50C-407E-A947-70E740481C1C}">
+                <a14:useLocalDpi xmlns:a14="http://schemas.microsoft.com/office/drawing/2010/main" val="0"/>
+              </a:ext>
+            </a:extLst>
+          </a:blip>
+          <a:stretch>
+            <a:fillRect/>
+          </a:stretch>
+        </p:blipFill>
+        <p:spPr>
+          <a:xfrm>
+            <a:off x="636897" y="3315566"/>
+            <a:ext cx="7785020" cy="2749304"/>
+          </a:xfrm>
+          <a:prstGeom prst="rect">
+            <a:avLst/>
+          </a:prstGeom>
+        </p:spPr>
+      </p:pic>
+      <p:sp>
+        <p:nvSpPr>
+          <p:cNvPr id="12" name="TextBox 11"/>
+          <p:cNvSpPr txBox="1"/>
+          <p:nvPr/>
+        </p:nvSpPr>
+        <p:spPr>
+          <a:xfrm>
+            <a:off x="1155855" y="1490270"/>
+            <a:ext cx="7601033" cy="369332"/>
+          </a:xfrm>
+          <a:prstGeom prst="rect">
+            <a:avLst/>
+          </a:prstGeom>
+          <a:noFill/>
+        </p:spPr>
+        <p:txBody>
+          <a:bodyPr wrap="square" rtlCol="0">
+            <a:spAutoFit/>
+          </a:bodyPr>
+          <a:lstStyle/>
+          <a:p>
+            <a:r>
+              <a:rPr lang="en-US" b="1" dirty="0" smtClean="0"/>
+              <a:t>Python </a:t>
+            </a:r>
+            <a:r>
+              <a:rPr lang="en-US" dirty="0" err="1" smtClean="0"/>
+              <a:t>được</a:t>
+            </a:r>
+            <a:r>
+              <a:rPr lang="en-US" dirty="0" smtClean="0"/>
+              <a:t> </a:t>
+            </a:r>
+            <a:r>
+              <a:rPr lang="en-US" dirty="0" err="1" smtClean="0"/>
+              <a:t>ứng</a:t>
+            </a:r>
+            <a:r>
+              <a:rPr lang="en-US" dirty="0" smtClean="0"/>
+              <a:t> </a:t>
+            </a:r>
+            <a:r>
+              <a:rPr lang="en-US" dirty="0" err="1" smtClean="0"/>
+              <a:t>dụng</a:t>
+            </a:r>
+            <a:r>
+              <a:rPr lang="en-US" dirty="0" smtClean="0"/>
+              <a:t> </a:t>
+            </a:r>
+            <a:r>
+              <a:rPr lang="en-US" dirty="0" err="1" smtClean="0"/>
+              <a:t>vô</a:t>
+            </a:r>
+            <a:r>
+              <a:rPr lang="en-US" dirty="0" smtClean="0"/>
+              <a:t> </a:t>
+            </a:r>
+            <a:r>
+              <a:rPr lang="en-US" dirty="0" err="1" smtClean="0"/>
+              <a:t>cùng</a:t>
+            </a:r>
+            <a:r>
+              <a:rPr lang="en-US" dirty="0" smtClean="0"/>
+              <a:t> </a:t>
+            </a:r>
+            <a:r>
+              <a:rPr lang="en-US" dirty="0" err="1" smtClean="0"/>
+              <a:t>rộng</a:t>
+            </a:r>
+            <a:r>
+              <a:rPr lang="en-US" dirty="0" smtClean="0"/>
+              <a:t> </a:t>
+            </a:r>
+            <a:r>
+              <a:rPr lang="en-US" dirty="0" err="1" smtClean="0"/>
+              <a:t>rãi</a:t>
+            </a:r>
+            <a:r>
+              <a:rPr lang="en-US" dirty="0" smtClean="0"/>
+              <a:t> </a:t>
+            </a:r>
+            <a:r>
+              <a:rPr lang="en-US" dirty="0" err="1" smtClean="0"/>
+              <a:t>trong</a:t>
+            </a:r>
+            <a:r>
+              <a:rPr lang="en-US" dirty="0" smtClean="0"/>
+              <a:t> </a:t>
+            </a:r>
+            <a:r>
+              <a:rPr lang="en-US" dirty="0" err="1" smtClean="0"/>
+              <a:t>đời</a:t>
+            </a:r>
+            <a:r>
+              <a:rPr lang="en-US" dirty="0" smtClean="0"/>
+              <a:t> </a:t>
+            </a:r>
+            <a:r>
+              <a:rPr lang="en-US" dirty="0" err="1" smtClean="0"/>
+              <a:t>sống</a:t>
+            </a:r>
+            <a:r>
+              <a:rPr lang="en-US" dirty="0" smtClean="0"/>
+              <a:t> </a:t>
+            </a:r>
+            <a:r>
+              <a:rPr lang="en-US" dirty="0" err="1" smtClean="0"/>
+              <a:t>thực</a:t>
+            </a:r>
+            <a:r>
+              <a:rPr lang="en-US" dirty="0" smtClean="0"/>
+              <a:t> </a:t>
+            </a:r>
+            <a:r>
+              <a:rPr lang="en-US" dirty="0" err="1" smtClean="0"/>
+              <a:t>tế</a:t>
+            </a:r>
+            <a:endParaRPr lang="en-US" dirty="0"/>
+          </a:p>
+        </p:txBody>
+      </p:sp>
+      <p:pic>
+        <p:nvPicPr>
+          <p:cNvPr id="13" name="Picture 2" descr="https://www.python.org/static/apple-touch-icon-precomposed.png"/>
+          <p:cNvPicPr>
+            <a:picLocks noChangeAspect="1" noChangeArrowheads="1"/>
+          </p:cNvPicPr>
+          <p:nvPr/>
+        </p:nvPicPr>
+        <p:blipFill>
+          <a:blip r:embed="rId3">
+            <a:extLst>
+              <a:ext uri="{28A0092B-C50C-407E-A947-70E740481C1C}">
+                <a14:useLocalDpi xmlns:a14="http://schemas.microsoft.com/office/drawing/2010/main" val="0"/>
+              </a:ext>
+            </a:extLst>
+          </a:blip>
+          <a:srcRect/>
+          <a:stretch>
+            <a:fillRect/>
+          </a:stretch>
+        </p:blipFill>
+        <p:spPr bwMode="auto">
+          <a:xfrm>
+            <a:off x="557294" y="1502958"/>
+            <a:ext cx="450480" cy="450481"/>
+          </a:xfrm>
+          <a:prstGeom prst="rect">
+            <a:avLst/>
+          </a:prstGeom>
+          <a:noFill/>
+          <a:extLst>
+            <a:ext uri="{909E8E84-426E-40DD-AFC4-6F175D3DCCD1}">
+              <a14:hiddenFill xmlns:a14="http://schemas.microsoft.com/office/drawing/2010/main">
+                <a:solidFill>
+                  <a:srgbClr val="FFFFFF"/>
+                </a:solidFill>
+              </a14:hiddenFill>
+            </a:ext>
+          </a:extLst>
+        </p:spPr>
+      </p:pic>
+      <p:sp>
+        <p:nvSpPr>
+          <p:cNvPr id="14" name="TextBox 13"/>
+          <p:cNvSpPr txBox="1"/>
+          <p:nvPr/>
+        </p:nvSpPr>
+        <p:spPr>
+          <a:xfrm>
+            <a:off x="636897" y="2111127"/>
+            <a:ext cx="2011294" cy="369332"/>
+          </a:xfrm>
+          <a:prstGeom prst="rect">
+            <a:avLst/>
+          </a:prstGeom>
+          <a:noFill/>
+        </p:spPr>
+        <p:txBody>
+          <a:bodyPr wrap="square" rtlCol="0">
+            <a:spAutoFit/>
+          </a:bodyPr>
+          <a:lstStyle/>
+          <a:p>
+            <a:r>
+              <a:rPr lang="en-US" b="1" dirty="0" err="1" smtClean="0">
+                <a:solidFill>
+                  <a:srgbClr val="7030A0"/>
+                </a:solidFill>
+              </a:rPr>
+              <a:t>Ứng</a:t>
+            </a:r>
+            <a:r>
+              <a:rPr lang="en-US" b="1" dirty="0" smtClean="0">
+                <a:solidFill>
+                  <a:srgbClr val="7030A0"/>
+                </a:solidFill>
+              </a:rPr>
+              <a:t> </a:t>
+            </a:r>
+            <a:r>
+              <a:rPr lang="en-US" b="1" dirty="0" err="1" smtClean="0">
+                <a:solidFill>
+                  <a:srgbClr val="7030A0"/>
+                </a:solidFill>
+              </a:rPr>
+              <a:t>dụng</a:t>
+            </a:r>
+            <a:r>
+              <a:rPr lang="en-US" b="1" dirty="0" smtClean="0">
+                <a:solidFill>
+                  <a:srgbClr val="7030A0"/>
+                </a:solidFill>
+              </a:rPr>
+              <a:t> Web</a:t>
+            </a:r>
+            <a:endParaRPr lang="en-US" dirty="0">
+              <a:solidFill>
+                <a:srgbClr val="7030A0"/>
+              </a:solidFill>
+            </a:endParaRPr>
+          </a:p>
+        </p:txBody>
+      </p:sp>
+      <p:sp>
+        <p:nvSpPr>
+          <p:cNvPr id="15" name="TextBox 14"/>
+          <p:cNvSpPr txBox="1"/>
+          <p:nvPr/>
+        </p:nvSpPr>
+        <p:spPr>
+          <a:xfrm>
+            <a:off x="2735228" y="2111127"/>
+            <a:ext cx="1637267" cy="369332"/>
+          </a:xfrm>
+          <a:prstGeom prst="rect">
+            <a:avLst/>
+          </a:prstGeom>
+          <a:noFill/>
+        </p:spPr>
+        <p:txBody>
+          <a:bodyPr wrap="square" rtlCol="0">
+            <a:spAutoFit/>
+          </a:bodyPr>
+          <a:lstStyle/>
+          <a:p>
+            <a:r>
+              <a:rPr lang="en-US" b="1" dirty="0" err="1" smtClean="0">
+                <a:solidFill>
+                  <a:srgbClr val="FF0000"/>
+                </a:solidFill>
+              </a:rPr>
+              <a:t>Tự</a:t>
+            </a:r>
+            <a:r>
+              <a:rPr lang="en-US" b="1" dirty="0" smtClean="0">
+                <a:solidFill>
+                  <a:srgbClr val="FF0000"/>
+                </a:solidFill>
+              </a:rPr>
+              <a:t> </a:t>
+            </a:r>
+            <a:r>
+              <a:rPr lang="en-US" b="1" dirty="0" err="1" smtClean="0">
+                <a:solidFill>
+                  <a:srgbClr val="FF0000"/>
+                </a:solidFill>
+              </a:rPr>
+              <a:t>động</a:t>
+            </a:r>
+            <a:r>
+              <a:rPr lang="en-US" b="1" dirty="0" smtClean="0">
+                <a:solidFill>
+                  <a:srgbClr val="FF0000"/>
+                </a:solidFill>
+              </a:rPr>
+              <a:t> </a:t>
+            </a:r>
+            <a:r>
+              <a:rPr lang="en-US" b="1" dirty="0" err="1" smtClean="0">
+                <a:solidFill>
+                  <a:srgbClr val="FF0000"/>
+                </a:solidFill>
+              </a:rPr>
+              <a:t>hóa</a:t>
+            </a:r>
+            <a:endParaRPr lang="en-US" dirty="0">
+              <a:solidFill>
+                <a:srgbClr val="FF0000"/>
+              </a:solidFill>
+            </a:endParaRPr>
+          </a:p>
+        </p:txBody>
+      </p:sp>
+      <p:sp>
+        <p:nvSpPr>
+          <p:cNvPr id="16" name="TextBox 15"/>
+          <p:cNvSpPr txBox="1"/>
+          <p:nvPr/>
+        </p:nvSpPr>
+        <p:spPr>
+          <a:xfrm>
+            <a:off x="4680406" y="2111127"/>
+            <a:ext cx="2302285" cy="369332"/>
+          </a:xfrm>
+          <a:prstGeom prst="rect">
+            <a:avLst/>
+          </a:prstGeom>
+          <a:noFill/>
+        </p:spPr>
+        <p:txBody>
+          <a:bodyPr wrap="square" rtlCol="0">
+            <a:spAutoFit/>
+          </a:bodyPr>
+          <a:lstStyle/>
+          <a:p>
+            <a:r>
+              <a:rPr lang="en-US" b="1" dirty="0" err="1" smtClean="0">
+                <a:solidFill>
+                  <a:srgbClr val="0070C0"/>
+                </a:solidFill>
+              </a:rPr>
+              <a:t>Khoa</a:t>
+            </a:r>
+            <a:r>
+              <a:rPr lang="en-US" b="1" dirty="0" smtClean="0">
+                <a:solidFill>
+                  <a:srgbClr val="0070C0"/>
+                </a:solidFill>
+              </a:rPr>
+              <a:t> </a:t>
+            </a:r>
+            <a:r>
+              <a:rPr lang="en-US" b="1" dirty="0" err="1" smtClean="0">
+                <a:solidFill>
+                  <a:srgbClr val="0070C0"/>
+                </a:solidFill>
+              </a:rPr>
+              <a:t>học</a:t>
+            </a:r>
+            <a:r>
+              <a:rPr lang="en-US" b="1" dirty="0" smtClean="0">
+                <a:solidFill>
+                  <a:srgbClr val="0070C0"/>
+                </a:solidFill>
+              </a:rPr>
+              <a:t> </a:t>
+            </a:r>
+            <a:r>
+              <a:rPr lang="en-US" b="1" dirty="0" err="1" smtClean="0">
+                <a:solidFill>
+                  <a:srgbClr val="0070C0"/>
+                </a:solidFill>
+              </a:rPr>
+              <a:t>máy</a:t>
+            </a:r>
+            <a:r>
+              <a:rPr lang="en-US" b="1" dirty="0" smtClean="0">
+                <a:solidFill>
+                  <a:srgbClr val="0070C0"/>
+                </a:solidFill>
+              </a:rPr>
+              <a:t> </a:t>
+            </a:r>
+            <a:r>
+              <a:rPr lang="en-US" b="1" dirty="0" err="1" smtClean="0">
+                <a:solidFill>
+                  <a:srgbClr val="0070C0"/>
+                </a:solidFill>
+              </a:rPr>
+              <a:t>tính</a:t>
+            </a:r>
+            <a:endParaRPr lang="en-US" dirty="0">
+              <a:solidFill>
+                <a:srgbClr val="0070C0"/>
+              </a:solidFill>
+            </a:endParaRPr>
+          </a:p>
+        </p:txBody>
+      </p:sp>
+      <p:sp>
+        <p:nvSpPr>
+          <p:cNvPr id="17" name="TextBox 16"/>
+          <p:cNvSpPr txBox="1"/>
+          <p:nvPr/>
+        </p:nvSpPr>
+        <p:spPr>
+          <a:xfrm>
+            <a:off x="7395688" y="2111127"/>
+            <a:ext cx="523361" cy="369332"/>
+          </a:xfrm>
+          <a:prstGeom prst="rect">
+            <a:avLst/>
+          </a:prstGeom>
+          <a:noFill/>
+        </p:spPr>
+        <p:txBody>
+          <a:bodyPr wrap="square" rtlCol="0">
+            <a:spAutoFit/>
+          </a:bodyPr>
+          <a:lstStyle/>
+          <a:p>
+            <a:r>
+              <a:rPr lang="en-US" b="1" dirty="0" smtClean="0">
+                <a:solidFill>
+                  <a:schemeClr val="accent6">
+                    <a:lumMod val="50000"/>
+                  </a:schemeClr>
+                </a:solidFill>
+              </a:rPr>
+              <a:t>AI</a:t>
+            </a:r>
+            <a:endParaRPr lang="en-US" dirty="0">
+              <a:solidFill>
+                <a:schemeClr val="accent6">
+                  <a:lumMod val="50000"/>
+                </a:schemeClr>
+              </a:solidFill>
+            </a:endParaRPr>
+          </a:p>
+        </p:txBody>
+      </p:sp>
+      <p:sp>
+        <p:nvSpPr>
+          <p:cNvPr id="18" name="TextBox 17"/>
+          <p:cNvSpPr txBox="1"/>
+          <p:nvPr/>
+        </p:nvSpPr>
+        <p:spPr>
+          <a:xfrm>
+            <a:off x="1007774" y="2784458"/>
+            <a:ext cx="2185907" cy="369332"/>
+          </a:xfrm>
+          <a:prstGeom prst="rect">
+            <a:avLst/>
+          </a:prstGeom>
+          <a:noFill/>
+        </p:spPr>
+        <p:txBody>
+          <a:bodyPr wrap="square" rtlCol="0">
+            <a:spAutoFit/>
+          </a:bodyPr>
+          <a:lstStyle/>
+          <a:p>
+            <a:r>
+              <a:rPr lang="en-US" b="1" dirty="0" err="1" smtClean="0">
+                <a:solidFill>
+                  <a:srgbClr val="5EB130"/>
+                </a:solidFill>
+              </a:rPr>
+              <a:t>Lập</a:t>
+            </a:r>
+            <a:r>
+              <a:rPr lang="en-US" b="1" dirty="0" smtClean="0">
+                <a:solidFill>
+                  <a:srgbClr val="5EB130"/>
+                </a:solidFill>
+              </a:rPr>
+              <a:t> </a:t>
+            </a:r>
+            <a:r>
+              <a:rPr lang="en-US" b="1" dirty="0" err="1" smtClean="0">
+                <a:solidFill>
+                  <a:srgbClr val="5EB130"/>
+                </a:solidFill>
+              </a:rPr>
+              <a:t>trình</a:t>
+            </a:r>
+            <a:r>
+              <a:rPr lang="en-US" b="1" dirty="0" smtClean="0">
+                <a:solidFill>
+                  <a:srgbClr val="5EB130"/>
+                </a:solidFill>
+              </a:rPr>
+              <a:t> Robot</a:t>
+            </a:r>
+            <a:endParaRPr lang="en-US" dirty="0">
+              <a:solidFill>
+                <a:srgbClr val="5EB130"/>
+              </a:solidFill>
+            </a:endParaRPr>
+          </a:p>
+        </p:txBody>
+      </p:sp>
+      <p:sp>
+        <p:nvSpPr>
+          <p:cNvPr id="19" name="TextBox 18"/>
+          <p:cNvSpPr txBox="1"/>
+          <p:nvPr/>
+        </p:nvSpPr>
+        <p:spPr>
+          <a:xfrm>
+            <a:off x="5999266" y="2731984"/>
+            <a:ext cx="2269035" cy="369332"/>
+          </a:xfrm>
+          <a:prstGeom prst="rect">
+            <a:avLst/>
+          </a:prstGeom>
+          <a:noFill/>
+        </p:spPr>
+        <p:txBody>
+          <a:bodyPr wrap="square" rtlCol="0">
+            <a:spAutoFit/>
+          </a:bodyPr>
+          <a:lstStyle/>
+          <a:p>
+            <a:r>
+              <a:rPr lang="en-US" b="1" dirty="0" err="1" smtClean="0">
+                <a:solidFill>
+                  <a:srgbClr val="EC5F77"/>
+                </a:solidFill>
+              </a:rPr>
+              <a:t>Phân</a:t>
+            </a:r>
+            <a:r>
+              <a:rPr lang="en-US" b="1" dirty="0" smtClean="0">
+                <a:solidFill>
+                  <a:srgbClr val="EC5F77"/>
+                </a:solidFill>
+              </a:rPr>
+              <a:t> </a:t>
+            </a:r>
+            <a:r>
+              <a:rPr lang="en-US" b="1" dirty="0" err="1" smtClean="0">
+                <a:solidFill>
+                  <a:srgbClr val="EC5F77"/>
+                </a:solidFill>
+              </a:rPr>
+              <a:t>tích</a:t>
+            </a:r>
+            <a:r>
+              <a:rPr lang="en-US" b="1" dirty="0" smtClean="0">
+                <a:solidFill>
+                  <a:srgbClr val="EC5F77"/>
+                </a:solidFill>
+              </a:rPr>
+              <a:t> </a:t>
+            </a:r>
+            <a:r>
+              <a:rPr lang="en-US" b="1" dirty="0" err="1" smtClean="0">
+                <a:solidFill>
+                  <a:srgbClr val="EC5F77"/>
+                </a:solidFill>
+              </a:rPr>
+              <a:t>Dữ</a:t>
+            </a:r>
+            <a:r>
+              <a:rPr lang="en-US" b="1" dirty="0" smtClean="0">
+                <a:solidFill>
+                  <a:srgbClr val="EC5F77"/>
+                </a:solidFill>
+              </a:rPr>
+              <a:t> </a:t>
+            </a:r>
+            <a:r>
+              <a:rPr lang="en-US" b="1" dirty="0" err="1" smtClean="0">
+                <a:solidFill>
+                  <a:srgbClr val="EC5F77"/>
+                </a:solidFill>
+              </a:rPr>
+              <a:t>liệu</a:t>
+            </a:r>
+            <a:endParaRPr lang="en-US" dirty="0">
+              <a:solidFill>
+                <a:srgbClr val="EC5F77"/>
+              </a:solidFill>
+            </a:endParaRPr>
+          </a:p>
+        </p:txBody>
+      </p:sp>
+      <p:sp>
+        <p:nvSpPr>
+          <p:cNvPr id="20" name="TextBox 19"/>
+          <p:cNvSpPr txBox="1"/>
+          <p:nvPr/>
+        </p:nvSpPr>
+        <p:spPr>
+          <a:xfrm>
+            <a:off x="3996131" y="2731984"/>
+            <a:ext cx="1066552" cy="369332"/>
+          </a:xfrm>
+          <a:prstGeom prst="rect">
+            <a:avLst/>
+          </a:prstGeom>
+          <a:noFill/>
+        </p:spPr>
+        <p:txBody>
+          <a:bodyPr wrap="square" rtlCol="0">
+            <a:spAutoFit/>
+          </a:bodyPr>
+          <a:lstStyle/>
+          <a:p>
+            <a:r>
+              <a:rPr lang="en-US" b="1" dirty="0" smtClean="0">
+                <a:solidFill>
+                  <a:schemeClr val="accent2">
+                    <a:lumMod val="75000"/>
+                  </a:schemeClr>
+                </a:solidFill>
+              </a:rPr>
+              <a:t>GAME</a:t>
+            </a:r>
+            <a:endParaRPr lang="en-US" dirty="0">
+              <a:solidFill>
+                <a:schemeClr val="accent2">
+                  <a:lumMod val="75000"/>
+                </a:schemeClr>
+              </a:solidFill>
+            </a:endParaRPr>
+          </a:p>
+        </p:txBody>
+      </p:sp>
+    </p:spTree>
+    <p:extLst>
+      <p:ext uri="{BB962C8B-B14F-4D97-AF65-F5344CB8AC3E}">
+        <p14:creationId xmlns:p14="http://schemas.microsoft.com/office/powerpoint/2010/main" val="3202920992"/>
+      </p:ext>
+    </p:extLst>
+  </p:cSld>
+  <p:clrMapOvr>
+    <a:masterClrMapping/>
+  </p:clrMapOvr>
+  <p:timing>
+    <p:tnLst>
+      <p:par>
+        <p:cTn id="1" dur="indefinite" restart="never" nodeType="tmRoot"/>
+      </p:par>
+    </p:tnLst>
+  </p:timing>
+</p:sld>
+</file>
+
+<file path=ppt/slides/slide6.xml><?xml version="1.0" encoding="utf-8"?>
+<p:sld xmlns:a="http://schemas.openxmlformats.org/drawingml/2006/main" xmlns:r="http://schemas.openxmlformats.org/officeDocument/2006/relationships" xmlns:p="http://schemas.openxmlformats.org/presentationml/2006/main">
+  <p:cSld>
+    <p:spTree>
+      <p:nvGrpSpPr>
+        <p:cNvPr id="1" name=""/>
+        <p:cNvGrpSpPr/>
+        <p:nvPr/>
+      </p:nvGrpSpPr>
+      <p:grpSpPr>
+        <a:xfrm>
+          <a:off x="0" y="0"/>
+          <a:ext cx="0" cy="0"/>
+          <a:chOff x="0" y="0"/>
+          <a:chExt cx="0" cy="0"/>
+        </a:xfrm>
+      </p:grpSpPr>
+      <p:sp>
+        <p:nvSpPr>
+          <p:cNvPr id="2" name="Slide Number Placeholder 1"/>
+          <p:cNvSpPr>
+            <a:spLocks noGrp="1"/>
+          </p:cNvSpPr>
+          <p:nvPr>
+            <p:ph type="sldNum" sz="quarter" idx="12"/>
+          </p:nvPr>
+        </p:nvSpPr>
+        <p:spPr/>
+        <p:txBody>
+          <a:bodyPr/>
+          <a:lstStyle/>
+          <a:p>
+            <a:fld id="{7D9EC917-02A2-4152-9EE3-DFE2775A77C7}" type="slidenum">
+              <a:rPr lang="en-US" smtClean="0"/>
+              <a:pPr/>
+              <a:t>6</a:t>
+            </a:fld>
+            <a:endParaRPr lang="en-US"/>
+          </a:p>
+        </p:txBody>
+      </p:sp>
+      <p:sp>
+        <p:nvSpPr>
+          <p:cNvPr id="3" name="Text Placeholder 2"/>
+          <p:cNvSpPr>
+            <a:spLocks noGrp="1"/>
+          </p:cNvSpPr>
+          <p:nvPr>
+            <p:ph type="body" sz="quarter" idx="13"/>
+          </p:nvPr>
+        </p:nvSpPr>
+        <p:spPr/>
+        <p:txBody>
+          <a:bodyPr/>
+          <a:lstStyle/>
+          <a:p>
+            <a:r>
+              <a:rPr lang="en-US" dirty="0" smtClean="0"/>
+              <a:t>Python </a:t>
+            </a:r>
+            <a:r>
+              <a:rPr lang="en-US" dirty="0" err="1" smtClean="0"/>
+              <a:t>có</a:t>
+            </a:r>
+            <a:r>
+              <a:rPr lang="en-US" dirty="0" smtClean="0"/>
+              <a:t> </a:t>
+            </a:r>
+            <a:r>
+              <a:rPr lang="en-US" dirty="0" err="1" smtClean="0"/>
+              <a:t>phổ</a:t>
+            </a:r>
+            <a:r>
+              <a:rPr lang="en-US" dirty="0" smtClean="0"/>
+              <a:t> </a:t>
+            </a:r>
+            <a:r>
+              <a:rPr lang="en-US" dirty="0" err="1" smtClean="0"/>
+              <a:t>biến</a:t>
+            </a:r>
+            <a:r>
+              <a:rPr lang="en-US" dirty="0" smtClean="0"/>
+              <a:t> </a:t>
+            </a:r>
+            <a:r>
+              <a:rPr lang="en-US" dirty="0" err="1" smtClean="0"/>
+              <a:t>không</a:t>
+            </a:r>
+            <a:r>
+              <a:rPr lang="en-US" dirty="0" smtClean="0"/>
+              <a:t> ?</a:t>
+            </a:r>
+            <a:endParaRPr lang="en-US" dirty="0"/>
+          </a:p>
+        </p:txBody>
+      </p:sp>
+      <p:grpSp>
+        <p:nvGrpSpPr>
+          <p:cNvPr id="22" name="Group 21"/>
+          <p:cNvGrpSpPr/>
+          <p:nvPr/>
+        </p:nvGrpSpPr>
+        <p:grpSpPr>
+          <a:xfrm>
+            <a:off x="674238" y="2163751"/>
+            <a:ext cx="7730854" cy="3650249"/>
+            <a:chOff x="790616" y="1536469"/>
+            <a:chExt cx="7730854" cy="3650249"/>
+          </a:xfrm>
+        </p:grpSpPr>
+        <p:sp>
+          <p:nvSpPr>
+            <p:cNvPr id="6" name="Rounded Rectangle 5"/>
+            <p:cNvSpPr/>
+            <p:nvPr/>
+          </p:nvSpPr>
+          <p:spPr>
+            <a:xfrm>
+              <a:off x="1171616" y="1587731"/>
+              <a:ext cx="3167149" cy="659476"/>
+            </a:xfrm>
+            <a:prstGeom prst="roundRect">
+              <a:avLst/>
+            </a:prstGeom>
+            <a:solidFill>
+              <a:srgbClr val="9ACFF5"/>
+            </a:solidFill>
+            <a:ln>
+              <a:noFill/>
+            </a:ln>
+          </p:spPr>
+          <p:style>
+            <a:lnRef idx="2">
+              <a:schemeClr val="accent1">
+                <a:shade val="50000"/>
+              </a:schemeClr>
+            </a:lnRef>
+            <a:fillRef idx="1">
+              <a:schemeClr val="accent1"/>
+            </a:fillRef>
+            <a:effectRef idx="0">
+              <a:schemeClr val="accent1"/>
+            </a:effectRef>
+            <a:fontRef idx="minor">
+              <a:schemeClr val="lt1"/>
+            </a:fontRef>
+          </p:style>
+          <p:txBody>
+            <a:bodyPr rtlCol="0" anchor="ctr"/>
+            <a:lstStyle/>
+            <a:p>
+              <a:pPr algn="ctr"/>
+              <a:endParaRPr lang="en-US"/>
+            </a:p>
+          </p:txBody>
+        </p:sp>
+        <p:pic>
+          <p:nvPicPr>
+            <p:cNvPr id="4" name="Picture 3"/>
+            <p:cNvPicPr>
+              <a:picLocks noChangeAspect="1"/>
+            </p:cNvPicPr>
+            <p:nvPr/>
+          </p:nvPicPr>
+          <p:blipFill>
+            <a:blip r:embed="rId2">
+              <a:extLst>
+                <a:ext uri="{28A0092B-C50C-407E-A947-70E740481C1C}">
+                  <a14:useLocalDpi xmlns:a14="http://schemas.microsoft.com/office/drawing/2010/main" val="0"/>
+                </a:ext>
+              </a:extLst>
+            </a:blip>
+            <a:stretch>
+              <a:fillRect/>
+            </a:stretch>
+          </p:blipFill>
+          <p:spPr>
+            <a:xfrm>
+              <a:off x="790616" y="1536469"/>
+              <a:ext cx="762000" cy="762000"/>
+            </a:xfrm>
+            <a:prstGeom prst="rect">
+              <a:avLst/>
+            </a:prstGeom>
+          </p:spPr>
+        </p:pic>
+        <p:sp>
+          <p:nvSpPr>
+            <p:cNvPr id="8" name="Rounded Rectangle 7"/>
+            <p:cNvSpPr/>
+            <p:nvPr/>
+          </p:nvSpPr>
+          <p:spPr>
+            <a:xfrm>
+              <a:off x="1171616" y="2528758"/>
+              <a:ext cx="3167149" cy="659476"/>
+            </a:xfrm>
+            <a:prstGeom prst="roundRect">
+              <a:avLst/>
+            </a:prstGeom>
+            <a:solidFill>
+              <a:srgbClr val="FCCFEA"/>
+            </a:solidFill>
+            <a:ln>
+              <a:noFill/>
+            </a:ln>
+          </p:spPr>
+          <p:style>
+            <a:lnRef idx="2">
+              <a:schemeClr val="accent1">
+                <a:shade val="50000"/>
+              </a:schemeClr>
+            </a:lnRef>
+            <a:fillRef idx="1">
+              <a:schemeClr val="accent1"/>
+            </a:fillRef>
+            <a:effectRef idx="0">
+              <a:schemeClr val="accent1"/>
+            </a:effectRef>
+            <a:fontRef idx="minor">
+              <a:schemeClr val="lt1"/>
+            </a:fontRef>
+          </p:style>
+          <p:txBody>
+            <a:bodyPr rtlCol="0" anchor="ctr"/>
+            <a:lstStyle/>
+            <a:p>
+              <a:pPr algn="ctr"/>
+              <a:endParaRPr lang="en-US"/>
+            </a:p>
+          </p:txBody>
+        </p:sp>
+        <p:pic>
+          <p:nvPicPr>
+            <p:cNvPr id="5" name="Picture 4"/>
+            <p:cNvPicPr>
+              <a:picLocks noChangeAspect="1"/>
+            </p:cNvPicPr>
+            <p:nvPr/>
+          </p:nvPicPr>
+          <p:blipFill>
+            <a:blip r:embed="rId3">
+              <a:extLst>
+                <a:ext uri="{28A0092B-C50C-407E-A947-70E740481C1C}">
+                  <a14:useLocalDpi xmlns:a14="http://schemas.microsoft.com/office/drawing/2010/main" val="0"/>
+                </a:ext>
+              </a:extLst>
+            </a:blip>
+            <a:stretch>
+              <a:fillRect/>
+            </a:stretch>
+          </p:blipFill>
+          <p:spPr>
+            <a:xfrm>
+              <a:off x="790616" y="2458681"/>
+              <a:ext cx="762000" cy="762000"/>
+            </a:xfrm>
+            <a:prstGeom prst="rect">
+              <a:avLst/>
+            </a:prstGeom>
+          </p:spPr>
+        </p:pic>
+        <p:sp>
+          <p:nvSpPr>
+            <p:cNvPr id="9" name="Rounded Rectangle 8"/>
+            <p:cNvSpPr/>
+            <p:nvPr/>
+          </p:nvSpPr>
+          <p:spPr>
+            <a:xfrm>
+              <a:off x="1171616" y="3494966"/>
+              <a:ext cx="3167149" cy="659476"/>
+            </a:xfrm>
+            <a:prstGeom prst="roundRect">
+              <a:avLst/>
+            </a:prstGeom>
+            <a:solidFill>
+              <a:srgbClr val="FEF5C1"/>
+            </a:solidFill>
+            <a:ln>
+              <a:noFill/>
+            </a:ln>
+          </p:spPr>
+          <p:style>
+            <a:lnRef idx="2">
+              <a:schemeClr val="accent1">
+                <a:shade val="50000"/>
+              </a:schemeClr>
+            </a:lnRef>
+            <a:fillRef idx="1">
+              <a:schemeClr val="accent1"/>
+            </a:fillRef>
+            <a:effectRef idx="0">
+              <a:schemeClr val="accent1"/>
+            </a:effectRef>
+            <a:fontRef idx="minor">
+              <a:schemeClr val="lt1"/>
+            </a:fontRef>
+          </p:style>
+          <p:txBody>
+            <a:bodyPr rtlCol="0" anchor="ctr"/>
+            <a:lstStyle/>
+            <a:p>
+              <a:pPr algn="ctr"/>
+              <a:endParaRPr lang="en-US"/>
+            </a:p>
+          </p:txBody>
+        </p:sp>
+        <p:sp>
+          <p:nvSpPr>
+            <p:cNvPr id="11" name="Rounded Rectangle 10"/>
+            <p:cNvSpPr/>
+            <p:nvPr/>
+          </p:nvSpPr>
+          <p:spPr>
+            <a:xfrm>
+              <a:off x="1171616" y="4493621"/>
+              <a:ext cx="3167149" cy="659476"/>
+            </a:xfrm>
+            <a:prstGeom prst="roundRect">
+              <a:avLst/>
+            </a:prstGeom>
+            <a:solidFill>
+              <a:srgbClr val="CCC3F8"/>
+            </a:solidFill>
+            <a:ln>
+              <a:noFill/>
+            </a:ln>
+          </p:spPr>
+          <p:style>
+            <a:lnRef idx="2">
+              <a:schemeClr val="accent1">
+                <a:shade val="50000"/>
+              </a:schemeClr>
+            </a:lnRef>
+            <a:fillRef idx="1">
+              <a:schemeClr val="accent1"/>
+            </a:fillRef>
+            <a:effectRef idx="0">
+              <a:schemeClr val="accent1"/>
+            </a:effectRef>
+            <a:fontRef idx="minor">
+              <a:schemeClr val="lt1"/>
+            </a:fontRef>
+          </p:style>
+          <p:txBody>
+            <a:bodyPr rtlCol="0" anchor="ctr"/>
+            <a:lstStyle/>
+            <a:p>
+              <a:pPr algn="ctr"/>
+              <a:endParaRPr lang="en-US"/>
+            </a:p>
+          </p:txBody>
+        </p:sp>
+        <p:sp>
+          <p:nvSpPr>
+            <p:cNvPr id="13" name="Rounded Rectangle 12"/>
+            <p:cNvSpPr/>
+            <p:nvPr/>
+          </p:nvSpPr>
+          <p:spPr>
+            <a:xfrm>
+              <a:off x="5354321" y="1587731"/>
+              <a:ext cx="3167149" cy="659476"/>
+            </a:xfrm>
+            <a:prstGeom prst="roundRect">
+              <a:avLst/>
+            </a:prstGeom>
+            <a:solidFill>
+              <a:srgbClr val="B5EFD7"/>
+            </a:solidFill>
+            <a:ln>
+              <a:noFill/>
+            </a:ln>
+          </p:spPr>
+          <p:style>
+            <a:lnRef idx="2">
+              <a:schemeClr val="accent1">
+                <a:shade val="50000"/>
+              </a:schemeClr>
+            </a:lnRef>
+            <a:fillRef idx="1">
+              <a:schemeClr val="accent1"/>
+            </a:fillRef>
+            <a:effectRef idx="0">
+              <a:schemeClr val="accent1"/>
+            </a:effectRef>
+            <a:fontRef idx="minor">
+              <a:schemeClr val="lt1"/>
+            </a:fontRef>
+          </p:style>
+          <p:txBody>
+            <a:bodyPr rtlCol="0" anchor="ctr"/>
+            <a:lstStyle/>
+            <a:p>
+              <a:pPr algn="ctr"/>
+              <a:endParaRPr lang="en-US"/>
+            </a:p>
+          </p:txBody>
+        </p:sp>
+        <p:sp>
+          <p:nvSpPr>
+            <p:cNvPr id="14" name="Rounded Rectangle 13"/>
+            <p:cNvSpPr/>
+            <p:nvPr/>
+          </p:nvSpPr>
+          <p:spPr>
+            <a:xfrm>
+              <a:off x="5354321" y="2528758"/>
+              <a:ext cx="3167149" cy="659476"/>
+            </a:xfrm>
+            <a:prstGeom prst="roundRect">
+              <a:avLst/>
+            </a:prstGeom>
+            <a:solidFill>
+              <a:srgbClr val="F4D7FD"/>
+            </a:solidFill>
+            <a:ln>
+              <a:noFill/>
+            </a:ln>
+          </p:spPr>
+          <p:style>
+            <a:lnRef idx="2">
+              <a:schemeClr val="accent1">
+                <a:shade val="50000"/>
+              </a:schemeClr>
+            </a:lnRef>
+            <a:fillRef idx="1">
+              <a:schemeClr val="accent1"/>
+            </a:fillRef>
+            <a:effectRef idx="0">
+              <a:schemeClr val="accent1"/>
+            </a:effectRef>
+            <a:fontRef idx="minor">
+              <a:schemeClr val="lt1"/>
+            </a:fontRef>
+          </p:style>
+          <p:txBody>
+            <a:bodyPr rtlCol="0" anchor="ctr"/>
+            <a:lstStyle/>
+            <a:p>
+              <a:pPr algn="ctr"/>
+              <a:endParaRPr lang="en-US"/>
+            </a:p>
+          </p:txBody>
+        </p:sp>
+        <p:sp>
+          <p:nvSpPr>
+            <p:cNvPr id="15" name="Rounded Rectangle 14"/>
+            <p:cNvSpPr/>
+            <p:nvPr/>
+          </p:nvSpPr>
+          <p:spPr>
+            <a:xfrm>
+              <a:off x="5354321" y="3527413"/>
+              <a:ext cx="3167149" cy="659476"/>
+            </a:xfrm>
+            <a:prstGeom prst="roundRect">
+              <a:avLst/>
+            </a:prstGeom>
+            <a:solidFill>
+              <a:srgbClr val="BDFAEF"/>
+            </a:solidFill>
+            <a:ln>
+              <a:noFill/>
+            </a:ln>
+          </p:spPr>
+          <p:style>
+            <a:lnRef idx="2">
+              <a:schemeClr val="accent1">
+                <a:shade val="50000"/>
+              </a:schemeClr>
+            </a:lnRef>
+            <a:fillRef idx="1">
+              <a:schemeClr val="accent1"/>
+            </a:fillRef>
+            <a:effectRef idx="0">
+              <a:schemeClr val="accent1"/>
+            </a:effectRef>
+            <a:fontRef idx="minor">
+              <a:schemeClr val="lt1"/>
+            </a:fontRef>
+          </p:style>
+          <p:txBody>
+            <a:bodyPr rtlCol="0" anchor="ctr"/>
+            <a:lstStyle/>
+            <a:p>
+              <a:pPr algn="ctr"/>
+              <a:endParaRPr lang="en-US"/>
+            </a:p>
+          </p:txBody>
+        </p:sp>
+        <p:sp>
+          <p:nvSpPr>
+            <p:cNvPr id="16" name="Rounded Rectangle 15"/>
+            <p:cNvSpPr/>
+            <p:nvPr/>
+          </p:nvSpPr>
+          <p:spPr>
+            <a:xfrm>
+              <a:off x="5354321" y="4493621"/>
+              <a:ext cx="3167149" cy="659476"/>
+            </a:xfrm>
+            <a:prstGeom prst="roundRect">
+              <a:avLst/>
+            </a:prstGeom>
+            <a:solidFill>
+              <a:srgbClr val="F8C0CB"/>
+            </a:solidFill>
+            <a:ln>
+              <a:noFill/>
+            </a:ln>
+          </p:spPr>
+          <p:style>
+            <a:lnRef idx="2">
+              <a:schemeClr val="accent1">
+                <a:shade val="50000"/>
+              </a:schemeClr>
+            </a:lnRef>
+            <a:fillRef idx="1">
+              <a:schemeClr val="accent1"/>
+            </a:fillRef>
+            <a:effectRef idx="0">
+              <a:schemeClr val="accent1"/>
+            </a:effectRef>
+            <a:fontRef idx="minor">
+              <a:schemeClr val="lt1"/>
+            </a:fontRef>
+          </p:style>
+          <p:txBody>
+            <a:bodyPr rtlCol="0" anchor="ctr"/>
+            <a:lstStyle/>
+            <a:p>
+              <a:pPr algn="ctr"/>
+              <a:endParaRPr lang="en-US"/>
+            </a:p>
+          </p:txBody>
+        </p:sp>
+        <p:pic>
+          <p:nvPicPr>
+            <p:cNvPr id="7" name="Picture 6"/>
+            <p:cNvPicPr>
+              <a:picLocks noChangeAspect="1"/>
+            </p:cNvPicPr>
+            <p:nvPr/>
+          </p:nvPicPr>
+          <p:blipFill>
+            <a:blip r:embed="rId4">
+              <a:extLst>
+                <a:ext uri="{28A0092B-C50C-407E-A947-70E740481C1C}">
+                  <a14:useLocalDpi xmlns:a14="http://schemas.microsoft.com/office/drawing/2010/main" val="0"/>
+                </a:ext>
+              </a:extLst>
+            </a:blip>
+            <a:stretch>
+              <a:fillRect/>
+            </a:stretch>
+          </p:blipFill>
+          <p:spPr>
+            <a:xfrm>
+              <a:off x="790616" y="3381729"/>
+              <a:ext cx="762000" cy="762000"/>
+            </a:xfrm>
+            <a:prstGeom prst="rect">
+              <a:avLst/>
+            </a:prstGeom>
+          </p:spPr>
+        </p:pic>
+        <p:pic>
+          <p:nvPicPr>
+            <p:cNvPr id="17" name="Picture 16"/>
+            <p:cNvPicPr>
+              <a:picLocks noChangeAspect="1"/>
+            </p:cNvPicPr>
+            <p:nvPr/>
+          </p:nvPicPr>
+          <p:blipFill>
+            <a:blip r:embed="rId5">
+              <a:extLst>
+                <a:ext uri="{28A0092B-C50C-407E-A947-70E740481C1C}">
+                  <a14:useLocalDpi xmlns:a14="http://schemas.microsoft.com/office/drawing/2010/main" val="0"/>
+                </a:ext>
+              </a:extLst>
+            </a:blip>
+            <a:stretch>
+              <a:fillRect/>
+            </a:stretch>
+          </p:blipFill>
+          <p:spPr>
+            <a:xfrm>
+              <a:off x="790616" y="4424718"/>
+              <a:ext cx="762000" cy="762000"/>
+            </a:xfrm>
+            <a:prstGeom prst="rect">
+              <a:avLst/>
+            </a:prstGeom>
+          </p:spPr>
+        </p:pic>
+        <p:pic>
+          <p:nvPicPr>
+            <p:cNvPr id="18" name="Picture 17"/>
+            <p:cNvPicPr>
+              <a:picLocks noChangeAspect="1"/>
+            </p:cNvPicPr>
+            <p:nvPr/>
+          </p:nvPicPr>
+          <p:blipFill>
+            <a:blip r:embed="rId6">
+              <a:extLst>
+                <a:ext uri="{28A0092B-C50C-407E-A947-70E740481C1C}">
+                  <a14:useLocalDpi xmlns:a14="http://schemas.microsoft.com/office/drawing/2010/main" val="0"/>
+                </a:ext>
+              </a:extLst>
+            </a:blip>
+            <a:stretch>
+              <a:fillRect/>
+            </a:stretch>
+          </p:blipFill>
+          <p:spPr>
+            <a:xfrm>
+              <a:off x="5047953" y="4424718"/>
+              <a:ext cx="762000" cy="762000"/>
+            </a:xfrm>
+            <a:prstGeom prst="rect">
+              <a:avLst/>
+            </a:prstGeom>
+          </p:spPr>
+        </p:pic>
+        <p:pic>
+          <p:nvPicPr>
+            <p:cNvPr id="19" name="Picture 18"/>
+            <p:cNvPicPr>
+              <a:picLocks noChangeAspect="1"/>
+            </p:cNvPicPr>
+            <p:nvPr/>
+          </p:nvPicPr>
+          <p:blipFill>
+            <a:blip r:embed="rId7">
+              <a:extLst>
+                <a:ext uri="{28A0092B-C50C-407E-A947-70E740481C1C}">
+                  <a14:useLocalDpi xmlns:a14="http://schemas.microsoft.com/office/drawing/2010/main" val="0"/>
+                </a:ext>
+              </a:extLst>
+            </a:blip>
+            <a:stretch>
+              <a:fillRect/>
+            </a:stretch>
+          </p:blipFill>
+          <p:spPr>
+            <a:xfrm>
+              <a:off x="5023757" y="3460330"/>
+              <a:ext cx="762000" cy="762000"/>
+            </a:xfrm>
+            <a:prstGeom prst="rect">
+              <a:avLst/>
+            </a:prstGeom>
+          </p:spPr>
+        </p:pic>
+        <p:pic>
+          <p:nvPicPr>
+            <p:cNvPr id="20" name="Picture 19"/>
+            <p:cNvPicPr>
+              <a:picLocks noChangeAspect="1"/>
+            </p:cNvPicPr>
+            <p:nvPr/>
+          </p:nvPicPr>
+          <p:blipFill>
+            <a:blip r:embed="rId8">
+              <a:extLst>
+                <a:ext uri="{28A0092B-C50C-407E-A947-70E740481C1C}">
+                  <a14:useLocalDpi xmlns:a14="http://schemas.microsoft.com/office/drawing/2010/main" val="0"/>
+                </a:ext>
+              </a:extLst>
+            </a:blip>
+            <a:stretch>
+              <a:fillRect/>
+            </a:stretch>
+          </p:blipFill>
+          <p:spPr>
+            <a:xfrm>
+              <a:off x="5023757" y="2458681"/>
+              <a:ext cx="762000" cy="762000"/>
+            </a:xfrm>
+            <a:prstGeom prst="rect">
+              <a:avLst/>
+            </a:prstGeom>
+          </p:spPr>
+        </p:pic>
+        <p:pic>
+          <p:nvPicPr>
+            <p:cNvPr id="21" name="Picture 20"/>
+            <p:cNvPicPr>
+              <a:picLocks noChangeAspect="1"/>
+            </p:cNvPicPr>
+            <p:nvPr/>
+          </p:nvPicPr>
+          <p:blipFill>
+            <a:blip r:embed="rId9">
+              <a:extLst>
+                <a:ext uri="{28A0092B-C50C-407E-A947-70E740481C1C}">
+                  <a14:useLocalDpi xmlns:a14="http://schemas.microsoft.com/office/drawing/2010/main" val="0"/>
+                </a:ext>
+              </a:extLst>
+            </a:blip>
+            <a:stretch>
+              <a:fillRect/>
+            </a:stretch>
+          </p:blipFill>
+          <p:spPr>
+            <a:xfrm>
+              <a:off x="5023757" y="1536469"/>
+              <a:ext cx="762000" cy="762000"/>
+            </a:xfrm>
+            <a:prstGeom prst="rect">
+              <a:avLst/>
+            </a:prstGeom>
+          </p:spPr>
+        </p:pic>
+        <p:sp>
+          <p:nvSpPr>
+            <p:cNvPr id="23" name="TextBox 22"/>
+            <p:cNvSpPr txBox="1"/>
+            <p:nvPr/>
+          </p:nvSpPr>
+          <p:spPr>
+            <a:xfrm>
+              <a:off x="1675509" y="1718840"/>
+              <a:ext cx="2388936" cy="369332"/>
+            </a:xfrm>
+            <a:prstGeom prst="rect">
+              <a:avLst/>
+            </a:prstGeom>
+            <a:noFill/>
+          </p:spPr>
+          <p:txBody>
+            <a:bodyPr wrap="square" rtlCol="0">
+              <a:spAutoFit/>
+            </a:bodyPr>
+            <a:lstStyle/>
+            <a:p>
+              <a:r>
+                <a:rPr lang="en-US" dirty="0" err="1" smtClean="0">
+                  <a:solidFill>
+                    <a:schemeClr val="tx1">
+                      <a:lumMod val="85000"/>
+                      <a:lumOff val="15000"/>
+                    </a:schemeClr>
+                  </a:solidFill>
+                </a:rPr>
+                <a:t>Đơn</a:t>
+              </a:r>
+              <a:r>
+                <a:rPr lang="en-US" dirty="0" smtClean="0">
+                  <a:solidFill>
+                    <a:schemeClr val="tx1">
+                      <a:lumMod val="85000"/>
+                      <a:lumOff val="15000"/>
+                    </a:schemeClr>
+                  </a:solidFill>
+                </a:rPr>
+                <a:t> </a:t>
+              </a:r>
+              <a:r>
+                <a:rPr lang="en-US" dirty="0" err="1" smtClean="0">
+                  <a:solidFill>
+                    <a:schemeClr val="tx1">
+                      <a:lumMod val="85000"/>
+                      <a:lumOff val="15000"/>
+                    </a:schemeClr>
+                  </a:solidFill>
+                </a:rPr>
+                <a:t>giản</a:t>
+              </a:r>
+              <a:r>
+                <a:rPr lang="en-US" dirty="0" smtClean="0">
+                  <a:solidFill>
+                    <a:schemeClr val="tx1">
+                      <a:lumMod val="85000"/>
+                      <a:lumOff val="15000"/>
+                    </a:schemeClr>
+                  </a:solidFill>
+                </a:rPr>
+                <a:t>, </a:t>
+              </a:r>
+              <a:r>
+                <a:rPr lang="en-US" dirty="0" err="1" smtClean="0">
+                  <a:solidFill>
+                    <a:schemeClr val="tx1">
+                      <a:lumMod val="85000"/>
+                      <a:lumOff val="15000"/>
+                    </a:schemeClr>
+                  </a:solidFill>
+                </a:rPr>
+                <a:t>dễ</a:t>
+              </a:r>
+              <a:r>
+                <a:rPr lang="en-US" dirty="0" smtClean="0">
+                  <a:solidFill>
+                    <a:schemeClr val="tx1">
+                      <a:lumMod val="85000"/>
+                      <a:lumOff val="15000"/>
+                    </a:schemeClr>
+                  </a:solidFill>
+                </a:rPr>
+                <a:t> </a:t>
+              </a:r>
+              <a:r>
+                <a:rPr lang="en-US" dirty="0" err="1" smtClean="0">
+                  <a:solidFill>
+                    <a:schemeClr val="tx1">
+                      <a:lumMod val="85000"/>
+                      <a:lumOff val="15000"/>
+                    </a:schemeClr>
+                  </a:solidFill>
+                </a:rPr>
+                <a:t>dùng</a:t>
+              </a:r>
+              <a:endParaRPr lang="en-US" dirty="0">
+                <a:solidFill>
+                  <a:schemeClr val="tx1">
+                    <a:lumMod val="85000"/>
+                    <a:lumOff val="15000"/>
+                  </a:schemeClr>
+                </a:solidFill>
+              </a:endParaRPr>
+            </a:p>
+          </p:txBody>
+        </p:sp>
+        <p:sp>
+          <p:nvSpPr>
+            <p:cNvPr id="24" name="TextBox 23"/>
+            <p:cNvSpPr txBox="1"/>
+            <p:nvPr/>
+          </p:nvSpPr>
+          <p:spPr>
+            <a:xfrm>
+              <a:off x="1675509" y="2684805"/>
+              <a:ext cx="2388936" cy="369332"/>
+            </a:xfrm>
+            <a:prstGeom prst="rect">
+              <a:avLst/>
+            </a:prstGeom>
+            <a:noFill/>
+          </p:spPr>
+          <p:txBody>
+            <a:bodyPr wrap="square" rtlCol="0">
+              <a:spAutoFit/>
+            </a:bodyPr>
+            <a:lstStyle/>
+            <a:p>
+              <a:r>
+                <a:rPr lang="en-US" dirty="0" err="1" smtClean="0">
+                  <a:solidFill>
+                    <a:schemeClr val="tx1">
+                      <a:lumMod val="85000"/>
+                      <a:lumOff val="15000"/>
+                    </a:schemeClr>
+                  </a:solidFill>
+                </a:rPr>
+                <a:t>Hiệu</a:t>
+              </a:r>
+              <a:r>
+                <a:rPr lang="en-US" dirty="0" smtClean="0">
+                  <a:solidFill>
+                    <a:schemeClr val="tx1">
+                      <a:lumMod val="85000"/>
+                      <a:lumOff val="15000"/>
+                    </a:schemeClr>
+                  </a:solidFill>
+                </a:rPr>
+                <a:t> </a:t>
+              </a:r>
+              <a:r>
+                <a:rPr lang="en-US" dirty="0" err="1" smtClean="0">
+                  <a:solidFill>
+                    <a:schemeClr val="tx1">
+                      <a:lumMod val="85000"/>
+                      <a:lumOff val="15000"/>
+                    </a:schemeClr>
+                  </a:solidFill>
+                </a:rPr>
+                <a:t>quả</a:t>
+              </a:r>
+              <a:r>
+                <a:rPr lang="en-US" dirty="0" smtClean="0">
+                  <a:solidFill>
+                    <a:schemeClr val="tx1">
+                      <a:lumMod val="85000"/>
+                      <a:lumOff val="15000"/>
+                    </a:schemeClr>
+                  </a:solidFill>
+                </a:rPr>
+                <a:t> </a:t>
+              </a:r>
+              <a:r>
+                <a:rPr lang="en-US" dirty="0" err="1" smtClean="0">
+                  <a:solidFill>
+                    <a:schemeClr val="tx1">
+                      <a:lumMod val="85000"/>
+                      <a:lumOff val="15000"/>
+                    </a:schemeClr>
+                  </a:solidFill>
+                </a:rPr>
+                <a:t>cao</a:t>
+              </a:r>
+              <a:endParaRPr lang="en-US" dirty="0">
+                <a:solidFill>
+                  <a:schemeClr val="tx1">
+                    <a:lumMod val="85000"/>
+                    <a:lumOff val="15000"/>
+                  </a:schemeClr>
+                </a:solidFill>
+              </a:endParaRPr>
+            </a:p>
+          </p:txBody>
+        </p:sp>
+        <p:sp>
+          <p:nvSpPr>
+            <p:cNvPr id="25" name="TextBox 24"/>
+            <p:cNvSpPr txBox="1"/>
+            <p:nvPr/>
+          </p:nvSpPr>
+          <p:spPr>
+            <a:xfrm>
+              <a:off x="1675509" y="3518164"/>
+              <a:ext cx="2388936" cy="646331"/>
+            </a:xfrm>
+            <a:prstGeom prst="rect">
+              <a:avLst/>
+            </a:prstGeom>
+            <a:noFill/>
+          </p:spPr>
+          <p:txBody>
+            <a:bodyPr wrap="square" rtlCol="0">
+              <a:spAutoFit/>
+            </a:bodyPr>
+            <a:lstStyle/>
+            <a:p>
+              <a:r>
+                <a:rPr lang="en-US" dirty="0" err="1" smtClean="0">
+                  <a:solidFill>
+                    <a:schemeClr val="tx1">
+                      <a:lumMod val="85000"/>
+                      <a:lumOff val="15000"/>
+                    </a:schemeClr>
+                  </a:solidFill>
+                </a:rPr>
+                <a:t>Thư</a:t>
+              </a:r>
+              <a:r>
+                <a:rPr lang="en-US" dirty="0" smtClean="0">
+                  <a:solidFill>
+                    <a:schemeClr val="tx1">
+                      <a:lumMod val="85000"/>
+                      <a:lumOff val="15000"/>
+                    </a:schemeClr>
+                  </a:solidFill>
+                </a:rPr>
+                <a:t> </a:t>
+              </a:r>
+              <a:r>
+                <a:rPr lang="en-US" dirty="0" err="1" smtClean="0">
+                  <a:solidFill>
+                    <a:schemeClr val="tx1">
+                      <a:lumMod val="85000"/>
+                      <a:lumOff val="15000"/>
+                    </a:schemeClr>
+                  </a:solidFill>
+                </a:rPr>
+                <a:t>viện</a:t>
+              </a:r>
+              <a:r>
+                <a:rPr lang="en-US" dirty="0" smtClean="0">
+                  <a:solidFill>
+                    <a:schemeClr val="tx1">
+                      <a:lumMod val="85000"/>
+                      <a:lumOff val="15000"/>
+                    </a:schemeClr>
+                  </a:solidFill>
+                </a:rPr>
+                <a:t>, framework </a:t>
+              </a:r>
+              <a:r>
+                <a:rPr lang="en-US" dirty="0" err="1" smtClean="0">
+                  <a:solidFill>
+                    <a:schemeClr val="tx1">
+                      <a:lumMod val="85000"/>
+                      <a:lumOff val="15000"/>
+                    </a:schemeClr>
+                  </a:solidFill>
+                </a:rPr>
+                <a:t>đa</a:t>
+              </a:r>
+              <a:r>
+                <a:rPr lang="en-US" dirty="0" smtClean="0">
+                  <a:solidFill>
+                    <a:schemeClr val="tx1">
+                      <a:lumMod val="85000"/>
+                      <a:lumOff val="15000"/>
+                    </a:schemeClr>
+                  </a:solidFill>
+                </a:rPr>
+                <a:t> </a:t>
+              </a:r>
+              <a:r>
+                <a:rPr lang="en-US" dirty="0" err="1" smtClean="0">
+                  <a:solidFill>
+                    <a:schemeClr val="tx1">
+                      <a:lumMod val="85000"/>
+                      <a:lumOff val="15000"/>
+                    </a:schemeClr>
+                  </a:solidFill>
+                </a:rPr>
+                <a:t>dạng</a:t>
+              </a:r>
+              <a:endParaRPr lang="en-US" dirty="0">
+                <a:solidFill>
+                  <a:schemeClr val="tx1">
+                    <a:lumMod val="85000"/>
+                    <a:lumOff val="15000"/>
+                  </a:schemeClr>
+                </a:solidFill>
+              </a:endParaRPr>
+            </a:p>
+          </p:txBody>
+        </p:sp>
+        <p:sp>
+          <p:nvSpPr>
+            <p:cNvPr id="26" name="TextBox 25"/>
+            <p:cNvSpPr txBox="1"/>
+            <p:nvPr/>
+          </p:nvSpPr>
+          <p:spPr>
+            <a:xfrm>
+              <a:off x="1675509" y="4638693"/>
+              <a:ext cx="2388936" cy="369332"/>
+            </a:xfrm>
+            <a:prstGeom prst="rect">
+              <a:avLst/>
+            </a:prstGeom>
+            <a:noFill/>
+          </p:spPr>
+          <p:txBody>
+            <a:bodyPr wrap="square" rtlCol="0">
+              <a:spAutoFit/>
+            </a:bodyPr>
+            <a:lstStyle/>
+            <a:p>
+              <a:r>
+                <a:rPr lang="en-US" dirty="0" err="1" smtClean="0">
+                  <a:solidFill>
+                    <a:schemeClr val="tx1">
+                      <a:lumMod val="85000"/>
+                      <a:lumOff val="15000"/>
+                    </a:schemeClr>
+                  </a:solidFill>
+                </a:rPr>
+                <a:t>Đa</a:t>
+              </a:r>
+              <a:r>
+                <a:rPr lang="en-US" dirty="0" smtClean="0">
+                  <a:solidFill>
+                    <a:schemeClr val="tx1">
+                      <a:lumMod val="85000"/>
+                      <a:lumOff val="15000"/>
+                    </a:schemeClr>
+                  </a:solidFill>
+                </a:rPr>
+                <a:t> </a:t>
+              </a:r>
+              <a:r>
+                <a:rPr lang="en-US" dirty="0" err="1" smtClean="0">
+                  <a:solidFill>
+                    <a:schemeClr val="tx1">
+                      <a:lumMod val="85000"/>
+                      <a:lumOff val="15000"/>
+                    </a:schemeClr>
+                  </a:solidFill>
+                </a:rPr>
+                <a:t>năng</a:t>
+              </a:r>
+              <a:endParaRPr lang="en-US" dirty="0">
+                <a:solidFill>
+                  <a:schemeClr val="tx1">
+                    <a:lumMod val="85000"/>
+                    <a:lumOff val="15000"/>
+                  </a:schemeClr>
+                </a:solidFill>
+              </a:endParaRPr>
+            </a:p>
+          </p:txBody>
+        </p:sp>
+        <p:sp>
+          <p:nvSpPr>
+            <p:cNvPr id="27" name="TextBox 26"/>
+            <p:cNvSpPr txBox="1"/>
+            <p:nvPr/>
+          </p:nvSpPr>
+          <p:spPr>
+            <a:xfrm>
+              <a:off x="5915478" y="1718840"/>
+              <a:ext cx="2388936" cy="369332"/>
+            </a:xfrm>
+            <a:prstGeom prst="rect">
+              <a:avLst/>
+            </a:prstGeom>
+            <a:noFill/>
+          </p:spPr>
+          <p:txBody>
+            <a:bodyPr wrap="square" rtlCol="0">
+              <a:spAutoFit/>
+            </a:bodyPr>
+            <a:lstStyle/>
+            <a:p>
+              <a:r>
+                <a:rPr lang="en-US" dirty="0" err="1" smtClean="0">
+                  <a:solidFill>
+                    <a:schemeClr val="tx1">
+                      <a:lumMod val="85000"/>
+                      <a:lumOff val="15000"/>
+                    </a:schemeClr>
+                  </a:solidFill>
+                </a:rPr>
+                <a:t>Cộng</a:t>
+              </a:r>
+              <a:r>
+                <a:rPr lang="en-US" dirty="0" smtClean="0">
+                  <a:solidFill>
+                    <a:schemeClr val="tx1">
+                      <a:lumMod val="85000"/>
+                      <a:lumOff val="15000"/>
+                    </a:schemeClr>
+                  </a:solidFill>
+                </a:rPr>
+                <a:t> </a:t>
+              </a:r>
+              <a:r>
+                <a:rPr lang="en-US" dirty="0" err="1" smtClean="0">
+                  <a:solidFill>
+                    <a:schemeClr val="tx1">
+                      <a:lumMod val="85000"/>
+                      <a:lumOff val="15000"/>
+                    </a:schemeClr>
+                  </a:solidFill>
+                </a:rPr>
+                <a:t>đồng</a:t>
+              </a:r>
+              <a:r>
+                <a:rPr lang="en-US" dirty="0" smtClean="0">
+                  <a:solidFill>
+                    <a:schemeClr val="tx1">
+                      <a:lumMod val="85000"/>
+                      <a:lumOff val="15000"/>
+                    </a:schemeClr>
+                  </a:solidFill>
+                </a:rPr>
+                <a:t> </a:t>
+              </a:r>
+              <a:r>
+                <a:rPr lang="en-US" dirty="0" err="1" smtClean="0">
+                  <a:solidFill>
+                    <a:schemeClr val="tx1">
+                      <a:lumMod val="85000"/>
+                      <a:lumOff val="15000"/>
+                    </a:schemeClr>
+                  </a:solidFill>
+                </a:rPr>
+                <a:t>rộng</a:t>
+              </a:r>
+              <a:r>
+                <a:rPr lang="en-US" dirty="0" smtClean="0">
+                  <a:solidFill>
+                    <a:schemeClr val="tx1">
+                      <a:lumMod val="85000"/>
+                      <a:lumOff val="15000"/>
+                    </a:schemeClr>
+                  </a:solidFill>
+                </a:rPr>
+                <a:t> </a:t>
+              </a:r>
+              <a:r>
+                <a:rPr lang="en-US" dirty="0" err="1" smtClean="0">
+                  <a:solidFill>
+                    <a:schemeClr val="tx1">
+                      <a:lumMod val="85000"/>
+                      <a:lumOff val="15000"/>
+                    </a:schemeClr>
+                  </a:solidFill>
+                </a:rPr>
+                <a:t>lớn</a:t>
+              </a:r>
+              <a:endParaRPr lang="en-US" dirty="0">
+                <a:solidFill>
+                  <a:schemeClr val="tx1">
+                    <a:lumMod val="85000"/>
+                    <a:lumOff val="15000"/>
+                  </a:schemeClr>
+                </a:solidFill>
+              </a:endParaRPr>
+            </a:p>
+          </p:txBody>
+        </p:sp>
+        <p:sp>
+          <p:nvSpPr>
+            <p:cNvPr id="28" name="TextBox 27"/>
+            <p:cNvSpPr txBox="1"/>
+            <p:nvPr/>
+          </p:nvSpPr>
+          <p:spPr>
+            <a:xfrm>
+              <a:off x="5915478" y="2684805"/>
+              <a:ext cx="2605992" cy="369332"/>
+            </a:xfrm>
+            <a:prstGeom prst="rect">
+              <a:avLst/>
+            </a:prstGeom>
+            <a:noFill/>
+          </p:spPr>
+          <p:txBody>
+            <a:bodyPr wrap="square" rtlCol="0">
+              <a:spAutoFit/>
+            </a:bodyPr>
+            <a:lstStyle/>
+            <a:p>
+              <a:r>
+                <a:rPr lang="en-US" dirty="0" err="1" smtClean="0">
+                  <a:solidFill>
+                    <a:schemeClr val="tx1">
+                      <a:lumMod val="85000"/>
+                      <a:lumOff val="15000"/>
+                    </a:schemeClr>
+                  </a:solidFill>
+                </a:rPr>
+                <a:t>Khả</a:t>
+              </a:r>
+              <a:r>
+                <a:rPr lang="en-US" dirty="0" smtClean="0">
+                  <a:solidFill>
+                    <a:schemeClr val="tx1">
+                      <a:lumMod val="85000"/>
+                      <a:lumOff val="15000"/>
+                    </a:schemeClr>
+                  </a:solidFill>
+                </a:rPr>
+                <a:t> </a:t>
+              </a:r>
+              <a:r>
+                <a:rPr lang="en-US" dirty="0" err="1" smtClean="0">
+                  <a:solidFill>
+                    <a:schemeClr val="tx1">
+                      <a:lumMod val="85000"/>
+                      <a:lumOff val="15000"/>
+                    </a:schemeClr>
+                  </a:solidFill>
+                </a:rPr>
+                <a:t>năng</a:t>
+              </a:r>
+              <a:r>
+                <a:rPr lang="en-US" dirty="0" smtClean="0">
+                  <a:solidFill>
+                    <a:schemeClr val="tx1">
+                      <a:lumMod val="85000"/>
+                      <a:lumOff val="15000"/>
+                    </a:schemeClr>
+                  </a:solidFill>
+                </a:rPr>
+                <a:t> </a:t>
+              </a:r>
+              <a:r>
+                <a:rPr lang="en-US" dirty="0" err="1" smtClean="0">
+                  <a:solidFill>
+                    <a:schemeClr val="tx1">
+                      <a:lumMod val="85000"/>
+                      <a:lumOff val="15000"/>
+                    </a:schemeClr>
+                  </a:solidFill>
+                </a:rPr>
+                <a:t>mở</a:t>
+              </a:r>
+              <a:r>
+                <a:rPr lang="en-US" dirty="0" smtClean="0">
+                  <a:solidFill>
+                    <a:schemeClr val="tx1">
+                      <a:lumMod val="85000"/>
+                      <a:lumOff val="15000"/>
+                    </a:schemeClr>
+                  </a:solidFill>
+                </a:rPr>
+                <a:t> </a:t>
+              </a:r>
+              <a:r>
+                <a:rPr lang="en-US" dirty="0" err="1" smtClean="0">
+                  <a:solidFill>
+                    <a:schemeClr val="tx1">
+                      <a:lumMod val="85000"/>
+                      <a:lumOff val="15000"/>
+                    </a:schemeClr>
+                  </a:solidFill>
+                </a:rPr>
+                <a:t>rộng</a:t>
+              </a:r>
+              <a:r>
+                <a:rPr lang="en-US" dirty="0" smtClean="0">
+                  <a:solidFill>
+                    <a:schemeClr val="tx1">
+                      <a:lumMod val="85000"/>
+                      <a:lumOff val="15000"/>
+                    </a:schemeClr>
+                  </a:solidFill>
+                </a:rPr>
+                <a:t> </a:t>
+              </a:r>
+              <a:r>
+                <a:rPr lang="en-US" dirty="0" err="1" smtClean="0">
+                  <a:solidFill>
+                    <a:schemeClr val="tx1">
+                      <a:lumMod val="85000"/>
+                      <a:lumOff val="15000"/>
+                    </a:schemeClr>
+                  </a:solidFill>
+                </a:rPr>
+                <a:t>cao</a:t>
+              </a:r>
+              <a:endParaRPr lang="en-US" dirty="0">
+                <a:solidFill>
+                  <a:schemeClr val="tx1">
+                    <a:lumMod val="85000"/>
+                    <a:lumOff val="15000"/>
+                  </a:schemeClr>
+                </a:solidFill>
+              </a:endParaRPr>
+            </a:p>
+          </p:txBody>
+        </p:sp>
+        <p:sp>
+          <p:nvSpPr>
+            <p:cNvPr id="29" name="TextBox 28"/>
+            <p:cNvSpPr txBox="1"/>
+            <p:nvPr/>
+          </p:nvSpPr>
+          <p:spPr>
+            <a:xfrm>
+              <a:off x="5915478" y="3672485"/>
+              <a:ext cx="2388936" cy="369332"/>
+            </a:xfrm>
+            <a:prstGeom prst="rect">
+              <a:avLst/>
+            </a:prstGeom>
+            <a:noFill/>
+          </p:spPr>
+          <p:txBody>
+            <a:bodyPr wrap="square" rtlCol="0">
+              <a:spAutoFit/>
+            </a:bodyPr>
+            <a:lstStyle/>
+            <a:p>
+              <a:r>
+                <a:rPr lang="en-US" dirty="0" err="1" smtClean="0">
+                  <a:solidFill>
+                    <a:schemeClr val="tx1">
+                      <a:lumMod val="85000"/>
+                      <a:lumOff val="15000"/>
+                    </a:schemeClr>
+                  </a:solidFill>
+                </a:rPr>
+                <a:t>Linh</a:t>
+              </a:r>
+              <a:r>
+                <a:rPr lang="en-US" dirty="0" smtClean="0">
+                  <a:solidFill>
+                    <a:schemeClr val="tx1">
+                      <a:lumMod val="85000"/>
+                      <a:lumOff val="15000"/>
+                    </a:schemeClr>
+                  </a:solidFill>
+                </a:rPr>
+                <a:t> </a:t>
+              </a:r>
+              <a:r>
+                <a:rPr lang="en-US" dirty="0" err="1" smtClean="0">
+                  <a:solidFill>
+                    <a:schemeClr val="tx1">
+                      <a:lumMod val="85000"/>
+                      <a:lumOff val="15000"/>
+                    </a:schemeClr>
+                  </a:solidFill>
+                </a:rPr>
+                <a:t>hoạt</a:t>
+              </a:r>
+              <a:endParaRPr lang="en-US" dirty="0">
+                <a:solidFill>
+                  <a:schemeClr val="tx1">
+                    <a:lumMod val="85000"/>
+                    <a:lumOff val="15000"/>
+                  </a:schemeClr>
+                </a:solidFill>
+              </a:endParaRPr>
+            </a:p>
+          </p:txBody>
+        </p:sp>
+        <p:sp>
+          <p:nvSpPr>
+            <p:cNvPr id="30" name="TextBox 29"/>
+            <p:cNvSpPr txBox="1"/>
+            <p:nvPr/>
+          </p:nvSpPr>
+          <p:spPr>
+            <a:xfrm>
+              <a:off x="5915478" y="4638693"/>
+              <a:ext cx="2388936" cy="369332"/>
+            </a:xfrm>
+            <a:prstGeom prst="rect">
+              <a:avLst/>
+            </a:prstGeom>
+            <a:noFill/>
+          </p:spPr>
+          <p:txBody>
+            <a:bodyPr wrap="square" rtlCol="0">
+              <a:spAutoFit/>
+            </a:bodyPr>
+            <a:lstStyle/>
+            <a:p>
+              <a:r>
+                <a:rPr lang="en-US" dirty="0" err="1" smtClean="0">
+                  <a:solidFill>
+                    <a:schemeClr val="tx1">
+                      <a:lumMod val="85000"/>
+                      <a:lumOff val="15000"/>
+                    </a:schemeClr>
+                  </a:solidFill>
+                </a:rPr>
+                <a:t>Tài</a:t>
+              </a:r>
+              <a:r>
+                <a:rPr lang="en-US" dirty="0" smtClean="0">
+                  <a:solidFill>
+                    <a:schemeClr val="tx1">
+                      <a:lumMod val="85000"/>
+                      <a:lumOff val="15000"/>
+                    </a:schemeClr>
+                  </a:solidFill>
+                </a:rPr>
+                <a:t> </a:t>
+              </a:r>
+              <a:r>
+                <a:rPr lang="en-US" dirty="0" err="1" smtClean="0">
+                  <a:solidFill>
+                    <a:schemeClr val="tx1">
+                      <a:lumMod val="85000"/>
+                      <a:lumOff val="15000"/>
+                    </a:schemeClr>
+                  </a:solidFill>
+                </a:rPr>
+                <a:t>liệu</a:t>
+              </a:r>
+              <a:r>
+                <a:rPr lang="en-US" dirty="0" smtClean="0">
+                  <a:solidFill>
+                    <a:schemeClr val="tx1">
+                      <a:lumMod val="85000"/>
+                      <a:lumOff val="15000"/>
+                    </a:schemeClr>
+                  </a:solidFill>
+                </a:rPr>
+                <a:t> </a:t>
+              </a:r>
+              <a:r>
+                <a:rPr lang="en-US" dirty="0" err="1" smtClean="0">
+                  <a:solidFill>
+                    <a:schemeClr val="tx1">
+                      <a:lumMod val="85000"/>
+                      <a:lumOff val="15000"/>
+                    </a:schemeClr>
+                  </a:solidFill>
+                </a:rPr>
+                <a:t>nhiều</a:t>
+              </a:r>
+              <a:endParaRPr lang="en-US" dirty="0">
+                <a:solidFill>
+                  <a:schemeClr val="tx1">
+                    <a:lumMod val="85000"/>
+                    <a:lumOff val="15000"/>
+                  </a:schemeClr>
+                </a:solidFill>
+              </a:endParaRPr>
+            </a:p>
+          </p:txBody>
+        </p:sp>
+      </p:grpSp>
+      <p:sp>
+        <p:nvSpPr>
+          <p:cNvPr id="32" name="TextBox 31"/>
+          <p:cNvSpPr txBox="1"/>
+          <p:nvPr/>
+        </p:nvSpPr>
+        <p:spPr>
+          <a:xfrm>
+            <a:off x="602387" y="6025915"/>
+            <a:ext cx="5748537" cy="369332"/>
+          </a:xfrm>
+          <a:prstGeom prst="rect">
+            <a:avLst/>
+          </a:prstGeom>
+          <a:noFill/>
+        </p:spPr>
+        <p:txBody>
+          <a:bodyPr wrap="square" rtlCol="0">
+            <a:spAutoFit/>
+          </a:bodyPr>
+          <a:lstStyle/>
+          <a:p>
+            <a:r>
+              <a:rPr lang="en-US" dirty="0" smtClean="0"/>
+              <a:t>Link </a:t>
+            </a:r>
+            <a:r>
+              <a:rPr lang="en-US" dirty="0" err="1" smtClean="0"/>
+              <a:t>thống</a:t>
+            </a:r>
+            <a:r>
+              <a:rPr lang="en-US" dirty="0" smtClean="0"/>
+              <a:t> </a:t>
+            </a:r>
+            <a:r>
+              <a:rPr lang="en-US" dirty="0" err="1" smtClean="0"/>
+              <a:t>kê</a:t>
+            </a:r>
+            <a:r>
+              <a:rPr lang="en-US" dirty="0" smtClean="0"/>
+              <a:t>: </a:t>
+            </a:r>
+            <a:r>
+              <a:rPr lang="en-US" dirty="0" smtClean="0">
+                <a:hlinkClick r:id="rId10"/>
+              </a:rPr>
+              <a:t>Top </a:t>
+            </a:r>
+            <a:r>
+              <a:rPr lang="en-US" dirty="0">
+                <a:hlinkClick r:id="rId10"/>
+              </a:rPr>
+              <a:t>Programming Languages 2023</a:t>
+            </a:r>
+            <a:endParaRPr lang="en-US" dirty="0"/>
+          </a:p>
+        </p:txBody>
+      </p:sp>
+      <p:sp>
+        <p:nvSpPr>
+          <p:cNvPr id="33" name="TextBox 32"/>
+          <p:cNvSpPr txBox="1"/>
+          <p:nvPr/>
+        </p:nvSpPr>
+        <p:spPr>
+          <a:xfrm>
+            <a:off x="1055238" y="1488667"/>
+            <a:ext cx="7601033" cy="369332"/>
+          </a:xfrm>
+          <a:prstGeom prst="rect">
+            <a:avLst/>
+          </a:prstGeom>
+          <a:noFill/>
+        </p:spPr>
+        <p:txBody>
+          <a:bodyPr wrap="square" rtlCol="0">
+            <a:spAutoFit/>
+          </a:bodyPr>
+          <a:lstStyle/>
+          <a:p>
+            <a:r>
+              <a:rPr lang="en-US" b="1" dirty="0" smtClean="0"/>
+              <a:t>Python </a:t>
+            </a:r>
+            <a:r>
+              <a:rPr lang="en-US" dirty="0" err="1" smtClean="0"/>
+              <a:t>trở</a:t>
+            </a:r>
+            <a:r>
+              <a:rPr lang="en-US" dirty="0" smtClean="0"/>
+              <a:t> </a:t>
+            </a:r>
+            <a:r>
+              <a:rPr lang="en-US" dirty="0" err="1" smtClean="0"/>
+              <a:t>thành</a:t>
+            </a:r>
+            <a:r>
+              <a:rPr lang="en-US" dirty="0" smtClean="0"/>
+              <a:t> </a:t>
+            </a:r>
+            <a:r>
+              <a:rPr lang="en-US" dirty="0" err="1" smtClean="0"/>
+              <a:t>một</a:t>
+            </a:r>
+            <a:r>
+              <a:rPr lang="en-US" dirty="0" smtClean="0"/>
+              <a:t> </a:t>
+            </a:r>
+            <a:r>
+              <a:rPr lang="en-US" dirty="0" err="1" smtClean="0"/>
+              <a:t>trong</a:t>
+            </a:r>
+            <a:r>
+              <a:rPr lang="en-US" dirty="0" smtClean="0"/>
+              <a:t> </a:t>
+            </a:r>
+            <a:r>
+              <a:rPr lang="en-US" dirty="0" err="1" smtClean="0"/>
+              <a:t>những</a:t>
+            </a:r>
+            <a:r>
+              <a:rPr lang="en-US" dirty="0" smtClean="0"/>
+              <a:t> </a:t>
+            </a:r>
+            <a:r>
+              <a:rPr lang="en-US" dirty="0" err="1" smtClean="0"/>
+              <a:t>ngôn</a:t>
+            </a:r>
+            <a:r>
+              <a:rPr lang="en-US" dirty="0" smtClean="0"/>
+              <a:t> </a:t>
+            </a:r>
+            <a:r>
+              <a:rPr lang="en-US" dirty="0" err="1" smtClean="0"/>
+              <a:t>ngữ</a:t>
+            </a:r>
+            <a:r>
+              <a:rPr lang="en-US" dirty="0" smtClean="0"/>
+              <a:t> </a:t>
+            </a:r>
+            <a:r>
+              <a:rPr lang="en-US" dirty="0" err="1" smtClean="0"/>
+              <a:t>phổ</a:t>
+            </a:r>
+            <a:r>
+              <a:rPr lang="en-US" dirty="0" smtClean="0"/>
+              <a:t> </a:t>
+            </a:r>
+            <a:r>
+              <a:rPr lang="en-US" dirty="0" err="1" smtClean="0"/>
+              <a:t>biến</a:t>
+            </a:r>
+            <a:r>
+              <a:rPr lang="en-US" dirty="0" smtClean="0"/>
+              <a:t> </a:t>
+            </a:r>
+            <a:r>
+              <a:rPr lang="en-US" dirty="0" err="1" smtClean="0"/>
+              <a:t>nhất</a:t>
+            </a:r>
+            <a:r>
+              <a:rPr lang="en-US" dirty="0" smtClean="0"/>
+              <a:t> </a:t>
+            </a:r>
+            <a:r>
+              <a:rPr lang="en-US" dirty="0" err="1" smtClean="0"/>
+              <a:t>thế</a:t>
+            </a:r>
+            <a:r>
+              <a:rPr lang="en-US" dirty="0" smtClean="0"/>
+              <a:t> </a:t>
+            </a:r>
+            <a:r>
+              <a:rPr lang="en-US" dirty="0" err="1" smtClean="0"/>
+              <a:t>giới</a:t>
+            </a:r>
+            <a:r>
+              <a:rPr lang="en-US" dirty="0" smtClean="0"/>
+              <a:t> </a:t>
+            </a:r>
+            <a:r>
+              <a:rPr lang="en-US" dirty="0" err="1" smtClean="0"/>
+              <a:t>bởi</a:t>
+            </a:r>
+            <a:r>
+              <a:rPr lang="en-US" dirty="0" smtClean="0"/>
+              <a:t>:</a:t>
+            </a:r>
+            <a:endParaRPr lang="en-US" dirty="0"/>
+          </a:p>
+        </p:txBody>
+      </p:sp>
+      <p:pic>
+        <p:nvPicPr>
+          <p:cNvPr id="34" name="Picture 2" descr="https://www.python.org/static/apple-touch-icon-precomposed.png"/>
+          <p:cNvPicPr>
+            <a:picLocks noChangeAspect="1" noChangeArrowheads="1"/>
+          </p:cNvPicPr>
+          <p:nvPr/>
+        </p:nvPicPr>
+        <p:blipFill>
+          <a:blip r:embed="rId11">
+            <a:extLst>
+              <a:ext uri="{28A0092B-C50C-407E-A947-70E740481C1C}">
+                <a14:useLocalDpi xmlns:a14="http://schemas.microsoft.com/office/drawing/2010/main" val="0"/>
+              </a:ext>
+            </a:extLst>
+          </a:blip>
+          <a:srcRect/>
+          <a:stretch>
+            <a:fillRect/>
+          </a:stretch>
+        </p:blipFill>
+        <p:spPr bwMode="auto">
+          <a:xfrm>
+            <a:off x="456677" y="1501355"/>
+            <a:ext cx="450480" cy="450481"/>
+          </a:xfrm>
+          <a:prstGeom prst="rect">
+            <a:avLst/>
+          </a:prstGeom>
+          <a:noFill/>
+          <a:extLst>
+            <a:ext uri="{909E8E84-426E-40DD-AFC4-6F175D3DCCD1}">
+              <a14:hiddenFill xmlns:a14="http://schemas.microsoft.com/office/drawing/2010/main">
+                <a:solidFill>
+                  <a:srgbClr val="FFFFFF"/>
+                </a:solidFill>
+              </a14:hiddenFill>
+            </a:ext>
+          </a:extLst>
+        </p:spPr>
+      </p:pic>
+    </p:spTree>
+    <p:extLst>
+      <p:ext uri="{BB962C8B-B14F-4D97-AF65-F5344CB8AC3E}">
+        <p14:creationId xmlns:p14="http://schemas.microsoft.com/office/powerpoint/2010/main" val="3084264688"/>
+      </p:ext>
+    </p:extLst>
+  </p:cSld>
+  <p:clrMapOvr>
+    <a:masterClrMapping/>
+  </p:clrMapOvr>
+  <p:timing>
+    <p:tnLst>
+      <p:par>
+        <p:cTn id="1" dur="indefinite" restart="never" nodeType="tmRoot"/>
+      </p:par>
+    </p:tnLst>
+  </p:timing>
+</p:sld>
+</file>
+
+<file path=ppt/slides/slide7.xml><?xml version="1.0" encoding="utf-8"?>
+<p:sld xmlns:a="http://schemas.openxmlformats.org/drawingml/2006/main" xmlns:r="http://schemas.openxmlformats.org/officeDocument/2006/relationships" xmlns:p="http://schemas.openxmlformats.org/presentationml/2006/main">
+  <p:cSld>
+    <p:spTree>
+      <p:nvGrpSpPr>
+        <p:cNvPr id="1" name=""/>
+        <p:cNvGrpSpPr/>
+        <p:nvPr/>
+      </p:nvGrpSpPr>
+      <p:grpSpPr>
+        <a:xfrm>
+          <a:off x="0" y="0"/>
+          <a:ext cx="0" cy="0"/>
+          <a:chOff x="0" y="0"/>
+          <a:chExt cx="0" cy="0"/>
+        </a:xfrm>
+      </p:grpSpPr>
+      <p:sp>
+        <p:nvSpPr>
+          <p:cNvPr id="2" name="Slide Number Placeholder 1"/>
+          <p:cNvSpPr>
+            <a:spLocks noGrp="1"/>
+          </p:cNvSpPr>
+          <p:nvPr>
+            <p:ph type="sldNum" sz="quarter" idx="12"/>
+          </p:nvPr>
+        </p:nvSpPr>
+        <p:spPr/>
+        <p:txBody>
+          <a:bodyPr/>
+          <a:lstStyle/>
+          <a:p>
+            <a:fld id="{7D9EC917-02A2-4152-9EE3-DFE2775A77C7}" type="slidenum">
+              <a:rPr lang="en-US" smtClean="0"/>
+              <a:pPr/>
+              <a:t>7</a:t>
+            </a:fld>
+            <a:endParaRPr lang="en-US"/>
+          </a:p>
+        </p:txBody>
+      </p:sp>
+      <p:sp>
+        <p:nvSpPr>
+          <p:cNvPr id="3" name="Text Placeholder 2"/>
+          <p:cNvSpPr>
+            <a:spLocks noGrp="1"/>
+          </p:cNvSpPr>
+          <p:nvPr>
+            <p:ph type="body" sz="quarter" idx="13"/>
+          </p:nvPr>
+        </p:nvSpPr>
+        <p:spPr/>
+        <p:txBody>
+          <a:bodyPr/>
+          <a:lstStyle/>
+          <a:p>
+            <a:r>
+              <a:rPr lang="en-US" dirty="0" smtClean="0"/>
+              <a:t>Python </a:t>
+            </a:r>
+            <a:r>
+              <a:rPr lang="en-US" dirty="0" err="1" smtClean="0"/>
+              <a:t>có</a:t>
+            </a:r>
+            <a:r>
+              <a:rPr lang="en-US" dirty="0" smtClean="0"/>
+              <a:t> </a:t>
+            </a:r>
+            <a:r>
+              <a:rPr lang="en-US" dirty="0" err="1" smtClean="0"/>
+              <a:t>phổ</a:t>
+            </a:r>
+            <a:r>
+              <a:rPr lang="en-US" dirty="0" smtClean="0"/>
+              <a:t> </a:t>
+            </a:r>
+            <a:r>
+              <a:rPr lang="en-US" dirty="0" err="1" smtClean="0"/>
+              <a:t>biến</a:t>
+            </a:r>
+            <a:r>
+              <a:rPr lang="en-US" dirty="0" smtClean="0"/>
+              <a:t> </a:t>
+            </a:r>
+            <a:r>
+              <a:rPr lang="en-US" dirty="0" err="1" smtClean="0"/>
+              <a:t>không</a:t>
+            </a:r>
+            <a:r>
+              <a:rPr lang="en-US" dirty="0" smtClean="0"/>
+              <a:t> ?</a:t>
+            </a:r>
+            <a:endParaRPr lang="en-US" dirty="0"/>
+          </a:p>
+        </p:txBody>
+      </p:sp>
+      <p:sp>
+        <p:nvSpPr>
+          <p:cNvPr id="31" name="TextBox 30"/>
+          <p:cNvSpPr txBox="1"/>
+          <p:nvPr/>
+        </p:nvSpPr>
+        <p:spPr>
+          <a:xfrm>
+            <a:off x="1155855" y="1490270"/>
+            <a:ext cx="7601033" cy="646331"/>
+          </a:xfrm>
+          <a:prstGeom prst="rect">
+            <a:avLst/>
+          </a:prstGeom>
+          <a:noFill/>
+        </p:spPr>
+        <p:txBody>
+          <a:bodyPr wrap="square" rtlCol="0">
+            <a:spAutoFit/>
+          </a:bodyPr>
+          <a:lstStyle/>
+          <a:p>
+            <a:r>
+              <a:rPr lang="en-US" b="1" dirty="0" smtClean="0"/>
+              <a:t>Python </a:t>
+            </a:r>
+            <a:r>
+              <a:rPr lang="en-US" dirty="0" err="1" smtClean="0"/>
+              <a:t>được</a:t>
+            </a:r>
+            <a:r>
+              <a:rPr lang="en-US" dirty="0" smtClean="0"/>
+              <a:t> tin </a:t>
+            </a:r>
+            <a:r>
+              <a:rPr lang="en-US" dirty="0" err="1" smtClean="0"/>
+              <a:t>dùng</a:t>
+            </a:r>
+            <a:r>
+              <a:rPr lang="en-US" dirty="0" smtClean="0"/>
+              <a:t> </a:t>
+            </a:r>
+            <a:r>
+              <a:rPr lang="en-US" dirty="0" err="1" smtClean="0"/>
+              <a:t>bởi</a:t>
+            </a:r>
+            <a:r>
+              <a:rPr lang="en-US" dirty="0" smtClean="0"/>
+              <a:t> </a:t>
+            </a:r>
+            <a:r>
+              <a:rPr lang="en-US" dirty="0" err="1" smtClean="0"/>
+              <a:t>các</a:t>
+            </a:r>
+            <a:r>
+              <a:rPr lang="en-US" dirty="0" smtClean="0"/>
+              <a:t> </a:t>
+            </a:r>
+            <a:r>
+              <a:rPr lang="en-US" dirty="0" err="1" smtClean="0"/>
+              <a:t>công</a:t>
+            </a:r>
+            <a:r>
+              <a:rPr lang="en-US" dirty="0" smtClean="0"/>
+              <a:t> ty </a:t>
+            </a:r>
+            <a:r>
+              <a:rPr lang="en-US" dirty="0" err="1" smtClean="0"/>
+              <a:t>lớn</a:t>
+            </a:r>
+            <a:r>
+              <a:rPr lang="en-US" dirty="0" smtClean="0"/>
+              <a:t>: Facebook, Amazon, </a:t>
+            </a:r>
+            <a:r>
+              <a:rPr lang="en-US" dirty="0"/>
+              <a:t>Uber, Goldman Sachs, PayPal, Netflix, and </a:t>
+            </a:r>
+            <a:r>
+              <a:rPr lang="en-US" dirty="0" smtClean="0"/>
+              <a:t>Google….</a:t>
+            </a:r>
+            <a:endParaRPr lang="en-US" dirty="0"/>
+          </a:p>
+        </p:txBody>
+      </p:sp>
+      <p:pic>
+        <p:nvPicPr>
+          <p:cNvPr id="33" name="Picture 2" descr="https://www.python.org/static/apple-touch-icon-precomposed.png"/>
+          <p:cNvPicPr>
+            <a:picLocks noChangeAspect="1" noChangeArrowheads="1"/>
+          </p:cNvPicPr>
+          <p:nvPr/>
+        </p:nvPicPr>
+        <p:blipFill>
+          <a:blip r:embed="rId2">
+            <a:extLst>
+              <a:ext uri="{28A0092B-C50C-407E-A947-70E740481C1C}">
+                <a14:useLocalDpi xmlns:a14="http://schemas.microsoft.com/office/drawing/2010/main" val="0"/>
+              </a:ext>
+            </a:extLst>
+          </a:blip>
+          <a:srcRect/>
+          <a:stretch>
+            <a:fillRect/>
+          </a:stretch>
+        </p:blipFill>
+        <p:spPr bwMode="auto">
+          <a:xfrm>
+            <a:off x="557294" y="1502958"/>
+            <a:ext cx="450480" cy="450481"/>
+          </a:xfrm>
+          <a:prstGeom prst="rect">
+            <a:avLst/>
+          </a:prstGeom>
+          <a:noFill/>
+          <a:extLst>
+            <a:ext uri="{909E8E84-426E-40DD-AFC4-6F175D3DCCD1}">
+              <a14:hiddenFill xmlns:a14="http://schemas.microsoft.com/office/drawing/2010/main">
+                <a:solidFill>
+                  <a:srgbClr val="FFFFFF"/>
+                </a:solidFill>
+              </a14:hiddenFill>
+            </a:ext>
+          </a:extLst>
+        </p:spPr>
+      </p:pic>
+      <p:pic>
+        <p:nvPicPr>
+          <p:cNvPr id="10" name="Picture 9"/>
+          <p:cNvPicPr>
+            <a:picLocks noChangeAspect="1"/>
+          </p:cNvPicPr>
+          <p:nvPr/>
+        </p:nvPicPr>
+        <p:blipFill rotWithShape="1">
+          <a:blip r:embed="rId3">
+            <a:extLst>
+              <a:ext uri="{28A0092B-C50C-407E-A947-70E740481C1C}">
+                <a14:useLocalDpi xmlns:a14="http://schemas.microsoft.com/office/drawing/2010/main" val="0"/>
+              </a:ext>
+            </a:extLst>
+          </a:blip>
+          <a:srcRect t="13016"/>
+          <a:stretch/>
+        </p:blipFill>
+        <p:spPr>
+          <a:xfrm>
+            <a:off x="715198" y="2567747"/>
+            <a:ext cx="7747462" cy="3453784"/>
+          </a:xfrm>
+          <a:prstGeom prst="rect">
+            <a:avLst/>
+          </a:prstGeom>
+        </p:spPr>
+      </p:pic>
+    </p:spTree>
+    <p:extLst>
+      <p:ext uri="{BB962C8B-B14F-4D97-AF65-F5344CB8AC3E}">
+        <p14:creationId xmlns:p14="http://schemas.microsoft.com/office/powerpoint/2010/main" val="643846654"/>
+      </p:ext>
+    </p:extLst>
+  </p:cSld>
+  <p:clrMapOvr>
+    <a:masterClrMapping/>
+  </p:clrMapOvr>
+  <p:timing>
+    <p:tnLst>
+      <p:par>
+        <p:cTn id="1" dur="indefinite" restart="never" nodeType="tmRoot"/>
+      </p:par>
+    </p:tnLst>
+  </p:timing>
+</p:sld>
+</file>
+
+<file path=ppt/slides/slide8.xml><?xml version="1.0" encoding="utf-8"?>
+<p:sld xmlns:a="http://schemas.openxmlformats.org/drawingml/2006/main" xmlns:r="http://schemas.openxmlformats.org/officeDocument/2006/relationships" xmlns:p="http://schemas.openxmlformats.org/presentationml/2006/main">
+  <p:cSld>
+    <p:spTree>
+      <p:nvGrpSpPr>
+        <p:cNvPr id="1" name=""/>
+        <p:cNvGrpSpPr/>
+        <p:nvPr/>
+      </p:nvGrpSpPr>
+      <p:grpSpPr>
+        <a:xfrm>
+          <a:off x="0" y="0"/>
+          <a:ext cx="0" cy="0"/>
+          <a:chOff x="0" y="0"/>
+          <a:chExt cx="0" cy="0"/>
+        </a:xfrm>
+      </p:grpSpPr>
+      <p:sp>
+        <p:nvSpPr>
+          <p:cNvPr id="2" name="Slide Number Placeholder 1"/>
+          <p:cNvSpPr>
+            <a:spLocks noGrp="1"/>
+          </p:cNvSpPr>
+          <p:nvPr>
+            <p:ph type="sldNum" sz="quarter" idx="12"/>
+          </p:nvPr>
+        </p:nvSpPr>
+        <p:spPr/>
+        <p:txBody>
+          <a:bodyPr/>
+          <a:lstStyle/>
+          <a:p>
+            <a:fld id="{7D9EC917-02A2-4152-9EE3-DFE2775A77C7}" type="slidenum">
+              <a:rPr lang="en-US" smtClean="0"/>
+              <a:pPr/>
+              <a:t>8</a:t>
+            </a:fld>
+            <a:endParaRPr lang="en-US"/>
+          </a:p>
+        </p:txBody>
+      </p:sp>
+      <p:sp>
+        <p:nvSpPr>
+          <p:cNvPr id="3" name="Text Placeholder 2"/>
+          <p:cNvSpPr>
+            <a:spLocks noGrp="1"/>
+          </p:cNvSpPr>
+          <p:nvPr>
+            <p:ph type="body" sz="quarter" idx="13"/>
+          </p:nvPr>
+        </p:nvSpPr>
+        <p:spPr/>
+        <p:txBody>
+          <a:bodyPr/>
+          <a:lstStyle/>
+          <a:p>
+            <a:r>
+              <a:rPr lang="en-US" dirty="0" smtClean="0"/>
               <a:t>1.2 </a:t>
             </a:r>
             <a:r>
@@ -8506,7 +13424,7 @@
 </p:sld>
 </file>
 
-<file path=ppt/slides/slide6.xml><?xml version="1.0" encoding="utf-8"?>
+<file path=ppt/slides/slide9.xml><?xml version="1.0" encoding="utf-8"?>
 <p:sld xmlns:a="http://schemas.openxmlformats.org/drawingml/2006/main" xmlns:r="http://schemas.openxmlformats.org/officeDocument/2006/relationships" xmlns:p="http://schemas.openxmlformats.org/presentationml/2006/main">
   <p:cSld>
     <p:spTree>
@@ -8541,7 +13459,7 @@
             <a:fld id="{7D9EC917-02A2-4152-9EE3-DFE2775A77C7}" type="slidenum">
               <a:rPr lang="en-US" smtClean="0"/>
               <a:pPr/>
-              <a:t>6</a:t>
+              <a:t>9</a:t>
             </a:fld>
             <a:endParaRPr lang="en-US"/>
           </a:p>
@@ -8805,2107 +13723,6 @@
     <p:extLst>
       <p:ext uri="{BB962C8B-B14F-4D97-AF65-F5344CB8AC3E}">
         <p14:creationId xmlns:p14="http://schemas.microsoft.com/office/powerpoint/2010/main" val="2943806001"/>
-      </p:ext>
-    </p:extLst>
-  </p:cSld>
-  <p:clrMapOvr>
-    <a:masterClrMapping/>
-  </p:clrMapOvr>
-  <p:timing>
-    <p:tnLst>
-      <p:par>
-        <p:cTn id="1" dur="indefinite" restart="never" nodeType="tmRoot"/>
-      </p:par>
-    </p:tnLst>
-  </p:timing>
-</p:sld>
-</file>
-
-<file path=ppt/slides/slide7.xml><?xml version="1.0" encoding="utf-8"?>
-<p:sld xmlns:a="http://schemas.openxmlformats.org/drawingml/2006/main" xmlns:r="http://schemas.openxmlformats.org/officeDocument/2006/relationships" xmlns:p="http://schemas.openxmlformats.org/presentationml/2006/main">
-  <p:cSld>
-    <p:spTree>
-      <p:nvGrpSpPr>
-        <p:cNvPr id="1" name=""/>
-        <p:cNvGrpSpPr/>
-        <p:nvPr/>
-      </p:nvGrpSpPr>
-      <p:grpSpPr>
-        <a:xfrm>
-          <a:off x="0" y="0"/>
-          <a:ext cx="0" cy="0"/>
-          <a:chOff x="0" y="0"/>
-          <a:chExt cx="0" cy="0"/>
-        </a:xfrm>
-      </p:grpSpPr>
-      <p:sp>
-        <p:nvSpPr>
-          <p:cNvPr id="2" name="Slide Number Placeholder 1"/>
-          <p:cNvSpPr>
-            <a:spLocks noGrp="1"/>
-          </p:cNvSpPr>
-          <p:nvPr>
-            <p:ph type="sldNum" sz="quarter" idx="12"/>
-          </p:nvPr>
-        </p:nvSpPr>
-        <p:spPr/>
-        <p:txBody>
-          <a:bodyPr/>
-          <a:lstStyle/>
-          <a:p>
-            <a:fld id="{7D9EC917-02A2-4152-9EE3-DFE2775A77C7}" type="slidenum">
-              <a:rPr lang="en-US" smtClean="0"/>
-              <a:pPr/>
-              <a:t>7</a:t>
-            </a:fld>
-            <a:endParaRPr lang="en-US"/>
-          </a:p>
-        </p:txBody>
-      </p:sp>
-      <p:sp>
-        <p:nvSpPr>
-          <p:cNvPr id="3" name="Text Placeholder 2"/>
-          <p:cNvSpPr>
-            <a:spLocks noGrp="1"/>
-          </p:cNvSpPr>
-          <p:nvPr>
-            <p:ph type="body" sz="quarter" idx="13"/>
-          </p:nvPr>
-        </p:nvSpPr>
-        <p:spPr/>
-        <p:txBody>
-          <a:bodyPr/>
-          <a:lstStyle/>
-          <a:p>
-            <a:r>
-              <a:rPr lang="en-US" dirty="0" smtClean="0"/>
-              <a:t>1.3 </a:t>
-            </a:r>
-            <a:r>
-              <a:rPr lang="en-US" dirty="0" err="1" smtClean="0"/>
-              <a:t>Cài</a:t>
-            </a:r>
-            <a:r>
-              <a:rPr lang="en-US" dirty="0" smtClean="0"/>
-              <a:t> </a:t>
-            </a:r>
-            <a:r>
-              <a:rPr lang="en-US" dirty="0" err="1" smtClean="0"/>
-              <a:t>đặt</a:t>
-            </a:r>
-            <a:r>
-              <a:rPr lang="en-US" dirty="0" smtClean="0"/>
-              <a:t> </a:t>
-            </a:r>
-            <a:r>
-              <a:rPr lang="en-US" dirty="0" err="1" smtClean="0"/>
-              <a:t>phần</a:t>
-            </a:r>
-            <a:r>
-              <a:rPr lang="en-US" dirty="0" smtClean="0"/>
-              <a:t> </a:t>
-            </a:r>
-            <a:r>
-              <a:rPr lang="en-US" dirty="0" err="1" smtClean="0"/>
-              <a:t>mềm</a:t>
-            </a:r>
-            <a:r>
-              <a:rPr lang="en-US" dirty="0" smtClean="0"/>
-              <a:t> </a:t>
-            </a:r>
-            <a:r>
-              <a:rPr lang="en-US" dirty="0" err="1" smtClean="0"/>
-              <a:t>soạn</a:t>
-            </a:r>
-            <a:r>
-              <a:rPr lang="en-US" dirty="0" smtClean="0"/>
-              <a:t> </a:t>
-            </a:r>
-            <a:r>
-              <a:rPr lang="en-US" dirty="0" err="1" smtClean="0"/>
-              <a:t>thảo</a:t>
-            </a:r>
-            <a:r>
-              <a:rPr lang="en-US" dirty="0" smtClean="0"/>
-              <a:t> code Python</a:t>
-            </a:r>
-            <a:endParaRPr lang="en-US" dirty="0"/>
-          </a:p>
-        </p:txBody>
-      </p:sp>
-      <p:sp>
-        <p:nvSpPr>
-          <p:cNvPr id="4" name="TextBox 3"/>
-          <p:cNvSpPr txBox="1"/>
-          <p:nvPr/>
-        </p:nvSpPr>
-        <p:spPr>
-          <a:xfrm>
-            <a:off x="382771" y="1501997"/>
-            <a:ext cx="8374117" cy="646331"/>
-          </a:xfrm>
-          <a:prstGeom prst="rect">
-            <a:avLst/>
-          </a:prstGeom>
-          <a:noFill/>
-        </p:spPr>
-        <p:txBody>
-          <a:bodyPr wrap="square" rtlCol="0">
-            <a:spAutoFit/>
-          </a:bodyPr>
-          <a:lstStyle/>
-          <a:p>
-            <a:r>
-              <a:rPr lang="en-US" dirty="0" err="1" smtClean="0"/>
-              <a:t>Có</a:t>
-            </a:r>
-            <a:r>
-              <a:rPr lang="en-US" dirty="0" smtClean="0"/>
-              <a:t> </a:t>
-            </a:r>
-            <a:r>
-              <a:rPr lang="en-US" dirty="0" err="1" smtClean="0"/>
-              <a:t>rất</a:t>
-            </a:r>
-            <a:r>
-              <a:rPr lang="en-US" dirty="0" smtClean="0"/>
-              <a:t> </a:t>
-            </a:r>
-            <a:r>
-              <a:rPr lang="en-US" dirty="0" err="1" smtClean="0"/>
-              <a:t>nhiều</a:t>
-            </a:r>
-            <a:r>
-              <a:rPr lang="en-US" dirty="0" smtClean="0"/>
-              <a:t> </a:t>
-            </a:r>
-            <a:r>
-              <a:rPr lang="en-US" dirty="0" err="1" smtClean="0"/>
-              <a:t>phần</a:t>
-            </a:r>
-            <a:r>
-              <a:rPr lang="en-US" dirty="0" smtClean="0"/>
-              <a:t> </a:t>
-            </a:r>
-            <a:r>
-              <a:rPr lang="en-US" dirty="0" err="1" smtClean="0"/>
-              <a:t>mềm</a:t>
-            </a:r>
-            <a:r>
-              <a:rPr lang="en-US" dirty="0" smtClean="0"/>
-              <a:t> </a:t>
-            </a:r>
-            <a:r>
-              <a:rPr lang="en-US" dirty="0" err="1" smtClean="0"/>
-              <a:t>để</a:t>
-            </a:r>
-            <a:r>
-              <a:rPr lang="en-US" dirty="0" smtClean="0"/>
-              <a:t> </a:t>
-            </a:r>
-            <a:r>
-              <a:rPr lang="en-US" dirty="0" err="1" smtClean="0"/>
-              <a:t>soạn</a:t>
-            </a:r>
-            <a:r>
-              <a:rPr lang="en-US" dirty="0" smtClean="0"/>
-              <a:t> </a:t>
-            </a:r>
-            <a:r>
-              <a:rPr lang="en-US" dirty="0" err="1" smtClean="0"/>
-              <a:t>thảo</a:t>
-            </a:r>
-            <a:r>
-              <a:rPr lang="en-US" dirty="0" smtClean="0"/>
-              <a:t> code Python: </a:t>
-            </a:r>
-            <a:r>
-              <a:rPr lang="pt-BR" dirty="0" smtClean="0"/>
-              <a:t>Visual Studio </a:t>
-            </a:r>
-            <a:r>
-              <a:rPr lang="pt-BR" dirty="0"/>
-              <a:t>Code, </a:t>
-            </a:r>
-            <a:r>
-              <a:rPr lang="pt-BR" dirty="0" smtClean="0"/>
-              <a:t>Thonny, PyCharm, Sublime Text</a:t>
-            </a:r>
-            <a:endParaRPr lang="en-US" dirty="0"/>
-          </a:p>
-        </p:txBody>
-      </p:sp>
-      <p:sp>
-        <p:nvSpPr>
-          <p:cNvPr id="5" name="TextBox 4"/>
-          <p:cNvSpPr txBox="1"/>
-          <p:nvPr/>
-        </p:nvSpPr>
-        <p:spPr>
-          <a:xfrm>
-            <a:off x="382771" y="2405764"/>
-            <a:ext cx="8374117" cy="646331"/>
-          </a:xfrm>
-          <a:prstGeom prst="rect">
-            <a:avLst/>
-          </a:prstGeom>
-          <a:noFill/>
-        </p:spPr>
-        <p:txBody>
-          <a:bodyPr wrap="square" rtlCol="0">
-            <a:spAutoFit/>
-          </a:bodyPr>
-          <a:lstStyle/>
-          <a:p>
-            <a:r>
-              <a:rPr lang="en-US" dirty="0" err="1" smtClean="0"/>
-              <a:t>Chúng</a:t>
-            </a:r>
-            <a:r>
-              <a:rPr lang="en-US" dirty="0" smtClean="0"/>
-              <a:t> ta </a:t>
-            </a:r>
-            <a:r>
-              <a:rPr lang="en-US" dirty="0" err="1" smtClean="0"/>
-              <a:t>sử</a:t>
-            </a:r>
-            <a:r>
-              <a:rPr lang="en-US" dirty="0" smtClean="0"/>
-              <a:t> </a:t>
-            </a:r>
-            <a:r>
-              <a:rPr lang="en-US" dirty="0" err="1" smtClean="0"/>
-              <a:t>dụng</a:t>
-            </a:r>
-            <a:r>
-              <a:rPr lang="en-US" dirty="0" smtClean="0"/>
-              <a:t> </a:t>
-            </a:r>
-            <a:r>
-              <a:rPr lang="en-US" dirty="0" err="1" smtClean="0"/>
-              <a:t>phần</a:t>
-            </a:r>
-            <a:r>
-              <a:rPr lang="en-US" dirty="0" smtClean="0"/>
-              <a:t> </a:t>
-            </a:r>
-            <a:r>
-              <a:rPr lang="en-US" dirty="0" err="1" smtClean="0"/>
-              <a:t>mềm</a:t>
-            </a:r>
-            <a:r>
-              <a:rPr lang="en-US" dirty="0" smtClean="0"/>
-              <a:t> </a:t>
-            </a:r>
-            <a:r>
-              <a:rPr lang="pt-BR" b="1" dirty="0"/>
-              <a:t>Visual Studio </a:t>
-            </a:r>
-            <a:r>
-              <a:rPr lang="pt-BR" b="1" dirty="0" smtClean="0"/>
-              <a:t>Code </a:t>
-            </a:r>
-            <a:r>
-              <a:rPr lang="pt-BR" dirty="0" smtClean="0"/>
-              <a:t>của </a:t>
-            </a:r>
-            <a:r>
-              <a:rPr lang="pt-BR" b="1" dirty="0" smtClean="0"/>
-              <a:t>Microsoft</a:t>
-            </a:r>
-            <a:r>
-              <a:rPr lang="pt-BR" dirty="0" smtClean="0"/>
-              <a:t> phát hành miễn phí, rất mạnh mẽ và phổ biến trong lập trình</a:t>
-            </a:r>
-            <a:endParaRPr lang="en-US" dirty="0"/>
-          </a:p>
-        </p:txBody>
-      </p:sp>
-      <p:sp>
-        <p:nvSpPr>
-          <p:cNvPr id="6" name="TextBox 5"/>
-          <p:cNvSpPr txBox="1"/>
-          <p:nvPr/>
-        </p:nvSpPr>
-        <p:spPr>
-          <a:xfrm>
-            <a:off x="382771" y="3373327"/>
-            <a:ext cx="8374117" cy="369332"/>
-          </a:xfrm>
-          <a:prstGeom prst="rect">
-            <a:avLst/>
-          </a:prstGeom>
-          <a:noFill/>
-        </p:spPr>
-        <p:txBody>
-          <a:bodyPr wrap="square" rtlCol="0">
-            <a:spAutoFit/>
-          </a:bodyPr>
-          <a:lstStyle/>
-          <a:p>
-            <a:r>
-              <a:rPr lang="en-US" dirty="0" err="1" smtClean="0"/>
-              <a:t>Cài</a:t>
-            </a:r>
-            <a:r>
-              <a:rPr lang="en-US" dirty="0" smtClean="0"/>
-              <a:t> </a:t>
-            </a:r>
-            <a:r>
-              <a:rPr lang="en-US" dirty="0" err="1" smtClean="0"/>
-              <a:t>đăt</a:t>
-            </a:r>
-            <a:r>
-              <a:rPr lang="en-US" dirty="0" smtClean="0"/>
-              <a:t> </a:t>
-            </a:r>
-            <a:r>
-              <a:rPr lang="pt-BR" b="1" dirty="0" smtClean="0"/>
-              <a:t>Visual </a:t>
-            </a:r>
-            <a:r>
-              <a:rPr lang="pt-BR" b="1" dirty="0"/>
-              <a:t>Studio </a:t>
-            </a:r>
-            <a:r>
-              <a:rPr lang="pt-BR" b="1" dirty="0" smtClean="0"/>
-              <a:t>Code</a:t>
-            </a:r>
-            <a:endParaRPr lang="en-US" dirty="0"/>
-          </a:p>
-        </p:txBody>
-      </p:sp>
-      <p:sp>
-        <p:nvSpPr>
-          <p:cNvPr id="7" name="TextBox 6"/>
-          <p:cNvSpPr txBox="1"/>
-          <p:nvPr/>
-        </p:nvSpPr>
-        <p:spPr>
-          <a:xfrm>
-            <a:off x="382772" y="3880777"/>
-            <a:ext cx="4859080" cy="923330"/>
-          </a:xfrm>
-          <a:prstGeom prst="rect">
-            <a:avLst/>
-          </a:prstGeom>
-          <a:noFill/>
-        </p:spPr>
-        <p:txBody>
-          <a:bodyPr wrap="square" rtlCol="0">
-            <a:spAutoFit/>
-          </a:bodyPr>
-          <a:lstStyle/>
-          <a:p>
-            <a:pPr marL="285750" indent="-285750">
-              <a:buFontTx/>
-              <a:buChar char="-"/>
-            </a:pPr>
-            <a:r>
-              <a:rPr lang="en-US" dirty="0" err="1" smtClean="0"/>
-              <a:t>Truy</a:t>
-            </a:r>
-            <a:r>
-              <a:rPr lang="en-US" dirty="0" smtClean="0"/>
-              <a:t> </a:t>
-            </a:r>
-            <a:r>
-              <a:rPr lang="en-US" dirty="0" err="1" smtClean="0"/>
-              <a:t>cập</a:t>
-            </a:r>
-            <a:r>
-              <a:rPr lang="en-US" dirty="0" smtClean="0"/>
-              <a:t>: </a:t>
-            </a:r>
-            <a:r>
-              <a:rPr lang="en-US" dirty="0" smtClean="0">
-                <a:hlinkClick r:id="rId2"/>
-              </a:rPr>
-              <a:t>https</a:t>
-            </a:r>
-            <a:r>
-              <a:rPr lang="en-US" dirty="0">
-                <a:hlinkClick r:id="rId2"/>
-              </a:rPr>
-              <a:t>://</a:t>
-            </a:r>
-            <a:r>
-              <a:rPr lang="en-US" dirty="0" smtClean="0">
-                <a:hlinkClick r:id="rId2"/>
-              </a:rPr>
-              <a:t>code.visualstudio.com</a:t>
-            </a:r>
-            <a:endParaRPr lang="en-US" dirty="0" smtClean="0"/>
-          </a:p>
-          <a:p>
-            <a:pPr marL="285750" indent="-285750">
-              <a:buFontTx/>
-              <a:buChar char="-"/>
-            </a:pPr>
-            <a:r>
-              <a:rPr lang="en-US" dirty="0" err="1" smtClean="0"/>
-              <a:t>Tải</a:t>
-            </a:r>
-            <a:r>
-              <a:rPr lang="en-US" dirty="0" smtClean="0"/>
-              <a:t> </a:t>
-            </a:r>
-            <a:r>
-              <a:rPr lang="en-US" dirty="0" err="1" smtClean="0"/>
-              <a:t>về</a:t>
-            </a:r>
-            <a:r>
-              <a:rPr lang="en-US" dirty="0" smtClean="0"/>
-              <a:t> </a:t>
-            </a:r>
-            <a:r>
-              <a:rPr lang="en-US" dirty="0" err="1" smtClean="0"/>
-              <a:t>phiên</a:t>
-            </a:r>
-            <a:r>
-              <a:rPr lang="en-US" dirty="0" smtClean="0"/>
-              <a:t> </a:t>
-            </a:r>
-            <a:r>
-              <a:rPr lang="en-US" dirty="0" err="1" smtClean="0"/>
-              <a:t>bản</a:t>
-            </a:r>
-            <a:r>
-              <a:rPr lang="en-US" dirty="0" smtClean="0"/>
-              <a:t> </a:t>
-            </a:r>
-            <a:r>
-              <a:rPr lang="en-US" dirty="0" err="1" smtClean="0"/>
-              <a:t>tương</a:t>
-            </a:r>
-            <a:r>
-              <a:rPr lang="en-US" dirty="0" smtClean="0"/>
-              <a:t> </a:t>
-            </a:r>
-            <a:r>
-              <a:rPr lang="en-US" dirty="0" err="1" smtClean="0"/>
-              <a:t>tứng</a:t>
-            </a:r>
-            <a:r>
-              <a:rPr lang="en-US" dirty="0" smtClean="0"/>
-              <a:t> </a:t>
-            </a:r>
-            <a:r>
-              <a:rPr lang="en-US" dirty="0" err="1" smtClean="0"/>
-              <a:t>với</a:t>
-            </a:r>
-            <a:r>
-              <a:rPr lang="en-US" dirty="0" smtClean="0"/>
-              <a:t> </a:t>
-            </a:r>
-            <a:r>
-              <a:rPr lang="en-US" dirty="0" err="1" smtClean="0"/>
-              <a:t>hệ</a:t>
-            </a:r>
-            <a:r>
-              <a:rPr lang="en-US" dirty="0" smtClean="0"/>
-              <a:t> </a:t>
-            </a:r>
-            <a:r>
-              <a:rPr lang="en-US" dirty="0" err="1" smtClean="0"/>
-              <a:t>điều</a:t>
-            </a:r>
-            <a:r>
-              <a:rPr lang="en-US" dirty="0" smtClean="0"/>
-              <a:t> </a:t>
-            </a:r>
-            <a:r>
-              <a:rPr lang="en-US" dirty="0" err="1" smtClean="0"/>
-              <a:t>hành</a:t>
-            </a:r>
-            <a:r>
-              <a:rPr lang="en-US" dirty="0" smtClean="0"/>
-              <a:t> </a:t>
-            </a:r>
-            <a:r>
-              <a:rPr lang="en-US" dirty="0" err="1" smtClean="0"/>
-              <a:t>đang</a:t>
-            </a:r>
-            <a:r>
-              <a:rPr lang="en-US" dirty="0" smtClean="0"/>
-              <a:t> </a:t>
-            </a:r>
-            <a:r>
-              <a:rPr lang="en-US" dirty="0" err="1" smtClean="0"/>
-              <a:t>sử</a:t>
-            </a:r>
-            <a:r>
-              <a:rPr lang="en-US" dirty="0" smtClean="0"/>
-              <a:t> </a:t>
-            </a:r>
-            <a:r>
-              <a:rPr lang="en-US" dirty="0" err="1" smtClean="0"/>
-              <a:t>dụng</a:t>
-            </a:r>
-            <a:endParaRPr lang="en-US" dirty="0"/>
-          </a:p>
-        </p:txBody>
-      </p:sp>
-      <p:sp>
-        <p:nvSpPr>
-          <p:cNvPr id="8" name="TextBox 7"/>
-          <p:cNvSpPr txBox="1"/>
-          <p:nvPr/>
-        </p:nvSpPr>
-        <p:spPr>
-          <a:xfrm>
-            <a:off x="382771" y="5148963"/>
-            <a:ext cx="5082364" cy="646331"/>
-          </a:xfrm>
-          <a:prstGeom prst="rect">
-            <a:avLst/>
-          </a:prstGeom>
-          <a:noFill/>
-        </p:spPr>
-        <p:txBody>
-          <a:bodyPr wrap="square" rtlCol="0">
-            <a:spAutoFit/>
-          </a:bodyPr>
-          <a:lstStyle/>
-          <a:p>
-            <a:r>
-              <a:rPr lang="en-US" dirty="0" err="1" smtClean="0"/>
-              <a:t>Cài</a:t>
-            </a:r>
-            <a:r>
-              <a:rPr lang="en-US" dirty="0" smtClean="0"/>
-              <a:t> </a:t>
-            </a:r>
-            <a:r>
-              <a:rPr lang="en-US" dirty="0" err="1" smtClean="0"/>
-              <a:t>đăt</a:t>
-            </a:r>
-            <a:r>
-              <a:rPr lang="en-US" dirty="0" smtClean="0"/>
-              <a:t> </a:t>
-            </a:r>
-            <a:r>
-              <a:rPr lang="pt-BR" b="1" dirty="0" smtClean="0"/>
-              <a:t>Extension Python </a:t>
-            </a:r>
-            <a:r>
-              <a:rPr lang="pt-BR" dirty="0" smtClean="0"/>
-              <a:t>giúp gợi ý, kiểm tra lỗi, định dạng mã nguồn python</a:t>
-            </a:r>
-            <a:endParaRPr lang="en-US" dirty="0"/>
-          </a:p>
-        </p:txBody>
-      </p:sp>
-      <p:pic>
-        <p:nvPicPr>
-          <p:cNvPr id="10" name="Picture 9"/>
-          <p:cNvPicPr>
-            <a:picLocks noChangeAspect="1"/>
-          </p:cNvPicPr>
-          <p:nvPr/>
-        </p:nvPicPr>
-        <p:blipFill>
-          <a:blip r:embed="rId3"/>
-          <a:stretch>
-            <a:fillRect/>
-          </a:stretch>
-        </p:blipFill>
-        <p:spPr>
-          <a:xfrm>
-            <a:off x="5550729" y="3247118"/>
-            <a:ext cx="2710769" cy="2710769"/>
-          </a:xfrm>
-          <a:prstGeom prst="rect">
-            <a:avLst/>
-          </a:prstGeom>
-        </p:spPr>
-      </p:pic>
-    </p:spTree>
-    <p:extLst>
-      <p:ext uri="{BB962C8B-B14F-4D97-AF65-F5344CB8AC3E}">
-        <p14:creationId xmlns:p14="http://schemas.microsoft.com/office/powerpoint/2010/main" val="481569801"/>
-      </p:ext>
-    </p:extLst>
-  </p:cSld>
-  <p:clrMapOvr>
-    <a:masterClrMapping/>
-  </p:clrMapOvr>
-  <p:timing>
-    <p:tnLst>
-      <p:par>
-        <p:cTn id="1" dur="indefinite" restart="never" nodeType="tmRoot"/>
-      </p:par>
-    </p:tnLst>
-  </p:timing>
-</p:sld>
-</file>
-
-<file path=ppt/slides/slide8.xml><?xml version="1.0" encoding="utf-8"?>
-<p:sld xmlns:a="http://schemas.openxmlformats.org/drawingml/2006/main" xmlns:r="http://schemas.openxmlformats.org/officeDocument/2006/relationships" xmlns:p="http://schemas.openxmlformats.org/presentationml/2006/main">
-  <p:cSld>
-    <p:spTree>
-      <p:nvGrpSpPr>
-        <p:cNvPr id="1" name=""/>
-        <p:cNvGrpSpPr/>
-        <p:nvPr/>
-      </p:nvGrpSpPr>
-      <p:grpSpPr>
-        <a:xfrm>
-          <a:off x="0" y="0"/>
-          <a:ext cx="0" cy="0"/>
-          <a:chOff x="0" y="0"/>
-          <a:chExt cx="0" cy="0"/>
-        </a:xfrm>
-      </p:grpSpPr>
-      <p:sp>
-        <p:nvSpPr>
-          <p:cNvPr id="2" name="Slide Number Placeholder 1"/>
-          <p:cNvSpPr>
-            <a:spLocks noGrp="1"/>
-          </p:cNvSpPr>
-          <p:nvPr>
-            <p:ph type="sldNum" sz="quarter" idx="12"/>
-          </p:nvPr>
-        </p:nvSpPr>
-        <p:spPr/>
-        <p:txBody>
-          <a:bodyPr/>
-          <a:lstStyle/>
-          <a:p>
-            <a:fld id="{7D9EC917-02A2-4152-9EE3-DFE2775A77C7}" type="slidenum">
-              <a:rPr lang="en-US" smtClean="0"/>
-              <a:pPr/>
-              <a:t>8</a:t>
-            </a:fld>
-            <a:endParaRPr lang="en-US"/>
-          </a:p>
-        </p:txBody>
-      </p:sp>
-      <p:sp>
-        <p:nvSpPr>
-          <p:cNvPr id="3" name="Text Placeholder 2"/>
-          <p:cNvSpPr>
-            <a:spLocks noGrp="1"/>
-          </p:cNvSpPr>
-          <p:nvPr>
-            <p:ph type="body" sz="quarter" idx="13"/>
-          </p:nvPr>
-        </p:nvSpPr>
-        <p:spPr/>
-        <p:txBody>
-          <a:bodyPr/>
-          <a:lstStyle/>
-          <a:p>
-            <a:r>
-              <a:rPr lang="en-US" dirty="0" smtClean="0"/>
-              <a:t>1.4 </a:t>
-            </a:r>
-            <a:r>
-              <a:rPr lang="en-US" dirty="0" err="1" smtClean="0"/>
-              <a:t>Dòng</a:t>
-            </a:r>
-            <a:r>
-              <a:rPr lang="en-US" dirty="0" smtClean="0"/>
-              <a:t> </a:t>
-            </a:r>
-            <a:r>
-              <a:rPr lang="en-US" dirty="0" err="1" smtClean="0"/>
-              <a:t>lệnh</a:t>
-            </a:r>
-            <a:r>
-              <a:rPr lang="en-US" dirty="0" smtClean="0"/>
-              <a:t> </a:t>
-            </a:r>
-            <a:r>
-              <a:rPr lang="en-US" dirty="0" err="1" smtClean="0"/>
-              <a:t>đầu</a:t>
-            </a:r>
-            <a:r>
-              <a:rPr lang="en-US" dirty="0" smtClean="0"/>
-              <a:t> </a:t>
-            </a:r>
-            <a:r>
-              <a:rPr lang="en-US" dirty="0" err="1" smtClean="0"/>
-              <a:t>tiên</a:t>
-            </a:r>
-            <a:endParaRPr lang="en-US" dirty="0"/>
-          </a:p>
-        </p:txBody>
-      </p:sp>
-      <p:pic>
-        <p:nvPicPr>
-          <p:cNvPr id="8194" name="Picture 2" descr="Free vector cute bot say users hello. chatbot greets. online consultation."/>
-          <p:cNvPicPr>
-            <a:picLocks noChangeAspect="1" noChangeArrowheads="1"/>
-          </p:cNvPicPr>
-          <p:nvPr/>
-        </p:nvPicPr>
-        <p:blipFill rotWithShape="1">
-          <a:blip r:embed="rId2">
-            <a:extLst>
-              <a:ext uri="{28A0092B-C50C-407E-A947-70E740481C1C}">
-                <a14:useLocalDpi xmlns:a14="http://schemas.microsoft.com/office/drawing/2010/main" val="0"/>
-              </a:ext>
-            </a:extLst>
-          </a:blip>
-          <a:srcRect t="20462" r="26110" b="12668"/>
-          <a:stretch/>
-        </p:blipFill>
-        <p:spPr bwMode="auto">
-          <a:xfrm>
-            <a:off x="4351097" y="2661241"/>
-            <a:ext cx="4405792" cy="3987210"/>
-          </a:xfrm>
-          <a:prstGeom prst="rect">
-            <a:avLst/>
-          </a:prstGeom>
-          <a:noFill/>
-          <a:extLst>
-            <a:ext uri="{909E8E84-426E-40DD-AFC4-6F175D3DCCD1}">
-              <a14:hiddenFill xmlns:a14="http://schemas.microsoft.com/office/drawing/2010/main">
-                <a:solidFill>
-                  <a:srgbClr val="FFFFFF"/>
-                </a:solidFill>
-              </a14:hiddenFill>
-            </a:ext>
-          </a:extLst>
-        </p:spPr>
-      </p:pic>
-      <p:sp>
-        <p:nvSpPr>
-          <p:cNvPr id="5" name="TextBox 4"/>
-          <p:cNvSpPr txBox="1"/>
-          <p:nvPr/>
-        </p:nvSpPr>
-        <p:spPr>
-          <a:xfrm>
-            <a:off x="435934" y="1460912"/>
-            <a:ext cx="7687339" cy="369332"/>
-          </a:xfrm>
-          <a:prstGeom prst="rect">
-            <a:avLst/>
-          </a:prstGeom>
-          <a:noFill/>
-        </p:spPr>
-        <p:txBody>
-          <a:bodyPr wrap="square" rtlCol="0">
-            <a:spAutoFit/>
-          </a:bodyPr>
-          <a:lstStyle/>
-          <a:p>
-            <a:r>
-              <a:rPr lang="en-US" dirty="0" err="1" smtClean="0"/>
-              <a:t>Chúng</a:t>
-            </a:r>
-            <a:r>
-              <a:rPr lang="en-US" dirty="0" smtClean="0"/>
-              <a:t> ta </a:t>
-            </a:r>
-            <a:r>
-              <a:rPr lang="en-US" dirty="0" err="1" smtClean="0"/>
-              <a:t>sẽ</a:t>
-            </a:r>
-            <a:r>
-              <a:rPr lang="en-US" dirty="0" smtClean="0"/>
-              <a:t> </a:t>
-            </a:r>
-            <a:r>
-              <a:rPr lang="en-US" dirty="0" err="1" smtClean="0"/>
-              <a:t>làm</a:t>
-            </a:r>
-            <a:r>
-              <a:rPr lang="en-US" dirty="0" smtClean="0"/>
-              <a:t> </a:t>
-            </a:r>
-            <a:r>
-              <a:rPr lang="en-US" dirty="0" err="1" smtClean="0"/>
-              <a:t>quen</a:t>
-            </a:r>
-            <a:r>
-              <a:rPr lang="en-US" dirty="0" smtClean="0"/>
-              <a:t> </a:t>
-            </a:r>
-            <a:r>
-              <a:rPr lang="en-US" dirty="0" err="1" smtClean="0"/>
-              <a:t>với</a:t>
-            </a:r>
-            <a:r>
-              <a:rPr lang="en-US" dirty="0" smtClean="0"/>
-              <a:t> </a:t>
-            </a:r>
-            <a:r>
-              <a:rPr lang="en-US" dirty="0" err="1" smtClean="0"/>
-              <a:t>dòng</a:t>
-            </a:r>
-            <a:r>
-              <a:rPr lang="en-US" dirty="0" smtClean="0"/>
-              <a:t> </a:t>
-            </a:r>
-            <a:r>
-              <a:rPr lang="en-US" dirty="0" err="1" smtClean="0"/>
-              <a:t>lệnh</a:t>
-            </a:r>
-            <a:r>
-              <a:rPr lang="en-US" dirty="0" smtClean="0"/>
-              <a:t> </a:t>
-            </a:r>
-            <a:r>
-              <a:rPr lang="en-US" dirty="0" err="1" smtClean="0"/>
-              <a:t>đầu</a:t>
-            </a:r>
-            <a:r>
-              <a:rPr lang="en-US" dirty="0" smtClean="0"/>
-              <a:t> </a:t>
-            </a:r>
-            <a:r>
-              <a:rPr lang="en-US" dirty="0" err="1" smtClean="0"/>
-              <a:t>tiên</a:t>
-            </a:r>
-            <a:r>
-              <a:rPr lang="en-US" dirty="0" smtClean="0"/>
-              <a:t> </a:t>
-            </a:r>
-            <a:r>
-              <a:rPr lang="en-US" dirty="0" err="1" smtClean="0"/>
-              <a:t>của</a:t>
-            </a:r>
-            <a:r>
-              <a:rPr lang="en-US" dirty="0" smtClean="0"/>
-              <a:t> python </a:t>
-            </a:r>
-            <a:r>
-              <a:rPr lang="en-US" dirty="0" err="1" smtClean="0"/>
-              <a:t>đó</a:t>
-            </a:r>
-            <a:r>
-              <a:rPr lang="en-US" dirty="0" smtClean="0"/>
-              <a:t> </a:t>
-            </a:r>
-            <a:r>
-              <a:rPr lang="en-US" dirty="0" err="1" smtClean="0"/>
-              <a:t>là</a:t>
-            </a:r>
-            <a:r>
-              <a:rPr lang="en-US" dirty="0" smtClean="0"/>
-              <a:t> </a:t>
-            </a:r>
-            <a:r>
-              <a:rPr lang="en-US" dirty="0" err="1" smtClean="0"/>
-              <a:t>lệnh</a:t>
-            </a:r>
-            <a:r>
-              <a:rPr lang="en-US" dirty="0" smtClean="0"/>
-              <a:t> </a:t>
-            </a:r>
-            <a:r>
-              <a:rPr lang="en-US" b="1" dirty="0" smtClean="0"/>
-              <a:t>print</a:t>
-            </a:r>
-            <a:endParaRPr lang="en-US" b="1" dirty="0"/>
-          </a:p>
-        </p:txBody>
-      </p:sp>
-      <p:sp>
-        <p:nvSpPr>
-          <p:cNvPr id="6" name="Rounded Rectangle 5"/>
-          <p:cNvSpPr/>
-          <p:nvPr/>
-        </p:nvSpPr>
-        <p:spPr>
-          <a:xfrm>
-            <a:off x="574158" y="2035047"/>
-            <a:ext cx="1244010" cy="421390"/>
-          </a:xfrm>
-          <a:prstGeom prst="roundRect">
-            <a:avLst/>
-          </a:prstGeom>
-          <a:gradFill flip="none" rotWithShape="1">
-            <a:gsLst>
-              <a:gs pos="15000">
-                <a:srgbClr val="67C7DF"/>
-              </a:gs>
-              <a:gs pos="100000">
-                <a:srgbClr val="5EB130"/>
-              </a:gs>
-            </a:gsLst>
-            <a:lin ang="2400000" scaled="0"/>
-            <a:tileRect/>
-          </a:gradFill>
-          <a:ln>
-            <a:noFill/>
-          </a:ln>
-        </p:spPr>
-        <p:style>
-          <a:lnRef idx="2">
-            <a:schemeClr val="accent1">
-              <a:shade val="50000"/>
-            </a:schemeClr>
-          </a:lnRef>
-          <a:fillRef idx="1">
-            <a:schemeClr val="accent1"/>
-          </a:fillRef>
-          <a:effectRef idx="0">
-            <a:schemeClr val="accent1"/>
-          </a:effectRef>
-          <a:fontRef idx="minor">
-            <a:schemeClr val="lt1"/>
-          </a:fontRef>
-        </p:style>
-        <p:txBody>
-          <a:bodyPr rtlCol="0" anchor="ctr"/>
-          <a:lstStyle/>
-          <a:p>
-            <a:pPr algn="ctr"/>
-            <a:r>
-              <a:rPr lang="en-US" b="1" dirty="0" err="1" smtClean="0"/>
-              <a:t>Cú</a:t>
-            </a:r>
-            <a:r>
-              <a:rPr lang="en-US" b="1" dirty="0" smtClean="0"/>
-              <a:t> </a:t>
-            </a:r>
-            <a:r>
-              <a:rPr lang="en-US" b="1" dirty="0" err="1" smtClean="0"/>
-              <a:t>Pháp</a:t>
-            </a:r>
-            <a:endParaRPr lang="en-US" b="1" dirty="0"/>
-          </a:p>
-        </p:txBody>
-      </p:sp>
-      <p:sp>
-        <p:nvSpPr>
-          <p:cNvPr id="4" name="Rectangle 3"/>
-          <p:cNvSpPr/>
-          <p:nvPr/>
-        </p:nvSpPr>
-        <p:spPr>
-          <a:xfrm>
-            <a:off x="574158" y="2678001"/>
-            <a:ext cx="3530009" cy="1116418"/>
-          </a:xfrm>
-          <a:prstGeom prst="rect">
-            <a:avLst/>
-          </a:prstGeom>
-          <a:solidFill>
-            <a:schemeClr val="tx2">
-              <a:lumMod val="75000"/>
-            </a:schemeClr>
-          </a:solidFill>
-          <a:ln>
-            <a:noFill/>
-          </a:ln>
-        </p:spPr>
-        <p:style>
-          <a:lnRef idx="2">
-            <a:schemeClr val="accent1">
-              <a:shade val="50000"/>
-            </a:schemeClr>
-          </a:lnRef>
-          <a:fillRef idx="1">
-            <a:schemeClr val="accent1"/>
-          </a:fillRef>
-          <a:effectRef idx="0">
-            <a:schemeClr val="accent1"/>
-          </a:effectRef>
-          <a:fontRef idx="minor">
-            <a:schemeClr val="lt1"/>
-          </a:fontRef>
-        </p:style>
-        <p:txBody>
-          <a:bodyPr rtlCol="0" anchor="ctr"/>
-          <a:lstStyle/>
-          <a:p>
-            <a:pPr algn="ctr"/>
-            <a:endParaRPr lang="en-US"/>
-          </a:p>
-        </p:txBody>
-      </p:sp>
-      <p:sp>
-        <p:nvSpPr>
-          <p:cNvPr id="7" name="TextBox 6"/>
-          <p:cNvSpPr txBox="1"/>
-          <p:nvPr/>
-        </p:nvSpPr>
-        <p:spPr>
-          <a:xfrm>
-            <a:off x="754912" y="2866878"/>
-            <a:ext cx="2775098" cy="369332"/>
-          </a:xfrm>
-          <a:prstGeom prst="rect">
-            <a:avLst/>
-          </a:prstGeom>
-          <a:noFill/>
-        </p:spPr>
-        <p:txBody>
-          <a:bodyPr wrap="square" rtlCol="0">
-            <a:spAutoFit/>
-          </a:bodyPr>
-          <a:lstStyle/>
-          <a:p>
-            <a:r>
-              <a:rPr lang="en-US" dirty="0" smtClean="0">
-                <a:solidFill>
-                  <a:schemeClr val="bg1"/>
-                </a:solidFill>
-              </a:rPr>
-              <a:t>print</a:t>
-            </a:r>
-            <a:r>
-              <a:rPr lang="en-US" dirty="0" smtClean="0">
-                <a:solidFill>
-                  <a:srgbClr val="FECC36"/>
-                </a:solidFill>
-              </a:rPr>
-              <a:t>(</a:t>
-            </a:r>
-            <a:r>
-              <a:rPr lang="en-US" dirty="0" smtClean="0">
-                <a:solidFill>
-                  <a:schemeClr val="accent2">
-                    <a:lumMod val="75000"/>
-                  </a:schemeClr>
-                </a:solidFill>
-              </a:rPr>
-              <a:t>‘Hello World !’</a:t>
-            </a:r>
-            <a:r>
-              <a:rPr lang="en-US" dirty="0" smtClean="0">
-                <a:solidFill>
-                  <a:srgbClr val="FECC36"/>
-                </a:solidFill>
-              </a:rPr>
-              <a:t>)</a:t>
-            </a:r>
-            <a:endParaRPr lang="en-US" dirty="0">
-              <a:solidFill>
-                <a:srgbClr val="FECC36"/>
-              </a:solidFill>
-            </a:endParaRPr>
-          </a:p>
-        </p:txBody>
-      </p:sp>
-      <p:sp>
-        <p:nvSpPr>
-          <p:cNvPr id="9" name="TextBox 8"/>
-          <p:cNvSpPr txBox="1"/>
-          <p:nvPr/>
-        </p:nvSpPr>
-        <p:spPr>
-          <a:xfrm>
-            <a:off x="754912" y="3313446"/>
-            <a:ext cx="2775098" cy="369332"/>
-          </a:xfrm>
-          <a:prstGeom prst="rect">
-            <a:avLst/>
-          </a:prstGeom>
-          <a:noFill/>
-        </p:spPr>
-        <p:txBody>
-          <a:bodyPr wrap="square" rtlCol="0">
-            <a:spAutoFit/>
-          </a:bodyPr>
-          <a:lstStyle/>
-          <a:p>
-            <a:r>
-              <a:rPr lang="en-US" dirty="0">
-                <a:solidFill>
-                  <a:schemeClr val="bg1"/>
-                </a:solidFill>
-              </a:rPr>
-              <a:t>Hello World !</a:t>
-            </a:r>
-          </a:p>
-        </p:txBody>
-      </p:sp>
-      <p:sp>
-        <p:nvSpPr>
-          <p:cNvPr id="10" name="TextBox 9"/>
-          <p:cNvSpPr txBox="1"/>
-          <p:nvPr/>
-        </p:nvSpPr>
-        <p:spPr>
-          <a:xfrm>
-            <a:off x="435934" y="4015983"/>
-            <a:ext cx="4253024" cy="2308324"/>
-          </a:xfrm>
-          <a:prstGeom prst="rect">
-            <a:avLst/>
-          </a:prstGeom>
-          <a:noFill/>
-        </p:spPr>
-        <p:txBody>
-          <a:bodyPr wrap="square" rtlCol="0">
-            <a:spAutoFit/>
-          </a:bodyPr>
-          <a:lstStyle/>
-          <a:p>
-            <a:r>
-              <a:rPr lang="en-US" dirty="0" err="1" smtClean="0"/>
-              <a:t>Nhập</a:t>
-            </a:r>
-            <a:r>
-              <a:rPr lang="en-US" dirty="0" smtClean="0"/>
-              <a:t> </a:t>
-            </a:r>
-            <a:r>
-              <a:rPr lang="en-US" dirty="0" err="1" smtClean="0"/>
-              <a:t>lệnh</a:t>
-            </a:r>
-            <a:r>
-              <a:rPr lang="en-US" dirty="0" smtClean="0"/>
-              <a:t> </a:t>
-            </a:r>
-            <a:r>
-              <a:rPr lang="en-US" dirty="0" err="1" smtClean="0"/>
-              <a:t>xong</a:t>
-            </a:r>
-            <a:r>
-              <a:rPr lang="en-US" dirty="0" smtClean="0"/>
-              <a:t>, </a:t>
-            </a:r>
-            <a:r>
-              <a:rPr lang="en-US" dirty="0" err="1" smtClean="0"/>
-              <a:t>lưu</a:t>
-            </a:r>
-            <a:r>
-              <a:rPr lang="en-US" dirty="0" smtClean="0"/>
-              <a:t> </a:t>
-            </a:r>
-            <a:r>
-              <a:rPr lang="en-US" dirty="0" err="1" smtClean="0"/>
-              <a:t>lại</a:t>
-            </a:r>
-            <a:r>
-              <a:rPr lang="en-US" dirty="0" smtClean="0"/>
-              <a:t> </a:t>
-            </a:r>
-            <a:r>
-              <a:rPr lang="en-US" dirty="0" err="1" smtClean="0"/>
-              <a:t>thành</a:t>
-            </a:r>
-            <a:r>
-              <a:rPr lang="en-US" dirty="0" smtClean="0"/>
-              <a:t> </a:t>
-            </a:r>
-            <a:r>
-              <a:rPr lang="en-US" dirty="0" err="1" smtClean="0"/>
-              <a:t>một</a:t>
-            </a:r>
-            <a:r>
-              <a:rPr lang="en-US" dirty="0" smtClean="0"/>
-              <a:t> file </a:t>
-            </a:r>
-            <a:r>
-              <a:rPr lang="en-US" dirty="0" err="1" smtClean="0"/>
-              <a:t>chương</a:t>
-            </a:r>
-            <a:r>
-              <a:rPr lang="en-US" dirty="0" smtClean="0"/>
-              <a:t> </a:t>
-            </a:r>
-            <a:r>
-              <a:rPr lang="en-US" dirty="0" err="1" smtClean="0"/>
-              <a:t>trình</a:t>
-            </a:r>
-            <a:r>
-              <a:rPr lang="en-US" dirty="0" smtClean="0"/>
-              <a:t> </a:t>
-            </a:r>
-            <a:r>
-              <a:rPr lang="en-US" dirty="0" err="1" smtClean="0"/>
-              <a:t>ví</a:t>
-            </a:r>
-            <a:r>
-              <a:rPr lang="en-US" dirty="0" smtClean="0"/>
-              <a:t> </a:t>
-            </a:r>
-            <a:r>
-              <a:rPr lang="en-US" dirty="0" err="1" smtClean="0"/>
-              <a:t>dụ</a:t>
-            </a:r>
-            <a:r>
-              <a:rPr lang="en-US" dirty="0" smtClean="0"/>
-              <a:t>: hello.py</a:t>
-            </a:r>
-          </a:p>
-          <a:p>
-            <a:endParaRPr lang="en-US" b="1" dirty="0"/>
-          </a:p>
-          <a:p>
-            <a:r>
-              <a:rPr lang="en-US" dirty="0" err="1" smtClean="0"/>
-              <a:t>Sau</a:t>
-            </a:r>
-            <a:r>
-              <a:rPr lang="en-US" dirty="0" smtClean="0"/>
-              <a:t> </a:t>
-            </a:r>
-            <a:r>
-              <a:rPr lang="en-US" dirty="0" err="1" smtClean="0"/>
-              <a:t>đó</a:t>
-            </a:r>
-            <a:r>
-              <a:rPr lang="en-US" dirty="0" smtClean="0"/>
-              <a:t> </a:t>
-            </a:r>
-            <a:r>
-              <a:rPr lang="en-US" dirty="0" err="1" smtClean="0"/>
-              <a:t>nhấn</a:t>
-            </a:r>
-            <a:r>
-              <a:rPr lang="en-US" dirty="0" smtClean="0"/>
-              <a:t> </a:t>
-            </a:r>
-            <a:r>
-              <a:rPr lang="en-US" b="1" dirty="0" smtClean="0"/>
-              <a:t>F5</a:t>
-            </a:r>
-            <a:r>
-              <a:rPr lang="en-US" dirty="0" smtClean="0"/>
-              <a:t> </a:t>
-            </a:r>
-            <a:r>
-              <a:rPr lang="en-US" dirty="0" err="1" smtClean="0"/>
-              <a:t>hoặc</a:t>
-            </a:r>
-            <a:r>
-              <a:rPr lang="en-US" dirty="0" smtClean="0"/>
-              <a:t> </a:t>
-            </a:r>
-            <a:r>
-              <a:rPr lang="en-US" dirty="0" err="1" smtClean="0"/>
-              <a:t>lệnh</a:t>
-            </a:r>
-            <a:r>
-              <a:rPr lang="en-US" dirty="0" smtClean="0"/>
-              <a:t> </a:t>
-            </a:r>
-            <a:r>
-              <a:rPr lang="en-US" b="1" dirty="0" smtClean="0"/>
-              <a:t>Run</a:t>
-            </a:r>
-            <a:r>
-              <a:rPr lang="en-US" dirty="0" smtClean="0"/>
-              <a:t> </a:t>
-            </a:r>
-            <a:r>
-              <a:rPr lang="en-US" dirty="0" err="1" smtClean="0"/>
-              <a:t>để</a:t>
-            </a:r>
-            <a:r>
-              <a:rPr lang="en-US" dirty="0" smtClean="0"/>
-              <a:t> </a:t>
-            </a:r>
-            <a:r>
-              <a:rPr lang="en-US" dirty="0" err="1" smtClean="0"/>
-              <a:t>chạy</a:t>
-            </a:r>
-            <a:r>
-              <a:rPr lang="en-US" dirty="0" smtClean="0"/>
-              <a:t> </a:t>
-            </a:r>
-            <a:r>
-              <a:rPr lang="en-US" dirty="0" err="1" smtClean="0"/>
-              <a:t>chương</a:t>
-            </a:r>
-            <a:r>
-              <a:rPr lang="en-US" dirty="0" smtClean="0"/>
-              <a:t> </a:t>
-            </a:r>
-            <a:r>
-              <a:rPr lang="en-US" dirty="0" err="1" smtClean="0"/>
-              <a:t>trình</a:t>
-            </a:r>
-            <a:endParaRPr lang="en-US" dirty="0" smtClean="0"/>
-          </a:p>
-          <a:p>
-            <a:endParaRPr lang="en-US" dirty="0"/>
-          </a:p>
-          <a:p>
-            <a:r>
-              <a:rPr lang="en-US" dirty="0" err="1" smtClean="0"/>
-              <a:t>Sẽ</a:t>
-            </a:r>
-            <a:r>
-              <a:rPr lang="en-US" dirty="0" smtClean="0"/>
-              <a:t> </a:t>
-            </a:r>
-            <a:r>
-              <a:rPr lang="en-US" dirty="0" err="1" smtClean="0"/>
-              <a:t>thấy</a:t>
-            </a:r>
-            <a:r>
-              <a:rPr lang="en-US" dirty="0" smtClean="0"/>
-              <a:t> </a:t>
-            </a:r>
-            <a:r>
-              <a:rPr lang="en-US" dirty="0" err="1" smtClean="0"/>
-              <a:t>chữ</a:t>
-            </a:r>
-            <a:r>
-              <a:rPr lang="en-US" dirty="0" smtClean="0"/>
-              <a:t> </a:t>
-            </a:r>
-            <a:r>
-              <a:rPr lang="en-US" b="1" dirty="0" smtClean="0"/>
-              <a:t>Hello World ! </a:t>
-            </a:r>
-            <a:r>
-              <a:rPr lang="en-US" dirty="0" err="1" smtClean="0"/>
-              <a:t>Xuất</a:t>
-            </a:r>
-            <a:r>
-              <a:rPr lang="en-US" dirty="0" smtClean="0"/>
-              <a:t> </a:t>
-            </a:r>
-            <a:r>
-              <a:rPr lang="en-US" dirty="0" err="1" smtClean="0"/>
-              <a:t>hiện</a:t>
-            </a:r>
-            <a:r>
-              <a:rPr lang="en-US" dirty="0" smtClean="0"/>
-              <a:t> </a:t>
-            </a:r>
-            <a:r>
-              <a:rPr lang="en-US" dirty="0" err="1" smtClean="0"/>
-              <a:t>ra</a:t>
-            </a:r>
-            <a:r>
-              <a:rPr lang="en-US" dirty="0" smtClean="0"/>
-              <a:t> </a:t>
-            </a:r>
-            <a:r>
-              <a:rPr lang="en-US" dirty="0" err="1" smtClean="0"/>
-              <a:t>cửa</a:t>
-            </a:r>
-            <a:r>
-              <a:rPr lang="en-US" dirty="0" smtClean="0"/>
-              <a:t> </a:t>
-            </a:r>
-            <a:r>
-              <a:rPr lang="en-US" dirty="0" err="1" smtClean="0"/>
-              <a:t>số</a:t>
-            </a:r>
-            <a:r>
-              <a:rPr lang="en-US" dirty="0" smtClean="0"/>
-              <a:t> </a:t>
-            </a:r>
-            <a:r>
-              <a:rPr lang="en-US" dirty="0" err="1" smtClean="0"/>
-              <a:t>lệnh</a:t>
-            </a:r>
-            <a:r>
-              <a:rPr lang="en-US" dirty="0" smtClean="0"/>
-              <a:t> </a:t>
-            </a:r>
-            <a:r>
-              <a:rPr lang="en-US" b="1" dirty="0" smtClean="0"/>
-              <a:t>Terminal</a:t>
-            </a:r>
-            <a:r>
-              <a:rPr lang="en-US" dirty="0" smtClean="0"/>
-              <a:t> </a:t>
-            </a:r>
-            <a:r>
-              <a:rPr lang="en-US" dirty="0" err="1" smtClean="0"/>
-              <a:t>của</a:t>
-            </a:r>
-            <a:r>
-              <a:rPr lang="en-US" dirty="0" smtClean="0"/>
-              <a:t> VS Code</a:t>
-            </a:r>
-            <a:endParaRPr lang="en-US" dirty="0"/>
-          </a:p>
-        </p:txBody>
-      </p:sp>
-    </p:spTree>
-    <p:extLst>
-      <p:ext uri="{BB962C8B-B14F-4D97-AF65-F5344CB8AC3E}">
-        <p14:creationId xmlns:p14="http://schemas.microsoft.com/office/powerpoint/2010/main" val="1741046058"/>
-      </p:ext>
-    </p:extLst>
-  </p:cSld>
-  <p:clrMapOvr>
-    <a:masterClrMapping/>
-  </p:clrMapOvr>
-  <p:timing>
-    <p:tnLst>
-      <p:par>
-        <p:cTn id="1" dur="indefinite" restart="never" nodeType="tmRoot"/>
-      </p:par>
-    </p:tnLst>
-  </p:timing>
-</p:sld>
-</file>
-
-<file path=ppt/slides/slide9.xml><?xml version="1.0" encoding="utf-8"?>
-<p:sld xmlns:a="http://schemas.openxmlformats.org/drawingml/2006/main" xmlns:r="http://schemas.openxmlformats.org/officeDocument/2006/relationships" xmlns:p="http://schemas.openxmlformats.org/presentationml/2006/main">
-  <p:cSld>
-    <p:spTree>
-      <p:nvGrpSpPr>
-        <p:cNvPr id="1" name=""/>
-        <p:cNvGrpSpPr/>
-        <p:nvPr/>
-      </p:nvGrpSpPr>
-      <p:grpSpPr>
-        <a:xfrm>
-          <a:off x="0" y="0"/>
-          <a:ext cx="0" cy="0"/>
-          <a:chOff x="0" y="0"/>
-          <a:chExt cx="0" cy="0"/>
-        </a:xfrm>
-      </p:grpSpPr>
-      <p:sp>
-        <p:nvSpPr>
-          <p:cNvPr id="2" name="Slide Number Placeholder 1"/>
-          <p:cNvSpPr>
-            <a:spLocks noGrp="1"/>
-          </p:cNvSpPr>
-          <p:nvPr>
-            <p:ph type="sldNum" sz="quarter" idx="12"/>
-          </p:nvPr>
-        </p:nvSpPr>
-        <p:spPr/>
-        <p:txBody>
-          <a:bodyPr/>
-          <a:lstStyle/>
-          <a:p>
-            <a:fld id="{7D9EC917-02A2-4152-9EE3-DFE2775A77C7}" type="slidenum">
-              <a:rPr lang="en-US" smtClean="0"/>
-              <a:pPr/>
-              <a:t>9</a:t>
-            </a:fld>
-            <a:endParaRPr lang="en-US"/>
-          </a:p>
-        </p:txBody>
-      </p:sp>
-      <p:sp>
-        <p:nvSpPr>
-          <p:cNvPr id="3" name="Text Placeholder 2"/>
-          <p:cNvSpPr>
-            <a:spLocks noGrp="1"/>
-          </p:cNvSpPr>
-          <p:nvPr>
-            <p:ph type="body" sz="quarter" idx="13"/>
-          </p:nvPr>
-        </p:nvSpPr>
-        <p:spPr/>
-        <p:txBody>
-          <a:bodyPr/>
-          <a:lstStyle/>
-          <a:p>
-            <a:r>
-              <a:rPr lang="en-US" dirty="0" smtClean="0"/>
-              <a:t>1.4 </a:t>
-            </a:r>
-            <a:r>
-              <a:rPr lang="en-US" dirty="0" err="1" smtClean="0"/>
-              <a:t>Dòng</a:t>
-            </a:r>
-            <a:r>
-              <a:rPr lang="en-US" dirty="0" smtClean="0"/>
-              <a:t> </a:t>
-            </a:r>
-            <a:r>
-              <a:rPr lang="en-US" dirty="0" err="1" smtClean="0"/>
-              <a:t>lệnh</a:t>
-            </a:r>
-            <a:r>
-              <a:rPr lang="en-US" dirty="0" smtClean="0"/>
-              <a:t> </a:t>
-            </a:r>
-            <a:r>
-              <a:rPr lang="en-US" dirty="0" err="1" smtClean="0"/>
-              <a:t>đầu</a:t>
-            </a:r>
-            <a:r>
-              <a:rPr lang="en-US" dirty="0" smtClean="0"/>
-              <a:t> </a:t>
-            </a:r>
-            <a:r>
-              <a:rPr lang="en-US" dirty="0" err="1" smtClean="0"/>
-              <a:t>tiên</a:t>
-            </a:r>
-            <a:endParaRPr lang="en-US" dirty="0"/>
-          </a:p>
-        </p:txBody>
-      </p:sp>
-      <p:sp>
-        <p:nvSpPr>
-          <p:cNvPr id="4" name="Rectangle 3"/>
-          <p:cNvSpPr/>
-          <p:nvPr/>
-        </p:nvSpPr>
-        <p:spPr>
-          <a:xfrm>
-            <a:off x="1041993" y="2335799"/>
-            <a:ext cx="6877056" cy="4075634"/>
-          </a:xfrm>
-          <a:prstGeom prst="rect">
-            <a:avLst/>
-          </a:prstGeom>
-          <a:solidFill>
-            <a:schemeClr val="tx2">
-              <a:lumMod val="75000"/>
-            </a:schemeClr>
-          </a:solidFill>
-          <a:ln>
-            <a:noFill/>
-          </a:ln>
-        </p:spPr>
-        <p:style>
-          <a:lnRef idx="2">
-            <a:schemeClr val="accent1">
-              <a:shade val="50000"/>
-            </a:schemeClr>
-          </a:lnRef>
-          <a:fillRef idx="1">
-            <a:schemeClr val="accent1"/>
-          </a:fillRef>
-          <a:effectRef idx="0">
-            <a:schemeClr val="accent1"/>
-          </a:effectRef>
-          <a:fontRef idx="minor">
-            <a:schemeClr val="lt1"/>
-          </a:fontRef>
-        </p:style>
-        <p:txBody>
-          <a:bodyPr rtlCol="0" anchor="ctr"/>
-          <a:lstStyle/>
-          <a:p>
-            <a:pPr algn="ctr"/>
-            <a:endParaRPr lang="en-US"/>
-          </a:p>
-        </p:txBody>
-      </p:sp>
-      <p:pic>
-        <p:nvPicPr>
-          <p:cNvPr id="11" name="Picture 2" descr="https://www.python.org/static/apple-touch-icon-precomposed.png"/>
-          <p:cNvPicPr>
-            <a:picLocks noChangeAspect="1" noChangeArrowheads="1"/>
-          </p:cNvPicPr>
-          <p:nvPr/>
-        </p:nvPicPr>
-        <p:blipFill>
-          <a:blip r:embed="rId2">
-            <a:extLst>
-              <a:ext uri="{28A0092B-C50C-407E-A947-70E740481C1C}">
-                <a14:useLocalDpi xmlns:a14="http://schemas.microsoft.com/office/drawing/2010/main" val="0"/>
-              </a:ext>
-            </a:extLst>
-          </a:blip>
-          <a:srcRect/>
-          <a:stretch>
-            <a:fillRect/>
-          </a:stretch>
-        </p:blipFill>
-        <p:spPr bwMode="auto">
-          <a:xfrm>
-            <a:off x="548981" y="1580670"/>
-            <a:ext cx="450480" cy="450481"/>
-          </a:xfrm>
-          <a:prstGeom prst="rect">
-            <a:avLst/>
-          </a:prstGeom>
-          <a:noFill/>
-          <a:extLst>
-            <a:ext uri="{909E8E84-426E-40DD-AFC4-6F175D3DCCD1}">
-              <a14:hiddenFill xmlns:a14="http://schemas.microsoft.com/office/drawing/2010/main">
-                <a:solidFill>
-                  <a:srgbClr val="FFFFFF"/>
-                </a:solidFill>
-              </a14:hiddenFill>
-            </a:ext>
-          </a:extLst>
-        </p:spPr>
-      </p:pic>
-      <p:sp>
-        <p:nvSpPr>
-          <p:cNvPr id="12" name="TextBox 11"/>
-          <p:cNvSpPr txBox="1"/>
-          <p:nvPr/>
-        </p:nvSpPr>
-        <p:spPr>
-          <a:xfrm>
-            <a:off x="1041993" y="1621244"/>
-            <a:ext cx="6177514" cy="369332"/>
-          </a:xfrm>
-          <a:prstGeom prst="rect">
-            <a:avLst/>
-          </a:prstGeom>
-          <a:noFill/>
-        </p:spPr>
-        <p:txBody>
-          <a:bodyPr wrap="square" rtlCol="0">
-            <a:spAutoFit/>
-          </a:bodyPr>
-          <a:lstStyle/>
-          <a:p>
-            <a:r>
-              <a:rPr lang="en-US" b="1" dirty="0" err="1" smtClean="0"/>
-              <a:t>Cấu</a:t>
-            </a:r>
-            <a:r>
-              <a:rPr lang="en-US" b="1" dirty="0" smtClean="0"/>
-              <a:t> </a:t>
-            </a:r>
-            <a:r>
-              <a:rPr lang="en-US" b="1" dirty="0" err="1" smtClean="0"/>
-              <a:t>trúc</a:t>
-            </a:r>
-            <a:r>
-              <a:rPr lang="en-US" b="1" dirty="0" smtClean="0"/>
-              <a:t> </a:t>
-            </a:r>
-            <a:r>
-              <a:rPr lang="en-US" b="1" dirty="0" err="1" smtClean="0"/>
-              <a:t>một</a:t>
-            </a:r>
-            <a:r>
-              <a:rPr lang="en-US" b="1" dirty="0" smtClean="0"/>
-              <a:t> </a:t>
-            </a:r>
-            <a:r>
-              <a:rPr lang="en-US" b="1" dirty="0" err="1" smtClean="0"/>
-              <a:t>chương</a:t>
-            </a:r>
-            <a:r>
-              <a:rPr lang="en-US" b="1" dirty="0" smtClean="0"/>
-              <a:t> </a:t>
-            </a:r>
-            <a:r>
-              <a:rPr lang="en-US" b="1" dirty="0" err="1" smtClean="0"/>
-              <a:t>trình</a:t>
-            </a:r>
-            <a:r>
-              <a:rPr lang="en-US" b="1" dirty="0" smtClean="0"/>
-              <a:t> </a:t>
-            </a:r>
-            <a:r>
-              <a:rPr lang="en-US" b="1" dirty="0" err="1" smtClean="0"/>
-              <a:t>trong</a:t>
-            </a:r>
-            <a:r>
-              <a:rPr lang="en-US" b="1" dirty="0" smtClean="0"/>
-              <a:t> Python: 3 </a:t>
-            </a:r>
-            <a:r>
-              <a:rPr lang="en-US" b="1" dirty="0" err="1" smtClean="0"/>
-              <a:t>phần</a:t>
-            </a:r>
-            <a:endParaRPr lang="en-US" b="1" dirty="0">
-              <a:solidFill>
-                <a:srgbClr val="FF0000"/>
-              </a:solidFill>
-            </a:endParaRPr>
-          </a:p>
-        </p:txBody>
-      </p:sp>
-      <p:sp>
-        <p:nvSpPr>
-          <p:cNvPr id="8" name="TextBox 7"/>
-          <p:cNvSpPr txBox="1"/>
-          <p:nvPr/>
-        </p:nvSpPr>
-        <p:spPr>
-          <a:xfrm>
-            <a:off x="1275906" y="2483355"/>
-            <a:ext cx="4561367" cy="3831818"/>
-          </a:xfrm>
-          <a:prstGeom prst="rect">
-            <a:avLst/>
-          </a:prstGeom>
-          <a:noFill/>
-        </p:spPr>
-        <p:txBody>
-          <a:bodyPr wrap="square" rtlCol="0">
-            <a:spAutoFit/>
-          </a:bodyPr>
-          <a:lstStyle/>
-          <a:p>
-            <a:pPr>
-              <a:lnSpc>
-                <a:spcPct val="150000"/>
-              </a:lnSpc>
-            </a:pPr>
-            <a:r>
-              <a:rPr lang="vi-VN" dirty="0">
-                <a:solidFill>
-                  <a:schemeClr val="accent6">
-                    <a:lumMod val="75000"/>
-                  </a:schemeClr>
-                </a:solidFill>
-              </a:rPr>
-              <a:t># </a:t>
-            </a:r>
-            <a:r>
-              <a:rPr lang="en-US" dirty="0" smtClean="0">
-                <a:solidFill>
-                  <a:schemeClr val="accent6">
-                    <a:lumMod val="75000"/>
-                  </a:schemeClr>
-                </a:solidFill>
-              </a:rPr>
-              <a:t>1. </a:t>
-            </a:r>
-            <a:r>
-              <a:rPr lang="vi-VN" dirty="0" smtClean="0">
-                <a:solidFill>
-                  <a:schemeClr val="accent6">
-                    <a:lumMod val="75000"/>
-                  </a:schemeClr>
-                </a:solidFill>
-              </a:rPr>
-              <a:t>Import </a:t>
-            </a:r>
-            <a:r>
-              <a:rPr lang="vi-VN" dirty="0">
-                <a:solidFill>
-                  <a:schemeClr val="accent6">
-                    <a:lumMod val="75000"/>
-                  </a:schemeClr>
-                </a:solidFill>
-              </a:rPr>
-              <a:t>các thư viện cần thiết (nếu có) </a:t>
-            </a:r>
-            <a:endParaRPr lang="en-US" dirty="0" smtClean="0">
-              <a:solidFill>
-                <a:schemeClr val="accent6">
-                  <a:lumMod val="75000"/>
-                </a:schemeClr>
-              </a:solidFill>
-            </a:endParaRPr>
-          </a:p>
-          <a:p>
-            <a:pPr>
-              <a:lnSpc>
-                <a:spcPct val="150000"/>
-              </a:lnSpc>
-            </a:pPr>
-            <a:r>
-              <a:rPr lang="vi-VN" dirty="0" smtClean="0">
-                <a:solidFill>
-                  <a:srgbClr val="67C7DF"/>
-                </a:solidFill>
-              </a:rPr>
-              <a:t>import</a:t>
-            </a:r>
-            <a:r>
-              <a:rPr lang="vi-VN" dirty="0" smtClean="0">
-                <a:solidFill>
-                  <a:schemeClr val="bg1"/>
-                </a:solidFill>
-              </a:rPr>
-              <a:t> </a:t>
-            </a:r>
-            <a:r>
-              <a:rPr lang="vi-VN" dirty="0">
-                <a:solidFill>
-                  <a:schemeClr val="bg1"/>
-                </a:solidFill>
-              </a:rPr>
-              <a:t>module1 </a:t>
-            </a:r>
-            <a:endParaRPr lang="en-US" dirty="0" smtClean="0">
-              <a:solidFill>
-                <a:schemeClr val="bg1"/>
-              </a:solidFill>
-            </a:endParaRPr>
-          </a:p>
-          <a:p>
-            <a:pPr>
-              <a:lnSpc>
-                <a:spcPct val="150000"/>
-              </a:lnSpc>
-            </a:pPr>
-            <a:r>
-              <a:rPr lang="vi-VN" dirty="0" smtClean="0">
-                <a:solidFill>
-                  <a:srgbClr val="67C7DF"/>
-                </a:solidFill>
-              </a:rPr>
-              <a:t>import</a:t>
-            </a:r>
-            <a:r>
-              <a:rPr lang="vi-VN" dirty="0" smtClean="0">
-                <a:solidFill>
-                  <a:schemeClr val="bg1"/>
-                </a:solidFill>
-              </a:rPr>
-              <a:t> </a:t>
-            </a:r>
-            <a:r>
-              <a:rPr lang="vi-VN" dirty="0">
-                <a:solidFill>
-                  <a:schemeClr val="bg1"/>
-                </a:solidFill>
-              </a:rPr>
-              <a:t>module2 </a:t>
-            </a:r>
-            <a:endParaRPr lang="en-US" dirty="0" smtClean="0">
-              <a:solidFill>
-                <a:schemeClr val="bg1"/>
-              </a:solidFill>
-            </a:endParaRPr>
-          </a:p>
-          <a:p>
-            <a:pPr>
-              <a:lnSpc>
-                <a:spcPct val="150000"/>
-              </a:lnSpc>
-            </a:pPr>
-            <a:r>
-              <a:rPr lang="vi-VN" dirty="0" smtClean="0">
-                <a:solidFill>
-                  <a:schemeClr val="accent6">
-                    <a:lumMod val="75000"/>
-                  </a:schemeClr>
-                </a:solidFill>
-              </a:rPr>
-              <a:t># </a:t>
-            </a:r>
-            <a:r>
-              <a:rPr lang="en-US" dirty="0" smtClean="0">
-                <a:solidFill>
-                  <a:schemeClr val="accent6">
-                    <a:lumMod val="75000"/>
-                  </a:schemeClr>
-                </a:solidFill>
-              </a:rPr>
-              <a:t>2. </a:t>
-            </a:r>
-            <a:r>
-              <a:rPr lang="vi-VN" dirty="0" smtClean="0">
-                <a:solidFill>
-                  <a:schemeClr val="accent6">
-                    <a:lumMod val="75000"/>
-                  </a:schemeClr>
-                </a:solidFill>
-              </a:rPr>
-              <a:t>Định </a:t>
-            </a:r>
-            <a:r>
-              <a:rPr lang="vi-VN" dirty="0">
-                <a:solidFill>
-                  <a:schemeClr val="accent6">
-                    <a:lumMod val="75000"/>
-                  </a:schemeClr>
-                </a:solidFill>
-              </a:rPr>
-              <a:t>nghĩa hàm (nếu có)</a:t>
-            </a:r>
-            <a:r>
-              <a:rPr lang="vi-VN" dirty="0">
-                <a:solidFill>
-                  <a:schemeClr val="bg1"/>
-                </a:solidFill>
-              </a:rPr>
-              <a:t> </a:t>
-            </a:r>
-            <a:endParaRPr lang="en-US" dirty="0" smtClean="0">
-              <a:solidFill>
-                <a:schemeClr val="bg1"/>
-              </a:solidFill>
-            </a:endParaRPr>
-          </a:p>
-          <a:p>
-            <a:pPr>
-              <a:lnSpc>
-                <a:spcPct val="150000"/>
-              </a:lnSpc>
-            </a:pPr>
-            <a:r>
-              <a:rPr lang="vi-VN" dirty="0" smtClean="0">
-                <a:solidFill>
-                  <a:srgbClr val="67C7DF"/>
-                </a:solidFill>
-              </a:rPr>
-              <a:t>def</a:t>
-            </a:r>
-            <a:r>
-              <a:rPr lang="vi-VN" dirty="0" smtClean="0">
-                <a:solidFill>
-                  <a:schemeClr val="bg1"/>
-                </a:solidFill>
-              </a:rPr>
-              <a:t> </a:t>
-            </a:r>
-            <a:r>
-              <a:rPr lang="vi-VN" dirty="0">
-                <a:solidFill>
-                  <a:schemeClr val="bg1"/>
-                </a:solidFill>
-              </a:rPr>
-              <a:t>function1(): </a:t>
-            </a:r>
-            <a:endParaRPr lang="en-US" dirty="0" smtClean="0">
-              <a:solidFill>
-                <a:schemeClr val="bg1"/>
-              </a:solidFill>
-            </a:endParaRPr>
-          </a:p>
-          <a:p>
-            <a:pPr>
-              <a:lnSpc>
-                <a:spcPct val="150000"/>
-              </a:lnSpc>
-            </a:pPr>
-            <a:r>
-              <a:rPr lang="en-US" dirty="0" smtClean="0">
-                <a:solidFill>
-                  <a:schemeClr val="bg1"/>
-                </a:solidFill>
-              </a:rPr>
-              <a:t>       </a:t>
-            </a:r>
-            <a:r>
-              <a:rPr lang="vi-VN" dirty="0" smtClean="0">
-                <a:solidFill>
-                  <a:schemeClr val="accent6">
-                    <a:lumMod val="75000"/>
-                  </a:schemeClr>
-                </a:solidFill>
-              </a:rPr>
-              <a:t># </a:t>
-            </a:r>
-            <a:r>
-              <a:rPr lang="vi-VN" dirty="0">
-                <a:solidFill>
-                  <a:schemeClr val="accent6">
-                    <a:lumMod val="75000"/>
-                  </a:schemeClr>
-                </a:solidFill>
-              </a:rPr>
-              <a:t>Mã thực thi của hàm </a:t>
-            </a:r>
-            <a:r>
-              <a:rPr lang="vi-VN" dirty="0" smtClean="0">
-                <a:solidFill>
-                  <a:schemeClr val="accent6">
-                    <a:lumMod val="75000"/>
-                  </a:schemeClr>
-                </a:solidFill>
-              </a:rPr>
-              <a:t>function1</a:t>
-            </a:r>
-            <a:endParaRPr lang="en-US" dirty="0" smtClean="0">
-              <a:solidFill>
-                <a:schemeClr val="accent6">
-                  <a:lumMod val="75000"/>
-                </a:schemeClr>
-              </a:solidFill>
-            </a:endParaRPr>
-          </a:p>
-          <a:p>
-            <a:pPr>
-              <a:lnSpc>
-                <a:spcPct val="150000"/>
-              </a:lnSpc>
-            </a:pPr>
-            <a:endParaRPr lang="en-US" dirty="0">
-              <a:solidFill>
-                <a:schemeClr val="bg1"/>
-              </a:solidFill>
-            </a:endParaRPr>
-          </a:p>
-          <a:p>
-            <a:pPr>
-              <a:lnSpc>
-                <a:spcPct val="150000"/>
-              </a:lnSpc>
-            </a:pPr>
-            <a:r>
-              <a:rPr lang="vi-VN" dirty="0">
-                <a:solidFill>
-                  <a:schemeClr val="accent6">
-                    <a:lumMod val="75000"/>
-                  </a:schemeClr>
-                </a:solidFill>
-              </a:rPr>
-              <a:t># </a:t>
-            </a:r>
-            <a:r>
-              <a:rPr lang="en-US" dirty="0" smtClean="0">
-                <a:solidFill>
-                  <a:schemeClr val="accent6">
-                    <a:lumMod val="75000"/>
-                  </a:schemeClr>
-                </a:solidFill>
-              </a:rPr>
-              <a:t>3. </a:t>
-            </a:r>
-            <a:r>
-              <a:rPr lang="vi-VN" dirty="0" smtClean="0">
-                <a:solidFill>
-                  <a:schemeClr val="accent6">
-                    <a:lumMod val="75000"/>
-                  </a:schemeClr>
-                </a:solidFill>
-              </a:rPr>
-              <a:t>Thực </a:t>
-            </a:r>
-            <a:r>
-              <a:rPr lang="vi-VN" dirty="0">
-                <a:solidFill>
-                  <a:schemeClr val="accent6">
-                    <a:lumMod val="75000"/>
-                  </a:schemeClr>
-                </a:solidFill>
-              </a:rPr>
-              <a:t>thi mã chương trình </a:t>
-            </a:r>
-            <a:r>
-              <a:rPr lang="vi-VN" dirty="0" smtClean="0">
-                <a:solidFill>
-                  <a:schemeClr val="accent6">
-                    <a:lumMod val="75000"/>
-                  </a:schemeClr>
-                </a:solidFill>
-              </a:rPr>
-              <a:t>chính</a:t>
-            </a:r>
-            <a:endParaRPr lang="en-US" dirty="0" smtClean="0">
-              <a:solidFill>
-                <a:schemeClr val="accent6">
-                  <a:lumMod val="75000"/>
-                </a:schemeClr>
-              </a:solidFill>
-            </a:endParaRPr>
-          </a:p>
-          <a:p>
-            <a:pPr>
-              <a:lnSpc>
-                <a:spcPct val="150000"/>
-              </a:lnSpc>
-            </a:pPr>
-            <a:r>
-              <a:rPr lang="vi-VN" dirty="0">
-                <a:solidFill>
-                  <a:schemeClr val="bg1"/>
-                </a:solidFill>
-              </a:rPr>
-              <a:t>function1</a:t>
-            </a:r>
-            <a:r>
-              <a:rPr lang="vi-VN" dirty="0" smtClean="0">
-                <a:solidFill>
-                  <a:schemeClr val="bg1"/>
-                </a:solidFill>
-              </a:rPr>
-              <a:t>()</a:t>
-            </a:r>
-            <a:endParaRPr lang="en-US" dirty="0">
-              <a:solidFill>
-                <a:schemeClr val="bg1"/>
-              </a:solidFill>
-            </a:endParaRPr>
-          </a:p>
-        </p:txBody>
-      </p:sp>
-    </p:spTree>
-    <p:extLst>
-      <p:ext uri="{BB962C8B-B14F-4D97-AF65-F5344CB8AC3E}">
-        <p14:creationId xmlns:p14="http://schemas.microsoft.com/office/powerpoint/2010/main" val="1593728458"/>
       </p:ext>
     </p:extLst>
   </p:cSld>

--- a/01-Lessions/Session-01-Getting-Started/Session-01-Getting-Started-Python.pptx
+++ b/01-Lessions/Session-01-Getting-Started/Session-01-Getting-Started-Python.pptx
@@ -5,7 +5,7 @@
     <p:sldMasterId id="2147483660" r:id="rId1"/>
   </p:sldMasterIdLst>
   <p:notesMasterIdLst>
-    <p:notesMasterId r:id="rId17"/>
+    <p:notesMasterId r:id="rId21"/>
   </p:notesMasterIdLst>
   <p:sldIdLst>
     <p:sldId id="256" r:id="rId2"/>
@@ -18,11 +18,15 @@
     <p:sldId id="259" r:id="rId9"/>
     <p:sldId id="265" r:id="rId10"/>
     <p:sldId id="261" r:id="rId11"/>
-    <p:sldId id="262" r:id="rId12"/>
-    <p:sldId id="267" r:id="rId13"/>
-    <p:sldId id="263" r:id="rId14"/>
-    <p:sldId id="264" r:id="rId15"/>
-    <p:sldId id="266" r:id="rId16"/>
+    <p:sldId id="271" r:id="rId12"/>
+    <p:sldId id="262" r:id="rId13"/>
+    <p:sldId id="273" r:id="rId14"/>
+    <p:sldId id="274" r:id="rId15"/>
+    <p:sldId id="267" r:id="rId16"/>
+    <p:sldId id="263" r:id="rId17"/>
+    <p:sldId id="264" r:id="rId18"/>
+    <p:sldId id="266" r:id="rId19"/>
+    <p:sldId id="272" r:id="rId20"/>
   </p:sldIdLst>
   <p:sldSz cx="9144000" cy="6858000" type="screen4x3"/>
   <p:notesSz cx="6858000" cy="9144000"/>
@@ -211,7 +215,7 @@
           <a:p>
             <a:fld id="{E1BDF935-9821-4834-9D99-7DEFA719F44D}" type="datetimeFigureOut">
               <a:rPr lang="en-US" smtClean="0"/>
-              <a:t>10/27/2023</a:t>
+              <a:t>5/17/2024</a:t>
             </a:fld>
             <a:endParaRPr lang="en-US"/>
           </a:p>
@@ -2627,7 +2631,7 @@
             </a:r>
             <a:r>
               <a:rPr lang="en-US" dirty="0" err="1" smtClean="0"/>
-              <a:t>đăt</a:t>
+              <a:t>đặt</a:t>
             </a:r>
             <a:r>
               <a:rPr lang="en-US" dirty="0" smtClean="0"/>
@@ -2852,7 +2856,7 @@
             </a:r>
             <a:r>
               <a:rPr lang="en-US" dirty="0" err="1" smtClean="0"/>
-              <a:t>đăt</a:t>
+              <a:t>đặt</a:t>
             </a:r>
             <a:r>
               <a:rPr lang="en-US" dirty="0" smtClean="0"/>
@@ -2972,6 +2976,636 @@
           <a:p>
             <a:r>
               <a:rPr lang="en-US" dirty="0" smtClean="0"/>
+              <a:t>1.3 </a:t>
+            </a:r>
+            <a:r>
+              <a:rPr lang="en-US" dirty="0" err="1" smtClean="0"/>
+              <a:t>Cài</a:t>
+            </a:r>
+            <a:r>
+              <a:rPr lang="en-US" dirty="0" smtClean="0"/>
+              <a:t> </a:t>
+            </a:r>
+            <a:r>
+              <a:rPr lang="en-US" dirty="0" err="1" smtClean="0"/>
+              <a:t>đặt</a:t>
+            </a:r>
+            <a:r>
+              <a:rPr lang="en-US" dirty="0" smtClean="0"/>
+              <a:t> </a:t>
+            </a:r>
+            <a:r>
+              <a:rPr lang="en-US" dirty="0" err="1" smtClean="0"/>
+              <a:t>phần</a:t>
+            </a:r>
+            <a:r>
+              <a:rPr lang="en-US" dirty="0" smtClean="0"/>
+              <a:t> </a:t>
+            </a:r>
+            <a:r>
+              <a:rPr lang="en-US" dirty="0" err="1" smtClean="0"/>
+              <a:t>mềm</a:t>
+            </a:r>
+            <a:r>
+              <a:rPr lang="en-US" dirty="0" smtClean="0"/>
+              <a:t> </a:t>
+            </a:r>
+            <a:r>
+              <a:rPr lang="en-US" dirty="0" err="1" smtClean="0"/>
+              <a:t>soạn</a:t>
+            </a:r>
+            <a:r>
+              <a:rPr lang="en-US" dirty="0" smtClean="0"/>
+              <a:t> </a:t>
+            </a:r>
+            <a:r>
+              <a:rPr lang="en-US" dirty="0" err="1" smtClean="0"/>
+              <a:t>thảo</a:t>
+            </a:r>
+            <a:r>
+              <a:rPr lang="en-US" dirty="0" smtClean="0"/>
+              <a:t> code Python</a:t>
+            </a:r>
+            <a:endParaRPr lang="en-US" dirty="0"/>
+          </a:p>
+        </p:txBody>
+      </p:sp>
+      <p:sp>
+        <p:nvSpPr>
+          <p:cNvPr id="5" name="TextBox 4"/>
+          <p:cNvSpPr txBox="1"/>
+          <p:nvPr/>
+        </p:nvSpPr>
+        <p:spPr>
+          <a:xfrm>
+            <a:off x="382771" y="1510538"/>
+            <a:ext cx="8374117" cy="646331"/>
+          </a:xfrm>
+          <a:prstGeom prst="rect">
+            <a:avLst/>
+          </a:prstGeom>
+          <a:noFill/>
+        </p:spPr>
+        <p:txBody>
+          <a:bodyPr wrap="square" rtlCol="0">
+            <a:spAutoFit/>
+          </a:bodyPr>
+          <a:lstStyle/>
+          <a:p>
+            <a:r>
+              <a:rPr lang="en-US" b="1" dirty="0" err="1" smtClean="0"/>
+              <a:t>PyCharm</a:t>
+            </a:r>
+            <a:r>
+              <a:rPr lang="en-US" dirty="0" smtClean="0"/>
+              <a:t> </a:t>
+            </a:r>
+            <a:r>
+              <a:rPr lang="pt-BR" dirty="0" smtClean="0"/>
+              <a:t>của </a:t>
+            </a:r>
+            <a:r>
+              <a:rPr lang="pt-BR" b="1" dirty="0" smtClean="0"/>
+              <a:t>JetBrains </a:t>
+            </a:r>
+            <a:r>
+              <a:rPr lang="pt-BR" dirty="0" smtClean="0"/>
+              <a:t>phát hành miễn phí, rất mạnh mẽ và được phát triển dành riêng cho Python.</a:t>
+            </a:r>
+            <a:endParaRPr lang="en-US" dirty="0"/>
+          </a:p>
+        </p:txBody>
+      </p:sp>
+      <p:sp>
+        <p:nvSpPr>
+          <p:cNvPr id="6" name="TextBox 5"/>
+          <p:cNvSpPr txBox="1"/>
+          <p:nvPr/>
+        </p:nvSpPr>
+        <p:spPr>
+          <a:xfrm>
+            <a:off x="382771" y="3373327"/>
+            <a:ext cx="8374117" cy="369332"/>
+          </a:xfrm>
+          <a:prstGeom prst="rect">
+            <a:avLst/>
+          </a:prstGeom>
+          <a:noFill/>
+        </p:spPr>
+        <p:txBody>
+          <a:bodyPr wrap="square" rtlCol="0">
+            <a:spAutoFit/>
+          </a:bodyPr>
+          <a:lstStyle/>
+          <a:p>
+            <a:r>
+              <a:rPr lang="en-US" dirty="0" err="1" smtClean="0"/>
+              <a:t>Tải</a:t>
+            </a:r>
+            <a:r>
+              <a:rPr lang="en-US" dirty="0" smtClean="0"/>
+              <a:t> </a:t>
+            </a:r>
+            <a:r>
+              <a:rPr lang="en-US" dirty="0" err="1" smtClean="0"/>
+              <a:t>và</a:t>
+            </a:r>
+            <a:r>
+              <a:rPr lang="en-US" dirty="0" smtClean="0"/>
+              <a:t> </a:t>
+            </a:r>
+            <a:r>
+              <a:rPr lang="en-US" dirty="0" err="1" smtClean="0"/>
+              <a:t>Cài</a:t>
+            </a:r>
+            <a:r>
+              <a:rPr lang="en-US" dirty="0" smtClean="0"/>
+              <a:t> </a:t>
+            </a:r>
+            <a:r>
+              <a:rPr lang="en-US" dirty="0" err="1" smtClean="0"/>
+              <a:t>đặt</a:t>
+            </a:r>
+            <a:r>
+              <a:rPr lang="en-US" dirty="0" smtClean="0"/>
+              <a:t> </a:t>
+            </a:r>
+            <a:r>
+              <a:rPr lang="pt-BR" b="1" dirty="0"/>
+              <a:t>PyCharm </a:t>
+            </a:r>
+            <a:endParaRPr lang="en-US" dirty="0"/>
+          </a:p>
+        </p:txBody>
+      </p:sp>
+      <p:sp>
+        <p:nvSpPr>
+          <p:cNvPr id="7" name="TextBox 6"/>
+          <p:cNvSpPr txBox="1"/>
+          <p:nvPr/>
+        </p:nvSpPr>
+        <p:spPr>
+          <a:xfrm>
+            <a:off x="382771" y="3880777"/>
+            <a:ext cx="5482569" cy="923330"/>
+          </a:xfrm>
+          <a:prstGeom prst="rect">
+            <a:avLst/>
+          </a:prstGeom>
+          <a:noFill/>
+        </p:spPr>
+        <p:txBody>
+          <a:bodyPr wrap="square" rtlCol="0">
+            <a:spAutoFit/>
+          </a:bodyPr>
+          <a:lstStyle/>
+          <a:p>
+            <a:pPr marL="285750" indent="-285750">
+              <a:buFontTx/>
+              <a:buChar char="-"/>
+            </a:pPr>
+            <a:r>
+              <a:rPr lang="en-US" dirty="0" err="1" smtClean="0"/>
+              <a:t>Truy</a:t>
+            </a:r>
+            <a:r>
+              <a:rPr lang="en-US" dirty="0" smtClean="0"/>
+              <a:t> </a:t>
+            </a:r>
+            <a:r>
+              <a:rPr lang="en-US" dirty="0" err="1" smtClean="0"/>
+              <a:t>cập</a:t>
+            </a:r>
+            <a:r>
+              <a:rPr lang="en-US" dirty="0" smtClean="0"/>
+              <a:t>: </a:t>
+            </a:r>
+            <a:r>
+              <a:rPr lang="en-US" dirty="0">
+                <a:solidFill>
+                  <a:schemeClr val="accent1">
+                    <a:lumMod val="75000"/>
+                  </a:schemeClr>
+                </a:solidFill>
+                <a:hlinkClick r:id="rId2"/>
+              </a:rPr>
+              <a:t>https://</a:t>
+            </a:r>
+            <a:r>
+              <a:rPr lang="en-US" dirty="0" smtClean="0">
+                <a:solidFill>
+                  <a:schemeClr val="accent1">
+                    <a:lumMod val="75000"/>
+                  </a:schemeClr>
+                </a:solidFill>
+                <a:hlinkClick r:id="rId2"/>
+              </a:rPr>
+              <a:t>www.jetbrains.com/pycharm</a:t>
+            </a:r>
+            <a:endParaRPr lang="en-US" dirty="0" smtClean="0">
+              <a:solidFill>
+                <a:schemeClr val="accent1">
+                  <a:lumMod val="75000"/>
+                </a:schemeClr>
+              </a:solidFill>
+            </a:endParaRPr>
+          </a:p>
+          <a:p>
+            <a:pPr marL="285750" indent="-285750">
+              <a:buFontTx/>
+              <a:buChar char="-"/>
+            </a:pPr>
+            <a:r>
+              <a:rPr lang="en-US" dirty="0" err="1" smtClean="0"/>
+              <a:t>Tải</a:t>
+            </a:r>
+            <a:r>
+              <a:rPr lang="en-US" dirty="0" smtClean="0"/>
+              <a:t> </a:t>
+            </a:r>
+            <a:r>
+              <a:rPr lang="en-US" dirty="0" err="1" smtClean="0"/>
+              <a:t>về</a:t>
+            </a:r>
+            <a:r>
+              <a:rPr lang="en-US" dirty="0" smtClean="0"/>
+              <a:t> </a:t>
+            </a:r>
+            <a:r>
+              <a:rPr lang="en-US" dirty="0" err="1" smtClean="0"/>
+              <a:t>phiên</a:t>
+            </a:r>
+            <a:r>
+              <a:rPr lang="en-US" dirty="0" smtClean="0"/>
+              <a:t> </a:t>
+            </a:r>
+            <a:r>
+              <a:rPr lang="en-US" dirty="0" err="1" smtClean="0"/>
+              <a:t>bản</a:t>
+            </a:r>
+            <a:r>
+              <a:rPr lang="en-US" dirty="0" smtClean="0"/>
+              <a:t> </a:t>
+            </a:r>
+            <a:r>
+              <a:rPr lang="en-US" dirty="0" err="1" smtClean="0"/>
+              <a:t>tương</a:t>
+            </a:r>
+            <a:r>
+              <a:rPr lang="en-US" dirty="0" smtClean="0"/>
+              <a:t> </a:t>
+            </a:r>
+            <a:r>
+              <a:rPr lang="en-US" dirty="0" err="1" smtClean="0"/>
+              <a:t>tứng</a:t>
+            </a:r>
+            <a:r>
+              <a:rPr lang="en-US" dirty="0" smtClean="0"/>
+              <a:t> </a:t>
+            </a:r>
+            <a:r>
+              <a:rPr lang="en-US" dirty="0" err="1" smtClean="0"/>
+              <a:t>với</a:t>
+            </a:r>
+            <a:r>
+              <a:rPr lang="en-US" dirty="0" smtClean="0"/>
+              <a:t> </a:t>
+            </a:r>
+            <a:r>
+              <a:rPr lang="en-US" dirty="0" err="1" smtClean="0"/>
+              <a:t>hệ</a:t>
+            </a:r>
+            <a:r>
+              <a:rPr lang="en-US" dirty="0" smtClean="0"/>
+              <a:t> </a:t>
+            </a:r>
+            <a:r>
+              <a:rPr lang="en-US" dirty="0" err="1" smtClean="0"/>
+              <a:t>điều</a:t>
+            </a:r>
+            <a:r>
+              <a:rPr lang="en-US" dirty="0" smtClean="0"/>
+              <a:t> </a:t>
+            </a:r>
+            <a:r>
+              <a:rPr lang="en-US" dirty="0" err="1" smtClean="0"/>
+              <a:t>hành</a:t>
+            </a:r>
+            <a:r>
+              <a:rPr lang="en-US" dirty="0" smtClean="0"/>
+              <a:t> </a:t>
+            </a:r>
+            <a:r>
+              <a:rPr lang="en-US" dirty="0" err="1" smtClean="0"/>
+              <a:t>đang</a:t>
+            </a:r>
+            <a:r>
+              <a:rPr lang="en-US" dirty="0" smtClean="0"/>
+              <a:t> </a:t>
+            </a:r>
+            <a:r>
+              <a:rPr lang="en-US" dirty="0" err="1" smtClean="0"/>
+              <a:t>sử</a:t>
+            </a:r>
+            <a:r>
+              <a:rPr lang="en-US" dirty="0" smtClean="0"/>
+              <a:t> </a:t>
+            </a:r>
+            <a:r>
+              <a:rPr lang="en-US" dirty="0" err="1" smtClean="0"/>
+              <a:t>dụng</a:t>
+            </a:r>
+            <a:endParaRPr lang="en-US" dirty="0"/>
+          </a:p>
+        </p:txBody>
+      </p:sp>
+      <p:sp>
+        <p:nvSpPr>
+          <p:cNvPr id="8" name="TextBox 7"/>
+          <p:cNvSpPr txBox="1"/>
+          <p:nvPr/>
+        </p:nvSpPr>
+        <p:spPr>
+          <a:xfrm>
+            <a:off x="462846" y="5140726"/>
+            <a:ext cx="5082364" cy="646331"/>
+          </a:xfrm>
+          <a:prstGeom prst="rect">
+            <a:avLst/>
+          </a:prstGeom>
+          <a:noFill/>
+        </p:spPr>
+        <p:txBody>
+          <a:bodyPr wrap="square" rtlCol="0">
+            <a:spAutoFit/>
+          </a:bodyPr>
+          <a:lstStyle/>
+          <a:p>
+            <a:r>
+              <a:rPr lang="en-US" dirty="0" err="1" smtClean="0"/>
+              <a:t>Cài</a:t>
+            </a:r>
+            <a:r>
+              <a:rPr lang="en-US" dirty="0" smtClean="0"/>
+              <a:t> </a:t>
+            </a:r>
+            <a:r>
+              <a:rPr lang="en-US" dirty="0" err="1" smtClean="0"/>
+              <a:t>đặt</a:t>
+            </a:r>
+            <a:r>
+              <a:rPr lang="en-US" dirty="0" smtClean="0"/>
+              <a:t> </a:t>
+            </a:r>
+            <a:r>
+              <a:rPr lang="pt-BR" b="1" dirty="0" smtClean="0"/>
+              <a:t>Extension Python </a:t>
+            </a:r>
+            <a:r>
+              <a:rPr lang="pt-BR" dirty="0" smtClean="0"/>
+              <a:t>giúp gợi ý, kiểm tra lỗi, định dạng mã nguồn python</a:t>
+            </a:r>
+            <a:endParaRPr lang="en-US" dirty="0"/>
+          </a:p>
+        </p:txBody>
+      </p:sp>
+      <p:pic>
+        <p:nvPicPr>
+          <p:cNvPr id="11" name="Picture 10"/>
+          <p:cNvPicPr>
+            <a:picLocks noChangeAspect="1"/>
+          </p:cNvPicPr>
+          <p:nvPr/>
+        </p:nvPicPr>
+        <p:blipFill>
+          <a:blip r:embed="rId3"/>
+          <a:stretch>
+            <a:fillRect/>
+          </a:stretch>
+        </p:blipFill>
+        <p:spPr>
+          <a:xfrm>
+            <a:off x="5625284" y="2950590"/>
+            <a:ext cx="2638425" cy="2895600"/>
+          </a:xfrm>
+          <a:prstGeom prst="rect">
+            <a:avLst/>
+          </a:prstGeom>
+        </p:spPr>
+      </p:pic>
+      <p:sp>
+        <p:nvSpPr>
+          <p:cNvPr id="13" name="Rounded Rectangle 12"/>
+          <p:cNvSpPr/>
+          <p:nvPr/>
+        </p:nvSpPr>
+        <p:spPr>
+          <a:xfrm>
+            <a:off x="1409999" y="2529200"/>
+            <a:ext cx="6509050" cy="421390"/>
+          </a:xfrm>
+          <a:prstGeom prst="roundRect">
+            <a:avLst/>
+          </a:prstGeom>
+          <a:gradFill flip="none" rotWithShape="1">
+            <a:gsLst>
+              <a:gs pos="15000">
+                <a:srgbClr val="67C7DF"/>
+              </a:gs>
+              <a:gs pos="100000">
+                <a:srgbClr val="5EB130"/>
+              </a:gs>
+            </a:gsLst>
+            <a:lin ang="2400000" scaled="0"/>
+            <a:tileRect/>
+          </a:gradFill>
+          <a:ln>
+            <a:noFill/>
+          </a:ln>
+        </p:spPr>
+        <p:style>
+          <a:lnRef idx="2">
+            <a:schemeClr val="accent1">
+              <a:shade val="50000"/>
+            </a:schemeClr>
+          </a:lnRef>
+          <a:fillRef idx="1">
+            <a:schemeClr val="accent1"/>
+          </a:fillRef>
+          <a:effectRef idx="0">
+            <a:schemeClr val="accent1"/>
+          </a:effectRef>
+          <a:fontRef idx="minor">
+            <a:schemeClr val="lt1"/>
+          </a:fontRef>
+        </p:style>
+        <p:txBody>
+          <a:bodyPr rtlCol="0" anchor="ctr"/>
+          <a:lstStyle/>
+          <a:p>
+            <a:pPr algn="ctr"/>
+            <a:r>
+              <a:rPr lang="en-US" b="1" dirty="0" err="1" smtClean="0"/>
+              <a:t>Đây</a:t>
+            </a:r>
+            <a:r>
+              <a:rPr lang="en-US" b="1" dirty="0" smtClean="0"/>
+              <a:t> </a:t>
+            </a:r>
+            <a:r>
+              <a:rPr lang="en-US" b="1" dirty="0" err="1" smtClean="0"/>
+              <a:t>là</a:t>
+            </a:r>
+            <a:r>
+              <a:rPr lang="en-US" b="1" dirty="0" smtClean="0"/>
+              <a:t> </a:t>
+            </a:r>
+            <a:r>
+              <a:rPr lang="en-US" b="1" dirty="0" err="1" smtClean="0"/>
+              <a:t>công</a:t>
+            </a:r>
+            <a:r>
+              <a:rPr lang="en-US" b="1" dirty="0" smtClean="0"/>
+              <a:t> </a:t>
+            </a:r>
+            <a:r>
+              <a:rPr lang="en-US" b="1" dirty="0" err="1" smtClean="0"/>
+              <a:t>cụ</a:t>
+            </a:r>
+            <a:r>
+              <a:rPr lang="en-US" b="1" dirty="0" smtClean="0"/>
+              <a:t> </a:t>
+            </a:r>
+            <a:r>
+              <a:rPr lang="en-US" b="1" dirty="0" err="1" smtClean="0"/>
+              <a:t>khuyến</a:t>
+            </a:r>
+            <a:r>
+              <a:rPr lang="en-US" b="1" dirty="0" smtClean="0"/>
+              <a:t> </a:t>
+            </a:r>
+            <a:r>
+              <a:rPr lang="en-US" b="1" dirty="0" err="1" smtClean="0"/>
+              <a:t>nghị</a:t>
+            </a:r>
+            <a:r>
+              <a:rPr lang="en-US" b="1" dirty="0" smtClean="0"/>
+              <a:t> </a:t>
+            </a:r>
+            <a:r>
+              <a:rPr lang="en-US" b="1" dirty="0" err="1" smtClean="0"/>
+              <a:t>sử</a:t>
+            </a:r>
+            <a:r>
+              <a:rPr lang="en-US" b="1" dirty="0" smtClean="0"/>
+              <a:t> </a:t>
+            </a:r>
+            <a:r>
+              <a:rPr lang="en-US" b="1" dirty="0" err="1" smtClean="0"/>
+              <a:t>dụng</a:t>
+            </a:r>
+            <a:r>
+              <a:rPr lang="en-US" b="1" dirty="0" smtClean="0"/>
+              <a:t> </a:t>
+            </a:r>
+            <a:r>
+              <a:rPr lang="en-US" b="1" dirty="0" err="1" smtClean="0"/>
+              <a:t>khi</a:t>
+            </a:r>
+            <a:r>
+              <a:rPr lang="en-US" b="1" dirty="0" smtClean="0"/>
+              <a:t> </a:t>
+            </a:r>
+            <a:r>
+              <a:rPr lang="en-US" b="1" dirty="0" err="1" smtClean="0"/>
+              <a:t>học</a:t>
+            </a:r>
+            <a:r>
+              <a:rPr lang="en-US" b="1" dirty="0" smtClean="0"/>
+              <a:t> Python</a:t>
+            </a:r>
+            <a:endParaRPr lang="en-US" b="1" dirty="0"/>
+          </a:p>
+        </p:txBody>
+      </p:sp>
+    </p:spTree>
+    <p:extLst>
+      <p:ext uri="{BB962C8B-B14F-4D97-AF65-F5344CB8AC3E}">
+        <p14:creationId xmlns:p14="http://schemas.microsoft.com/office/powerpoint/2010/main" val="537184136"/>
+      </p:ext>
+    </p:extLst>
+  </p:cSld>
+  <p:clrMapOvr>
+    <a:masterClrMapping/>
+  </p:clrMapOvr>
+  <p:timing>
+    <p:tnLst>
+      <p:par>
+        <p:cTn id="1" dur="indefinite" restart="never" nodeType="tmRoot"/>
+      </p:par>
+    </p:tnLst>
+  </p:timing>
+</p:sld>
+</file>
+
+<file path=ppt/slides/slide12.xml><?xml version="1.0" encoding="utf-8"?>
+<p:sld xmlns:a="http://schemas.openxmlformats.org/drawingml/2006/main" xmlns:r="http://schemas.openxmlformats.org/officeDocument/2006/relationships" xmlns:p="http://schemas.openxmlformats.org/presentationml/2006/main">
+  <p:cSld>
+    <p:spTree>
+      <p:nvGrpSpPr>
+        <p:cNvPr id="1" name=""/>
+        <p:cNvGrpSpPr/>
+        <p:nvPr/>
+      </p:nvGrpSpPr>
+      <p:grpSpPr>
+        <a:xfrm>
+          <a:off x="0" y="0"/>
+          <a:ext cx="0" cy="0"/>
+          <a:chOff x="0" y="0"/>
+          <a:chExt cx="0" cy="0"/>
+        </a:xfrm>
+      </p:grpSpPr>
+      <p:sp>
+        <p:nvSpPr>
+          <p:cNvPr id="2" name="Slide Number Placeholder 1"/>
+          <p:cNvSpPr>
+            <a:spLocks noGrp="1"/>
+          </p:cNvSpPr>
+          <p:nvPr>
+            <p:ph type="sldNum" sz="quarter" idx="12"/>
+          </p:nvPr>
+        </p:nvSpPr>
+        <p:spPr/>
+        <p:txBody>
+          <a:bodyPr/>
+          <a:lstStyle/>
+          <a:p>
+            <a:fld id="{7D9EC917-02A2-4152-9EE3-DFE2775A77C7}" type="slidenum">
+              <a:rPr lang="en-US" smtClean="0"/>
+              <a:pPr/>
+              <a:t>12</a:t>
+            </a:fld>
+            <a:endParaRPr lang="en-US"/>
+          </a:p>
+        </p:txBody>
+      </p:sp>
+      <p:sp>
+        <p:nvSpPr>
+          <p:cNvPr id="3" name="Text Placeholder 2"/>
+          <p:cNvSpPr>
+            <a:spLocks noGrp="1"/>
+          </p:cNvSpPr>
+          <p:nvPr>
+            <p:ph type="body" sz="quarter" idx="13"/>
+          </p:nvPr>
+        </p:nvSpPr>
+        <p:spPr/>
+        <p:txBody>
+          <a:bodyPr/>
+          <a:lstStyle/>
+          <a:p>
+            <a:r>
+              <a:rPr lang="en-US" dirty="0" smtClean="0"/>
               <a:t>1.4 </a:t>
             </a:r>
             <a:r>
@@ -3400,7 +4034,7 @@
         <p:spPr>
           <a:xfrm>
             <a:off x="435934" y="4015983"/>
-            <a:ext cx="4253024" cy="2308324"/>
+            <a:ext cx="5050466" cy="2308324"/>
           </a:xfrm>
           <a:prstGeom prst="rect">
             <a:avLst/>
@@ -3686,7 +4320,39 @@
             </a:r>
             <a:r>
               <a:rPr lang="en-US" dirty="0" smtClean="0"/>
-              <a:t> VS Code</a:t>
+              <a:t> </a:t>
+            </a:r>
+            <a:r>
+              <a:rPr lang="en-US" dirty="0" err="1" smtClean="0"/>
+              <a:t>phần</a:t>
+            </a:r>
+            <a:r>
+              <a:rPr lang="en-US" dirty="0" smtClean="0"/>
+              <a:t> </a:t>
+            </a:r>
+            <a:r>
+              <a:rPr lang="en-US" dirty="0" err="1" smtClean="0"/>
+              <a:t>mềm</a:t>
+            </a:r>
+            <a:r>
+              <a:rPr lang="en-US" dirty="0" smtClean="0"/>
+              <a:t> </a:t>
+            </a:r>
+            <a:r>
+              <a:rPr lang="en-US" dirty="0" err="1" smtClean="0"/>
+              <a:t>soạn</a:t>
+            </a:r>
+            <a:r>
+              <a:rPr lang="en-US" dirty="0" smtClean="0"/>
+              <a:t> </a:t>
+            </a:r>
+            <a:r>
+              <a:rPr lang="en-US" dirty="0" err="1" smtClean="0"/>
+              <a:t>thảo</a:t>
+            </a:r>
+            <a:r>
+              <a:rPr lang="en-US" dirty="0" smtClean="0"/>
+              <a:t> code</a:t>
             </a:r>
             <a:endParaRPr lang="en-US" dirty="0"/>
           </a:p>
@@ -3696,690 +4362,6 @@
     <p:extLst>
       <p:ext uri="{BB962C8B-B14F-4D97-AF65-F5344CB8AC3E}">
         <p14:creationId xmlns:p14="http://schemas.microsoft.com/office/powerpoint/2010/main" val="1741046058"/>
-      </p:ext>
-    </p:extLst>
-  </p:cSld>
-  <p:clrMapOvr>
-    <a:masterClrMapping/>
-  </p:clrMapOvr>
-  <p:timing>
-    <p:tnLst>
-      <p:par>
-        <p:cTn id="1" dur="indefinite" restart="never" nodeType="tmRoot"/>
-      </p:par>
-    </p:tnLst>
-  </p:timing>
-</p:sld>
-</file>
-
-<file path=ppt/slides/slide12.xml><?xml version="1.0" encoding="utf-8"?>
-<p:sld xmlns:a="http://schemas.openxmlformats.org/drawingml/2006/main" xmlns:r="http://schemas.openxmlformats.org/officeDocument/2006/relationships" xmlns:p="http://schemas.openxmlformats.org/presentationml/2006/main">
-  <p:cSld>
-    <p:spTree>
-      <p:nvGrpSpPr>
-        <p:cNvPr id="1" name=""/>
-        <p:cNvGrpSpPr/>
-        <p:nvPr/>
-      </p:nvGrpSpPr>
-      <p:grpSpPr>
-        <a:xfrm>
-          <a:off x="0" y="0"/>
-          <a:ext cx="0" cy="0"/>
-          <a:chOff x="0" y="0"/>
-          <a:chExt cx="0" cy="0"/>
-        </a:xfrm>
-      </p:grpSpPr>
-      <p:sp>
-        <p:nvSpPr>
-          <p:cNvPr id="2" name="Slide Number Placeholder 1"/>
-          <p:cNvSpPr>
-            <a:spLocks noGrp="1"/>
-          </p:cNvSpPr>
-          <p:nvPr>
-            <p:ph type="sldNum" sz="quarter" idx="12"/>
-          </p:nvPr>
-        </p:nvSpPr>
-        <p:spPr/>
-        <p:txBody>
-          <a:bodyPr/>
-          <a:lstStyle/>
-          <a:p>
-            <a:fld id="{7D9EC917-02A2-4152-9EE3-DFE2775A77C7}" type="slidenum">
-              <a:rPr lang="en-US" smtClean="0"/>
-              <a:pPr/>
-              <a:t>12</a:t>
-            </a:fld>
-            <a:endParaRPr lang="en-US"/>
-          </a:p>
-        </p:txBody>
-      </p:sp>
-      <p:sp>
-        <p:nvSpPr>
-          <p:cNvPr id="3" name="Text Placeholder 2"/>
-          <p:cNvSpPr>
-            <a:spLocks noGrp="1"/>
-          </p:cNvSpPr>
-          <p:nvPr>
-            <p:ph type="body" sz="quarter" idx="13"/>
-          </p:nvPr>
-        </p:nvSpPr>
-        <p:spPr/>
-        <p:txBody>
-          <a:bodyPr/>
-          <a:lstStyle/>
-          <a:p>
-            <a:r>
-              <a:rPr lang="en-US" dirty="0" smtClean="0"/>
-              <a:t>1.4 </a:t>
-            </a:r>
-            <a:r>
-              <a:rPr lang="en-US" dirty="0" err="1" smtClean="0"/>
-              <a:t>Dòng</a:t>
-            </a:r>
-            <a:r>
-              <a:rPr lang="en-US" dirty="0" smtClean="0"/>
-              <a:t> </a:t>
-            </a:r>
-            <a:r>
-              <a:rPr lang="en-US" dirty="0" err="1" smtClean="0"/>
-              <a:t>lệnh</a:t>
-            </a:r>
-            <a:r>
-              <a:rPr lang="en-US" dirty="0" smtClean="0"/>
-              <a:t> </a:t>
-            </a:r>
-            <a:r>
-              <a:rPr lang="en-US" dirty="0" err="1" smtClean="0"/>
-              <a:t>đầu</a:t>
-            </a:r>
-            <a:r>
-              <a:rPr lang="en-US" dirty="0" smtClean="0"/>
-              <a:t> </a:t>
-            </a:r>
-            <a:r>
-              <a:rPr lang="en-US" dirty="0" err="1" smtClean="0"/>
-              <a:t>tiên</a:t>
-            </a:r>
-            <a:endParaRPr lang="en-US" dirty="0"/>
-          </a:p>
-        </p:txBody>
-      </p:sp>
-      <p:sp>
-        <p:nvSpPr>
-          <p:cNvPr id="4" name="Rectangle 3"/>
-          <p:cNvSpPr/>
-          <p:nvPr/>
-        </p:nvSpPr>
-        <p:spPr>
-          <a:xfrm>
-            <a:off x="1041993" y="2335799"/>
-            <a:ext cx="6877056" cy="4075634"/>
-          </a:xfrm>
-          <a:prstGeom prst="rect">
-            <a:avLst/>
-          </a:prstGeom>
-          <a:solidFill>
-            <a:schemeClr val="tx2">
-              <a:lumMod val="75000"/>
-            </a:schemeClr>
-          </a:solidFill>
-          <a:ln>
-            <a:noFill/>
-          </a:ln>
-        </p:spPr>
-        <p:style>
-          <a:lnRef idx="2">
-            <a:schemeClr val="accent1">
-              <a:shade val="50000"/>
-            </a:schemeClr>
-          </a:lnRef>
-          <a:fillRef idx="1">
-            <a:schemeClr val="accent1"/>
-          </a:fillRef>
-          <a:effectRef idx="0">
-            <a:schemeClr val="accent1"/>
-          </a:effectRef>
-          <a:fontRef idx="minor">
-            <a:schemeClr val="lt1"/>
-          </a:fontRef>
-        </p:style>
-        <p:txBody>
-          <a:bodyPr rtlCol="0" anchor="ctr"/>
-          <a:lstStyle/>
-          <a:p>
-            <a:pPr algn="ctr"/>
-            <a:endParaRPr lang="en-US"/>
-          </a:p>
-        </p:txBody>
-      </p:sp>
-      <p:pic>
-        <p:nvPicPr>
-          <p:cNvPr id="11" name="Picture 2" descr="https://www.python.org/static/apple-touch-icon-precomposed.png"/>
-          <p:cNvPicPr>
-            <a:picLocks noChangeAspect="1" noChangeArrowheads="1"/>
-          </p:cNvPicPr>
-          <p:nvPr/>
-        </p:nvPicPr>
-        <p:blipFill>
-          <a:blip r:embed="rId2">
-            <a:extLst>
-              <a:ext uri="{28A0092B-C50C-407E-A947-70E740481C1C}">
-                <a14:useLocalDpi xmlns:a14="http://schemas.microsoft.com/office/drawing/2010/main" val="0"/>
-              </a:ext>
-            </a:extLst>
-          </a:blip>
-          <a:srcRect/>
-          <a:stretch>
-            <a:fillRect/>
-          </a:stretch>
-        </p:blipFill>
-        <p:spPr bwMode="auto">
-          <a:xfrm>
-            <a:off x="548981" y="1580670"/>
-            <a:ext cx="450480" cy="450481"/>
-          </a:xfrm>
-          <a:prstGeom prst="rect">
-            <a:avLst/>
-          </a:prstGeom>
-          <a:noFill/>
-          <a:extLst>
-            <a:ext uri="{909E8E84-426E-40DD-AFC4-6F175D3DCCD1}">
-              <a14:hiddenFill xmlns:a14="http://schemas.microsoft.com/office/drawing/2010/main">
-                <a:solidFill>
-                  <a:srgbClr val="FFFFFF"/>
-                </a:solidFill>
-              </a14:hiddenFill>
-            </a:ext>
-          </a:extLst>
-        </p:spPr>
-      </p:pic>
-      <p:sp>
-        <p:nvSpPr>
-          <p:cNvPr id="12" name="TextBox 11"/>
-          <p:cNvSpPr txBox="1"/>
-          <p:nvPr/>
-        </p:nvSpPr>
-        <p:spPr>
-          <a:xfrm>
-            <a:off x="1041993" y="1621244"/>
-            <a:ext cx="6177514" cy="369332"/>
-          </a:xfrm>
-          <a:prstGeom prst="rect">
-            <a:avLst/>
-          </a:prstGeom>
-          <a:noFill/>
-        </p:spPr>
-        <p:txBody>
-          <a:bodyPr wrap="square" rtlCol="0">
-            <a:spAutoFit/>
-          </a:bodyPr>
-          <a:lstStyle/>
-          <a:p>
-            <a:r>
-              <a:rPr lang="en-US" b="1" dirty="0" err="1" smtClean="0"/>
-              <a:t>Cấu</a:t>
-            </a:r>
-            <a:r>
-              <a:rPr lang="en-US" b="1" dirty="0" smtClean="0"/>
-              <a:t> </a:t>
-            </a:r>
-            <a:r>
-              <a:rPr lang="en-US" b="1" dirty="0" err="1" smtClean="0"/>
-              <a:t>trúc</a:t>
-            </a:r>
-            <a:r>
-              <a:rPr lang="en-US" b="1" dirty="0" smtClean="0"/>
-              <a:t> </a:t>
-            </a:r>
-            <a:r>
-              <a:rPr lang="en-US" b="1" dirty="0" err="1" smtClean="0"/>
-              <a:t>một</a:t>
-            </a:r>
-            <a:r>
-              <a:rPr lang="en-US" b="1" dirty="0" smtClean="0"/>
-              <a:t> </a:t>
-            </a:r>
-            <a:r>
-              <a:rPr lang="en-US" b="1" dirty="0" err="1" smtClean="0"/>
-              <a:t>chương</a:t>
-            </a:r>
-            <a:r>
-              <a:rPr lang="en-US" b="1" dirty="0" smtClean="0"/>
-              <a:t> </a:t>
-            </a:r>
-            <a:r>
-              <a:rPr lang="en-US" b="1" dirty="0" err="1" smtClean="0"/>
-              <a:t>trình</a:t>
-            </a:r>
-            <a:r>
-              <a:rPr lang="en-US" b="1" dirty="0" smtClean="0"/>
-              <a:t> </a:t>
-            </a:r>
-            <a:r>
-              <a:rPr lang="en-US" b="1" dirty="0" err="1" smtClean="0"/>
-              <a:t>trong</a:t>
-            </a:r>
-            <a:r>
-              <a:rPr lang="en-US" b="1" dirty="0" smtClean="0"/>
-              <a:t> Python: 3 </a:t>
-            </a:r>
-            <a:r>
-              <a:rPr lang="en-US" b="1" dirty="0" err="1" smtClean="0"/>
-              <a:t>phần</a:t>
-            </a:r>
-            <a:endParaRPr lang="en-US" b="1" dirty="0">
-              <a:solidFill>
-                <a:srgbClr val="FF0000"/>
-              </a:solidFill>
-            </a:endParaRPr>
-          </a:p>
-        </p:txBody>
-      </p:sp>
-      <p:sp>
-        <p:nvSpPr>
-          <p:cNvPr id="8" name="TextBox 7"/>
-          <p:cNvSpPr txBox="1"/>
-          <p:nvPr/>
-        </p:nvSpPr>
-        <p:spPr>
-          <a:xfrm>
-            <a:off x="1275906" y="2483355"/>
-            <a:ext cx="4561367" cy="3831818"/>
-          </a:xfrm>
-          <a:prstGeom prst="rect">
-            <a:avLst/>
-          </a:prstGeom>
-          <a:noFill/>
-        </p:spPr>
-        <p:txBody>
-          <a:bodyPr wrap="square" rtlCol="0">
-            <a:spAutoFit/>
-          </a:bodyPr>
-          <a:lstStyle/>
-          <a:p>
-            <a:pPr>
-              <a:lnSpc>
-                <a:spcPct val="150000"/>
-              </a:lnSpc>
-            </a:pPr>
-            <a:r>
-              <a:rPr lang="vi-VN" dirty="0">
-                <a:solidFill>
-                  <a:schemeClr val="accent6">
-                    <a:lumMod val="75000"/>
-                  </a:schemeClr>
-                </a:solidFill>
-              </a:rPr>
-              <a:t># </a:t>
-            </a:r>
-            <a:r>
-              <a:rPr lang="en-US" dirty="0" smtClean="0">
-                <a:solidFill>
-                  <a:schemeClr val="accent6">
-                    <a:lumMod val="75000"/>
-                  </a:schemeClr>
-                </a:solidFill>
-              </a:rPr>
-              <a:t>1. </a:t>
-            </a:r>
-            <a:r>
-              <a:rPr lang="vi-VN" dirty="0" smtClean="0">
-                <a:solidFill>
-                  <a:schemeClr val="accent6">
-                    <a:lumMod val="75000"/>
-                  </a:schemeClr>
-                </a:solidFill>
-              </a:rPr>
-              <a:t>Import </a:t>
-            </a:r>
-            <a:r>
-              <a:rPr lang="vi-VN" dirty="0">
-                <a:solidFill>
-                  <a:schemeClr val="accent6">
-                    <a:lumMod val="75000"/>
-                  </a:schemeClr>
-                </a:solidFill>
-              </a:rPr>
-              <a:t>các thư viện cần thiết (nếu có) </a:t>
-            </a:r>
-            <a:endParaRPr lang="en-US" dirty="0" smtClean="0">
-              <a:solidFill>
-                <a:schemeClr val="accent6">
-                  <a:lumMod val="75000"/>
-                </a:schemeClr>
-              </a:solidFill>
-            </a:endParaRPr>
-          </a:p>
-          <a:p>
-            <a:pPr>
-              <a:lnSpc>
-                <a:spcPct val="150000"/>
-              </a:lnSpc>
-            </a:pPr>
-            <a:r>
-              <a:rPr lang="vi-VN" dirty="0" smtClean="0">
-                <a:solidFill>
-                  <a:srgbClr val="67C7DF"/>
-                </a:solidFill>
-              </a:rPr>
-              <a:t>import</a:t>
-            </a:r>
-            <a:r>
-              <a:rPr lang="vi-VN" dirty="0" smtClean="0">
-                <a:solidFill>
-                  <a:schemeClr val="bg1"/>
-                </a:solidFill>
-              </a:rPr>
-              <a:t> </a:t>
-            </a:r>
-            <a:r>
-              <a:rPr lang="vi-VN" dirty="0">
-                <a:solidFill>
-                  <a:schemeClr val="bg1"/>
-                </a:solidFill>
-              </a:rPr>
-              <a:t>module1 </a:t>
-            </a:r>
-            <a:endParaRPr lang="en-US" dirty="0" smtClean="0">
-              <a:solidFill>
-                <a:schemeClr val="bg1"/>
-              </a:solidFill>
-            </a:endParaRPr>
-          </a:p>
-          <a:p>
-            <a:pPr>
-              <a:lnSpc>
-                <a:spcPct val="150000"/>
-              </a:lnSpc>
-            </a:pPr>
-            <a:r>
-              <a:rPr lang="vi-VN" dirty="0" smtClean="0">
-                <a:solidFill>
-                  <a:srgbClr val="67C7DF"/>
-                </a:solidFill>
-              </a:rPr>
-              <a:t>import</a:t>
-            </a:r>
-            <a:r>
-              <a:rPr lang="vi-VN" dirty="0" smtClean="0">
-                <a:solidFill>
-                  <a:schemeClr val="bg1"/>
-                </a:solidFill>
-              </a:rPr>
-              <a:t> </a:t>
-            </a:r>
-            <a:r>
-              <a:rPr lang="vi-VN" dirty="0">
-                <a:solidFill>
-                  <a:schemeClr val="bg1"/>
-                </a:solidFill>
-              </a:rPr>
-              <a:t>module2 </a:t>
-            </a:r>
-            <a:endParaRPr lang="en-US" dirty="0" smtClean="0">
-              <a:solidFill>
-                <a:schemeClr val="bg1"/>
-              </a:solidFill>
-            </a:endParaRPr>
-          </a:p>
-          <a:p>
-            <a:pPr>
-              <a:lnSpc>
-                <a:spcPct val="150000"/>
-              </a:lnSpc>
-            </a:pPr>
-            <a:r>
-              <a:rPr lang="vi-VN" dirty="0" smtClean="0">
-                <a:solidFill>
-                  <a:schemeClr val="accent6">
-                    <a:lumMod val="75000"/>
-                  </a:schemeClr>
-                </a:solidFill>
-              </a:rPr>
-              <a:t># </a:t>
-            </a:r>
-            <a:r>
-              <a:rPr lang="en-US" dirty="0" smtClean="0">
-                <a:solidFill>
-                  <a:schemeClr val="accent6">
-                    <a:lumMod val="75000"/>
-                  </a:schemeClr>
-                </a:solidFill>
-              </a:rPr>
-              <a:t>2. </a:t>
-            </a:r>
-            <a:r>
-              <a:rPr lang="vi-VN" dirty="0" smtClean="0">
-                <a:solidFill>
-                  <a:schemeClr val="accent6">
-                    <a:lumMod val="75000"/>
-                  </a:schemeClr>
-                </a:solidFill>
-              </a:rPr>
-              <a:t>Định </a:t>
-            </a:r>
-            <a:r>
-              <a:rPr lang="vi-VN" dirty="0">
-                <a:solidFill>
-                  <a:schemeClr val="accent6">
-                    <a:lumMod val="75000"/>
-                  </a:schemeClr>
-                </a:solidFill>
-              </a:rPr>
-              <a:t>nghĩa hàm (nếu có)</a:t>
-            </a:r>
-            <a:r>
-              <a:rPr lang="vi-VN" dirty="0">
-                <a:solidFill>
-                  <a:schemeClr val="bg1"/>
-                </a:solidFill>
-              </a:rPr>
-              <a:t> </a:t>
-            </a:r>
-            <a:endParaRPr lang="en-US" dirty="0" smtClean="0">
-              <a:solidFill>
-                <a:schemeClr val="bg1"/>
-              </a:solidFill>
-            </a:endParaRPr>
-          </a:p>
-          <a:p>
-            <a:pPr>
-              <a:lnSpc>
-                <a:spcPct val="150000"/>
-              </a:lnSpc>
-            </a:pPr>
-            <a:r>
-              <a:rPr lang="vi-VN" dirty="0" smtClean="0">
-                <a:solidFill>
-                  <a:srgbClr val="67C7DF"/>
-                </a:solidFill>
-              </a:rPr>
-              <a:t>def</a:t>
-            </a:r>
-            <a:r>
-              <a:rPr lang="vi-VN" dirty="0" smtClean="0">
-                <a:solidFill>
-                  <a:schemeClr val="bg1"/>
-                </a:solidFill>
-              </a:rPr>
-              <a:t> </a:t>
-            </a:r>
-            <a:r>
-              <a:rPr lang="vi-VN" dirty="0">
-                <a:solidFill>
-                  <a:schemeClr val="bg1"/>
-                </a:solidFill>
-              </a:rPr>
-              <a:t>function1(): </a:t>
-            </a:r>
-            <a:endParaRPr lang="en-US" dirty="0" smtClean="0">
-              <a:solidFill>
-                <a:schemeClr val="bg1"/>
-              </a:solidFill>
-            </a:endParaRPr>
-          </a:p>
-          <a:p>
-            <a:pPr>
-              <a:lnSpc>
-                <a:spcPct val="150000"/>
-              </a:lnSpc>
-            </a:pPr>
-            <a:r>
-              <a:rPr lang="en-US" dirty="0" smtClean="0">
-                <a:solidFill>
-                  <a:schemeClr val="bg1"/>
-                </a:solidFill>
-              </a:rPr>
-              <a:t>       </a:t>
-            </a:r>
-            <a:r>
-              <a:rPr lang="vi-VN" dirty="0" smtClean="0">
-                <a:solidFill>
-                  <a:schemeClr val="accent6">
-                    <a:lumMod val="75000"/>
-                  </a:schemeClr>
-                </a:solidFill>
-              </a:rPr>
-              <a:t># </a:t>
-            </a:r>
-            <a:r>
-              <a:rPr lang="vi-VN" dirty="0">
-                <a:solidFill>
-                  <a:schemeClr val="accent6">
-                    <a:lumMod val="75000"/>
-                  </a:schemeClr>
-                </a:solidFill>
-              </a:rPr>
-              <a:t>Mã thực thi của hàm </a:t>
-            </a:r>
-            <a:r>
-              <a:rPr lang="vi-VN" dirty="0" smtClean="0">
-                <a:solidFill>
-                  <a:schemeClr val="accent6">
-                    <a:lumMod val="75000"/>
-                  </a:schemeClr>
-                </a:solidFill>
-              </a:rPr>
-              <a:t>function1</a:t>
-            </a:r>
-            <a:endParaRPr lang="en-US" dirty="0" smtClean="0">
-              <a:solidFill>
-                <a:schemeClr val="accent6">
-                  <a:lumMod val="75000"/>
-                </a:schemeClr>
-              </a:solidFill>
-            </a:endParaRPr>
-          </a:p>
-          <a:p>
-            <a:pPr>
-              <a:lnSpc>
-                <a:spcPct val="150000"/>
-              </a:lnSpc>
-            </a:pPr>
-            <a:endParaRPr lang="en-US" dirty="0">
-              <a:solidFill>
-                <a:schemeClr val="bg1"/>
-              </a:solidFill>
-            </a:endParaRPr>
-          </a:p>
-          <a:p>
-            <a:pPr>
-              <a:lnSpc>
-                <a:spcPct val="150000"/>
-              </a:lnSpc>
-            </a:pPr>
-            <a:r>
-              <a:rPr lang="vi-VN" dirty="0">
-                <a:solidFill>
-                  <a:schemeClr val="accent6">
-                    <a:lumMod val="75000"/>
-                  </a:schemeClr>
-                </a:solidFill>
-              </a:rPr>
-              <a:t># </a:t>
-            </a:r>
-            <a:r>
-              <a:rPr lang="en-US" dirty="0" smtClean="0">
-                <a:solidFill>
-                  <a:schemeClr val="accent6">
-                    <a:lumMod val="75000"/>
-                  </a:schemeClr>
-                </a:solidFill>
-              </a:rPr>
-              <a:t>3. </a:t>
-            </a:r>
-            <a:r>
-              <a:rPr lang="vi-VN" dirty="0" smtClean="0">
-                <a:solidFill>
-                  <a:schemeClr val="accent6">
-                    <a:lumMod val="75000"/>
-                  </a:schemeClr>
-                </a:solidFill>
-              </a:rPr>
-              <a:t>Thực </a:t>
-            </a:r>
-            <a:r>
-              <a:rPr lang="vi-VN" dirty="0">
-                <a:solidFill>
-                  <a:schemeClr val="accent6">
-                    <a:lumMod val="75000"/>
-                  </a:schemeClr>
-                </a:solidFill>
-              </a:rPr>
-              <a:t>thi mã chương trình </a:t>
-            </a:r>
-            <a:r>
-              <a:rPr lang="vi-VN" dirty="0" smtClean="0">
-                <a:solidFill>
-                  <a:schemeClr val="accent6">
-                    <a:lumMod val="75000"/>
-                  </a:schemeClr>
-                </a:solidFill>
-              </a:rPr>
-              <a:t>chính</a:t>
-            </a:r>
-            <a:endParaRPr lang="en-US" dirty="0" smtClean="0">
-              <a:solidFill>
-                <a:schemeClr val="accent6">
-                  <a:lumMod val="75000"/>
-                </a:schemeClr>
-              </a:solidFill>
-            </a:endParaRPr>
-          </a:p>
-          <a:p>
-            <a:pPr>
-              <a:lnSpc>
-                <a:spcPct val="150000"/>
-              </a:lnSpc>
-            </a:pPr>
-            <a:r>
-              <a:rPr lang="vi-VN" dirty="0">
-                <a:solidFill>
-                  <a:schemeClr val="bg1"/>
-                </a:solidFill>
-              </a:rPr>
-              <a:t>function1</a:t>
-            </a:r>
-            <a:r>
-              <a:rPr lang="vi-VN" dirty="0" smtClean="0">
-                <a:solidFill>
-                  <a:schemeClr val="bg1"/>
-                </a:solidFill>
-              </a:rPr>
-              <a:t>()</a:t>
-            </a:r>
-            <a:endParaRPr lang="en-US" dirty="0">
-              <a:solidFill>
-                <a:schemeClr val="bg1"/>
-              </a:solidFill>
-            </a:endParaRPr>
-          </a:p>
-        </p:txBody>
-      </p:sp>
-    </p:spTree>
-    <p:extLst>
-      <p:ext uri="{BB962C8B-B14F-4D97-AF65-F5344CB8AC3E}">
-        <p14:creationId xmlns:p14="http://schemas.microsoft.com/office/powerpoint/2010/main" val="1593728458"/>
       </p:ext>
     </p:extLst>
   </p:cSld>
@@ -4432,6 +4414,3947 @@
               <a:rPr lang="en-US" smtClean="0"/>
               <a:pPr/>
               <a:t>13</a:t>
+            </a:fld>
+            <a:endParaRPr lang="en-US"/>
+          </a:p>
+        </p:txBody>
+      </p:sp>
+      <p:sp>
+        <p:nvSpPr>
+          <p:cNvPr id="3" name="Text Placeholder 2"/>
+          <p:cNvSpPr>
+            <a:spLocks noGrp="1"/>
+          </p:cNvSpPr>
+          <p:nvPr>
+            <p:ph type="body" sz="quarter" idx="13"/>
+          </p:nvPr>
+        </p:nvSpPr>
+        <p:spPr/>
+        <p:txBody>
+          <a:bodyPr/>
+          <a:lstStyle/>
+          <a:p>
+            <a:r>
+              <a:rPr lang="en-US" dirty="0" smtClean="0"/>
+              <a:t>1.4 </a:t>
+            </a:r>
+            <a:r>
+              <a:rPr lang="en-US" dirty="0" err="1" smtClean="0"/>
+              <a:t>Ví</a:t>
+            </a:r>
+            <a:r>
+              <a:rPr lang="en-US" dirty="0" smtClean="0"/>
+              <a:t> </a:t>
+            </a:r>
+            <a:r>
+              <a:rPr lang="en-US" dirty="0" err="1" smtClean="0"/>
+              <a:t>dụ</a:t>
+            </a:r>
+            <a:r>
+              <a:rPr lang="en-US" dirty="0" smtClean="0"/>
+              <a:t> </a:t>
+            </a:r>
+            <a:r>
+              <a:rPr lang="en-US" dirty="0" err="1" smtClean="0"/>
+              <a:t>về</a:t>
+            </a:r>
+            <a:r>
+              <a:rPr lang="en-US" dirty="0" smtClean="0"/>
+              <a:t> </a:t>
+            </a:r>
+            <a:r>
+              <a:rPr lang="en-US" dirty="0" err="1" smtClean="0"/>
+              <a:t>lệnh</a:t>
+            </a:r>
+            <a:r>
+              <a:rPr lang="en-US" dirty="0" smtClean="0"/>
+              <a:t> Print</a:t>
+            </a:r>
+            <a:endParaRPr lang="en-US" dirty="0"/>
+          </a:p>
+        </p:txBody>
+      </p:sp>
+      <p:sp>
+        <p:nvSpPr>
+          <p:cNvPr id="5" name="TextBox 4"/>
+          <p:cNvSpPr txBox="1"/>
+          <p:nvPr/>
+        </p:nvSpPr>
+        <p:spPr>
+          <a:xfrm>
+            <a:off x="781924" y="1460912"/>
+            <a:ext cx="3073384" cy="369332"/>
+          </a:xfrm>
+          <a:prstGeom prst="rect">
+            <a:avLst/>
+          </a:prstGeom>
+          <a:noFill/>
+        </p:spPr>
+        <p:txBody>
+          <a:bodyPr wrap="square" rtlCol="0">
+            <a:spAutoFit/>
+          </a:bodyPr>
+          <a:lstStyle/>
+          <a:p>
+            <a:r>
+              <a:rPr lang="en-US" b="1" dirty="0" smtClean="0"/>
+              <a:t>In </a:t>
+            </a:r>
+            <a:r>
+              <a:rPr lang="en-US" b="1" dirty="0" err="1" smtClean="0"/>
+              <a:t>chuỗi</a:t>
+            </a:r>
+            <a:r>
+              <a:rPr lang="en-US" b="1" dirty="0" smtClean="0"/>
+              <a:t> </a:t>
+            </a:r>
+            <a:r>
+              <a:rPr lang="en-US" b="1" dirty="0" err="1" smtClean="0"/>
+              <a:t>nhiều</a:t>
+            </a:r>
+            <a:r>
+              <a:rPr lang="en-US" b="1" dirty="0" smtClean="0"/>
+              <a:t> </a:t>
+            </a:r>
+            <a:r>
+              <a:rPr lang="en-US" b="1" dirty="0" err="1" smtClean="0"/>
+              <a:t>dòng</a:t>
+            </a:r>
+            <a:endParaRPr lang="en-US" b="1" dirty="0"/>
+          </a:p>
+        </p:txBody>
+      </p:sp>
+      <p:sp>
+        <p:nvSpPr>
+          <p:cNvPr id="4" name="Rectangle 3"/>
+          <p:cNvSpPr/>
+          <p:nvPr/>
+        </p:nvSpPr>
+        <p:spPr>
+          <a:xfrm>
+            <a:off x="557294" y="1927654"/>
+            <a:ext cx="3369276" cy="1482811"/>
+          </a:xfrm>
+          <a:prstGeom prst="rect">
+            <a:avLst/>
+          </a:prstGeom>
+          <a:solidFill>
+            <a:schemeClr val="tx2">
+              <a:lumMod val="75000"/>
+            </a:schemeClr>
+          </a:solidFill>
+          <a:ln>
+            <a:noFill/>
+          </a:ln>
+        </p:spPr>
+        <p:style>
+          <a:lnRef idx="2">
+            <a:schemeClr val="accent1">
+              <a:shade val="50000"/>
+            </a:schemeClr>
+          </a:lnRef>
+          <a:fillRef idx="1">
+            <a:schemeClr val="accent1"/>
+          </a:fillRef>
+          <a:effectRef idx="0">
+            <a:schemeClr val="accent1"/>
+          </a:effectRef>
+          <a:fontRef idx="minor">
+            <a:schemeClr val="lt1"/>
+          </a:fontRef>
+        </p:style>
+        <p:txBody>
+          <a:bodyPr rtlCol="0" anchor="ctr"/>
+          <a:lstStyle/>
+          <a:p>
+            <a:pPr algn="ctr"/>
+            <a:endParaRPr lang="en-US"/>
+          </a:p>
+        </p:txBody>
+      </p:sp>
+      <p:sp>
+        <p:nvSpPr>
+          <p:cNvPr id="7" name="TextBox 6"/>
+          <p:cNvSpPr txBox="1"/>
+          <p:nvPr/>
+        </p:nvSpPr>
+        <p:spPr>
+          <a:xfrm>
+            <a:off x="623107" y="2112545"/>
+            <a:ext cx="2775098" cy="1200329"/>
+          </a:xfrm>
+          <a:prstGeom prst="rect">
+            <a:avLst/>
+          </a:prstGeom>
+          <a:noFill/>
+        </p:spPr>
+        <p:txBody>
+          <a:bodyPr wrap="square" rtlCol="0">
+            <a:spAutoFit/>
+          </a:bodyPr>
+          <a:lstStyle/>
+          <a:p>
+            <a:r>
+              <a:rPr lang="en-US" dirty="0" smtClean="0">
+                <a:solidFill>
+                  <a:schemeClr val="bg1"/>
+                </a:solidFill>
+              </a:rPr>
+              <a:t>print</a:t>
+            </a:r>
+            <a:r>
+              <a:rPr lang="en-US" dirty="0" smtClean="0">
+                <a:solidFill>
+                  <a:srgbClr val="FECC36"/>
+                </a:solidFill>
+              </a:rPr>
+              <a:t>(</a:t>
+            </a:r>
+            <a:r>
+              <a:rPr lang="en-US" dirty="0">
+                <a:solidFill>
+                  <a:schemeClr val="accent2">
+                    <a:lumMod val="75000"/>
+                  </a:schemeClr>
+                </a:solidFill>
+              </a:rPr>
+              <a:t>"""</a:t>
+            </a:r>
+            <a:r>
+              <a:rPr lang="en-US" dirty="0" err="1">
+                <a:solidFill>
+                  <a:schemeClr val="accent2">
+                    <a:lumMod val="75000"/>
+                  </a:schemeClr>
+                </a:solidFill>
+              </a:rPr>
+              <a:t>Đây</a:t>
+            </a:r>
+            <a:r>
+              <a:rPr lang="en-US" dirty="0">
+                <a:solidFill>
+                  <a:schemeClr val="accent2">
+                    <a:lumMod val="75000"/>
+                  </a:schemeClr>
+                </a:solidFill>
+              </a:rPr>
+              <a:t> </a:t>
+            </a:r>
+            <a:r>
+              <a:rPr lang="en-US" dirty="0" err="1">
+                <a:solidFill>
+                  <a:schemeClr val="accent2">
+                    <a:lumMod val="75000"/>
+                  </a:schemeClr>
+                </a:solidFill>
+              </a:rPr>
+              <a:t>là</a:t>
+            </a:r>
+            <a:r>
+              <a:rPr lang="en-US" dirty="0">
+                <a:solidFill>
+                  <a:schemeClr val="accent2">
+                    <a:lumMod val="75000"/>
+                  </a:schemeClr>
+                </a:solidFill>
+              </a:rPr>
+              <a:t> </a:t>
+            </a:r>
+            <a:r>
+              <a:rPr lang="en-US" dirty="0" err="1">
+                <a:solidFill>
+                  <a:schemeClr val="accent2">
+                    <a:lumMod val="75000"/>
+                  </a:schemeClr>
+                </a:solidFill>
+              </a:rPr>
+              <a:t>một</a:t>
+            </a:r>
+            <a:r>
+              <a:rPr lang="en-US" dirty="0">
+                <a:solidFill>
+                  <a:schemeClr val="accent2">
+                    <a:lumMod val="75000"/>
+                  </a:schemeClr>
+                </a:solidFill>
+              </a:rPr>
+              <a:t> </a:t>
+            </a:r>
+            <a:r>
+              <a:rPr lang="en-US" dirty="0" err="1">
+                <a:solidFill>
+                  <a:schemeClr val="accent2">
+                    <a:lumMod val="75000"/>
+                  </a:schemeClr>
+                </a:solidFill>
+              </a:rPr>
+              <a:t>chuỗi</a:t>
+            </a:r>
+            <a:r>
+              <a:rPr lang="en-US" dirty="0">
+                <a:solidFill>
+                  <a:schemeClr val="accent2">
+                    <a:lumMod val="75000"/>
+                  </a:schemeClr>
+                </a:solidFill>
+              </a:rPr>
+              <a:t> </a:t>
+            </a:r>
+            <a:r>
+              <a:rPr lang="en-US" dirty="0" err="1">
+                <a:solidFill>
+                  <a:schemeClr val="accent2">
+                    <a:lumMod val="75000"/>
+                  </a:schemeClr>
+                </a:solidFill>
+              </a:rPr>
+              <a:t>nhiều</a:t>
+            </a:r>
+            <a:r>
+              <a:rPr lang="en-US" dirty="0">
+                <a:solidFill>
+                  <a:schemeClr val="accent2">
+                    <a:lumMod val="75000"/>
+                  </a:schemeClr>
+                </a:solidFill>
+              </a:rPr>
+              <a:t> </a:t>
+            </a:r>
+            <a:r>
+              <a:rPr lang="en-US" dirty="0" err="1">
+                <a:solidFill>
+                  <a:schemeClr val="accent2">
+                    <a:lumMod val="75000"/>
+                  </a:schemeClr>
+                </a:solidFill>
+              </a:rPr>
+              <a:t>dòng</a:t>
+            </a:r>
+            <a:r>
+              <a:rPr lang="en-US" dirty="0">
+                <a:solidFill>
+                  <a:schemeClr val="accent2">
+                    <a:lumMod val="75000"/>
+                  </a:schemeClr>
+                </a:solidFill>
+              </a:rPr>
+              <a:t>.</a:t>
+            </a:r>
+          </a:p>
+          <a:p>
+            <a:r>
+              <a:rPr lang="en-US" dirty="0" err="1">
+                <a:solidFill>
+                  <a:schemeClr val="accent2">
+                    <a:lumMod val="75000"/>
+                  </a:schemeClr>
+                </a:solidFill>
+              </a:rPr>
+              <a:t>Dòng</a:t>
+            </a:r>
+            <a:r>
+              <a:rPr lang="en-US" dirty="0">
+                <a:solidFill>
+                  <a:schemeClr val="accent2">
+                    <a:lumMod val="75000"/>
+                  </a:schemeClr>
+                </a:solidFill>
+              </a:rPr>
+              <a:t> </a:t>
+            </a:r>
+            <a:r>
+              <a:rPr lang="en-US" dirty="0" err="1">
+                <a:solidFill>
+                  <a:schemeClr val="accent2">
+                    <a:lumMod val="75000"/>
+                  </a:schemeClr>
+                </a:solidFill>
+              </a:rPr>
+              <a:t>thứ</a:t>
+            </a:r>
+            <a:r>
+              <a:rPr lang="en-US" dirty="0">
+                <a:solidFill>
+                  <a:schemeClr val="accent2">
+                    <a:lumMod val="75000"/>
+                  </a:schemeClr>
+                </a:solidFill>
+              </a:rPr>
+              <a:t> </a:t>
+            </a:r>
+            <a:r>
+              <a:rPr lang="en-US" dirty="0" err="1">
+                <a:solidFill>
+                  <a:schemeClr val="accent2">
+                    <a:lumMod val="75000"/>
+                  </a:schemeClr>
+                </a:solidFill>
+              </a:rPr>
+              <a:t>hai</a:t>
+            </a:r>
+            <a:r>
+              <a:rPr lang="en-US" dirty="0">
+                <a:solidFill>
+                  <a:schemeClr val="accent2">
+                    <a:lumMod val="75000"/>
+                  </a:schemeClr>
+                </a:solidFill>
+              </a:rPr>
+              <a:t>.</a:t>
+            </a:r>
+          </a:p>
+          <a:p>
+            <a:r>
+              <a:rPr lang="en-US" dirty="0" err="1">
+                <a:solidFill>
+                  <a:schemeClr val="accent2">
+                    <a:lumMod val="75000"/>
+                  </a:schemeClr>
+                </a:solidFill>
+              </a:rPr>
+              <a:t>Dòng</a:t>
+            </a:r>
+            <a:r>
+              <a:rPr lang="en-US" dirty="0">
+                <a:solidFill>
+                  <a:schemeClr val="accent2">
+                    <a:lumMod val="75000"/>
+                  </a:schemeClr>
+                </a:solidFill>
+              </a:rPr>
+              <a:t> </a:t>
+            </a:r>
+            <a:r>
+              <a:rPr lang="en-US" dirty="0" err="1">
+                <a:solidFill>
+                  <a:schemeClr val="accent2">
+                    <a:lumMod val="75000"/>
+                  </a:schemeClr>
+                </a:solidFill>
+              </a:rPr>
+              <a:t>thứ</a:t>
+            </a:r>
+            <a:r>
+              <a:rPr lang="en-US" dirty="0">
+                <a:solidFill>
+                  <a:schemeClr val="accent2">
+                    <a:lumMod val="75000"/>
+                  </a:schemeClr>
+                </a:solidFill>
+              </a:rPr>
+              <a:t> </a:t>
+            </a:r>
+            <a:r>
+              <a:rPr lang="en-US" dirty="0" err="1">
+                <a:solidFill>
+                  <a:schemeClr val="accent2">
+                    <a:lumMod val="75000"/>
+                  </a:schemeClr>
+                </a:solidFill>
+              </a:rPr>
+              <a:t>ba</a:t>
+            </a:r>
+            <a:r>
+              <a:rPr lang="en-US" dirty="0">
+                <a:solidFill>
+                  <a:schemeClr val="accent2">
+                    <a:lumMod val="75000"/>
+                  </a:schemeClr>
+                </a:solidFill>
+              </a:rPr>
+              <a:t>."""</a:t>
+            </a:r>
+            <a:r>
+              <a:rPr lang="en-US" dirty="0" smtClean="0">
+                <a:solidFill>
+                  <a:srgbClr val="FECC36"/>
+                </a:solidFill>
+              </a:rPr>
+              <a:t>)</a:t>
+            </a:r>
+            <a:endParaRPr lang="en-US" dirty="0">
+              <a:solidFill>
+                <a:srgbClr val="FECC36"/>
+              </a:solidFill>
+            </a:endParaRPr>
+          </a:p>
+        </p:txBody>
+      </p:sp>
+      <p:sp>
+        <p:nvSpPr>
+          <p:cNvPr id="12" name="Rectangle 11"/>
+          <p:cNvSpPr/>
+          <p:nvPr/>
+        </p:nvSpPr>
+        <p:spPr>
+          <a:xfrm>
+            <a:off x="5033319" y="1927654"/>
+            <a:ext cx="3369276" cy="1482811"/>
+          </a:xfrm>
+          <a:prstGeom prst="rect">
+            <a:avLst/>
+          </a:prstGeom>
+          <a:solidFill>
+            <a:schemeClr val="tx2">
+              <a:lumMod val="75000"/>
+            </a:schemeClr>
+          </a:solidFill>
+          <a:ln>
+            <a:noFill/>
+          </a:ln>
+        </p:spPr>
+        <p:style>
+          <a:lnRef idx="2">
+            <a:schemeClr val="accent1">
+              <a:shade val="50000"/>
+            </a:schemeClr>
+          </a:lnRef>
+          <a:fillRef idx="1">
+            <a:schemeClr val="accent1"/>
+          </a:fillRef>
+          <a:effectRef idx="0">
+            <a:schemeClr val="accent1"/>
+          </a:effectRef>
+          <a:fontRef idx="minor">
+            <a:schemeClr val="lt1"/>
+          </a:fontRef>
+        </p:style>
+        <p:txBody>
+          <a:bodyPr rtlCol="0" anchor="ctr"/>
+          <a:lstStyle/>
+          <a:p>
+            <a:pPr algn="ctr"/>
+            <a:endParaRPr lang="en-US"/>
+          </a:p>
+        </p:txBody>
+      </p:sp>
+      <p:sp>
+        <p:nvSpPr>
+          <p:cNvPr id="13" name="TextBox 12"/>
+          <p:cNvSpPr txBox="1"/>
+          <p:nvPr/>
+        </p:nvSpPr>
+        <p:spPr>
+          <a:xfrm>
+            <a:off x="5376340" y="2112545"/>
+            <a:ext cx="2775098" cy="1200329"/>
+          </a:xfrm>
+          <a:prstGeom prst="rect">
+            <a:avLst/>
+          </a:prstGeom>
+          <a:noFill/>
+        </p:spPr>
+        <p:txBody>
+          <a:bodyPr wrap="square" rtlCol="0">
+            <a:spAutoFit/>
+          </a:bodyPr>
+          <a:lstStyle/>
+          <a:p>
+            <a:r>
+              <a:rPr lang="en-US" dirty="0" err="1">
+                <a:solidFill>
+                  <a:schemeClr val="bg1"/>
+                </a:solidFill>
+              </a:rPr>
+              <a:t>Đây</a:t>
+            </a:r>
+            <a:r>
+              <a:rPr lang="en-US" dirty="0">
+                <a:solidFill>
+                  <a:schemeClr val="bg1"/>
+                </a:solidFill>
+              </a:rPr>
+              <a:t> </a:t>
+            </a:r>
+            <a:r>
+              <a:rPr lang="en-US" dirty="0" err="1">
+                <a:solidFill>
+                  <a:schemeClr val="bg1"/>
+                </a:solidFill>
+              </a:rPr>
+              <a:t>là</a:t>
+            </a:r>
+            <a:r>
+              <a:rPr lang="en-US" dirty="0">
+                <a:solidFill>
+                  <a:schemeClr val="bg1"/>
+                </a:solidFill>
+              </a:rPr>
+              <a:t> </a:t>
+            </a:r>
+            <a:r>
+              <a:rPr lang="en-US" dirty="0" err="1">
+                <a:solidFill>
+                  <a:schemeClr val="bg1"/>
+                </a:solidFill>
+              </a:rPr>
+              <a:t>một</a:t>
+            </a:r>
+            <a:r>
+              <a:rPr lang="en-US" dirty="0">
+                <a:solidFill>
+                  <a:schemeClr val="bg1"/>
+                </a:solidFill>
+              </a:rPr>
+              <a:t> </a:t>
+            </a:r>
+            <a:r>
+              <a:rPr lang="en-US" dirty="0" err="1">
+                <a:solidFill>
+                  <a:schemeClr val="bg1"/>
+                </a:solidFill>
+              </a:rPr>
+              <a:t>chuỗi</a:t>
+            </a:r>
+            <a:r>
+              <a:rPr lang="en-US" dirty="0">
+                <a:solidFill>
+                  <a:schemeClr val="bg1"/>
+                </a:solidFill>
+              </a:rPr>
+              <a:t> </a:t>
+            </a:r>
+            <a:r>
+              <a:rPr lang="en-US" dirty="0" err="1">
+                <a:solidFill>
+                  <a:schemeClr val="bg1"/>
+                </a:solidFill>
+              </a:rPr>
+              <a:t>nhiều</a:t>
+            </a:r>
+            <a:r>
+              <a:rPr lang="en-US" dirty="0">
+                <a:solidFill>
+                  <a:schemeClr val="bg1"/>
+                </a:solidFill>
+              </a:rPr>
+              <a:t> </a:t>
+            </a:r>
+            <a:r>
+              <a:rPr lang="en-US" dirty="0" err="1">
+                <a:solidFill>
+                  <a:schemeClr val="bg1"/>
+                </a:solidFill>
+              </a:rPr>
+              <a:t>dòng</a:t>
+            </a:r>
+            <a:r>
+              <a:rPr lang="en-US" dirty="0">
+                <a:solidFill>
+                  <a:schemeClr val="bg1"/>
+                </a:solidFill>
+              </a:rPr>
+              <a:t>.</a:t>
+            </a:r>
+          </a:p>
+          <a:p>
+            <a:r>
+              <a:rPr lang="en-US" dirty="0" err="1">
+                <a:solidFill>
+                  <a:schemeClr val="bg1"/>
+                </a:solidFill>
+              </a:rPr>
+              <a:t>Dòng</a:t>
+            </a:r>
+            <a:r>
+              <a:rPr lang="en-US" dirty="0">
+                <a:solidFill>
+                  <a:schemeClr val="bg1"/>
+                </a:solidFill>
+              </a:rPr>
+              <a:t> </a:t>
+            </a:r>
+            <a:r>
+              <a:rPr lang="en-US" dirty="0" err="1">
+                <a:solidFill>
+                  <a:schemeClr val="bg1"/>
+                </a:solidFill>
+              </a:rPr>
+              <a:t>thứ</a:t>
+            </a:r>
+            <a:r>
+              <a:rPr lang="en-US" dirty="0">
+                <a:solidFill>
+                  <a:schemeClr val="bg1"/>
+                </a:solidFill>
+              </a:rPr>
+              <a:t> </a:t>
+            </a:r>
+            <a:r>
+              <a:rPr lang="en-US" dirty="0" err="1">
+                <a:solidFill>
+                  <a:schemeClr val="bg1"/>
+                </a:solidFill>
+              </a:rPr>
+              <a:t>hai</a:t>
+            </a:r>
+            <a:r>
+              <a:rPr lang="en-US" dirty="0">
+                <a:solidFill>
+                  <a:schemeClr val="bg1"/>
+                </a:solidFill>
+              </a:rPr>
+              <a:t>.</a:t>
+            </a:r>
+          </a:p>
+          <a:p>
+            <a:r>
+              <a:rPr lang="en-US" dirty="0" err="1">
+                <a:solidFill>
+                  <a:schemeClr val="bg1"/>
+                </a:solidFill>
+              </a:rPr>
+              <a:t>Dòng</a:t>
+            </a:r>
+            <a:r>
+              <a:rPr lang="en-US" dirty="0">
+                <a:solidFill>
+                  <a:schemeClr val="bg1"/>
+                </a:solidFill>
+              </a:rPr>
+              <a:t> </a:t>
+            </a:r>
+            <a:r>
+              <a:rPr lang="en-US" dirty="0" err="1">
+                <a:solidFill>
+                  <a:schemeClr val="bg1"/>
+                </a:solidFill>
+              </a:rPr>
+              <a:t>thứ</a:t>
+            </a:r>
+            <a:r>
+              <a:rPr lang="en-US" dirty="0">
+                <a:solidFill>
+                  <a:schemeClr val="bg1"/>
+                </a:solidFill>
+              </a:rPr>
+              <a:t> </a:t>
+            </a:r>
+            <a:r>
+              <a:rPr lang="en-US" dirty="0" err="1">
+                <a:solidFill>
+                  <a:schemeClr val="bg1"/>
+                </a:solidFill>
+              </a:rPr>
+              <a:t>ba</a:t>
+            </a:r>
+            <a:r>
+              <a:rPr lang="en-US" dirty="0">
+                <a:solidFill>
+                  <a:schemeClr val="bg1"/>
+                </a:solidFill>
+              </a:rPr>
+              <a:t>.</a:t>
+            </a:r>
+            <a:endParaRPr lang="en-US" dirty="0">
+              <a:solidFill>
+                <a:srgbClr val="FECC36"/>
+              </a:solidFill>
+            </a:endParaRPr>
+          </a:p>
+        </p:txBody>
+      </p:sp>
+      <p:sp>
+        <p:nvSpPr>
+          <p:cNvPr id="8" name="Right Arrow 7"/>
+          <p:cNvSpPr/>
+          <p:nvPr/>
+        </p:nvSpPr>
+        <p:spPr>
+          <a:xfrm>
+            <a:off x="4193060" y="2471350"/>
+            <a:ext cx="527221" cy="280087"/>
+          </a:xfrm>
+          <a:prstGeom prst="rightArrow">
+            <a:avLst/>
+          </a:prstGeom>
+          <a:ln>
+            <a:noFill/>
+          </a:ln>
+        </p:spPr>
+        <p:style>
+          <a:lnRef idx="2">
+            <a:schemeClr val="accent1">
+              <a:shade val="50000"/>
+            </a:schemeClr>
+          </a:lnRef>
+          <a:fillRef idx="1">
+            <a:schemeClr val="accent1"/>
+          </a:fillRef>
+          <a:effectRef idx="0">
+            <a:schemeClr val="accent1"/>
+          </a:effectRef>
+          <a:fontRef idx="minor">
+            <a:schemeClr val="lt1"/>
+          </a:fontRef>
+        </p:style>
+        <p:txBody>
+          <a:bodyPr rtlCol="0" anchor="ctr"/>
+          <a:lstStyle/>
+          <a:p>
+            <a:pPr algn="ctr"/>
+            <a:endParaRPr lang="en-US"/>
+          </a:p>
+        </p:txBody>
+      </p:sp>
+      <p:pic>
+        <p:nvPicPr>
+          <p:cNvPr id="15" name="Picture 2" descr="https://www.python.org/static/apple-touch-icon-precomposed.png"/>
+          <p:cNvPicPr>
+            <a:picLocks noChangeAspect="1" noChangeArrowheads="1"/>
+          </p:cNvPicPr>
+          <p:nvPr/>
+        </p:nvPicPr>
+        <p:blipFill>
+          <a:blip r:embed="rId2">
+            <a:extLst>
+              <a:ext uri="{28A0092B-C50C-407E-A947-70E740481C1C}">
+                <a14:useLocalDpi xmlns:a14="http://schemas.microsoft.com/office/drawing/2010/main" val="0"/>
+              </a:ext>
+            </a:extLst>
+          </a:blip>
+          <a:srcRect/>
+          <a:stretch>
+            <a:fillRect/>
+          </a:stretch>
+        </p:blipFill>
+        <p:spPr bwMode="auto">
+          <a:xfrm>
+            <a:off x="432287" y="1520570"/>
+            <a:ext cx="250014" cy="250015"/>
+          </a:xfrm>
+          <a:prstGeom prst="rect">
+            <a:avLst/>
+          </a:prstGeom>
+          <a:noFill/>
+          <a:extLst>
+            <a:ext uri="{909E8E84-426E-40DD-AFC4-6F175D3DCCD1}">
+              <a14:hiddenFill xmlns:a14="http://schemas.microsoft.com/office/drawing/2010/main">
+                <a:solidFill>
+                  <a:srgbClr val="FFFFFF"/>
+                </a:solidFill>
+              </a14:hiddenFill>
+            </a:ext>
+          </a:extLst>
+        </p:spPr>
+      </p:pic>
+      <p:sp>
+        <p:nvSpPr>
+          <p:cNvPr id="16" name="TextBox 15"/>
+          <p:cNvSpPr txBox="1"/>
+          <p:nvPr/>
+        </p:nvSpPr>
+        <p:spPr>
+          <a:xfrm>
+            <a:off x="781924" y="3495656"/>
+            <a:ext cx="3073384" cy="369332"/>
+          </a:xfrm>
+          <a:prstGeom prst="rect">
+            <a:avLst/>
+          </a:prstGeom>
+          <a:noFill/>
+        </p:spPr>
+        <p:txBody>
+          <a:bodyPr wrap="square" rtlCol="0">
+            <a:spAutoFit/>
+          </a:bodyPr>
+          <a:lstStyle/>
+          <a:p>
+            <a:r>
+              <a:rPr lang="en-US" b="1" dirty="0"/>
+              <a:t>In </a:t>
+            </a:r>
+            <a:r>
+              <a:rPr lang="en-US" b="1" dirty="0" err="1"/>
+              <a:t>ký</a:t>
+            </a:r>
+            <a:r>
+              <a:rPr lang="en-US" b="1" dirty="0"/>
+              <a:t> </a:t>
+            </a:r>
+            <a:r>
+              <a:rPr lang="en-US" b="1" dirty="0" err="1"/>
+              <a:t>tự</a:t>
+            </a:r>
+            <a:r>
+              <a:rPr lang="en-US" b="1" dirty="0"/>
+              <a:t> </a:t>
+            </a:r>
+            <a:r>
+              <a:rPr lang="en-US" b="1" dirty="0" err="1"/>
+              <a:t>đặc</a:t>
+            </a:r>
+            <a:r>
+              <a:rPr lang="en-US" b="1" dirty="0"/>
+              <a:t> </a:t>
+            </a:r>
+            <a:r>
+              <a:rPr lang="en-US" b="1" dirty="0" err="1"/>
+              <a:t>biệt</a:t>
+            </a:r>
+            <a:endParaRPr lang="en-US" b="1" dirty="0"/>
+          </a:p>
+        </p:txBody>
+      </p:sp>
+      <p:pic>
+        <p:nvPicPr>
+          <p:cNvPr id="17" name="Picture 2" descr="https://www.python.org/static/apple-touch-icon-precomposed.png"/>
+          <p:cNvPicPr>
+            <a:picLocks noChangeAspect="1" noChangeArrowheads="1"/>
+          </p:cNvPicPr>
+          <p:nvPr/>
+        </p:nvPicPr>
+        <p:blipFill>
+          <a:blip r:embed="rId2">
+            <a:extLst>
+              <a:ext uri="{28A0092B-C50C-407E-A947-70E740481C1C}">
+                <a14:useLocalDpi xmlns:a14="http://schemas.microsoft.com/office/drawing/2010/main" val="0"/>
+              </a:ext>
+            </a:extLst>
+          </a:blip>
+          <a:srcRect/>
+          <a:stretch>
+            <a:fillRect/>
+          </a:stretch>
+        </p:blipFill>
+        <p:spPr bwMode="auto">
+          <a:xfrm>
+            <a:off x="432287" y="3555314"/>
+            <a:ext cx="250014" cy="250015"/>
+          </a:xfrm>
+          <a:prstGeom prst="rect">
+            <a:avLst/>
+          </a:prstGeom>
+          <a:noFill/>
+          <a:extLst>
+            <a:ext uri="{909E8E84-426E-40DD-AFC4-6F175D3DCCD1}">
+              <a14:hiddenFill xmlns:a14="http://schemas.microsoft.com/office/drawing/2010/main">
+                <a:solidFill>
+                  <a:srgbClr val="FFFFFF"/>
+                </a:solidFill>
+              </a14:hiddenFill>
+            </a:ext>
+          </a:extLst>
+        </p:spPr>
+      </p:pic>
+      <p:sp>
+        <p:nvSpPr>
+          <p:cNvPr id="18" name="Rectangle 17"/>
+          <p:cNvSpPr/>
+          <p:nvPr/>
+        </p:nvSpPr>
+        <p:spPr>
+          <a:xfrm>
+            <a:off x="557294" y="3995351"/>
+            <a:ext cx="3369276" cy="914399"/>
+          </a:xfrm>
+          <a:prstGeom prst="rect">
+            <a:avLst/>
+          </a:prstGeom>
+          <a:solidFill>
+            <a:schemeClr val="tx2">
+              <a:lumMod val="75000"/>
+            </a:schemeClr>
+          </a:solidFill>
+          <a:ln>
+            <a:noFill/>
+          </a:ln>
+        </p:spPr>
+        <p:style>
+          <a:lnRef idx="2">
+            <a:schemeClr val="accent1">
+              <a:shade val="50000"/>
+            </a:schemeClr>
+          </a:lnRef>
+          <a:fillRef idx="1">
+            <a:schemeClr val="accent1"/>
+          </a:fillRef>
+          <a:effectRef idx="0">
+            <a:schemeClr val="accent1"/>
+          </a:effectRef>
+          <a:fontRef idx="minor">
+            <a:schemeClr val="lt1"/>
+          </a:fontRef>
+        </p:style>
+        <p:txBody>
+          <a:bodyPr rtlCol="0" anchor="ctr"/>
+          <a:lstStyle/>
+          <a:p>
+            <a:pPr algn="ctr"/>
+            <a:endParaRPr lang="en-US"/>
+          </a:p>
+        </p:txBody>
+      </p:sp>
+      <p:sp>
+        <p:nvSpPr>
+          <p:cNvPr id="19" name="TextBox 18"/>
+          <p:cNvSpPr txBox="1"/>
+          <p:nvPr/>
+        </p:nvSpPr>
+        <p:spPr>
+          <a:xfrm>
+            <a:off x="623106" y="4059264"/>
+            <a:ext cx="3232201" cy="369332"/>
+          </a:xfrm>
+          <a:prstGeom prst="rect">
+            <a:avLst/>
+          </a:prstGeom>
+          <a:noFill/>
+        </p:spPr>
+        <p:txBody>
+          <a:bodyPr wrap="square" rtlCol="0">
+            <a:spAutoFit/>
+          </a:bodyPr>
+          <a:lstStyle/>
+          <a:p>
+            <a:r>
+              <a:rPr lang="en-US" dirty="0" smtClean="0">
+                <a:solidFill>
+                  <a:schemeClr val="bg1"/>
+                </a:solidFill>
+              </a:rPr>
+              <a:t>print</a:t>
+            </a:r>
+            <a:r>
+              <a:rPr lang="en-US" dirty="0" smtClean="0">
+                <a:solidFill>
+                  <a:srgbClr val="FECC36"/>
+                </a:solidFill>
+              </a:rPr>
+              <a:t>(</a:t>
+            </a:r>
+            <a:r>
+              <a:rPr lang="en-US" dirty="0">
+                <a:solidFill>
+                  <a:schemeClr val="accent2">
+                    <a:lumMod val="75000"/>
+                  </a:schemeClr>
+                </a:solidFill>
+              </a:rPr>
+              <a:t>'</a:t>
+            </a:r>
+            <a:r>
+              <a:rPr lang="en-US" dirty="0" err="1">
+                <a:solidFill>
+                  <a:schemeClr val="accent2">
+                    <a:lumMod val="75000"/>
+                  </a:schemeClr>
+                </a:solidFill>
+              </a:rPr>
+              <a:t>Tôi</a:t>
+            </a:r>
+            <a:r>
+              <a:rPr lang="en-US" dirty="0">
+                <a:solidFill>
+                  <a:schemeClr val="accent2">
+                    <a:lumMod val="75000"/>
+                  </a:schemeClr>
+                </a:solidFill>
+              </a:rPr>
+              <a:t> </a:t>
+            </a:r>
+            <a:r>
+              <a:rPr lang="en-US" dirty="0" err="1">
+                <a:solidFill>
+                  <a:schemeClr val="accent2">
+                    <a:lumMod val="75000"/>
+                  </a:schemeClr>
+                </a:solidFill>
+              </a:rPr>
+              <a:t>nói</a:t>
+            </a:r>
+            <a:r>
+              <a:rPr lang="en-US" dirty="0">
+                <a:solidFill>
+                  <a:schemeClr val="accent2">
+                    <a:lumMod val="75000"/>
+                  </a:schemeClr>
+                </a:solidFill>
+              </a:rPr>
+              <a:t>: "</a:t>
+            </a:r>
+            <a:r>
+              <a:rPr lang="en-US" dirty="0" err="1">
+                <a:solidFill>
+                  <a:schemeClr val="accent2">
+                    <a:lumMod val="75000"/>
+                  </a:schemeClr>
+                </a:solidFill>
+              </a:rPr>
+              <a:t>Xin</a:t>
+            </a:r>
+            <a:r>
+              <a:rPr lang="en-US" dirty="0">
+                <a:solidFill>
+                  <a:schemeClr val="accent2">
+                    <a:lumMod val="75000"/>
+                  </a:schemeClr>
+                </a:solidFill>
+              </a:rPr>
+              <a:t> </a:t>
+            </a:r>
+            <a:r>
+              <a:rPr lang="en-US" dirty="0" err="1">
+                <a:solidFill>
+                  <a:schemeClr val="accent2">
+                    <a:lumMod val="75000"/>
+                  </a:schemeClr>
+                </a:solidFill>
+              </a:rPr>
+              <a:t>chào</a:t>
+            </a:r>
+            <a:r>
+              <a:rPr lang="en-US" dirty="0">
+                <a:solidFill>
+                  <a:schemeClr val="accent2">
+                    <a:lumMod val="75000"/>
+                  </a:schemeClr>
+                </a:solidFill>
+              </a:rPr>
+              <a:t>!"'</a:t>
+            </a:r>
+            <a:r>
+              <a:rPr lang="en-US" dirty="0" smtClean="0">
+                <a:solidFill>
+                  <a:srgbClr val="FECC36"/>
+                </a:solidFill>
+              </a:rPr>
+              <a:t>)</a:t>
+            </a:r>
+            <a:endParaRPr lang="en-US" dirty="0">
+              <a:solidFill>
+                <a:srgbClr val="FECC36"/>
+              </a:solidFill>
+            </a:endParaRPr>
+          </a:p>
+        </p:txBody>
+      </p:sp>
+      <p:sp>
+        <p:nvSpPr>
+          <p:cNvPr id="20" name="Rectangle 19"/>
+          <p:cNvSpPr/>
+          <p:nvPr/>
+        </p:nvSpPr>
+        <p:spPr>
+          <a:xfrm>
+            <a:off x="5033319" y="3995351"/>
+            <a:ext cx="3369276" cy="914399"/>
+          </a:xfrm>
+          <a:prstGeom prst="rect">
+            <a:avLst/>
+          </a:prstGeom>
+          <a:solidFill>
+            <a:schemeClr val="tx2">
+              <a:lumMod val="75000"/>
+            </a:schemeClr>
+          </a:solidFill>
+          <a:ln>
+            <a:noFill/>
+          </a:ln>
+        </p:spPr>
+        <p:style>
+          <a:lnRef idx="2">
+            <a:schemeClr val="accent1">
+              <a:shade val="50000"/>
+            </a:schemeClr>
+          </a:lnRef>
+          <a:fillRef idx="1">
+            <a:schemeClr val="accent1"/>
+          </a:fillRef>
+          <a:effectRef idx="0">
+            <a:schemeClr val="accent1"/>
+          </a:effectRef>
+          <a:fontRef idx="minor">
+            <a:schemeClr val="lt1"/>
+          </a:fontRef>
+        </p:style>
+        <p:txBody>
+          <a:bodyPr rtlCol="0" anchor="ctr"/>
+          <a:lstStyle/>
+          <a:p>
+            <a:pPr algn="ctr"/>
+            <a:endParaRPr lang="en-US"/>
+          </a:p>
+        </p:txBody>
+      </p:sp>
+      <p:sp>
+        <p:nvSpPr>
+          <p:cNvPr id="21" name="TextBox 20"/>
+          <p:cNvSpPr txBox="1"/>
+          <p:nvPr/>
+        </p:nvSpPr>
+        <p:spPr>
+          <a:xfrm>
+            <a:off x="5376340" y="4059264"/>
+            <a:ext cx="2775098" cy="646331"/>
+          </a:xfrm>
+          <a:prstGeom prst="rect">
+            <a:avLst/>
+          </a:prstGeom>
+          <a:noFill/>
+        </p:spPr>
+        <p:txBody>
+          <a:bodyPr wrap="square" rtlCol="0">
+            <a:spAutoFit/>
+          </a:bodyPr>
+          <a:lstStyle/>
+          <a:p>
+            <a:r>
+              <a:rPr lang="en-US" dirty="0" err="1">
+                <a:solidFill>
+                  <a:schemeClr val="bg1"/>
+                </a:solidFill>
+              </a:rPr>
+              <a:t>Tôi</a:t>
+            </a:r>
+            <a:r>
+              <a:rPr lang="en-US" dirty="0">
+                <a:solidFill>
+                  <a:schemeClr val="bg1"/>
+                </a:solidFill>
+              </a:rPr>
+              <a:t> </a:t>
+            </a:r>
+            <a:r>
+              <a:rPr lang="en-US" dirty="0" err="1">
+                <a:solidFill>
+                  <a:schemeClr val="bg1"/>
+                </a:solidFill>
+              </a:rPr>
+              <a:t>nói</a:t>
+            </a:r>
+            <a:r>
+              <a:rPr lang="en-US" dirty="0">
+                <a:solidFill>
+                  <a:schemeClr val="bg1"/>
+                </a:solidFill>
+              </a:rPr>
+              <a:t>: "</a:t>
+            </a:r>
+            <a:r>
+              <a:rPr lang="en-US" dirty="0" err="1">
+                <a:solidFill>
+                  <a:schemeClr val="bg1"/>
+                </a:solidFill>
+              </a:rPr>
+              <a:t>Xin</a:t>
+            </a:r>
+            <a:r>
+              <a:rPr lang="en-US" dirty="0">
+                <a:solidFill>
+                  <a:schemeClr val="bg1"/>
+                </a:solidFill>
+              </a:rPr>
+              <a:t> </a:t>
+            </a:r>
+            <a:r>
+              <a:rPr lang="en-US" dirty="0" err="1">
+                <a:solidFill>
+                  <a:schemeClr val="bg1"/>
+                </a:solidFill>
+              </a:rPr>
+              <a:t>chào</a:t>
+            </a:r>
+            <a:r>
+              <a:rPr lang="en-US" dirty="0">
+                <a:solidFill>
+                  <a:schemeClr val="bg1"/>
+                </a:solidFill>
+              </a:rPr>
+              <a:t>!"</a:t>
+            </a:r>
+          </a:p>
+          <a:p>
+            <a:r>
+              <a:rPr lang="en-US" dirty="0" err="1">
+                <a:solidFill>
+                  <a:schemeClr val="bg1"/>
+                </a:solidFill>
+              </a:rPr>
+              <a:t>Tôi</a:t>
+            </a:r>
+            <a:r>
+              <a:rPr lang="en-US" dirty="0">
+                <a:solidFill>
+                  <a:schemeClr val="bg1"/>
+                </a:solidFill>
+              </a:rPr>
+              <a:t> </a:t>
+            </a:r>
+            <a:r>
+              <a:rPr lang="en-US" dirty="0" err="1">
+                <a:solidFill>
+                  <a:schemeClr val="bg1"/>
+                </a:solidFill>
+              </a:rPr>
+              <a:t>nói</a:t>
+            </a:r>
+            <a:r>
+              <a:rPr lang="en-US" dirty="0">
+                <a:solidFill>
+                  <a:schemeClr val="bg1"/>
+                </a:solidFill>
+              </a:rPr>
+              <a:t>: '</a:t>
+            </a:r>
+            <a:r>
+              <a:rPr lang="en-US" dirty="0" err="1">
+                <a:solidFill>
+                  <a:schemeClr val="bg1"/>
+                </a:solidFill>
+              </a:rPr>
+              <a:t>Xin</a:t>
+            </a:r>
+            <a:r>
+              <a:rPr lang="en-US" dirty="0">
+                <a:solidFill>
+                  <a:schemeClr val="bg1"/>
+                </a:solidFill>
+              </a:rPr>
+              <a:t> </a:t>
+            </a:r>
+            <a:r>
+              <a:rPr lang="en-US" dirty="0" err="1">
+                <a:solidFill>
+                  <a:schemeClr val="bg1"/>
+                </a:solidFill>
+              </a:rPr>
+              <a:t>chào</a:t>
+            </a:r>
+            <a:r>
+              <a:rPr lang="en-US" dirty="0">
+                <a:solidFill>
+                  <a:schemeClr val="bg1"/>
+                </a:solidFill>
+              </a:rPr>
+              <a:t>!'</a:t>
+            </a:r>
+            <a:endParaRPr lang="en-US" dirty="0">
+              <a:solidFill>
+                <a:srgbClr val="FECC36"/>
+              </a:solidFill>
+            </a:endParaRPr>
+          </a:p>
+        </p:txBody>
+      </p:sp>
+      <p:sp>
+        <p:nvSpPr>
+          <p:cNvPr id="22" name="Right Arrow 21"/>
+          <p:cNvSpPr/>
+          <p:nvPr/>
+        </p:nvSpPr>
+        <p:spPr>
+          <a:xfrm>
+            <a:off x="4193060" y="4539046"/>
+            <a:ext cx="527221" cy="280087"/>
+          </a:xfrm>
+          <a:prstGeom prst="rightArrow">
+            <a:avLst/>
+          </a:prstGeom>
+          <a:ln>
+            <a:noFill/>
+          </a:ln>
+        </p:spPr>
+        <p:style>
+          <a:lnRef idx="2">
+            <a:schemeClr val="accent1">
+              <a:shade val="50000"/>
+            </a:schemeClr>
+          </a:lnRef>
+          <a:fillRef idx="1">
+            <a:schemeClr val="accent1"/>
+          </a:fillRef>
+          <a:effectRef idx="0">
+            <a:schemeClr val="accent1"/>
+          </a:effectRef>
+          <a:fontRef idx="minor">
+            <a:schemeClr val="lt1"/>
+          </a:fontRef>
+        </p:style>
+        <p:txBody>
+          <a:bodyPr rtlCol="0" anchor="ctr"/>
+          <a:lstStyle/>
+          <a:p>
+            <a:pPr algn="ctr"/>
+            <a:endParaRPr lang="en-US"/>
+          </a:p>
+        </p:txBody>
+      </p:sp>
+      <p:sp>
+        <p:nvSpPr>
+          <p:cNvPr id="24" name="TextBox 23"/>
+          <p:cNvSpPr txBox="1"/>
+          <p:nvPr/>
+        </p:nvSpPr>
+        <p:spPr>
+          <a:xfrm>
+            <a:off x="623106" y="4462918"/>
+            <a:ext cx="3232201" cy="369332"/>
+          </a:xfrm>
+          <a:prstGeom prst="rect">
+            <a:avLst/>
+          </a:prstGeom>
+          <a:noFill/>
+        </p:spPr>
+        <p:txBody>
+          <a:bodyPr wrap="square" rtlCol="0">
+            <a:spAutoFit/>
+          </a:bodyPr>
+          <a:lstStyle/>
+          <a:p>
+            <a:r>
+              <a:rPr lang="en-US" dirty="0" smtClean="0">
+                <a:solidFill>
+                  <a:schemeClr val="bg1"/>
+                </a:solidFill>
+              </a:rPr>
+              <a:t>print</a:t>
+            </a:r>
+            <a:r>
+              <a:rPr lang="en-US" dirty="0" smtClean="0">
+                <a:solidFill>
+                  <a:srgbClr val="FECC36"/>
+                </a:solidFill>
+              </a:rPr>
+              <a:t>(</a:t>
+            </a:r>
+            <a:r>
+              <a:rPr lang="en-US" dirty="0" smtClean="0">
+                <a:solidFill>
+                  <a:schemeClr val="accent2">
+                    <a:lumMod val="75000"/>
+                  </a:schemeClr>
+                </a:solidFill>
+              </a:rPr>
+              <a:t>“</a:t>
+            </a:r>
+            <a:r>
+              <a:rPr lang="en-US" dirty="0" err="1" smtClean="0">
+                <a:solidFill>
+                  <a:schemeClr val="accent2">
+                    <a:lumMod val="75000"/>
+                  </a:schemeClr>
+                </a:solidFill>
+              </a:rPr>
+              <a:t>Tôi</a:t>
+            </a:r>
+            <a:r>
+              <a:rPr lang="en-US" dirty="0" smtClean="0">
+                <a:solidFill>
+                  <a:schemeClr val="accent2">
+                    <a:lumMod val="75000"/>
+                  </a:schemeClr>
+                </a:solidFill>
+              </a:rPr>
+              <a:t> </a:t>
+            </a:r>
+            <a:r>
+              <a:rPr lang="en-US" dirty="0" err="1">
+                <a:solidFill>
+                  <a:schemeClr val="accent2">
+                    <a:lumMod val="75000"/>
+                  </a:schemeClr>
+                </a:solidFill>
+              </a:rPr>
+              <a:t>nói</a:t>
+            </a:r>
+            <a:r>
+              <a:rPr lang="en-US" dirty="0">
+                <a:solidFill>
+                  <a:schemeClr val="accent2">
+                    <a:lumMod val="75000"/>
+                  </a:schemeClr>
+                </a:solidFill>
+              </a:rPr>
+              <a:t>: </a:t>
+            </a:r>
+            <a:r>
+              <a:rPr lang="en-US" dirty="0" smtClean="0">
+                <a:solidFill>
+                  <a:schemeClr val="accent2">
+                    <a:lumMod val="75000"/>
+                  </a:schemeClr>
+                </a:solidFill>
+              </a:rPr>
+              <a:t>‘</a:t>
+            </a:r>
+            <a:r>
+              <a:rPr lang="en-US" dirty="0" err="1" smtClean="0">
+                <a:solidFill>
+                  <a:schemeClr val="accent2">
+                    <a:lumMod val="75000"/>
+                  </a:schemeClr>
+                </a:solidFill>
+              </a:rPr>
+              <a:t>Xin</a:t>
+            </a:r>
+            <a:r>
+              <a:rPr lang="en-US" dirty="0" smtClean="0">
+                <a:solidFill>
+                  <a:schemeClr val="accent2">
+                    <a:lumMod val="75000"/>
+                  </a:schemeClr>
+                </a:solidFill>
+              </a:rPr>
+              <a:t> </a:t>
+            </a:r>
+            <a:r>
+              <a:rPr lang="en-US" dirty="0" err="1">
+                <a:solidFill>
+                  <a:schemeClr val="accent2">
+                    <a:lumMod val="75000"/>
+                  </a:schemeClr>
+                </a:solidFill>
+              </a:rPr>
+              <a:t>chào</a:t>
+            </a:r>
+            <a:r>
+              <a:rPr lang="en-US" dirty="0" smtClean="0">
+                <a:solidFill>
+                  <a:schemeClr val="accent2">
+                    <a:lumMod val="75000"/>
+                  </a:schemeClr>
+                </a:solidFill>
+              </a:rPr>
+              <a:t>!’”</a:t>
+            </a:r>
+            <a:r>
+              <a:rPr lang="en-US" dirty="0" smtClean="0">
+                <a:solidFill>
+                  <a:srgbClr val="FECC36"/>
+                </a:solidFill>
+              </a:rPr>
+              <a:t>)</a:t>
+            </a:r>
+            <a:endParaRPr lang="en-US" dirty="0">
+              <a:solidFill>
+                <a:srgbClr val="FECC36"/>
+              </a:solidFill>
+            </a:endParaRPr>
+          </a:p>
+        </p:txBody>
+      </p:sp>
+      <p:sp>
+        <p:nvSpPr>
+          <p:cNvPr id="25" name="TextBox 24"/>
+          <p:cNvSpPr txBox="1"/>
+          <p:nvPr/>
+        </p:nvSpPr>
+        <p:spPr>
+          <a:xfrm>
+            <a:off x="781924" y="5097603"/>
+            <a:ext cx="3073384" cy="369332"/>
+          </a:xfrm>
+          <a:prstGeom prst="rect">
+            <a:avLst/>
+          </a:prstGeom>
+          <a:noFill/>
+        </p:spPr>
+        <p:txBody>
+          <a:bodyPr wrap="square" rtlCol="0">
+            <a:spAutoFit/>
+          </a:bodyPr>
+          <a:lstStyle/>
+          <a:p>
+            <a:r>
+              <a:rPr lang="en-US" b="1" dirty="0"/>
+              <a:t>In </a:t>
+            </a:r>
+            <a:r>
+              <a:rPr lang="en-US" b="1" dirty="0" err="1" smtClean="0"/>
+              <a:t>nhiều</a:t>
+            </a:r>
+            <a:r>
+              <a:rPr lang="en-US" b="1" dirty="0" smtClean="0"/>
+              <a:t> </a:t>
+            </a:r>
+            <a:r>
+              <a:rPr lang="en-US" b="1" dirty="0" err="1" smtClean="0"/>
+              <a:t>giá</a:t>
+            </a:r>
+            <a:r>
+              <a:rPr lang="en-US" b="1" dirty="0" smtClean="0"/>
+              <a:t> </a:t>
+            </a:r>
+            <a:r>
+              <a:rPr lang="en-US" b="1" dirty="0" err="1" smtClean="0"/>
+              <a:t>trị</a:t>
+            </a:r>
+            <a:r>
+              <a:rPr lang="en-US" b="1" dirty="0" smtClean="0"/>
+              <a:t> </a:t>
+            </a:r>
+            <a:r>
+              <a:rPr lang="en-US" b="1" dirty="0" err="1" smtClean="0"/>
+              <a:t>cùng</a:t>
+            </a:r>
+            <a:r>
+              <a:rPr lang="en-US" b="1" dirty="0" smtClean="0"/>
+              <a:t> </a:t>
+            </a:r>
+            <a:r>
+              <a:rPr lang="en-US" b="1" dirty="0" err="1" smtClean="0"/>
+              <a:t>lúc</a:t>
+            </a:r>
+            <a:endParaRPr lang="en-US" b="1" dirty="0"/>
+          </a:p>
+        </p:txBody>
+      </p:sp>
+      <p:pic>
+        <p:nvPicPr>
+          <p:cNvPr id="26" name="Picture 2" descr="https://www.python.org/static/apple-touch-icon-precomposed.png"/>
+          <p:cNvPicPr>
+            <a:picLocks noChangeAspect="1" noChangeArrowheads="1"/>
+          </p:cNvPicPr>
+          <p:nvPr/>
+        </p:nvPicPr>
+        <p:blipFill>
+          <a:blip r:embed="rId2">
+            <a:extLst>
+              <a:ext uri="{28A0092B-C50C-407E-A947-70E740481C1C}">
+                <a14:useLocalDpi xmlns:a14="http://schemas.microsoft.com/office/drawing/2010/main" val="0"/>
+              </a:ext>
+            </a:extLst>
+          </a:blip>
+          <a:srcRect/>
+          <a:stretch>
+            <a:fillRect/>
+          </a:stretch>
+        </p:blipFill>
+        <p:spPr bwMode="auto">
+          <a:xfrm>
+            <a:off x="432287" y="5157261"/>
+            <a:ext cx="250014" cy="250015"/>
+          </a:xfrm>
+          <a:prstGeom prst="rect">
+            <a:avLst/>
+          </a:prstGeom>
+          <a:noFill/>
+          <a:extLst>
+            <a:ext uri="{909E8E84-426E-40DD-AFC4-6F175D3DCCD1}">
+              <a14:hiddenFill xmlns:a14="http://schemas.microsoft.com/office/drawing/2010/main">
+                <a:solidFill>
+                  <a:srgbClr val="FFFFFF"/>
+                </a:solidFill>
+              </a14:hiddenFill>
+            </a:ext>
+          </a:extLst>
+        </p:spPr>
+      </p:pic>
+      <p:sp>
+        <p:nvSpPr>
+          <p:cNvPr id="27" name="Rectangle 26"/>
+          <p:cNvSpPr/>
+          <p:nvPr/>
+        </p:nvSpPr>
+        <p:spPr>
+          <a:xfrm>
+            <a:off x="557294" y="5560540"/>
+            <a:ext cx="3369276" cy="543695"/>
+          </a:xfrm>
+          <a:prstGeom prst="rect">
+            <a:avLst/>
+          </a:prstGeom>
+          <a:solidFill>
+            <a:schemeClr val="tx2">
+              <a:lumMod val="75000"/>
+            </a:schemeClr>
+          </a:solidFill>
+          <a:ln>
+            <a:noFill/>
+          </a:ln>
+        </p:spPr>
+        <p:style>
+          <a:lnRef idx="2">
+            <a:schemeClr val="accent1">
+              <a:shade val="50000"/>
+            </a:schemeClr>
+          </a:lnRef>
+          <a:fillRef idx="1">
+            <a:schemeClr val="accent1"/>
+          </a:fillRef>
+          <a:effectRef idx="0">
+            <a:schemeClr val="accent1"/>
+          </a:effectRef>
+          <a:fontRef idx="minor">
+            <a:schemeClr val="lt1"/>
+          </a:fontRef>
+        </p:style>
+        <p:txBody>
+          <a:bodyPr rtlCol="0" anchor="ctr"/>
+          <a:lstStyle/>
+          <a:p>
+            <a:pPr algn="ctr"/>
+            <a:endParaRPr lang="en-US"/>
+          </a:p>
+        </p:txBody>
+      </p:sp>
+      <p:sp>
+        <p:nvSpPr>
+          <p:cNvPr id="28" name="TextBox 27"/>
+          <p:cNvSpPr txBox="1"/>
+          <p:nvPr/>
+        </p:nvSpPr>
+        <p:spPr>
+          <a:xfrm>
+            <a:off x="623106" y="5624453"/>
+            <a:ext cx="3232201" cy="369332"/>
+          </a:xfrm>
+          <a:prstGeom prst="rect">
+            <a:avLst/>
+          </a:prstGeom>
+          <a:noFill/>
+        </p:spPr>
+        <p:txBody>
+          <a:bodyPr wrap="square" rtlCol="0">
+            <a:spAutoFit/>
+          </a:bodyPr>
+          <a:lstStyle/>
+          <a:p>
+            <a:r>
+              <a:rPr lang="en-US" dirty="0">
+                <a:solidFill>
+                  <a:schemeClr val="bg1"/>
+                </a:solidFill>
+              </a:rPr>
+              <a:t>print</a:t>
+            </a:r>
+            <a:r>
+              <a:rPr lang="en-US" dirty="0">
+                <a:solidFill>
+                  <a:schemeClr val="accent4">
+                    <a:lumMod val="60000"/>
+                    <a:lumOff val="40000"/>
+                  </a:schemeClr>
+                </a:solidFill>
+              </a:rPr>
+              <a:t>(</a:t>
+            </a:r>
+            <a:r>
+              <a:rPr lang="en-US" dirty="0">
+                <a:solidFill>
+                  <a:schemeClr val="accent2">
+                    <a:lumMod val="75000"/>
+                  </a:schemeClr>
+                </a:solidFill>
+              </a:rPr>
+              <a:t>'</a:t>
+            </a:r>
+            <a:r>
+              <a:rPr lang="en-US" dirty="0" err="1">
+                <a:solidFill>
+                  <a:schemeClr val="accent2">
+                    <a:lumMod val="75000"/>
+                  </a:schemeClr>
+                </a:solidFill>
+              </a:rPr>
+              <a:t>Xin</a:t>
+            </a:r>
+            <a:r>
+              <a:rPr lang="en-US" dirty="0">
+                <a:solidFill>
+                  <a:schemeClr val="accent2">
+                    <a:lumMod val="75000"/>
+                  </a:schemeClr>
+                </a:solidFill>
+              </a:rPr>
+              <a:t>','</a:t>
+            </a:r>
+            <a:r>
+              <a:rPr lang="en-US" dirty="0" err="1">
+                <a:solidFill>
+                  <a:schemeClr val="accent2">
+                    <a:lumMod val="75000"/>
+                  </a:schemeClr>
+                </a:solidFill>
+              </a:rPr>
+              <a:t>chào</a:t>
+            </a:r>
+            <a:r>
+              <a:rPr lang="en-US" dirty="0">
+                <a:solidFill>
+                  <a:schemeClr val="accent2">
+                    <a:lumMod val="75000"/>
+                  </a:schemeClr>
+                </a:solidFill>
+              </a:rPr>
+              <a:t>'</a:t>
+            </a:r>
+            <a:r>
+              <a:rPr lang="en-US" dirty="0">
+                <a:solidFill>
+                  <a:schemeClr val="accent4">
+                    <a:lumMod val="60000"/>
+                    <a:lumOff val="40000"/>
+                  </a:schemeClr>
+                </a:solidFill>
+              </a:rPr>
+              <a:t>)</a:t>
+            </a:r>
+            <a:endParaRPr lang="en-US" dirty="0">
+              <a:solidFill>
+                <a:schemeClr val="accent4">
+                  <a:lumMod val="60000"/>
+                  <a:lumOff val="40000"/>
+                </a:schemeClr>
+              </a:solidFill>
+            </a:endParaRPr>
+          </a:p>
+        </p:txBody>
+      </p:sp>
+      <p:sp>
+        <p:nvSpPr>
+          <p:cNvPr id="29" name="Rectangle 28"/>
+          <p:cNvSpPr/>
+          <p:nvPr/>
+        </p:nvSpPr>
+        <p:spPr>
+          <a:xfrm>
+            <a:off x="5033319" y="5560540"/>
+            <a:ext cx="3369276" cy="543695"/>
+          </a:xfrm>
+          <a:prstGeom prst="rect">
+            <a:avLst/>
+          </a:prstGeom>
+          <a:solidFill>
+            <a:schemeClr val="tx2">
+              <a:lumMod val="75000"/>
+            </a:schemeClr>
+          </a:solidFill>
+          <a:ln>
+            <a:noFill/>
+          </a:ln>
+        </p:spPr>
+        <p:style>
+          <a:lnRef idx="2">
+            <a:schemeClr val="accent1">
+              <a:shade val="50000"/>
+            </a:schemeClr>
+          </a:lnRef>
+          <a:fillRef idx="1">
+            <a:schemeClr val="accent1"/>
+          </a:fillRef>
+          <a:effectRef idx="0">
+            <a:schemeClr val="accent1"/>
+          </a:effectRef>
+          <a:fontRef idx="minor">
+            <a:schemeClr val="lt1"/>
+          </a:fontRef>
+        </p:style>
+        <p:txBody>
+          <a:bodyPr rtlCol="0" anchor="ctr"/>
+          <a:lstStyle/>
+          <a:p>
+            <a:pPr algn="ctr"/>
+            <a:endParaRPr lang="en-US"/>
+          </a:p>
+        </p:txBody>
+      </p:sp>
+      <p:sp>
+        <p:nvSpPr>
+          <p:cNvPr id="30" name="TextBox 29"/>
+          <p:cNvSpPr txBox="1"/>
+          <p:nvPr/>
+        </p:nvSpPr>
+        <p:spPr>
+          <a:xfrm>
+            <a:off x="5376340" y="5624453"/>
+            <a:ext cx="2775098" cy="369332"/>
+          </a:xfrm>
+          <a:prstGeom prst="rect">
+            <a:avLst/>
+          </a:prstGeom>
+          <a:noFill/>
+        </p:spPr>
+        <p:txBody>
+          <a:bodyPr wrap="square" rtlCol="0">
+            <a:spAutoFit/>
+          </a:bodyPr>
+          <a:lstStyle/>
+          <a:p>
+            <a:r>
+              <a:rPr lang="en-US" dirty="0" err="1" smtClean="0">
+                <a:solidFill>
+                  <a:schemeClr val="bg1"/>
+                </a:solidFill>
+              </a:rPr>
+              <a:t>Xin</a:t>
+            </a:r>
+            <a:r>
+              <a:rPr lang="en-US" dirty="0" smtClean="0">
+                <a:solidFill>
+                  <a:schemeClr val="bg1"/>
+                </a:solidFill>
+              </a:rPr>
+              <a:t> </a:t>
+            </a:r>
+            <a:r>
+              <a:rPr lang="en-US" dirty="0" err="1" smtClean="0">
+                <a:solidFill>
+                  <a:schemeClr val="bg1"/>
+                </a:solidFill>
+              </a:rPr>
+              <a:t>chào</a:t>
+            </a:r>
+            <a:endParaRPr lang="en-US" dirty="0">
+              <a:solidFill>
+                <a:srgbClr val="FECC36"/>
+              </a:solidFill>
+            </a:endParaRPr>
+          </a:p>
+        </p:txBody>
+      </p:sp>
+      <p:sp>
+        <p:nvSpPr>
+          <p:cNvPr id="31" name="Right Arrow 30"/>
+          <p:cNvSpPr/>
+          <p:nvPr/>
+        </p:nvSpPr>
+        <p:spPr>
+          <a:xfrm>
+            <a:off x="4193060" y="5713698"/>
+            <a:ext cx="527221" cy="280087"/>
+          </a:xfrm>
+          <a:prstGeom prst="rightArrow">
+            <a:avLst/>
+          </a:prstGeom>
+          <a:ln>
+            <a:noFill/>
+          </a:ln>
+        </p:spPr>
+        <p:style>
+          <a:lnRef idx="2">
+            <a:schemeClr val="accent1">
+              <a:shade val="50000"/>
+            </a:schemeClr>
+          </a:lnRef>
+          <a:fillRef idx="1">
+            <a:schemeClr val="accent1"/>
+          </a:fillRef>
+          <a:effectRef idx="0">
+            <a:schemeClr val="accent1"/>
+          </a:effectRef>
+          <a:fontRef idx="minor">
+            <a:schemeClr val="lt1"/>
+          </a:fontRef>
+        </p:style>
+        <p:txBody>
+          <a:bodyPr rtlCol="0" anchor="ctr"/>
+          <a:lstStyle/>
+          <a:p>
+            <a:pPr algn="ctr"/>
+            <a:endParaRPr lang="en-US"/>
+          </a:p>
+        </p:txBody>
+      </p:sp>
+    </p:spTree>
+    <p:extLst>
+      <p:ext uri="{BB962C8B-B14F-4D97-AF65-F5344CB8AC3E}">
+        <p14:creationId xmlns:p14="http://schemas.microsoft.com/office/powerpoint/2010/main" val="3235380532"/>
+      </p:ext>
+    </p:extLst>
+  </p:cSld>
+  <p:clrMapOvr>
+    <a:masterClrMapping/>
+  </p:clrMapOvr>
+  <p:timing>
+    <p:tnLst>
+      <p:par>
+        <p:cTn id="1" dur="indefinite" restart="never" nodeType="tmRoot"/>
+      </p:par>
+    </p:tnLst>
+  </p:timing>
+</p:sld>
+</file>
+
+<file path=ppt/slides/slide14.xml><?xml version="1.0" encoding="utf-8"?>
+<p:sld xmlns:a="http://schemas.openxmlformats.org/drawingml/2006/main" xmlns:r="http://schemas.openxmlformats.org/officeDocument/2006/relationships" xmlns:p="http://schemas.openxmlformats.org/presentationml/2006/main">
+  <p:cSld>
+    <p:spTree>
+      <p:nvGrpSpPr>
+        <p:cNvPr id="1" name=""/>
+        <p:cNvGrpSpPr/>
+        <p:nvPr/>
+      </p:nvGrpSpPr>
+      <p:grpSpPr>
+        <a:xfrm>
+          <a:off x="0" y="0"/>
+          <a:ext cx="0" cy="0"/>
+          <a:chOff x="0" y="0"/>
+          <a:chExt cx="0" cy="0"/>
+        </a:xfrm>
+      </p:grpSpPr>
+      <p:sp>
+        <p:nvSpPr>
+          <p:cNvPr id="2" name="Slide Number Placeholder 1"/>
+          <p:cNvSpPr>
+            <a:spLocks noGrp="1"/>
+          </p:cNvSpPr>
+          <p:nvPr>
+            <p:ph type="sldNum" sz="quarter" idx="12"/>
+          </p:nvPr>
+        </p:nvSpPr>
+        <p:spPr/>
+        <p:txBody>
+          <a:bodyPr/>
+          <a:lstStyle/>
+          <a:p>
+            <a:fld id="{7D9EC917-02A2-4152-9EE3-DFE2775A77C7}" type="slidenum">
+              <a:rPr lang="en-US" smtClean="0"/>
+              <a:pPr/>
+              <a:t>14</a:t>
+            </a:fld>
+            <a:endParaRPr lang="en-US"/>
+          </a:p>
+        </p:txBody>
+      </p:sp>
+      <p:sp>
+        <p:nvSpPr>
+          <p:cNvPr id="3" name="Text Placeholder 2"/>
+          <p:cNvSpPr>
+            <a:spLocks noGrp="1"/>
+          </p:cNvSpPr>
+          <p:nvPr>
+            <p:ph type="body" sz="quarter" idx="13"/>
+          </p:nvPr>
+        </p:nvSpPr>
+        <p:spPr/>
+        <p:txBody>
+          <a:bodyPr/>
+          <a:lstStyle/>
+          <a:p>
+            <a:r>
+              <a:rPr lang="en-US" dirty="0" smtClean="0"/>
+              <a:t>1.4 </a:t>
+            </a:r>
+            <a:r>
+              <a:rPr lang="en-US" dirty="0" err="1" smtClean="0"/>
+              <a:t>Ví</a:t>
+            </a:r>
+            <a:r>
+              <a:rPr lang="en-US" dirty="0" smtClean="0"/>
+              <a:t> </a:t>
+            </a:r>
+            <a:r>
+              <a:rPr lang="en-US" dirty="0" err="1" smtClean="0"/>
+              <a:t>dụ</a:t>
+            </a:r>
+            <a:r>
+              <a:rPr lang="en-US" dirty="0" smtClean="0"/>
+              <a:t> </a:t>
+            </a:r>
+            <a:r>
+              <a:rPr lang="en-US" dirty="0" err="1" smtClean="0"/>
+              <a:t>về</a:t>
+            </a:r>
+            <a:r>
+              <a:rPr lang="en-US" dirty="0" smtClean="0"/>
+              <a:t> </a:t>
+            </a:r>
+            <a:r>
+              <a:rPr lang="en-US" dirty="0" err="1" smtClean="0"/>
+              <a:t>lệnh</a:t>
+            </a:r>
+            <a:r>
+              <a:rPr lang="en-US" dirty="0" smtClean="0"/>
+              <a:t> Print</a:t>
+            </a:r>
+            <a:endParaRPr lang="en-US" dirty="0"/>
+          </a:p>
+        </p:txBody>
+      </p:sp>
+      <p:sp>
+        <p:nvSpPr>
+          <p:cNvPr id="5" name="TextBox 4"/>
+          <p:cNvSpPr txBox="1"/>
+          <p:nvPr/>
+        </p:nvSpPr>
+        <p:spPr>
+          <a:xfrm>
+            <a:off x="781924" y="1460912"/>
+            <a:ext cx="3073384" cy="369332"/>
+          </a:xfrm>
+          <a:prstGeom prst="rect">
+            <a:avLst/>
+          </a:prstGeom>
+          <a:noFill/>
+        </p:spPr>
+        <p:txBody>
+          <a:bodyPr wrap="square" rtlCol="0">
+            <a:spAutoFit/>
+          </a:bodyPr>
+          <a:lstStyle/>
+          <a:p>
+            <a:r>
+              <a:rPr lang="en-US" b="1" dirty="0" smtClean="0"/>
+              <a:t>In </a:t>
+            </a:r>
+            <a:r>
+              <a:rPr lang="en-US" b="1" dirty="0" err="1" smtClean="0"/>
+              <a:t>mà</a:t>
+            </a:r>
+            <a:r>
+              <a:rPr lang="en-US" b="1" dirty="0" smtClean="0"/>
+              <a:t> </a:t>
+            </a:r>
+            <a:r>
+              <a:rPr lang="en-US" b="1" dirty="0" err="1" smtClean="0"/>
+              <a:t>không</a:t>
+            </a:r>
+            <a:r>
+              <a:rPr lang="en-US" b="1" dirty="0" smtClean="0"/>
+              <a:t> </a:t>
+            </a:r>
+            <a:r>
+              <a:rPr lang="en-US" b="1" dirty="0" err="1" smtClean="0"/>
+              <a:t>xuống</a:t>
+            </a:r>
+            <a:r>
+              <a:rPr lang="en-US" b="1" dirty="0" smtClean="0"/>
+              <a:t> </a:t>
+            </a:r>
+            <a:r>
+              <a:rPr lang="en-US" b="1" dirty="0" err="1" smtClean="0"/>
+              <a:t>dòng</a:t>
+            </a:r>
+            <a:endParaRPr lang="en-US" b="1" dirty="0"/>
+          </a:p>
+        </p:txBody>
+      </p:sp>
+      <p:sp>
+        <p:nvSpPr>
+          <p:cNvPr id="4" name="Rectangle 3"/>
+          <p:cNvSpPr/>
+          <p:nvPr/>
+        </p:nvSpPr>
+        <p:spPr>
+          <a:xfrm>
+            <a:off x="557294" y="1927654"/>
+            <a:ext cx="7952392" cy="1688757"/>
+          </a:xfrm>
+          <a:prstGeom prst="rect">
+            <a:avLst/>
+          </a:prstGeom>
+          <a:solidFill>
+            <a:schemeClr val="tx2">
+              <a:lumMod val="75000"/>
+            </a:schemeClr>
+          </a:solidFill>
+          <a:ln>
+            <a:noFill/>
+          </a:ln>
+        </p:spPr>
+        <p:style>
+          <a:lnRef idx="2">
+            <a:schemeClr val="accent1">
+              <a:shade val="50000"/>
+            </a:schemeClr>
+          </a:lnRef>
+          <a:fillRef idx="1">
+            <a:schemeClr val="accent1"/>
+          </a:fillRef>
+          <a:effectRef idx="0">
+            <a:schemeClr val="accent1"/>
+          </a:effectRef>
+          <a:fontRef idx="minor">
+            <a:schemeClr val="lt1"/>
+          </a:fontRef>
+        </p:style>
+        <p:txBody>
+          <a:bodyPr rtlCol="0" anchor="ctr"/>
+          <a:lstStyle/>
+          <a:p>
+            <a:pPr algn="ctr"/>
+            <a:endParaRPr lang="en-US"/>
+          </a:p>
+        </p:txBody>
+      </p:sp>
+      <p:sp>
+        <p:nvSpPr>
+          <p:cNvPr id="7" name="TextBox 6"/>
+          <p:cNvSpPr txBox="1"/>
+          <p:nvPr/>
+        </p:nvSpPr>
+        <p:spPr>
+          <a:xfrm>
+            <a:off x="623106" y="2112545"/>
+            <a:ext cx="3569953" cy="369332"/>
+          </a:xfrm>
+          <a:prstGeom prst="rect">
+            <a:avLst/>
+          </a:prstGeom>
+          <a:noFill/>
+        </p:spPr>
+        <p:txBody>
+          <a:bodyPr wrap="square" rtlCol="0">
+            <a:spAutoFit/>
+          </a:bodyPr>
+          <a:lstStyle/>
+          <a:p>
+            <a:r>
+              <a:rPr lang="en-US" dirty="0" smtClean="0">
+                <a:solidFill>
+                  <a:schemeClr val="bg1"/>
+                </a:solidFill>
+              </a:rPr>
+              <a:t>print</a:t>
+            </a:r>
+            <a:r>
+              <a:rPr lang="en-US" dirty="0" smtClean="0">
+                <a:solidFill>
+                  <a:srgbClr val="FECC36"/>
+                </a:solidFill>
+              </a:rPr>
+              <a:t>(</a:t>
+            </a:r>
+            <a:r>
+              <a:rPr lang="fr-FR" dirty="0" smtClean="0">
+                <a:solidFill>
+                  <a:schemeClr val="accent2">
+                    <a:lumMod val="75000"/>
+                  </a:schemeClr>
+                </a:solidFill>
+              </a:rPr>
+              <a:t>"</a:t>
+            </a:r>
+            <a:r>
+              <a:rPr lang="fr-FR" dirty="0" err="1" smtClean="0">
+                <a:solidFill>
+                  <a:schemeClr val="accent2">
+                    <a:lumMod val="75000"/>
+                  </a:schemeClr>
+                </a:solidFill>
+              </a:rPr>
+              <a:t>Đây</a:t>
+            </a:r>
+            <a:r>
+              <a:rPr lang="fr-FR" dirty="0" smtClean="0">
+                <a:solidFill>
+                  <a:schemeClr val="accent2">
+                    <a:lumMod val="75000"/>
+                  </a:schemeClr>
+                </a:solidFill>
+              </a:rPr>
+              <a:t> là </a:t>
+            </a:r>
+            <a:r>
+              <a:rPr lang="fr-FR" dirty="0" err="1" smtClean="0">
+                <a:solidFill>
+                  <a:schemeClr val="accent2">
+                    <a:lumMod val="75000"/>
+                  </a:schemeClr>
+                </a:solidFill>
+              </a:rPr>
+              <a:t>một</a:t>
+            </a:r>
+            <a:r>
+              <a:rPr lang="fr-FR" dirty="0" smtClean="0">
+                <a:solidFill>
+                  <a:schemeClr val="accent2">
+                    <a:lumMod val="75000"/>
+                  </a:schemeClr>
+                </a:solidFill>
+              </a:rPr>
+              <a:t> </a:t>
+            </a:r>
+            <a:r>
+              <a:rPr lang="fr-FR" dirty="0" err="1" smtClean="0">
+                <a:solidFill>
+                  <a:schemeClr val="accent2">
+                    <a:lumMod val="75000"/>
+                  </a:schemeClr>
+                </a:solidFill>
+              </a:rPr>
+              <a:t>câu</a:t>
+            </a:r>
+            <a:r>
+              <a:rPr lang="fr-FR" dirty="0" smtClean="0">
+                <a:solidFill>
+                  <a:schemeClr val="accent2">
+                    <a:lumMod val="75000"/>
+                  </a:schemeClr>
+                </a:solidFill>
+              </a:rPr>
+              <a:t>", </a:t>
+            </a:r>
+            <a:r>
+              <a:rPr lang="fr-FR" dirty="0">
+                <a:solidFill>
+                  <a:schemeClr val="bg1"/>
+                </a:solidFill>
+              </a:rPr>
+              <a:t>end</a:t>
+            </a:r>
+            <a:r>
+              <a:rPr lang="fr-FR" dirty="0">
+                <a:solidFill>
+                  <a:schemeClr val="accent2">
+                    <a:lumMod val="75000"/>
+                  </a:schemeClr>
+                </a:solidFill>
+              </a:rPr>
+              <a:t>=" "</a:t>
+            </a:r>
+            <a:r>
+              <a:rPr lang="en-US" dirty="0" smtClean="0">
+                <a:solidFill>
+                  <a:srgbClr val="FECC36"/>
+                </a:solidFill>
+              </a:rPr>
+              <a:t>)</a:t>
+            </a:r>
+            <a:endParaRPr lang="en-US" dirty="0">
+              <a:solidFill>
+                <a:srgbClr val="FECC36"/>
+              </a:solidFill>
+            </a:endParaRPr>
+          </a:p>
+        </p:txBody>
+      </p:sp>
+      <p:sp>
+        <p:nvSpPr>
+          <p:cNvPr id="13" name="TextBox 12"/>
+          <p:cNvSpPr txBox="1"/>
+          <p:nvPr/>
+        </p:nvSpPr>
+        <p:spPr>
+          <a:xfrm>
+            <a:off x="623106" y="3045189"/>
+            <a:ext cx="7061267" cy="369332"/>
+          </a:xfrm>
+          <a:prstGeom prst="rect">
+            <a:avLst/>
+          </a:prstGeom>
+          <a:noFill/>
+        </p:spPr>
+        <p:txBody>
+          <a:bodyPr wrap="square" rtlCol="0">
+            <a:spAutoFit/>
+          </a:bodyPr>
+          <a:lstStyle/>
+          <a:p>
+            <a:r>
+              <a:rPr lang="en-US" dirty="0" err="1" smtClean="0">
+                <a:solidFill>
+                  <a:schemeClr val="bg1"/>
+                </a:solidFill>
+              </a:rPr>
+              <a:t>Kết</a:t>
+            </a:r>
+            <a:r>
+              <a:rPr lang="en-US" dirty="0" smtClean="0">
+                <a:solidFill>
+                  <a:schemeClr val="bg1"/>
+                </a:solidFill>
+              </a:rPr>
+              <a:t> </a:t>
+            </a:r>
+            <a:r>
+              <a:rPr lang="en-US" dirty="0" err="1" smtClean="0">
+                <a:solidFill>
+                  <a:schemeClr val="bg1"/>
+                </a:solidFill>
+              </a:rPr>
+              <a:t>quả</a:t>
+            </a:r>
+            <a:r>
+              <a:rPr lang="en-US" dirty="0" smtClean="0">
+                <a:solidFill>
+                  <a:schemeClr val="bg1"/>
+                </a:solidFill>
+              </a:rPr>
+              <a:t>: </a:t>
+            </a:r>
+            <a:r>
+              <a:rPr lang="en-US" dirty="0" err="1" smtClean="0">
+                <a:solidFill>
+                  <a:schemeClr val="accent6">
+                    <a:lumMod val="75000"/>
+                  </a:schemeClr>
+                </a:solidFill>
+              </a:rPr>
+              <a:t>Đây</a:t>
+            </a:r>
+            <a:r>
+              <a:rPr lang="en-US" dirty="0" smtClean="0">
+                <a:solidFill>
+                  <a:schemeClr val="accent6">
+                    <a:lumMod val="75000"/>
+                  </a:schemeClr>
+                </a:solidFill>
+              </a:rPr>
+              <a:t> </a:t>
+            </a:r>
+            <a:r>
+              <a:rPr lang="en-US" dirty="0" err="1">
+                <a:solidFill>
+                  <a:schemeClr val="accent6">
+                    <a:lumMod val="75000"/>
+                  </a:schemeClr>
+                </a:solidFill>
+              </a:rPr>
+              <a:t>là</a:t>
+            </a:r>
+            <a:r>
+              <a:rPr lang="en-US" dirty="0">
+                <a:solidFill>
+                  <a:schemeClr val="accent6">
+                    <a:lumMod val="75000"/>
+                  </a:schemeClr>
+                </a:solidFill>
+              </a:rPr>
+              <a:t> </a:t>
+            </a:r>
+            <a:r>
+              <a:rPr lang="en-US" dirty="0" err="1">
+                <a:solidFill>
+                  <a:schemeClr val="accent6">
+                    <a:lumMod val="75000"/>
+                  </a:schemeClr>
+                </a:solidFill>
+              </a:rPr>
+              <a:t>một</a:t>
+            </a:r>
+            <a:r>
+              <a:rPr lang="en-US" dirty="0">
+                <a:solidFill>
+                  <a:schemeClr val="accent6">
+                    <a:lumMod val="75000"/>
+                  </a:schemeClr>
+                </a:solidFill>
+              </a:rPr>
+              <a:t> </a:t>
+            </a:r>
+            <a:r>
+              <a:rPr lang="en-US" dirty="0" err="1">
+                <a:solidFill>
+                  <a:schemeClr val="accent6">
+                    <a:lumMod val="75000"/>
+                  </a:schemeClr>
+                </a:solidFill>
+              </a:rPr>
+              <a:t>câu</a:t>
+            </a:r>
+            <a:r>
+              <a:rPr lang="en-US" dirty="0">
+                <a:solidFill>
+                  <a:schemeClr val="accent6">
+                    <a:lumMod val="75000"/>
+                  </a:schemeClr>
+                </a:solidFill>
+              </a:rPr>
+              <a:t> </a:t>
+            </a:r>
+            <a:r>
+              <a:rPr lang="en-US" dirty="0" err="1">
+                <a:solidFill>
+                  <a:schemeClr val="accent6">
+                    <a:lumMod val="75000"/>
+                  </a:schemeClr>
+                </a:solidFill>
+              </a:rPr>
+              <a:t>tiếp</a:t>
+            </a:r>
+            <a:r>
+              <a:rPr lang="en-US" dirty="0">
+                <a:solidFill>
+                  <a:schemeClr val="accent6">
+                    <a:lumMod val="75000"/>
+                  </a:schemeClr>
+                </a:solidFill>
+              </a:rPr>
+              <a:t> </a:t>
+            </a:r>
+            <a:r>
+              <a:rPr lang="en-US" dirty="0" err="1">
+                <a:solidFill>
+                  <a:schemeClr val="accent6">
+                    <a:lumMod val="75000"/>
+                  </a:schemeClr>
+                </a:solidFill>
+              </a:rPr>
+              <a:t>theo</a:t>
+            </a:r>
+            <a:r>
+              <a:rPr lang="en-US" dirty="0">
+                <a:solidFill>
+                  <a:schemeClr val="accent6">
+                    <a:lumMod val="75000"/>
+                  </a:schemeClr>
+                </a:solidFill>
+              </a:rPr>
+              <a:t> </a:t>
+            </a:r>
+            <a:r>
+              <a:rPr lang="en-US" dirty="0" err="1">
+                <a:solidFill>
+                  <a:schemeClr val="accent6">
+                    <a:lumMod val="75000"/>
+                  </a:schemeClr>
+                </a:solidFill>
+              </a:rPr>
+              <a:t>là</a:t>
+            </a:r>
+            <a:r>
+              <a:rPr lang="en-US" dirty="0">
+                <a:solidFill>
+                  <a:schemeClr val="accent6">
+                    <a:lumMod val="75000"/>
+                  </a:schemeClr>
+                </a:solidFill>
+              </a:rPr>
+              <a:t> </a:t>
+            </a:r>
+            <a:r>
+              <a:rPr lang="en-US" dirty="0" err="1">
+                <a:solidFill>
+                  <a:schemeClr val="accent6">
+                    <a:lumMod val="75000"/>
+                  </a:schemeClr>
+                </a:solidFill>
+              </a:rPr>
+              <a:t>phần</a:t>
+            </a:r>
+            <a:r>
+              <a:rPr lang="en-US" dirty="0">
+                <a:solidFill>
+                  <a:schemeClr val="accent6">
+                    <a:lumMod val="75000"/>
+                  </a:schemeClr>
+                </a:solidFill>
+              </a:rPr>
+              <a:t> </a:t>
+            </a:r>
+            <a:r>
+              <a:rPr lang="en-US" dirty="0" err="1">
+                <a:solidFill>
+                  <a:schemeClr val="accent6">
+                    <a:lumMod val="75000"/>
+                  </a:schemeClr>
+                </a:solidFill>
+              </a:rPr>
+              <a:t>tiếp</a:t>
+            </a:r>
+            <a:r>
+              <a:rPr lang="en-US" dirty="0">
+                <a:solidFill>
+                  <a:schemeClr val="accent6">
+                    <a:lumMod val="75000"/>
+                  </a:schemeClr>
+                </a:solidFill>
+              </a:rPr>
+              <a:t> </a:t>
+            </a:r>
+            <a:r>
+              <a:rPr lang="en-US" dirty="0" err="1">
+                <a:solidFill>
+                  <a:schemeClr val="accent6">
+                    <a:lumMod val="75000"/>
+                  </a:schemeClr>
+                </a:solidFill>
+              </a:rPr>
+              <a:t>theo</a:t>
+            </a:r>
+            <a:r>
+              <a:rPr lang="en-US" dirty="0">
+                <a:solidFill>
+                  <a:schemeClr val="accent6">
+                    <a:lumMod val="75000"/>
+                  </a:schemeClr>
+                </a:solidFill>
+              </a:rPr>
+              <a:t> </a:t>
+            </a:r>
+            <a:r>
+              <a:rPr lang="en-US" dirty="0" err="1">
+                <a:solidFill>
+                  <a:schemeClr val="accent6">
+                    <a:lumMod val="75000"/>
+                  </a:schemeClr>
+                </a:solidFill>
+              </a:rPr>
+              <a:t>của</a:t>
+            </a:r>
+            <a:r>
+              <a:rPr lang="en-US" dirty="0">
+                <a:solidFill>
+                  <a:schemeClr val="accent6">
+                    <a:lumMod val="75000"/>
+                  </a:schemeClr>
+                </a:solidFill>
+              </a:rPr>
+              <a:t> </a:t>
+            </a:r>
+            <a:r>
+              <a:rPr lang="en-US" dirty="0" err="1">
+                <a:solidFill>
+                  <a:schemeClr val="accent6">
+                    <a:lumMod val="75000"/>
+                  </a:schemeClr>
+                </a:solidFill>
+              </a:rPr>
+              <a:t>câu</a:t>
+            </a:r>
+            <a:r>
+              <a:rPr lang="en-US" dirty="0">
+                <a:solidFill>
+                  <a:schemeClr val="bg1"/>
+                </a:solidFill>
+              </a:rPr>
+              <a:t>.</a:t>
+            </a:r>
+            <a:endParaRPr lang="en-US" dirty="0">
+              <a:solidFill>
+                <a:srgbClr val="FECC36"/>
+              </a:solidFill>
+            </a:endParaRPr>
+          </a:p>
+        </p:txBody>
+      </p:sp>
+      <p:pic>
+        <p:nvPicPr>
+          <p:cNvPr id="15" name="Picture 2" descr="https://www.python.org/static/apple-touch-icon-precomposed.png"/>
+          <p:cNvPicPr>
+            <a:picLocks noChangeAspect="1" noChangeArrowheads="1"/>
+          </p:cNvPicPr>
+          <p:nvPr/>
+        </p:nvPicPr>
+        <p:blipFill>
+          <a:blip r:embed="rId2">
+            <a:extLst>
+              <a:ext uri="{28A0092B-C50C-407E-A947-70E740481C1C}">
+                <a14:useLocalDpi xmlns:a14="http://schemas.microsoft.com/office/drawing/2010/main" val="0"/>
+              </a:ext>
+            </a:extLst>
+          </a:blip>
+          <a:srcRect/>
+          <a:stretch>
+            <a:fillRect/>
+          </a:stretch>
+        </p:blipFill>
+        <p:spPr bwMode="auto">
+          <a:xfrm>
+            <a:off x="432287" y="1520570"/>
+            <a:ext cx="250014" cy="250015"/>
+          </a:xfrm>
+          <a:prstGeom prst="rect">
+            <a:avLst/>
+          </a:prstGeom>
+          <a:noFill/>
+          <a:extLst>
+            <a:ext uri="{909E8E84-426E-40DD-AFC4-6F175D3DCCD1}">
+              <a14:hiddenFill xmlns:a14="http://schemas.microsoft.com/office/drawing/2010/main">
+                <a:solidFill>
+                  <a:srgbClr val="FFFFFF"/>
+                </a:solidFill>
+              </a14:hiddenFill>
+            </a:ext>
+          </a:extLst>
+        </p:spPr>
+      </p:pic>
+      <p:sp>
+        <p:nvSpPr>
+          <p:cNvPr id="32" name="TextBox 31"/>
+          <p:cNvSpPr txBox="1"/>
+          <p:nvPr/>
+        </p:nvSpPr>
+        <p:spPr>
+          <a:xfrm>
+            <a:off x="623106" y="2518788"/>
+            <a:ext cx="5934213" cy="369332"/>
+          </a:xfrm>
+          <a:prstGeom prst="rect">
+            <a:avLst/>
+          </a:prstGeom>
+          <a:noFill/>
+        </p:spPr>
+        <p:txBody>
+          <a:bodyPr wrap="square" rtlCol="0">
+            <a:spAutoFit/>
+          </a:bodyPr>
+          <a:lstStyle/>
+          <a:p>
+            <a:r>
+              <a:rPr lang="en-US" dirty="0" smtClean="0">
+                <a:solidFill>
+                  <a:schemeClr val="bg1"/>
+                </a:solidFill>
+              </a:rPr>
+              <a:t>print</a:t>
+            </a:r>
+            <a:r>
+              <a:rPr lang="en-US" dirty="0" smtClean="0">
+                <a:solidFill>
+                  <a:srgbClr val="FECC36"/>
+                </a:solidFill>
+              </a:rPr>
+              <a:t>(</a:t>
+            </a:r>
+            <a:r>
+              <a:rPr lang="en-US" dirty="0">
+                <a:solidFill>
+                  <a:schemeClr val="accent2">
+                    <a:lumMod val="75000"/>
+                  </a:schemeClr>
+                </a:solidFill>
+              </a:rPr>
+              <a:t>'</a:t>
+            </a:r>
+            <a:r>
+              <a:rPr lang="en-US" dirty="0" err="1" smtClean="0">
+                <a:solidFill>
+                  <a:schemeClr val="accent2">
+                    <a:lumMod val="75000"/>
+                  </a:schemeClr>
+                </a:solidFill>
+              </a:rPr>
+              <a:t>tiếp</a:t>
+            </a:r>
+            <a:r>
+              <a:rPr lang="en-US" dirty="0" smtClean="0">
+                <a:solidFill>
+                  <a:schemeClr val="accent2">
+                    <a:lumMod val="75000"/>
+                  </a:schemeClr>
+                </a:solidFill>
+              </a:rPr>
+              <a:t> </a:t>
+            </a:r>
+            <a:r>
+              <a:rPr lang="en-US" dirty="0" err="1">
+                <a:solidFill>
+                  <a:schemeClr val="accent2">
+                    <a:lumMod val="75000"/>
+                  </a:schemeClr>
+                </a:solidFill>
+              </a:rPr>
+              <a:t>theo</a:t>
+            </a:r>
+            <a:r>
+              <a:rPr lang="en-US" dirty="0">
+                <a:solidFill>
+                  <a:schemeClr val="accent2">
+                    <a:lumMod val="75000"/>
+                  </a:schemeClr>
+                </a:solidFill>
+              </a:rPr>
+              <a:t> </a:t>
+            </a:r>
+            <a:r>
+              <a:rPr lang="en-US" dirty="0" err="1">
+                <a:solidFill>
+                  <a:schemeClr val="accent2">
+                    <a:lumMod val="75000"/>
+                  </a:schemeClr>
+                </a:solidFill>
+              </a:rPr>
+              <a:t>là</a:t>
+            </a:r>
+            <a:r>
+              <a:rPr lang="en-US" dirty="0">
+                <a:solidFill>
+                  <a:schemeClr val="accent2">
+                    <a:lumMod val="75000"/>
+                  </a:schemeClr>
+                </a:solidFill>
+              </a:rPr>
+              <a:t> </a:t>
+            </a:r>
+            <a:r>
+              <a:rPr lang="en-US" dirty="0" err="1">
+                <a:solidFill>
+                  <a:schemeClr val="accent2">
+                    <a:lumMod val="75000"/>
+                  </a:schemeClr>
+                </a:solidFill>
+              </a:rPr>
+              <a:t>phần</a:t>
+            </a:r>
+            <a:r>
+              <a:rPr lang="en-US" dirty="0">
+                <a:solidFill>
+                  <a:schemeClr val="accent2">
+                    <a:lumMod val="75000"/>
+                  </a:schemeClr>
+                </a:solidFill>
+              </a:rPr>
+              <a:t> </a:t>
+            </a:r>
+            <a:r>
+              <a:rPr lang="en-US" dirty="0" err="1">
+                <a:solidFill>
+                  <a:schemeClr val="accent2">
+                    <a:lumMod val="75000"/>
+                  </a:schemeClr>
+                </a:solidFill>
+              </a:rPr>
+              <a:t>tiếp</a:t>
+            </a:r>
+            <a:r>
+              <a:rPr lang="en-US" dirty="0">
+                <a:solidFill>
+                  <a:schemeClr val="accent2">
+                    <a:lumMod val="75000"/>
+                  </a:schemeClr>
+                </a:solidFill>
+              </a:rPr>
+              <a:t> </a:t>
+            </a:r>
+            <a:r>
+              <a:rPr lang="en-US" dirty="0" err="1">
+                <a:solidFill>
+                  <a:schemeClr val="accent2">
+                    <a:lumMod val="75000"/>
+                  </a:schemeClr>
+                </a:solidFill>
+              </a:rPr>
+              <a:t>theo</a:t>
+            </a:r>
+            <a:r>
+              <a:rPr lang="en-US" dirty="0">
+                <a:solidFill>
+                  <a:schemeClr val="accent2">
+                    <a:lumMod val="75000"/>
+                  </a:schemeClr>
+                </a:solidFill>
+              </a:rPr>
+              <a:t> </a:t>
+            </a:r>
+            <a:r>
+              <a:rPr lang="en-US" dirty="0" err="1">
+                <a:solidFill>
+                  <a:schemeClr val="accent2">
+                    <a:lumMod val="75000"/>
+                  </a:schemeClr>
+                </a:solidFill>
+              </a:rPr>
+              <a:t>của</a:t>
+            </a:r>
+            <a:r>
+              <a:rPr lang="en-US" dirty="0">
+                <a:solidFill>
+                  <a:schemeClr val="accent2">
+                    <a:lumMod val="75000"/>
+                  </a:schemeClr>
+                </a:solidFill>
+              </a:rPr>
+              <a:t> </a:t>
+            </a:r>
+            <a:r>
+              <a:rPr lang="en-US" dirty="0" err="1" smtClean="0">
+                <a:solidFill>
+                  <a:schemeClr val="accent2">
+                    <a:lumMod val="75000"/>
+                  </a:schemeClr>
+                </a:solidFill>
+              </a:rPr>
+              <a:t>câu</a:t>
+            </a:r>
+            <a:r>
+              <a:rPr lang="en-US" dirty="0" smtClean="0">
+                <a:solidFill>
+                  <a:schemeClr val="accent2">
+                    <a:lumMod val="75000"/>
+                  </a:schemeClr>
+                </a:solidFill>
+              </a:rPr>
+              <a:t>'</a:t>
+            </a:r>
+            <a:r>
+              <a:rPr lang="en-US" dirty="0" smtClean="0">
+                <a:solidFill>
+                  <a:srgbClr val="FECC36"/>
+                </a:solidFill>
+              </a:rPr>
+              <a:t>)</a:t>
+            </a:r>
+            <a:endParaRPr lang="en-US" dirty="0">
+              <a:solidFill>
+                <a:srgbClr val="FECC36"/>
+              </a:solidFill>
+            </a:endParaRPr>
+          </a:p>
+        </p:txBody>
+      </p:sp>
+      <p:sp>
+        <p:nvSpPr>
+          <p:cNvPr id="33" name="TextBox 32"/>
+          <p:cNvSpPr txBox="1"/>
+          <p:nvPr/>
+        </p:nvSpPr>
+        <p:spPr>
+          <a:xfrm>
+            <a:off x="781924" y="3767507"/>
+            <a:ext cx="4086638" cy="369332"/>
+          </a:xfrm>
+          <a:prstGeom prst="rect">
+            <a:avLst/>
+          </a:prstGeom>
+          <a:noFill/>
+        </p:spPr>
+        <p:txBody>
+          <a:bodyPr wrap="square" rtlCol="0">
+            <a:spAutoFit/>
+          </a:bodyPr>
+          <a:lstStyle/>
+          <a:p>
+            <a:r>
+              <a:rPr lang="en-US" b="1" dirty="0"/>
+              <a:t>In </a:t>
+            </a:r>
+            <a:r>
+              <a:rPr lang="en-US" b="1" dirty="0" err="1"/>
+              <a:t>với</a:t>
+            </a:r>
+            <a:r>
+              <a:rPr lang="en-US" b="1" dirty="0"/>
+              <a:t> </a:t>
+            </a:r>
+            <a:r>
+              <a:rPr lang="en-US" b="1" dirty="0" err="1"/>
+              <a:t>dấu</a:t>
+            </a:r>
+            <a:r>
+              <a:rPr lang="en-US" b="1" dirty="0"/>
+              <a:t> </a:t>
+            </a:r>
+            <a:r>
+              <a:rPr lang="en-US" b="1" dirty="0" err="1"/>
+              <a:t>phân</a:t>
+            </a:r>
+            <a:r>
+              <a:rPr lang="en-US" b="1" dirty="0"/>
+              <a:t> </a:t>
+            </a:r>
+            <a:r>
+              <a:rPr lang="en-US" b="1" dirty="0" err="1"/>
+              <a:t>cách</a:t>
+            </a:r>
+            <a:r>
+              <a:rPr lang="en-US" b="1" dirty="0"/>
+              <a:t> </a:t>
+            </a:r>
+            <a:r>
+              <a:rPr lang="en-US" b="1" dirty="0" err="1"/>
+              <a:t>tùy</a:t>
+            </a:r>
+            <a:r>
+              <a:rPr lang="en-US" b="1" dirty="0"/>
+              <a:t> </a:t>
+            </a:r>
+            <a:r>
+              <a:rPr lang="en-US" b="1" dirty="0" err="1"/>
+              <a:t>chỉnh</a:t>
+            </a:r>
+            <a:endParaRPr lang="en-US" b="1" dirty="0"/>
+          </a:p>
+        </p:txBody>
+      </p:sp>
+      <p:pic>
+        <p:nvPicPr>
+          <p:cNvPr id="34" name="Picture 2" descr="https://www.python.org/static/apple-touch-icon-precomposed.png"/>
+          <p:cNvPicPr>
+            <a:picLocks noChangeAspect="1" noChangeArrowheads="1"/>
+          </p:cNvPicPr>
+          <p:nvPr/>
+        </p:nvPicPr>
+        <p:blipFill>
+          <a:blip r:embed="rId2">
+            <a:extLst>
+              <a:ext uri="{28A0092B-C50C-407E-A947-70E740481C1C}">
+                <a14:useLocalDpi xmlns:a14="http://schemas.microsoft.com/office/drawing/2010/main" val="0"/>
+              </a:ext>
+            </a:extLst>
+          </a:blip>
+          <a:srcRect/>
+          <a:stretch>
+            <a:fillRect/>
+          </a:stretch>
+        </p:blipFill>
+        <p:spPr bwMode="auto">
+          <a:xfrm>
+            <a:off x="432287" y="3827165"/>
+            <a:ext cx="250014" cy="250015"/>
+          </a:xfrm>
+          <a:prstGeom prst="rect">
+            <a:avLst/>
+          </a:prstGeom>
+          <a:noFill/>
+          <a:extLst>
+            <a:ext uri="{909E8E84-426E-40DD-AFC4-6F175D3DCCD1}">
+              <a14:hiddenFill xmlns:a14="http://schemas.microsoft.com/office/drawing/2010/main">
+                <a:solidFill>
+                  <a:srgbClr val="FFFFFF"/>
+                </a:solidFill>
+              </a14:hiddenFill>
+            </a:ext>
+          </a:extLst>
+        </p:spPr>
+      </p:pic>
+      <p:sp>
+        <p:nvSpPr>
+          <p:cNvPr id="38" name="Rectangle 37"/>
+          <p:cNvSpPr/>
+          <p:nvPr/>
+        </p:nvSpPr>
+        <p:spPr>
+          <a:xfrm>
+            <a:off x="557294" y="4374293"/>
+            <a:ext cx="7952392" cy="1219200"/>
+          </a:xfrm>
+          <a:prstGeom prst="rect">
+            <a:avLst/>
+          </a:prstGeom>
+          <a:solidFill>
+            <a:schemeClr val="tx2">
+              <a:lumMod val="75000"/>
+            </a:schemeClr>
+          </a:solidFill>
+          <a:ln>
+            <a:noFill/>
+          </a:ln>
+        </p:spPr>
+        <p:style>
+          <a:lnRef idx="2">
+            <a:schemeClr val="accent1">
+              <a:shade val="50000"/>
+            </a:schemeClr>
+          </a:lnRef>
+          <a:fillRef idx="1">
+            <a:schemeClr val="accent1"/>
+          </a:fillRef>
+          <a:effectRef idx="0">
+            <a:schemeClr val="accent1"/>
+          </a:effectRef>
+          <a:fontRef idx="minor">
+            <a:schemeClr val="lt1"/>
+          </a:fontRef>
+        </p:style>
+        <p:txBody>
+          <a:bodyPr rtlCol="0" anchor="ctr"/>
+          <a:lstStyle/>
+          <a:p>
+            <a:pPr algn="ctr"/>
+            <a:endParaRPr lang="en-US"/>
+          </a:p>
+        </p:txBody>
+      </p:sp>
+      <p:sp>
+        <p:nvSpPr>
+          <p:cNvPr id="39" name="TextBox 38"/>
+          <p:cNvSpPr txBox="1"/>
+          <p:nvPr/>
+        </p:nvSpPr>
+        <p:spPr>
+          <a:xfrm>
+            <a:off x="623106" y="4559183"/>
+            <a:ext cx="3569953" cy="369332"/>
+          </a:xfrm>
+          <a:prstGeom prst="rect">
+            <a:avLst/>
+          </a:prstGeom>
+          <a:noFill/>
+        </p:spPr>
+        <p:txBody>
+          <a:bodyPr wrap="square" rtlCol="0">
+            <a:spAutoFit/>
+          </a:bodyPr>
+          <a:lstStyle/>
+          <a:p>
+            <a:r>
+              <a:rPr lang="en-US" dirty="0" smtClean="0">
+                <a:solidFill>
+                  <a:schemeClr val="bg1"/>
+                </a:solidFill>
+              </a:rPr>
+              <a:t>print</a:t>
+            </a:r>
+            <a:r>
+              <a:rPr lang="en-US" dirty="0" smtClean="0">
+                <a:solidFill>
+                  <a:srgbClr val="FECC36"/>
+                </a:solidFill>
+              </a:rPr>
+              <a:t>(</a:t>
+            </a:r>
+            <a:r>
+              <a:rPr lang="fr-FR" dirty="0" smtClean="0">
+                <a:solidFill>
+                  <a:schemeClr val="accent2">
+                    <a:lumMod val="75000"/>
+                  </a:schemeClr>
+                </a:solidFill>
+              </a:rPr>
+              <a:t>"Hello", "world", </a:t>
+            </a:r>
+            <a:r>
+              <a:rPr lang="fr-FR" dirty="0" smtClean="0">
+                <a:solidFill>
+                  <a:schemeClr val="bg1"/>
+                </a:solidFill>
+              </a:rPr>
+              <a:t>sep</a:t>
+            </a:r>
+            <a:r>
+              <a:rPr lang="fr-FR" dirty="0" smtClean="0">
+                <a:solidFill>
+                  <a:schemeClr val="accent2">
+                    <a:lumMod val="75000"/>
+                  </a:schemeClr>
+                </a:solidFill>
+              </a:rPr>
+              <a:t>="--"</a:t>
+            </a:r>
+            <a:r>
+              <a:rPr lang="en-US" dirty="0" smtClean="0">
+                <a:solidFill>
+                  <a:srgbClr val="FECC36"/>
+                </a:solidFill>
+              </a:rPr>
+              <a:t>)</a:t>
+            </a:r>
+            <a:endParaRPr lang="en-US" dirty="0">
+              <a:solidFill>
+                <a:srgbClr val="FECC36"/>
+              </a:solidFill>
+            </a:endParaRPr>
+          </a:p>
+        </p:txBody>
+      </p:sp>
+      <p:sp>
+        <p:nvSpPr>
+          <p:cNvPr id="40" name="TextBox 39"/>
+          <p:cNvSpPr txBox="1"/>
+          <p:nvPr/>
+        </p:nvSpPr>
+        <p:spPr>
+          <a:xfrm>
+            <a:off x="623106" y="5030508"/>
+            <a:ext cx="7061267" cy="369332"/>
+          </a:xfrm>
+          <a:prstGeom prst="rect">
+            <a:avLst/>
+          </a:prstGeom>
+          <a:noFill/>
+        </p:spPr>
+        <p:txBody>
+          <a:bodyPr wrap="square" rtlCol="0">
+            <a:spAutoFit/>
+          </a:bodyPr>
+          <a:lstStyle/>
+          <a:p>
+            <a:r>
+              <a:rPr lang="en-US" dirty="0" err="1" smtClean="0">
+                <a:solidFill>
+                  <a:schemeClr val="bg1"/>
+                </a:solidFill>
+              </a:rPr>
+              <a:t>Kết</a:t>
+            </a:r>
+            <a:r>
+              <a:rPr lang="en-US" dirty="0">
+                <a:solidFill>
+                  <a:schemeClr val="bg1"/>
+                </a:solidFill>
+              </a:rPr>
+              <a:t> </a:t>
+            </a:r>
+            <a:r>
+              <a:rPr lang="en-US" dirty="0" err="1">
+                <a:solidFill>
+                  <a:schemeClr val="bg1"/>
+                </a:solidFill>
+              </a:rPr>
+              <a:t>quả</a:t>
+            </a:r>
+            <a:r>
+              <a:rPr lang="en-US" dirty="0" smtClean="0">
+                <a:solidFill>
+                  <a:schemeClr val="bg1"/>
+                </a:solidFill>
+              </a:rPr>
+              <a:t>: </a:t>
+            </a:r>
+            <a:r>
+              <a:rPr lang="en-US" dirty="0" smtClean="0">
+                <a:solidFill>
+                  <a:schemeClr val="accent6">
+                    <a:lumMod val="75000"/>
+                  </a:schemeClr>
+                </a:solidFill>
+              </a:rPr>
+              <a:t>Hello-</a:t>
+            </a:r>
+            <a:r>
+              <a:rPr lang="en-US" dirty="0">
+                <a:solidFill>
+                  <a:schemeClr val="accent6">
+                    <a:lumMod val="75000"/>
+                  </a:schemeClr>
+                </a:solidFill>
+              </a:rPr>
+              <a:t>-</a:t>
+            </a:r>
+            <a:r>
+              <a:rPr lang="en-US" dirty="0" smtClean="0">
+                <a:solidFill>
+                  <a:schemeClr val="accent6">
+                    <a:lumMod val="75000"/>
+                  </a:schemeClr>
+                </a:solidFill>
+              </a:rPr>
+              <a:t>world</a:t>
+            </a:r>
+            <a:endParaRPr lang="en-US" dirty="0">
+              <a:solidFill>
+                <a:schemeClr val="accent6">
+                  <a:lumMod val="75000"/>
+                </a:schemeClr>
+              </a:solidFill>
+            </a:endParaRPr>
+          </a:p>
+        </p:txBody>
+      </p:sp>
+    </p:spTree>
+    <p:extLst>
+      <p:ext uri="{BB962C8B-B14F-4D97-AF65-F5344CB8AC3E}">
+        <p14:creationId xmlns:p14="http://schemas.microsoft.com/office/powerpoint/2010/main" val="2366822652"/>
+      </p:ext>
+    </p:extLst>
+  </p:cSld>
+  <p:clrMapOvr>
+    <a:masterClrMapping/>
+  </p:clrMapOvr>
+  <p:timing>
+    <p:tnLst>
+      <p:par>
+        <p:cTn id="1" dur="indefinite" restart="never" nodeType="tmRoot"/>
+      </p:par>
+    </p:tnLst>
+  </p:timing>
+</p:sld>
+</file>
+
+<file path=ppt/slides/slide15.xml><?xml version="1.0" encoding="utf-8"?>
+<p:sld xmlns:a="http://schemas.openxmlformats.org/drawingml/2006/main" xmlns:r="http://schemas.openxmlformats.org/officeDocument/2006/relationships" xmlns:p="http://schemas.openxmlformats.org/presentationml/2006/main">
+  <p:cSld>
+    <p:spTree>
+      <p:nvGrpSpPr>
+        <p:cNvPr id="1" name=""/>
+        <p:cNvGrpSpPr/>
+        <p:nvPr/>
+      </p:nvGrpSpPr>
+      <p:grpSpPr>
+        <a:xfrm>
+          <a:off x="0" y="0"/>
+          <a:ext cx="0" cy="0"/>
+          <a:chOff x="0" y="0"/>
+          <a:chExt cx="0" cy="0"/>
+        </a:xfrm>
+      </p:grpSpPr>
+      <p:sp>
+        <p:nvSpPr>
+          <p:cNvPr id="2" name="Slide Number Placeholder 1"/>
+          <p:cNvSpPr>
+            <a:spLocks noGrp="1"/>
+          </p:cNvSpPr>
+          <p:nvPr>
+            <p:ph type="sldNum" sz="quarter" idx="12"/>
+          </p:nvPr>
+        </p:nvSpPr>
+        <p:spPr/>
+        <p:txBody>
+          <a:bodyPr/>
+          <a:lstStyle/>
+          <a:p>
+            <a:fld id="{7D9EC917-02A2-4152-9EE3-DFE2775A77C7}" type="slidenum">
+              <a:rPr lang="en-US" smtClean="0"/>
+              <a:pPr/>
+              <a:t>15</a:t>
+            </a:fld>
+            <a:endParaRPr lang="en-US"/>
+          </a:p>
+        </p:txBody>
+      </p:sp>
+      <p:sp>
+        <p:nvSpPr>
+          <p:cNvPr id="3" name="Text Placeholder 2"/>
+          <p:cNvSpPr>
+            <a:spLocks noGrp="1"/>
+          </p:cNvSpPr>
+          <p:nvPr>
+            <p:ph type="body" sz="quarter" idx="13"/>
+          </p:nvPr>
+        </p:nvSpPr>
+        <p:spPr/>
+        <p:txBody>
+          <a:bodyPr/>
+          <a:lstStyle/>
+          <a:p>
+            <a:r>
+              <a:rPr lang="en-US" dirty="0" smtClean="0"/>
+              <a:t>1.4 </a:t>
+            </a:r>
+            <a:r>
+              <a:rPr lang="en-US" dirty="0" err="1" smtClean="0"/>
+              <a:t>Dòng</a:t>
+            </a:r>
+            <a:r>
+              <a:rPr lang="en-US" dirty="0" smtClean="0"/>
+              <a:t> </a:t>
+            </a:r>
+            <a:r>
+              <a:rPr lang="en-US" dirty="0" err="1" smtClean="0"/>
+              <a:t>lệnh</a:t>
+            </a:r>
+            <a:r>
+              <a:rPr lang="en-US" dirty="0" smtClean="0"/>
+              <a:t> </a:t>
+            </a:r>
+            <a:r>
+              <a:rPr lang="en-US" dirty="0" err="1" smtClean="0"/>
+              <a:t>đầu</a:t>
+            </a:r>
+            <a:r>
+              <a:rPr lang="en-US" dirty="0" smtClean="0"/>
+              <a:t> </a:t>
+            </a:r>
+            <a:r>
+              <a:rPr lang="en-US" dirty="0" err="1" smtClean="0"/>
+              <a:t>tiên</a:t>
+            </a:r>
+            <a:endParaRPr lang="en-US" dirty="0"/>
+          </a:p>
+        </p:txBody>
+      </p:sp>
+      <p:sp>
+        <p:nvSpPr>
+          <p:cNvPr id="4" name="Rectangle 3"/>
+          <p:cNvSpPr/>
+          <p:nvPr/>
+        </p:nvSpPr>
+        <p:spPr>
+          <a:xfrm>
+            <a:off x="1041993" y="2335799"/>
+            <a:ext cx="6877056" cy="4075634"/>
+          </a:xfrm>
+          <a:prstGeom prst="rect">
+            <a:avLst/>
+          </a:prstGeom>
+          <a:solidFill>
+            <a:schemeClr val="tx2">
+              <a:lumMod val="75000"/>
+            </a:schemeClr>
+          </a:solidFill>
+          <a:ln>
+            <a:noFill/>
+          </a:ln>
+        </p:spPr>
+        <p:style>
+          <a:lnRef idx="2">
+            <a:schemeClr val="accent1">
+              <a:shade val="50000"/>
+            </a:schemeClr>
+          </a:lnRef>
+          <a:fillRef idx="1">
+            <a:schemeClr val="accent1"/>
+          </a:fillRef>
+          <a:effectRef idx="0">
+            <a:schemeClr val="accent1"/>
+          </a:effectRef>
+          <a:fontRef idx="minor">
+            <a:schemeClr val="lt1"/>
+          </a:fontRef>
+        </p:style>
+        <p:txBody>
+          <a:bodyPr rtlCol="0" anchor="ctr"/>
+          <a:lstStyle/>
+          <a:p>
+            <a:pPr algn="ctr"/>
+            <a:endParaRPr lang="en-US"/>
+          </a:p>
+        </p:txBody>
+      </p:sp>
+      <p:pic>
+        <p:nvPicPr>
+          <p:cNvPr id="11" name="Picture 2" descr="https://www.python.org/static/apple-touch-icon-precomposed.png"/>
+          <p:cNvPicPr>
+            <a:picLocks noChangeAspect="1" noChangeArrowheads="1"/>
+          </p:cNvPicPr>
+          <p:nvPr/>
+        </p:nvPicPr>
+        <p:blipFill>
+          <a:blip r:embed="rId2">
+            <a:extLst>
+              <a:ext uri="{28A0092B-C50C-407E-A947-70E740481C1C}">
+                <a14:useLocalDpi xmlns:a14="http://schemas.microsoft.com/office/drawing/2010/main" val="0"/>
+              </a:ext>
+            </a:extLst>
+          </a:blip>
+          <a:srcRect/>
+          <a:stretch>
+            <a:fillRect/>
+          </a:stretch>
+        </p:blipFill>
+        <p:spPr bwMode="auto">
+          <a:xfrm>
+            <a:off x="548981" y="1580670"/>
+            <a:ext cx="450480" cy="450481"/>
+          </a:xfrm>
+          <a:prstGeom prst="rect">
+            <a:avLst/>
+          </a:prstGeom>
+          <a:noFill/>
+          <a:extLst>
+            <a:ext uri="{909E8E84-426E-40DD-AFC4-6F175D3DCCD1}">
+              <a14:hiddenFill xmlns:a14="http://schemas.microsoft.com/office/drawing/2010/main">
+                <a:solidFill>
+                  <a:srgbClr val="FFFFFF"/>
+                </a:solidFill>
+              </a14:hiddenFill>
+            </a:ext>
+          </a:extLst>
+        </p:spPr>
+      </p:pic>
+      <p:sp>
+        <p:nvSpPr>
+          <p:cNvPr id="12" name="TextBox 11"/>
+          <p:cNvSpPr txBox="1"/>
+          <p:nvPr/>
+        </p:nvSpPr>
+        <p:spPr>
+          <a:xfrm>
+            <a:off x="1041993" y="1621244"/>
+            <a:ext cx="6177514" cy="369332"/>
+          </a:xfrm>
+          <a:prstGeom prst="rect">
+            <a:avLst/>
+          </a:prstGeom>
+          <a:noFill/>
+        </p:spPr>
+        <p:txBody>
+          <a:bodyPr wrap="square" rtlCol="0">
+            <a:spAutoFit/>
+          </a:bodyPr>
+          <a:lstStyle/>
+          <a:p>
+            <a:r>
+              <a:rPr lang="en-US" b="1" dirty="0" err="1" smtClean="0"/>
+              <a:t>Cấu</a:t>
+            </a:r>
+            <a:r>
+              <a:rPr lang="en-US" b="1" dirty="0" smtClean="0"/>
+              <a:t> </a:t>
+            </a:r>
+            <a:r>
+              <a:rPr lang="en-US" b="1" dirty="0" err="1" smtClean="0"/>
+              <a:t>trúc</a:t>
+            </a:r>
+            <a:r>
+              <a:rPr lang="en-US" b="1" dirty="0" smtClean="0"/>
+              <a:t> </a:t>
+            </a:r>
+            <a:r>
+              <a:rPr lang="en-US" b="1" dirty="0" err="1" smtClean="0"/>
+              <a:t>một</a:t>
+            </a:r>
+            <a:r>
+              <a:rPr lang="en-US" b="1" dirty="0" smtClean="0"/>
+              <a:t> </a:t>
+            </a:r>
+            <a:r>
+              <a:rPr lang="en-US" b="1" dirty="0" err="1" smtClean="0"/>
+              <a:t>chương</a:t>
+            </a:r>
+            <a:r>
+              <a:rPr lang="en-US" b="1" dirty="0" smtClean="0"/>
+              <a:t> </a:t>
+            </a:r>
+            <a:r>
+              <a:rPr lang="en-US" b="1" dirty="0" err="1" smtClean="0"/>
+              <a:t>trình</a:t>
+            </a:r>
+            <a:r>
+              <a:rPr lang="en-US" b="1" dirty="0" smtClean="0"/>
+              <a:t> </a:t>
+            </a:r>
+            <a:r>
+              <a:rPr lang="en-US" b="1" dirty="0" err="1" smtClean="0"/>
+              <a:t>trong</a:t>
+            </a:r>
+            <a:r>
+              <a:rPr lang="en-US" b="1" dirty="0" smtClean="0"/>
+              <a:t> Python: 3 </a:t>
+            </a:r>
+            <a:r>
+              <a:rPr lang="en-US" b="1" dirty="0" err="1" smtClean="0"/>
+              <a:t>phần</a:t>
+            </a:r>
+            <a:endParaRPr lang="en-US" b="1" dirty="0">
+              <a:solidFill>
+                <a:srgbClr val="FF0000"/>
+              </a:solidFill>
+            </a:endParaRPr>
+          </a:p>
+        </p:txBody>
+      </p:sp>
+      <p:sp>
+        <p:nvSpPr>
+          <p:cNvPr id="8" name="TextBox 7"/>
+          <p:cNvSpPr txBox="1"/>
+          <p:nvPr/>
+        </p:nvSpPr>
+        <p:spPr>
+          <a:xfrm>
+            <a:off x="1275906" y="2483355"/>
+            <a:ext cx="4561367" cy="3831818"/>
+          </a:xfrm>
+          <a:prstGeom prst="rect">
+            <a:avLst/>
+          </a:prstGeom>
+          <a:noFill/>
+        </p:spPr>
+        <p:txBody>
+          <a:bodyPr wrap="square" rtlCol="0">
+            <a:spAutoFit/>
+          </a:bodyPr>
+          <a:lstStyle/>
+          <a:p>
+            <a:pPr>
+              <a:lnSpc>
+                <a:spcPct val="150000"/>
+              </a:lnSpc>
+            </a:pPr>
+            <a:r>
+              <a:rPr lang="vi-VN" dirty="0">
+                <a:solidFill>
+                  <a:schemeClr val="accent6">
+                    <a:lumMod val="75000"/>
+                  </a:schemeClr>
+                </a:solidFill>
+              </a:rPr>
+              <a:t># </a:t>
+            </a:r>
+            <a:r>
+              <a:rPr lang="en-US" dirty="0" smtClean="0">
+                <a:solidFill>
+                  <a:schemeClr val="accent6">
+                    <a:lumMod val="75000"/>
+                  </a:schemeClr>
+                </a:solidFill>
+              </a:rPr>
+              <a:t>1. </a:t>
+            </a:r>
+            <a:r>
+              <a:rPr lang="vi-VN" dirty="0" smtClean="0">
+                <a:solidFill>
+                  <a:schemeClr val="accent6">
+                    <a:lumMod val="75000"/>
+                  </a:schemeClr>
+                </a:solidFill>
+              </a:rPr>
+              <a:t>Import </a:t>
+            </a:r>
+            <a:r>
+              <a:rPr lang="vi-VN" dirty="0">
+                <a:solidFill>
+                  <a:schemeClr val="accent6">
+                    <a:lumMod val="75000"/>
+                  </a:schemeClr>
+                </a:solidFill>
+              </a:rPr>
+              <a:t>các thư viện cần thiết (nếu có) </a:t>
+            </a:r>
+            <a:endParaRPr lang="en-US" dirty="0" smtClean="0">
+              <a:solidFill>
+                <a:schemeClr val="accent6">
+                  <a:lumMod val="75000"/>
+                </a:schemeClr>
+              </a:solidFill>
+            </a:endParaRPr>
+          </a:p>
+          <a:p>
+            <a:pPr>
+              <a:lnSpc>
+                <a:spcPct val="150000"/>
+              </a:lnSpc>
+            </a:pPr>
+            <a:r>
+              <a:rPr lang="vi-VN" dirty="0" smtClean="0">
+                <a:solidFill>
+                  <a:srgbClr val="67C7DF"/>
+                </a:solidFill>
+              </a:rPr>
+              <a:t>import</a:t>
+            </a:r>
+            <a:r>
+              <a:rPr lang="vi-VN" dirty="0" smtClean="0">
+                <a:solidFill>
+                  <a:schemeClr val="bg1"/>
+                </a:solidFill>
+              </a:rPr>
+              <a:t> </a:t>
+            </a:r>
+            <a:r>
+              <a:rPr lang="vi-VN" dirty="0">
+                <a:solidFill>
+                  <a:schemeClr val="bg1"/>
+                </a:solidFill>
+              </a:rPr>
+              <a:t>module1 </a:t>
+            </a:r>
+            <a:endParaRPr lang="en-US" dirty="0" smtClean="0">
+              <a:solidFill>
+                <a:schemeClr val="bg1"/>
+              </a:solidFill>
+            </a:endParaRPr>
+          </a:p>
+          <a:p>
+            <a:pPr>
+              <a:lnSpc>
+                <a:spcPct val="150000"/>
+              </a:lnSpc>
+            </a:pPr>
+            <a:r>
+              <a:rPr lang="vi-VN" dirty="0" smtClean="0">
+                <a:solidFill>
+                  <a:srgbClr val="67C7DF"/>
+                </a:solidFill>
+              </a:rPr>
+              <a:t>import</a:t>
+            </a:r>
+            <a:r>
+              <a:rPr lang="vi-VN" dirty="0" smtClean="0">
+                <a:solidFill>
+                  <a:schemeClr val="bg1"/>
+                </a:solidFill>
+              </a:rPr>
+              <a:t> </a:t>
+            </a:r>
+            <a:r>
+              <a:rPr lang="vi-VN" dirty="0">
+                <a:solidFill>
+                  <a:schemeClr val="bg1"/>
+                </a:solidFill>
+              </a:rPr>
+              <a:t>module2 </a:t>
+            </a:r>
+            <a:endParaRPr lang="en-US" dirty="0" smtClean="0">
+              <a:solidFill>
+                <a:schemeClr val="bg1"/>
+              </a:solidFill>
+            </a:endParaRPr>
+          </a:p>
+          <a:p>
+            <a:pPr>
+              <a:lnSpc>
+                <a:spcPct val="150000"/>
+              </a:lnSpc>
+            </a:pPr>
+            <a:r>
+              <a:rPr lang="vi-VN" dirty="0" smtClean="0">
+                <a:solidFill>
+                  <a:schemeClr val="accent6">
+                    <a:lumMod val="75000"/>
+                  </a:schemeClr>
+                </a:solidFill>
+              </a:rPr>
+              <a:t># </a:t>
+            </a:r>
+            <a:r>
+              <a:rPr lang="en-US" dirty="0" smtClean="0">
+                <a:solidFill>
+                  <a:schemeClr val="accent6">
+                    <a:lumMod val="75000"/>
+                  </a:schemeClr>
+                </a:solidFill>
+              </a:rPr>
+              <a:t>2. </a:t>
+            </a:r>
+            <a:r>
+              <a:rPr lang="vi-VN" dirty="0" smtClean="0">
+                <a:solidFill>
+                  <a:schemeClr val="accent6">
+                    <a:lumMod val="75000"/>
+                  </a:schemeClr>
+                </a:solidFill>
+              </a:rPr>
+              <a:t>Định </a:t>
+            </a:r>
+            <a:r>
+              <a:rPr lang="vi-VN" dirty="0">
+                <a:solidFill>
+                  <a:schemeClr val="accent6">
+                    <a:lumMod val="75000"/>
+                  </a:schemeClr>
+                </a:solidFill>
+              </a:rPr>
+              <a:t>nghĩa hàm (nếu có)</a:t>
+            </a:r>
+            <a:r>
+              <a:rPr lang="vi-VN" dirty="0">
+                <a:solidFill>
+                  <a:schemeClr val="bg1"/>
+                </a:solidFill>
+              </a:rPr>
+              <a:t> </a:t>
+            </a:r>
+            <a:endParaRPr lang="en-US" dirty="0" smtClean="0">
+              <a:solidFill>
+                <a:schemeClr val="bg1"/>
+              </a:solidFill>
+            </a:endParaRPr>
+          </a:p>
+          <a:p>
+            <a:pPr>
+              <a:lnSpc>
+                <a:spcPct val="150000"/>
+              </a:lnSpc>
+            </a:pPr>
+            <a:r>
+              <a:rPr lang="vi-VN" dirty="0" smtClean="0">
+                <a:solidFill>
+                  <a:srgbClr val="67C7DF"/>
+                </a:solidFill>
+              </a:rPr>
+              <a:t>def</a:t>
+            </a:r>
+            <a:r>
+              <a:rPr lang="vi-VN" dirty="0" smtClean="0">
+                <a:solidFill>
+                  <a:schemeClr val="bg1"/>
+                </a:solidFill>
+              </a:rPr>
+              <a:t> </a:t>
+            </a:r>
+            <a:r>
+              <a:rPr lang="vi-VN" dirty="0">
+                <a:solidFill>
+                  <a:schemeClr val="bg1"/>
+                </a:solidFill>
+              </a:rPr>
+              <a:t>function1(): </a:t>
+            </a:r>
+            <a:endParaRPr lang="en-US" dirty="0" smtClean="0">
+              <a:solidFill>
+                <a:schemeClr val="bg1"/>
+              </a:solidFill>
+            </a:endParaRPr>
+          </a:p>
+          <a:p>
+            <a:pPr>
+              <a:lnSpc>
+                <a:spcPct val="150000"/>
+              </a:lnSpc>
+            </a:pPr>
+            <a:r>
+              <a:rPr lang="en-US" dirty="0" smtClean="0">
+                <a:solidFill>
+                  <a:schemeClr val="bg1"/>
+                </a:solidFill>
+              </a:rPr>
+              <a:t>       </a:t>
+            </a:r>
+            <a:r>
+              <a:rPr lang="vi-VN" dirty="0" smtClean="0">
+                <a:solidFill>
+                  <a:schemeClr val="accent6">
+                    <a:lumMod val="75000"/>
+                  </a:schemeClr>
+                </a:solidFill>
+              </a:rPr>
+              <a:t># </a:t>
+            </a:r>
+            <a:r>
+              <a:rPr lang="vi-VN" dirty="0">
+                <a:solidFill>
+                  <a:schemeClr val="accent6">
+                    <a:lumMod val="75000"/>
+                  </a:schemeClr>
+                </a:solidFill>
+              </a:rPr>
+              <a:t>Mã thực thi của hàm </a:t>
+            </a:r>
+            <a:r>
+              <a:rPr lang="vi-VN" dirty="0" smtClean="0">
+                <a:solidFill>
+                  <a:schemeClr val="accent6">
+                    <a:lumMod val="75000"/>
+                  </a:schemeClr>
+                </a:solidFill>
+              </a:rPr>
+              <a:t>function1</a:t>
+            </a:r>
+            <a:endParaRPr lang="en-US" dirty="0" smtClean="0">
+              <a:solidFill>
+                <a:schemeClr val="accent6">
+                  <a:lumMod val="75000"/>
+                </a:schemeClr>
+              </a:solidFill>
+            </a:endParaRPr>
+          </a:p>
+          <a:p>
+            <a:pPr>
+              <a:lnSpc>
+                <a:spcPct val="150000"/>
+              </a:lnSpc>
+            </a:pPr>
+            <a:endParaRPr lang="en-US" dirty="0">
+              <a:solidFill>
+                <a:schemeClr val="bg1"/>
+              </a:solidFill>
+            </a:endParaRPr>
+          </a:p>
+          <a:p>
+            <a:pPr>
+              <a:lnSpc>
+                <a:spcPct val="150000"/>
+              </a:lnSpc>
+            </a:pPr>
+            <a:r>
+              <a:rPr lang="vi-VN" dirty="0">
+                <a:solidFill>
+                  <a:schemeClr val="accent6">
+                    <a:lumMod val="75000"/>
+                  </a:schemeClr>
+                </a:solidFill>
+              </a:rPr>
+              <a:t># </a:t>
+            </a:r>
+            <a:r>
+              <a:rPr lang="en-US" dirty="0" smtClean="0">
+                <a:solidFill>
+                  <a:schemeClr val="accent6">
+                    <a:lumMod val="75000"/>
+                  </a:schemeClr>
+                </a:solidFill>
+              </a:rPr>
+              <a:t>3. </a:t>
+            </a:r>
+            <a:r>
+              <a:rPr lang="vi-VN" dirty="0" smtClean="0">
+                <a:solidFill>
+                  <a:schemeClr val="accent6">
+                    <a:lumMod val="75000"/>
+                  </a:schemeClr>
+                </a:solidFill>
+              </a:rPr>
+              <a:t>Thực </a:t>
+            </a:r>
+            <a:r>
+              <a:rPr lang="vi-VN" dirty="0">
+                <a:solidFill>
+                  <a:schemeClr val="accent6">
+                    <a:lumMod val="75000"/>
+                  </a:schemeClr>
+                </a:solidFill>
+              </a:rPr>
+              <a:t>thi mã chương trình </a:t>
+            </a:r>
+            <a:r>
+              <a:rPr lang="vi-VN" dirty="0" smtClean="0">
+                <a:solidFill>
+                  <a:schemeClr val="accent6">
+                    <a:lumMod val="75000"/>
+                  </a:schemeClr>
+                </a:solidFill>
+              </a:rPr>
+              <a:t>chính</a:t>
+            </a:r>
+            <a:endParaRPr lang="en-US" dirty="0" smtClean="0">
+              <a:solidFill>
+                <a:schemeClr val="accent6">
+                  <a:lumMod val="75000"/>
+                </a:schemeClr>
+              </a:solidFill>
+            </a:endParaRPr>
+          </a:p>
+          <a:p>
+            <a:pPr>
+              <a:lnSpc>
+                <a:spcPct val="150000"/>
+              </a:lnSpc>
+            </a:pPr>
+            <a:r>
+              <a:rPr lang="vi-VN" dirty="0">
+                <a:solidFill>
+                  <a:schemeClr val="bg1"/>
+                </a:solidFill>
+              </a:rPr>
+              <a:t>function1</a:t>
+            </a:r>
+            <a:r>
+              <a:rPr lang="vi-VN" dirty="0" smtClean="0">
+                <a:solidFill>
+                  <a:schemeClr val="bg1"/>
+                </a:solidFill>
+              </a:rPr>
+              <a:t>()</a:t>
+            </a:r>
+            <a:endParaRPr lang="en-US" dirty="0">
+              <a:solidFill>
+                <a:schemeClr val="bg1"/>
+              </a:solidFill>
+            </a:endParaRPr>
+          </a:p>
+        </p:txBody>
+      </p:sp>
+    </p:spTree>
+    <p:extLst>
+      <p:ext uri="{BB962C8B-B14F-4D97-AF65-F5344CB8AC3E}">
+        <p14:creationId xmlns:p14="http://schemas.microsoft.com/office/powerpoint/2010/main" val="1593728458"/>
+      </p:ext>
+    </p:extLst>
+  </p:cSld>
+  <p:clrMapOvr>
+    <a:masterClrMapping/>
+  </p:clrMapOvr>
+  <p:timing>
+    <p:tnLst>
+      <p:par>
+        <p:cTn id="1" dur="indefinite" restart="never" nodeType="tmRoot"/>
+      </p:par>
+    </p:tnLst>
+  </p:timing>
+</p:sld>
+</file>
+
+<file path=ppt/slides/slide16.xml><?xml version="1.0" encoding="utf-8"?>
+<p:sld xmlns:a="http://schemas.openxmlformats.org/drawingml/2006/main" xmlns:r="http://schemas.openxmlformats.org/officeDocument/2006/relationships" xmlns:p="http://schemas.openxmlformats.org/presentationml/2006/main">
+  <p:cSld>
+    <p:spTree>
+      <p:nvGrpSpPr>
+        <p:cNvPr id="1" name=""/>
+        <p:cNvGrpSpPr/>
+        <p:nvPr/>
+      </p:nvGrpSpPr>
+      <p:grpSpPr>
+        <a:xfrm>
+          <a:off x="0" y="0"/>
+          <a:ext cx="0" cy="0"/>
+          <a:chOff x="0" y="0"/>
+          <a:chExt cx="0" cy="0"/>
+        </a:xfrm>
+      </p:grpSpPr>
+      <p:sp>
+        <p:nvSpPr>
+          <p:cNvPr id="2" name="Slide Number Placeholder 1"/>
+          <p:cNvSpPr>
+            <a:spLocks noGrp="1"/>
+          </p:cNvSpPr>
+          <p:nvPr>
+            <p:ph type="sldNum" sz="quarter" idx="12"/>
+          </p:nvPr>
+        </p:nvSpPr>
+        <p:spPr/>
+        <p:txBody>
+          <a:bodyPr/>
+          <a:lstStyle/>
+          <a:p>
+            <a:fld id="{7D9EC917-02A2-4152-9EE3-DFE2775A77C7}" type="slidenum">
+              <a:rPr lang="en-US" smtClean="0"/>
+              <a:pPr/>
+              <a:t>16</a:t>
             </a:fld>
             <a:endParaRPr lang="en-US"/>
           </a:p>
@@ -5455,7 +9378,7 @@
 </p:sld>
 </file>
 
-<file path=ppt/slides/slide14.xml><?xml version="1.0" encoding="utf-8"?>
+<file path=ppt/slides/slide17.xml><?xml version="1.0" encoding="utf-8"?>
 <p:sld xmlns:a="http://schemas.openxmlformats.org/drawingml/2006/main" xmlns:r="http://schemas.openxmlformats.org/officeDocument/2006/relationships" xmlns:p="http://schemas.openxmlformats.org/presentationml/2006/main">
   <p:cSld>
     <p:spTree>
@@ -5490,7 +9413,7 @@
             <a:fld id="{7D9EC917-02A2-4152-9EE3-DFE2775A77C7}" type="slidenum">
               <a:rPr lang="en-US" smtClean="0"/>
               <a:pPr/>
-              <a:t>14</a:t>
+              <a:t>17</a:t>
             </a:fld>
             <a:endParaRPr lang="en-US"/>
           </a:p>
@@ -6534,7 +10457,7 @@
 </p:sld>
 </file>
 
-<file path=ppt/slides/slide15.xml><?xml version="1.0" encoding="utf-8"?>
+<file path=ppt/slides/slide18.xml><?xml version="1.0" encoding="utf-8"?>
 <p:sld xmlns:a="http://schemas.openxmlformats.org/drawingml/2006/main" xmlns:r="http://schemas.openxmlformats.org/officeDocument/2006/relationships" xmlns:p="http://schemas.openxmlformats.org/presentationml/2006/main">
   <p:cSld>
     <p:spTree>
@@ -7769,6 +11692,692 @@
     <p:extLst>
       <p:ext uri="{BB962C8B-B14F-4D97-AF65-F5344CB8AC3E}">
         <p14:creationId xmlns:p14="http://schemas.microsoft.com/office/powerpoint/2010/main" val="2671992717"/>
+      </p:ext>
+    </p:extLst>
+  </p:cSld>
+  <p:clrMapOvr>
+    <a:masterClrMapping/>
+  </p:clrMapOvr>
+  <p:timing>
+    <p:tnLst>
+      <p:par>
+        <p:cTn id="1" dur="indefinite" restart="never" nodeType="tmRoot"/>
+      </p:par>
+    </p:tnLst>
+  </p:timing>
+</p:sld>
+</file>
+
+<file path=ppt/slides/slide19.xml><?xml version="1.0" encoding="utf-8"?>
+<p:sld xmlns:a="http://schemas.openxmlformats.org/drawingml/2006/main" xmlns:r="http://schemas.openxmlformats.org/officeDocument/2006/relationships" xmlns:p="http://schemas.openxmlformats.org/presentationml/2006/main">
+  <p:cSld>
+    <p:spTree>
+      <p:nvGrpSpPr>
+        <p:cNvPr id="1" name=""/>
+        <p:cNvGrpSpPr/>
+        <p:nvPr/>
+      </p:nvGrpSpPr>
+      <p:grpSpPr>
+        <a:xfrm>
+          <a:off x="0" y="0"/>
+          <a:ext cx="0" cy="0"/>
+          <a:chOff x="0" y="0"/>
+          <a:chExt cx="0" cy="0"/>
+        </a:xfrm>
+      </p:grpSpPr>
+      <p:sp>
+        <p:nvSpPr>
+          <p:cNvPr id="2" name="Text Placeholder 2"/>
+          <p:cNvSpPr txBox="1">
+            <a:spLocks/>
+          </p:cNvSpPr>
+          <p:nvPr/>
+        </p:nvSpPr>
+        <p:spPr>
+          <a:xfrm>
+            <a:off x="1571538" y="986929"/>
+            <a:ext cx="5653046" cy="424732"/>
+          </a:xfrm>
+          <a:prstGeom prst="rect">
+            <a:avLst/>
+          </a:prstGeom>
+        </p:spPr>
+        <p:txBody>
+          <a:bodyPr/>
+          <a:lstStyle>
+            <a:lvl1pPr marL="228600" indent="-228600" algn="l" defTabSz="914400" rtl="0" eaLnBrk="1" latinLnBrk="0" hangingPunct="1">
+              <a:lnSpc>
+                <a:spcPct val="90000"/>
+              </a:lnSpc>
+              <a:spcBef>
+                <a:spcPts val="1000"/>
+              </a:spcBef>
+              <a:buFont typeface="Arial" panose="020B0604020202020204" pitchFamily="34" charset="0"/>
+              <a:buChar char="•"/>
+              <a:defRPr sz="2800" kern="1200">
+                <a:solidFill>
+                  <a:schemeClr val="tx1"/>
+                </a:solidFill>
+                <a:latin typeface="+mn-lt"/>
+                <a:ea typeface="+mn-ea"/>
+                <a:cs typeface="+mn-cs"/>
+              </a:defRPr>
+            </a:lvl1pPr>
+            <a:lvl2pPr marL="685800" indent="-228600" algn="l" defTabSz="914400" rtl="0" eaLnBrk="1" latinLnBrk="0" hangingPunct="1">
+              <a:lnSpc>
+                <a:spcPct val="90000"/>
+              </a:lnSpc>
+              <a:spcBef>
+                <a:spcPts val="500"/>
+              </a:spcBef>
+              <a:buFont typeface="Arial" panose="020B0604020202020204" pitchFamily="34" charset="0"/>
+              <a:buChar char="•"/>
+              <a:defRPr sz="2400" kern="1200">
+                <a:solidFill>
+                  <a:schemeClr val="tx1"/>
+                </a:solidFill>
+                <a:latin typeface="+mn-lt"/>
+                <a:ea typeface="+mn-ea"/>
+                <a:cs typeface="+mn-cs"/>
+              </a:defRPr>
+            </a:lvl2pPr>
+            <a:lvl3pPr marL="1143000" indent="-228600" algn="l" defTabSz="914400" rtl="0" eaLnBrk="1" latinLnBrk="0" hangingPunct="1">
+              <a:lnSpc>
+                <a:spcPct val="90000"/>
+              </a:lnSpc>
+              <a:spcBef>
+                <a:spcPts val="500"/>
+              </a:spcBef>
+              <a:buFont typeface="Arial" panose="020B0604020202020204" pitchFamily="34" charset="0"/>
+              <a:buChar char="•"/>
+              <a:defRPr sz="2000" kern="1200">
+                <a:solidFill>
+                  <a:schemeClr val="tx1"/>
+                </a:solidFill>
+                <a:latin typeface="+mn-lt"/>
+                <a:ea typeface="+mn-ea"/>
+                <a:cs typeface="+mn-cs"/>
+              </a:defRPr>
+            </a:lvl3pPr>
+            <a:lvl4pPr marL="1600200" indent="-228600" algn="l" defTabSz="914400" rtl="0" eaLnBrk="1" latinLnBrk="0" hangingPunct="1">
+              <a:lnSpc>
+                <a:spcPct val="90000"/>
+              </a:lnSpc>
+              <a:spcBef>
+                <a:spcPts val="500"/>
+              </a:spcBef>
+              <a:buFont typeface="Arial" panose="020B0604020202020204" pitchFamily="34" charset="0"/>
+              <a:buChar char="•"/>
+              <a:defRPr sz="1800" kern="1200">
+                <a:solidFill>
+                  <a:schemeClr val="tx1"/>
+                </a:solidFill>
+                <a:latin typeface="+mn-lt"/>
+                <a:ea typeface="+mn-ea"/>
+                <a:cs typeface="+mn-cs"/>
+              </a:defRPr>
+            </a:lvl4pPr>
+            <a:lvl5pPr marL="2057400" indent="-228600" algn="l" defTabSz="914400" rtl="0" eaLnBrk="1" latinLnBrk="0" hangingPunct="1">
+              <a:lnSpc>
+                <a:spcPct val="90000"/>
+              </a:lnSpc>
+              <a:spcBef>
+                <a:spcPts val="500"/>
+              </a:spcBef>
+              <a:buFont typeface="Arial" panose="020B0604020202020204" pitchFamily="34" charset="0"/>
+              <a:buChar char="•"/>
+              <a:defRPr sz="1800" kern="1200">
+                <a:solidFill>
+                  <a:schemeClr val="tx1"/>
+                </a:solidFill>
+                <a:latin typeface="+mn-lt"/>
+                <a:ea typeface="+mn-ea"/>
+                <a:cs typeface="+mn-cs"/>
+              </a:defRPr>
+            </a:lvl5pPr>
+            <a:lvl6pPr marL="2514600" indent="-228600" algn="l" defTabSz="914400" rtl="0" eaLnBrk="1" latinLnBrk="0" hangingPunct="1">
+              <a:lnSpc>
+                <a:spcPct val="90000"/>
+              </a:lnSpc>
+              <a:spcBef>
+                <a:spcPts val="500"/>
+              </a:spcBef>
+              <a:buFont typeface="Arial" panose="020B0604020202020204" pitchFamily="34" charset="0"/>
+              <a:buChar char="•"/>
+              <a:defRPr sz="1800" kern="1200">
+                <a:solidFill>
+                  <a:schemeClr val="tx1"/>
+                </a:solidFill>
+                <a:latin typeface="+mn-lt"/>
+                <a:ea typeface="+mn-ea"/>
+                <a:cs typeface="+mn-cs"/>
+              </a:defRPr>
+            </a:lvl6pPr>
+            <a:lvl7pPr marL="2971800" indent="-228600" algn="l" defTabSz="914400" rtl="0" eaLnBrk="1" latinLnBrk="0" hangingPunct="1">
+              <a:lnSpc>
+                <a:spcPct val="90000"/>
+              </a:lnSpc>
+              <a:spcBef>
+                <a:spcPts val="500"/>
+              </a:spcBef>
+              <a:buFont typeface="Arial" panose="020B0604020202020204" pitchFamily="34" charset="0"/>
+              <a:buChar char="•"/>
+              <a:defRPr sz="1800" kern="1200">
+                <a:solidFill>
+                  <a:schemeClr val="tx1"/>
+                </a:solidFill>
+                <a:latin typeface="+mn-lt"/>
+                <a:ea typeface="+mn-ea"/>
+                <a:cs typeface="+mn-cs"/>
+              </a:defRPr>
+            </a:lvl7pPr>
+            <a:lvl8pPr marL="3429000" indent="-228600" algn="l" defTabSz="914400" rtl="0" eaLnBrk="1" latinLnBrk="0" hangingPunct="1">
+              <a:lnSpc>
+                <a:spcPct val="90000"/>
+              </a:lnSpc>
+              <a:spcBef>
+                <a:spcPts val="500"/>
+              </a:spcBef>
+              <a:buFont typeface="Arial" panose="020B0604020202020204" pitchFamily="34" charset="0"/>
+              <a:buChar char="•"/>
+              <a:defRPr sz="1800" kern="1200">
+                <a:solidFill>
+                  <a:schemeClr val="tx1"/>
+                </a:solidFill>
+                <a:latin typeface="+mn-lt"/>
+                <a:ea typeface="+mn-ea"/>
+                <a:cs typeface="+mn-cs"/>
+              </a:defRPr>
+            </a:lvl8pPr>
+            <a:lvl9pPr marL="3886200" indent="-228600" algn="l" defTabSz="914400" rtl="0" eaLnBrk="1" latinLnBrk="0" hangingPunct="1">
+              <a:lnSpc>
+                <a:spcPct val="90000"/>
+              </a:lnSpc>
+              <a:spcBef>
+                <a:spcPts val="500"/>
+              </a:spcBef>
+              <a:buFont typeface="Arial" panose="020B0604020202020204" pitchFamily="34" charset="0"/>
+              <a:buChar char="•"/>
+              <a:defRPr sz="1800" kern="1200">
+                <a:solidFill>
+                  <a:schemeClr val="tx1"/>
+                </a:solidFill>
+                <a:latin typeface="+mn-lt"/>
+                <a:ea typeface="+mn-ea"/>
+                <a:cs typeface="+mn-cs"/>
+              </a:defRPr>
+            </a:lvl9pPr>
+          </a:lstStyle>
+          <a:p>
+            <a:pPr marL="0" indent="0">
+              <a:buNone/>
+            </a:pPr>
+            <a:r>
+              <a:rPr lang="en-US" b="1" dirty="0" err="1" smtClean="0">
+                <a:solidFill>
+                  <a:schemeClr val="bg1"/>
+                </a:solidFill>
+              </a:rPr>
+              <a:t>Hướng</a:t>
+            </a:r>
+            <a:r>
+              <a:rPr lang="en-US" b="1" dirty="0" smtClean="0">
+                <a:solidFill>
+                  <a:schemeClr val="bg1"/>
+                </a:solidFill>
+              </a:rPr>
+              <a:t> </a:t>
+            </a:r>
+            <a:r>
+              <a:rPr lang="en-US" b="1" dirty="0" err="1" smtClean="0">
+                <a:solidFill>
+                  <a:schemeClr val="bg1"/>
+                </a:solidFill>
+              </a:rPr>
+              <a:t>dẫn</a:t>
+            </a:r>
+            <a:r>
+              <a:rPr lang="en-US" b="1" dirty="0" smtClean="0">
+                <a:solidFill>
+                  <a:schemeClr val="bg1"/>
+                </a:solidFill>
+              </a:rPr>
+              <a:t> </a:t>
+            </a:r>
+            <a:r>
+              <a:rPr lang="en-US" b="1" dirty="0" err="1" smtClean="0">
+                <a:solidFill>
+                  <a:schemeClr val="bg1"/>
+                </a:solidFill>
+              </a:rPr>
+              <a:t>Homeworks</a:t>
+            </a:r>
+            <a:endParaRPr lang="en-US" b="1" dirty="0">
+              <a:solidFill>
+                <a:schemeClr val="bg1"/>
+              </a:solidFill>
+            </a:endParaRPr>
+          </a:p>
+        </p:txBody>
+      </p:sp>
+      <p:sp>
+        <p:nvSpPr>
+          <p:cNvPr id="5" name="Oval 4"/>
+          <p:cNvSpPr/>
+          <p:nvPr/>
+        </p:nvSpPr>
+        <p:spPr>
+          <a:xfrm>
+            <a:off x="1731027" y="1822655"/>
+            <a:ext cx="439848" cy="439848"/>
+          </a:xfrm>
+          <a:prstGeom prst="ellipse">
+            <a:avLst/>
+          </a:prstGeom>
+          <a:solidFill>
+            <a:schemeClr val="bg1"/>
+          </a:solidFill>
+          <a:ln>
+            <a:noFill/>
+          </a:ln>
+        </p:spPr>
+        <p:style>
+          <a:lnRef idx="2">
+            <a:schemeClr val="accent1">
+              <a:shade val="50000"/>
+            </a:schemeClr>
+          </a:lnRef>
+          <a:fillRef idx="1">
+            <a:schemeClr val="accent1"/>
+          </a:fillRef>
+          <a:effectRef idx="0">
+            <a:schemeClr val="accent1"/>
+          </a:effectRef>
+          <a:fontRef idx="minor">
+            <a:schemeClr val="lt1"/>
+          </a:fontRef>
+        </p:style>
+        <p:txBody>
+          <a:bodyPr rtlCol="0" anchor="ctr"/>
+          <a:lstStyle/>
+          <a:p>
+            <a:pPr algn="ctr"/>
+            <a:r>
+              <a:rPr lang="en-US" b="1" dirty="0" smtClean="0">
+                <a:solidFill>
+                  <a:srgbClr val="60B659"/>
+                </a:solidFill>
+              </a:rPr>
+              <a:t>1</a:t>
+            </a:r>
+            <a:endParaRPr lang="en-US" b="1" dirty="0">
+              <a:solidFill>
+                <a:srgbClr val="60B659"/>
+              </a:solidFill>
+            </a:endParaRPr>
+          </a:p>
+        </p:txBody>
+      </p:sp>
+      <p:sp>
+        <p:nvSpPr>
+          <p:cNvPr id="6" name="Oval 5"/>
+          <p:cNvSpPr/>
+          <p:nvPr/>
+        </p:nvSpPr>
+        <p:spPr>
+          <a:xfrm>
+            <a:off x="1731027" y="2659759"/>
+            <a:ext cx="439848" cy="439848"/>
+          </a:xfrm>
+          <a:prstGeom prst="ellipse">
+            <a:avLst/>
+          </a:prstGeom>
+          <a:solidFill>
+            <a:schemeClr val="bg1"/>
+          </a:solidFill>
+          <a:ln>
+            <a:noFill/>
+          </a:ln>
+        </p:spPr>
+        <p:style>
+          <a:lnRef idx="2">
+            <a:schemeClr val="accent1">
+              <a:shade val="50000"/>
+            </a:schemeClr>
+          </a:lnRef>
+          <a:fillRef idx="1">
+            <a:schemeClr val="accent1"/>
+          </a:fillRef>
+          <a:effectRef idx="0">
+            <a:schemeClr val="accent1"/>
+          </a:effectRef>
+          <a:fontRef idx="minor">
+            <a:schemeClr val="lt1"/>
+          </a:fontRef>
+        </p:style>
+        <p:txBody>
+          <a:bodyPr rtlCol="0" anchor="ctr"/>
+          <a:lstStyle/>
+          <a:p>
+            <a:pPr algn="ctr"/>
+            <a:r>
+              <a:rPr lang="en-US" b="1" dirty="0">
+                <a:solidFill>
+                  <a:srgbClr val="60B659"/>
+                </a:solidFill>
+              </a:rPr>
+              <a:t>2</a:t>
+            </a:r>
+          </a:p>
+        </p:txBody>
+      </p:sp>
+      <p:sp>
+        <p:nvSpPr>
+          <p:cNvPr id="9" name="TextBox 8"/>
+          <p:cNvSpPr txBox="1"/>
+          <p:nvPr/>
+        </p:nvSpPr>
+        <p:spPr>
+          <a:xfrm>
+            <a:off x="2275367" y="1822655"/>
+            <a:ext cx="5178056" cy="369332"/>
+          </a:xfrm>
+          <a:prstGeom prst="rect">
+            <a:avLst/>
+          </a:prstGeom>
+          <a:noFill/>
+        </p:spPr>
+        <p:txBody>
+          <a:bodyPr wrap="square" rtlCol="0">
+            <a:spAutoFit/>
+          </a:bodyPr>
+          <a:lstStyle/>
+          <a:p>
+            <a:r>
+              <a:rPr lang="en-US" dirty="0" err="1" smtClean="0">
+                <a:solidFill>
+                  <a:schemeClr val="bg1"/>
+                </a:solidFill>
+              </a:rPr>
+              <a:t>Giới</a:t>
+            </a:r>
+            <a:r>
+              <a:rPr lang="en-US" dirty="0" smtClean="0">
+                <a:solidFill>
+                  <a:schemeClr val="bg1"/>
+                </a:solidFill>
+              </a:rPr>
+              <a:t> </a:t>
+            </a:r>
+            <a:r>
+              <a:rPr lang="en-US" dirty="0" err="1" smtClean="0">
+                <a:solidFill>
+                  <a:schemeClr val="bg1"/>
+                </a:solidFill>
+              </a:rPr>
+              <a:t>thiệu</a:t>
+            </a:r>
+            <a:r>
+              <a:rPr lang="en-US" dirty="0" smtClean="0">
+                <a:solidFill>
+                  <a:schemeClr val="bg1"/>
+                </a:solidFill>
+              </a:rPr>
+              <a:t> </a:t>
+            </a:r>
+            <a:r>
+              <a:rPr lang="en-US" dirty="0" err="1" smtClean="0">
+                <a:solidFill>
+                  <a:schemeClr val="bg1"/>
+                </a:solidFill>
+              </a:rPr>
+              <a:t>về</a:t>
+            </a:r>
+            <a:r>
+              <a:rPr lang="en-US" dirty="0" smtClean="0">
+                <a:solidFill>
+                  <a:schemeClr val="bg1"/>
+                </a:solidFill>
+              </a:rPr>
+              <a:t> </a:t>
+            </a:r>
+            <a:r>
+              <a:rPr lang="en-US" dirty="0" err="1" smtClean="0">
+                <a:solidFill>
+                  <a:schemeClr val="bg1"/>
+                </a:solidFill>
+              </a:rPr>
+              <a:t>colab</a:t>
+            </a:r>
+            <a:endParaRPr lang="en-US" dirty="0">
+              <a:solidFill>
+                <a:schemeClr val="bg1"/>
+              </a:solidFill>
+            </a:endParaRPr>
+          </a:p>
+        </p:txBody>
+      </p:sp>
+      <p:sp>
+        <p:nvSpPr>
+          <p:cNvPr id="10" name="TextBox 9"/>
+          <p:cNvSpPr txBox="1"/>
+          <p:nvPr/>
+        </p:nvSpPr>
+        <p:spPr>
+          <a:xfrm>
+            <a:off x="2275367" y="2659759"/>
+            <a:ext cx="5178056" cy="369332"/>
+          </a:xfrm>
+          <a:prstGeom prst="rect">
+            <a:avLst/>
+          </a:prstGeom>
+          <a:noFill/>
+        </p:spPr>
+        <p:txBody>
+          <a:bodyPr wrap="square" rtlCol="0">
+            <a:spAutoFit/>
+          </a:bodyPr>
+          <a:lstStyle/>
+          <a:p>
+            <a:r>
+              <a:rPr lang="en-US" dirty="0" err="1" smtClean="0">
+                <a:solidFill>
+                  <a:schemeClr val="bg1"/>
+                </a:solidFill>
+              </a:rPr>
+              <a:t>Cách</a:t>
+            </a:r>
+            <a:r>
+              <a:rPr lang="en-US" dirty="0" smtClean="0">
+                <a:solidFill>
+                  <a:schemeClr val="bg1"/>
+                </a:solidFill>
+              </a:rPr>
+              <a:t> </a:t>
+            </a:r>
+            <a:r>
+              <a:rPr lang="en-US" dirty="0" err="1" smtClean="0">
+                <a:solidFill>
+                  <a:schemeClr val="bg1"/>
+                </a:solidFill>
+              </a:rPr>
+              <a:t>sử</a:t>
+            </a:r>
+            <a:r>
+              <a:rPr lang="en-US" dirty="0" smtClean="0">
+                <a:solidFill>
+                  <a:schemeClr val="bg1"/>
+                </a:solidFill>
+              </a:rPr>
+              <a:t> </a:t>
+            </a:r>
+            <a:r>
+              <a:rPr lang="en-US" dirty="0" err="1" smtClean="0">
+                <a:solidFill>
+                  <a:schemeClr val="bg1"/>
+                </a:solidFill>
+              </a:rPr>
+              <a:t>dụng</a:t>
+            </a:r>
+            <a:r>
+              <a:rPr lang="en-US" dirty="0" smtClean="0">
+                <a:solidFill>
+                  <a:schemeClr val="bg1"/>
+                </a:solidFill>
+              </a:rPr>
+              <a:t> </a:t>
+            </a:r>
+            <a:r>
+              <a:rPr lang="en-US" dirty="0" err="1" smtClean="0">
+                <a:solidFill>
+                  <a:schemeClr val="bg1"/>
+                </a:solidFill>
+              </a:rPr>
+              <a:t>colab</a:t>
+            </a:r>
+            <a:r>
+              <a:rPr lang="en-US" dirty="0" smtClean="0">
+                <a:solidFill>
+                  <a:schemeClr val="bg1"/>
+                </a:solidFill>
+              </a:rPr>
+              <a:t> </a:t>
+            </a:r>
+            <a:r>
+              <a:rPr lang="en-US" dirty="0" err="1" smtClean="0">
+                <a:solidFill>
+                  <a:schemeClr val="bg1"/>
+                </a:solidFill>
+              </a:rPr>
+              <a:t>để</a:t>
+            </a:r>
+            <a:r>
+              <a:rPr lang="en-US" dirty="0" smtClean="0">
+                <a:solidFill>
+                  <a:schemeClr val="bg1"/>
+                </a:solidFill>
+              </a:rPr>
+              <a:t> </a:t>
+            </a:r>
+            <a:r>
+              <a:rPr lang="en-US" dirty="0" err="1" smtClean="0">
+                <a:solidFill>
+                  <a:schemeClr val="bg1"/>
+                </a:solidFill>
+              </a:rPr>
+              <a:t>làm</a:t>
+            </a:r>
+            <a:r>
+              <a:rPr lang="en-US" dirty="0" smtClean="0">
+                <a:solidFill>
+                  <a:schemeClr val="bg1"/>
+                </a:solidFill>
+              </a:rPr>
+              <a:t> </a:t>
+            </a:r>
+            <a:r>
+              <a:rPr lang="en-US" dirty="0" err="1" smtClean="0">
+                <a:solidFill>
+                  <a:schemeClr val="bg1"/>
+                </a:solidFill>
+              </a:rPr>
+              <a:t>bài</a:t>
+            </a:r>
+            <a:r>
+              <a:rPr lang="en-US" dirty="0" smtClean="0">
+                <a:solidFill>
+                  <a:schemeClr val="bg1"/>
+                </a:solidFill>
+              </a:rPr>
+              <a:t> </a:t>
+            </a:r>
+            <a:r>
+              <a:rPr lang="en-US" dirty="0" err="1" smtClean="0">
+                <a:solidFill>
+                  <a:schemeClr val="bg1"/>
+                </a:solidFill>
+              </a:rPr>
+              <a:t>tập</a:t>
+            </a:r>
+            <a:r>
+              <a:rPr lang="en-US" dirty="0" smtClean="0">
+                <a:solidFill>
+                  <a:schemeClr val="bg1"/>
+                </a:solidFill>
+              </a:rPr>
+              <a:t> </a:t>
+            </a:r>
+            <a:r>
+              <a:rPr lang="en-US" dirty="0" err="1" smtClean="0">
+                <a:solidFill>
+                  <a:schemeClr val="bg1"/>
+                </a:solidFill>
+              </a:rPr>
+              <a:t>về</a:t>
+            </a:r>
+            <a:r>
+              <a:rPr lang="en-US" dirty="0" smtClean="0">
+                <a:solidFill>
+                  <a:schemeClr val="bg1"/>
+                </a:solidFill>
+              </a:rPr>
+              <a:t> </a:t>
+            </a:r>
+            <a:r>
+              <a:rPr lang="en-US" dirty="0" err="1" smtClean="0">
+                <a:solidFill>
+                  <a:schemeClr val="bg1"/>
+                </a:solidFill>
+              </a:rPr>
+              <a:t>nhà</a:t>
+            </a:r>
+            <a:endParaRPr lang="en-US" dirty="0">
+              <a:solidFill>
+                <a:schemeClr val="bg1"/>
+              </a:solidFill>
+            </a:endParaRPr>
+          </a:p>
+        </p:txBody>
+      </p:sp>
+      <p:cxnSp>
+        <p:nvCxnSpPr>
+          <p:cNvPr id="16" name="Straight Connector 15"/>
+          <p:cNvCxnSpPr/>
+          <p:nvPr/>
+        </p:nvCxnSpPr>
+        <p:spPr>
+          <a:xfrm>
+            <a:off x="1731027" y="1528857"/>
+            <a:ext cx="6147699" cy="0"/>
+          </a:xfrm>
+          <a:prstGeom prst="line">
+            <a:avLst/>
+          </a:prstGeom>
+          <a:ln>
+            <a:solidFill>
+              <a:schemeClr val="bg1"/>
+            </a:solidFill>
+          </a:ln>
+        </p:spPr>
+        <p:style>
+          <a:lnRef idx="1">
+            <a:schemeClr val="accent1"/>
+          </a:lnRef>
+          <a:fillRef idx="0">
+            <a:schemeClr val="accent1"/>
+          </a:fillRef>
+          <a:effectRef idx="0">
+            <a:schemeClr val="accent1"/>
+          </a:effectRef>
+          <a:fontRef idx="minor">
+            <a:schemeClr val="tx1"/>
+          </a:fontRef>
+        </p:style>
+      </p:cxnSp>
+    </p:spTree>
+    <p:extLst>
+      <p:ext uri="{BB962C8B-B14F-4D97-AF65-F5344CB8AC3E}">
+        <p14:creationId xmlns:p14="http://schemas.microsoft.com/office/powerpoint/2010/main" val="2784996730"/>
       </p:ext>
     </p:extLst>
   </p:cSld>
